--- a/Проект.pptx
+++ b/Проект.pptx
@@ -193,7 +193,8 @@
           <a:p>
             <a:fld id="{9436A96D-ED90-46F7-A0BB-11996F5C256E}" type="datetimeFigureOut">
               <a:rPr lang="ru-RU" smtClean="0"/>
-              <a:t>09.02.2024</a:t>
+              <a:pPr/>
+              <a:t>18.02.2024</a:t>
             </a:fld>
             <a:endParaRPr lang="ru-RU"/>
           </a:p>
@@ -354,6 +355,7 @@
           <a:p>
             <a:fld id="{09FDF26E-4884-4F82-8EF4-9001EE6CD5C3}" type="slidenum">
               <a:rPr lang="ru-RU" smtClean="0"/>
+              <a:pPr/>
               <a:t>‹#›</a:t>
             </a:fld>
             <a:endParaRPr lang="ru-RU"/>
@@ -504,7 +506,7 @@
           </a:bodyPr>
           <a:lstStyle/>
           <a:p>
-            <a:endParaRPr lang="ru-RU"/>
+            <a:endParaRPr lang="ru-RU" dirty="0"/>
           </a:p>
         </p:txBody>
       </p:sp>
@@ -525,7 +527,90 @@
           <a:p>
             <a:fld id="{09FDF26E-4884-4F82-8EF4-9001EE6CD5C3}" type="slidenum">
               <a:rPr lang="ru-RU" smtClean="0"/>
+              <a:pPr/>
               <a:t>1</a:t>
+            </a:fld>
+            <a:endParaRPr lang="ru-RU"/>
+          </a:p>
+        </p:txBody>
+      </p:sp>
+    </p:spTree>
+  </p:cSld>
+  <p:clrMapOvr>
+    <a:masterClrMapping/>
+  </p:clrMapOvr>
+</p:notes>
+</file>
+
+<file path=ppt/notesSlides/notesSlide2.xml><?xml version="1.0" encoding="utf-8"?>
+<p:notes xmlns:a="http://schemas.openxmlformats.org/drawingml/2006/main" xmlns:r="http://schemas.openxmlformats.org/officeDocument/2006/relationships" xmlns:p="http://schemas.openxmlformats.org/presentationml/2006/main">
+  <p:cSld>
+    <p:spTree>
+      <p:nvGrpSpPr>
+        <p:cNvPr id="1" name=""/>
+        <p:cNvGrpSpPr/>
+        <p:nvPr/>
+      </p:nvGrpSpPr>
+      <p:grpSpPr>
+        <a:xfrm>
+          <a:off x="0" y="0"/>
+          <a:ext cx="0" cy="0"/>
+          <a:chOff x="0" y="0"/>
+          <a:chExt cx="0" cy="0"/>
+        </a:xfrm>
+      </p:grpSpPr>
+      <p:sp>
+        <p:nvSpPr>
+          <p:cNvPr id="2" name="Образ слайда 1"/>
+          <p:cNvSpPr>
+            <a:spLocks noGrp="1" noRot="1" noChangeAspect="1"/>
+          </p:cNvSpPr>
+          <p:nvPr>
+            <p:ph type="sldImg"/>
+          </p:nvPr>
+        </p:nvSpPr>
+        <p:spPr/>
+      </p:sp>
+      <p:sp>
+        <p:nvSpPr>
+          <p:cNvPr id="3" name="Заметки 2"/>
+          <p:cNvSpPr>
+            <a:spLocks noGrp="1"/>
+          </p:cNvSpPr>
+          <p:nvPr>
+            <p:ph type="body" idx="1"/>
+          </p:nvPr>
+        </p:nvSpPr>
+        <p:spPr/>
+        <p:txBody>
+          <a:bodyPr>
+            <a:normAutofit/>
+          </a:bodyPr>
+          <a:lstStyle/>
+          <a:p>
+            <a:endParaRPr lang="ru-RU" dirty="0"/>
+          </a:p>
+        </p:txBody>
+      </p:sp>
+      <p:sp>
+        <p:nvSpPr>
+          <p:cNvPr id="4" name="Номер слайда 3"/>
+          <p:cNvSpPr>
+            <a:spLocks noGrp="1"/>
+          </p:cNvSpPr>
+          <p:nvPr>
+            <p:ph type="sldNum" sz="quarter" idx="10"/>
+          </p:nvPr>
+        </p:nvSpPr>
+        <p:spPr/>
+        <p:txBody>
+          <a:bodyPr/>
+          <a:lstStyle/>
+          <a:p>
+            <a:fld id="{09FDF26E-4884-4F82-8EF4-9001EE6CD5C3}" type="slidenum">
+              <a:rPr lang="ru-RU" smtClean="0"/>
+              <a:pPr/>
+              <a:t>2</a:t>
             </a:fld>
             <a:endParaRPr lang="ru-RU"/>
           </a:p>
@@ -820,7 +905,7 @@
             <a:fld id="{5B106E36-FD25-4E2D-B0AA-010F637433A0}" type="datetimeFigureOut">
               <a:rPr lang="ru-RU" smtClean="0"/>
               <a:pPr/>
-              <a:t>09.02.2024</a:t>
+              <a:t>18.02.2024</a:t>
             </a:fld>
             <a:endParaRPr lang="ru-RU"/>
           </a:p>
@@ -1215,7 +1300,7 @@
             <a:fld id="{5B106E36-FD25-4E2D-B0AA-010F637433A0}" type="datetimeFigureOut">
               <a:rPr lang="ru-RU" smtClean="0"/>
               <a:pPr/>
-              <a:t>09.02.2024</a:t>
+              <a:t>18.02.2024</a:t>
             </a:fld>
             <a:endParaRPr lang="ru-RU"/>
           </a:p>
@@ -1750,7 +1835,7 @@
             <a:fld id="{5B106E36-FD25-4E2D-B0AA-010F637433A0}" type="datetimeFigureOut">
               <a:rPr lang="ru-RU" smtClean="0"/>
               <a:pPr/>
-              <a:t>09.02.2024</a:t>
+              <a:t>18.02.2024</a:t>
             </a:fld>
             <a:endParaRPr lang="ru-RU"/>
           </a:p>
@@ -1884,7 +1969,7 @@
             <a:fld id="{5B106E36-FD25-4E2D-B0AA-010F637433A0}" type="datetimeFigureOut">
               <a:rPr lang="ru-RU" smtClean="0"/>
               <a:pPr/>
-              <a:t>09.02.2024</a:t>
+              <a:t>18.02.2024</a:t>
             </a:fld>
             <a:endParaRPr lang="ru-RU"/>
           </a:p>
@@ -2429,7 +2514,7 @@
             <a:fld id="{5B106E36-FD25-4E2D-B0AA-010F637433A0}" type="datetimeFigureOut">
               <a:rPr lang="ru-RU" smtClean="0"/>
               <a:pPr/>
-              <a:t>09.02.2024</a:t>
+              <a:t>18.02.2024</a:t>
             </a:fld>
             <a:endParaRPr lang="ru-RU"/>
           </a:p>
@@ -2726,7 +2811,7 @@
             <a:fld id="{5B106E36-FD25-4E2D-B0AA-010F637433A0}" type="datetimeFigureOut">
               <a:rPr lang="ru-RU" smtClean="0"/>
               <a:pPr/>
-              <a:t>09.02.2024</a:t>
+              <a:t>18.02.2024</a:t>
             </a:fld>
             <a:endParaRPr lang="ru-RU"/>
           </a:p>
@@ -3387,7 +3472,7 @@
             <a:fld id="{5B106E36-FD25-4E2D-B0AA-010F637433A0}" type="datetimeFigureOut">
               <a:rPr lang="ru-RU" smtClean="0"/>
               <a:pPr/>
-              <a:t>09.02.2024</a:t>
+              <a:t>18.02.2024</a:t>
             </a:fld>
             <a:endParaRPr lang="ru-RU"/>
           </a:p>
@@ -3825,7 +3910,7 @@
             <a:fld id="{5B106E36-FD25-4E2D-B0AA-010F637433A0}" type="datetimeFigureOut">
               <a:rPr lang="ru-RU" smtClean="0"/>
               <a:pPr/>
-              <a:t>09.02.2024</a:t>
+              <a:t>18.02.2024</a:t>
             </a:fld>
             <a:endParaRPr lang="ru-RU"/>
           </a:p>
@@ -4140,7 +4225,7 @@
             <a:fld id="{5B106E36-FD25-4E2D-B0AA-010F637433A0}" type="datetimeFigureOut">
               <a:rPr lang="ru-RU" smtClean="0"/>
               <a:pPr/>
-              <a:t>09.02.2024</a:t>
+              <a:t>18.02.2024</a:t>
             </a:fld>
             <a:endParaRPr lang="ru-RU"/>
           </a:p>
@@ -4875,7 +4960,7 @@
             <a:fld id="{5B106E36-FD25-4E2D-B0AA-010F637433A0}" type="datetimeFigureOut">
               <a:rPr lang="ru-RU" smtClean="0"/>
               <a:pPr/>
-              <a:t>09.02.2024</a:t>
+              <a:t>18.02.2024</a:t>
             </a:fld>
             <a:endParaRPr lang="ru-RU"/>
           </a:p>
@@ -5541,7 +5626,7 @@
             <a:fld id="{5B106E36-FD25-4E2D-B0AA-010F637433A0}" type="datetimeFigureOut">
               <a:rPr lang="ru-RU" smtClean="0"/>
               <a:pPr/>
-              <a:t>09.02.2024</a:t>
+              <a:t>18.02.2024</a:t>
             </a:fld>
             <a:endParaRPr lang="ru-RU"/>
           </a:p>
@@ -5815,7 +5900,7 @@
             <a:fld id="{5B106E36-FD25-4E2D-B0AA-010F637433A0}" type="datetimeFigureOut">
               <a:rPr lang="ru-RU" smtClean="0"/>
               <a:pPr/>
-              <a:t>09.02.2024</a:t>
+              <a:t>18.02.2024</a:t>
             </a:fld>
             <a:endParaRPr lang="ru-RU"/>
           </a:p>
@@ -6499,7 +6584,12 @@
             <p:ph type="subTitle" idx="1"/>
           </p:nvPr>
         </p:nvSpPr>
-        <p:spPr/>
+        <p:spPr>
+          <a:xfrm>
+            <a:off x="1331640" y="2819400"/>
+            <a:ext cx="6624736" cy="2049760"/>
+          </a:xfrm>
+        </p:spPr>
         <p:txBody>
           <a:bodyPr>
             <a:normAutofit/>
@@ -6508,7 +6598,11 @@
           <a:p>
             <a:r>
               <a:rPr lang="ru-RU" dirty="0" smtClean="0"/>
-              <a:t>Проект выполнил учащийся 9Б класса </a:t>
+              <a:t>Проект выполнил учащийся 9Б </a:t>
+            </a:r>
+            <a:r>
+              <a:rPr lang="ru-RU" dirty="0" smtClean="0"/>
+              <a:t>класса ГБОУ лицея №389 «ЦЭО» </a:t>
             </a:r>
             <a:r>
               <a:rPr lang="ru-RU" dirty="0" err="1" smtClean="0"/>
@@ -6524,11 +6618,7 @@
             </a:r>
             <a:r>
               <a:rPr lang="ru-RU" dirty="0" smtClean="0"/>
-              <a:t> </a:t>
-            </a:r>
-            <a:r>
-              <a:rPr lang="ru-RU" dirty="0" smtClean="0"/>
-              <a:t>Надежды Юрьевны</a:t>
+              <a:t> Надежды Юрьевны</a:t>
             </a:r>
             <a:endParaRPr lang="ru-RU" dirty="0"/>
           </a:p>
@@ -6558,11 +6648,7 @@
           <a:p>
             <a:r>
               <a:rPr lang="ru-RU" sz="3600" dirty="0" smtClean="0"/>
-              <a:t>Итоговый проект </a:t>
-            </a:r>
-            <a:r>
-              <a:rPr lang="ru-RU" sz="3600" dirty="0" smtClean="0"/>
-              <a:t>9 класс</a:t>
+              <a:t>Итоговый проект 9 класс</a:t>
             </a:r>
             <a:br>
               <a:rPr lang="ru-RU" sz="3600" dirty="0" smtClean="0"/>
@@ -6620,10 +6706,6 @@
           <a:bodyPr/>
           <a:lstStyle/>
           <a:p>
-            <a:r>
-              <a:rPr lang="ru-RU" sz="3600" dirty="0" smtClean="0"/>
-              <a:t>Введение</a:t>
-            </a:r>
             <a:endParaRPr lang="ru-RU" sz="3600" dirty="0"/>
           </a:p>
         </p:txBody>

--- a/Проект.pptx
+++ b/Проект.pptx
@@ -5,11 +5,12 @@
     <p:sldMasterId id="2147483720" r:id="rId1"/>
   </p:sldMasterIdLst>
   <p:notesMasterIdLst>
-    <p:notesMasterId r:id="rId4"/>
+    <p:notesMasterId r:id="rId5"/>
   </p:notesMasterIdLst>
   <p:sldIdLst>
     <p:sldId id="256" r:id="rId2"/>
     <p:sldId id="257" r:id="rId3"/>
+    <p:sldId id="258" r:id="rId4"/>
   </p:sldIdLst>
   <p:sldSz cx="9144000" cy="6858000" type="screen4x3"/>
   <p:notesSz cx="6858000" cy="9144000"/>
@@ -194,7 +195,7 @@
             <a:fld id="{9436A96D-ED90-46F7-A0BB-11996F5C256E}" type="datetimeFigureOut">
               <a:rPr lang="ru-RU" smtClean="0"/>
               <a:pPr/>
-              <a:t>18.02.2024</a:t>
+              <a:t>29.02.2024</a:t>
             </a:fld>
             <a:endParaRPr lang="ru-RU"/>
           </a:p>
@@ -905,7 +906,7 @@
             <a:fld id="{5B106E36-FD25-4E2D-B0AA-010F637433A0}" type="datetimeFigureOut">
               <a:rPr lang="ru-RU" smtClean="0"/>
               <a:pPr/>
-              <a:t>18.02.2024</a:t>
+              <a:t>29.02.2024</a:t>
             </a:fld>
             <a:endParaRPr lang="ru-RU"/>
           </a:p>
@@ -1300,7 +1301,7 @@
             <a:fld id="{5B106E36-FD25-4E2D-B0AA-010F637433A0}" type="datetimeFigureOut">
               <a:rPr lang="ru-RU" smtClean="0"/>
               <a:pPr/>
-              <a:t>18.02.2024</a:t>
+              <a:t>29.02.2024</a:t>
             </a:fld>
             <a:endParaRPr lang="ru-RU"/>
           </a:p>
@@ -1835,7 +1836,7 @@
             <a:fld id="{5B106E36-FD25-4E2D-B0AA-010F637433A0}" type="datetimeFigureOut">
               <a:rPr lang="ru-RU" smtClean="0"/>
               <a:pPr/>
-              <a:t>18.02.2024</a:t>
+              <a:t>29.02.2024</a:t>
             </a:fld>
             <a:endParaRPr lang="ru-RU"/>
           </a:p>
@@ -1969,7 +1970,7 @@
             <a:fld id="{5B106E36-FD25-4E2D-B0AA-010F637433A0}" type="datetimeFigureOut">
               <a:rPr lang="ru-RU" smtClean="0"/>
               <a:pPr/>
-              <a:t>18.02.2024</a:t>
+              <a:t>29.02.2024</a:t>
             </a:fld>
             <a:endParaRPr lang="ru-RU"/>
           </a:p>
@@ -2514,7 +2515,7 @@
             <a:fld id="{5B106E36-FD25-4E2D-B0AA-010F637433A0}" type="datetimeFigureOut">
               <a:rPr lang="ru-RU" smtClean="0"/>
               <a:pPr/>
-              <a:t>18.02.2024</a:t>
+              <a:t>29.02.2024</a:t>
             </a:fld>
             <a:endParaRPr lang="ru-RU"/>
           </a:p>
@@ -2811,7 +2812,7 @@
             <a:fld id="{5B106E36-FD25-4E2D-B0AA-010F637433A0}" type="datetimeFigureOut">
               <a:rPr lang="ru-RU" smtClean="0"/>
               <a:pPr/>
-              <a:t>18.02.2024</a:t>
+              <a:t>29.02.2024</a:t>
             </a:fld>
             <a:endParaRPr lang="ru-RU"/>
           </a:p>
@@ -3472,7 +3473,7 @@
             <a:fld id="{5B106E36-FD25-4E2D-B0AA-010F637433A0}" type="datetimeFigureOut">
               <a:rPr lang="ru-RU" smtClean="0"/>
               <a:pPr/>
-              <a:t>18.02.2024</a:t>
+              <a:t>29.02.2024</a:t>
             </a:fld>
             <a:endParaRPr lang="ru-RU"/>
           </a:p>
@@ -3910,7 +3911,7 @@
             <a:fld id="{5B106E36-FD25-4E2D-B0AA-010F637433A0}" type="datetimeFigureOut">
               <a:rPr lang="ru-RU" smtClean="0"/>
               <a:pPr/>
-              <a:t>18.02.2024</a:t>
+              <a:t>29.02.2024</a:t>
             </a:fld>
             <a:endParaRPr lang="ru-RU"/>
           </a:p>
@@ -4225,7 +4226,7 @@
             <a:fld id="{5B106E36-FD25-4E2D-B0AA-010F637433A0}" type="datetimeFigureOut">
               <a:rPr lang="ru-RU" smtClean="0"/>
               <a:pPr/>
-              <a:t>18.02.2024</a:t>
+              <a:t>29.02.2024</a:t>
             </a:fld>
             <a:endParaRPr lang="ru-RU"/>
           </a:p>
@@ -4960,7 +4961,7 @@
             <a:fld id="{5B106E36-FD25-4E2D-B0AA-010F637433A0}" type="datetimeFigureOut">
               <a:rPr lang="ru-RU" smtClean="0"/>
               <a:pPr/>
-              <a:t>18.02.2024</a:t>
+              <a:t>29.02.2024</a:t>
             </a:fld>
             <a:endParaRPr lang="ru-RU"/>
           </a:p>
@@ -5626,7 +5627,7 @@
             <a:fld id="{5B106E36-FD25-4E2D-B0AA-010F637433A0}" type="datetimeFigureOut">
               <a:rPr lang="ru-RU" smtClean="0"/>
               <a:pPr/>
-              <a:t>18.02.2024</a:t>
+              <a:t>29.02.2024</a:t>
             </a:fld>
             <a:endParaRPr lang="ru-RU"/>
           </a:p>
@@ -5900,7 +5901,7 @@
             <a:fld id="{5B106E36-FD25-4E2D-B0AA-010F637433A0}" type="datetimeFigureOut">
               <a:rPr lang="ru-RU" smtClean="0"/>
               <a:pPr/>
-              <a:t>18.02.2024</a:t>
+              <a:t>29.02.2024</a:t>
             </a:fld>
             <a:endParaRPr lang="ru-RU"/>
           </a:p>
@@ -6598,11 +6599,7 @@
           <a:p>
             <a:r>
               <a:rPr lang="ru-RU" dirty="0" smtClean="0"/>
-              <a:t>Проект выполнил учащийся 9Б </a:t>
-            </a:r>
-            <a:r>
-              <a:rPr lang="ru-RU" dirty="0" smtClean="0"/>
-              <a:t>класса ГБОУ лицея №389 «ЦЭО» </a:t>
+              <a:t>Проект выполнил учащийся 9Б класса ГБОУ лицея №389 «ЦЭО» </a:t>
             </a:r>
             <a:r>
               <a:rPr lang="ru-RU" dirty="0" err="1" smtClean="0"/>
@@ -6658,6 +6655,51 @@
               <a:t>«Влияние интернета на подростков»</a:t>
             </a:r>
             <a:endParaRPr lang="ru-RU" sz="3600" dirty="0"/>
+          </a:p>
+        </p:txBody>
+      </p:sp>
+      <p:sp>
+        <p:nvSpPr>
+          <p:cNvPr id="4" name="TextBox 3"/>
+          <p:cNvSpPr txBox="1"/>
+          <p:nvPr/>
+        </p:nvSpPr>
+        <p:spPr>
+          <a:xfrm>
+            <a:off x="3851920" y="5805264"/>
+            <a:ext cx="1467068" cy="369332"/>
+          </a:xfrm>
+          <a:prstGeom prst="rect">
+            <a:avLst/>
+          </a:prstGeom>
+          <a:noFill/>
+        </p:spPr>
+        <p:txBody>
+          <a:bodyPr wrap="none" rtlCol="0">
+            <a:spAutoFit/>
+          </a:bodyPr>
+          <a:lstStyle/>
+          <a:p>
+            <a:r>
+              <a:rPr lang="ru-RU" sz="1600" b="1" cap="all" spc="250" dirty="0" smtClean="0">
+                <a:solidFill>
+                  <a:schemeClr val="tx2"/>
+                </a:solidFill>
+              </a:rPr>
+              <a:t>2024</a:t>
+            </a:r>
+            <a:r>
+              <a:rPr lang="ru-RU" dirty="0" smtClean="0"/>
+              <a:t> </a:t>
+            </a:r>
+            <a:r>
+              <a:rPr lang="ru-RU" sz="1600" b="1" cap="all" spc="250" dirty="0" smtClean="0">
+                <a:solidFill>
+                  <a:schemeClr val="tx2"/>
+                </a:solidFill>
+              </a:rPr>
+              <a:t>год</a:t>
+            </a:r>
           </a:p>
         </p:txBody>
       </p:sp>
@@ -6693,20 +6735,67 @@
             <a:spLocks noGrp="1"/>
           </p:cNvSpPr>
           <p:nvPr>
-            <p:ph type="title" idx="4294967295"/>
-          </p:nvPr>
-        </p:nvSpPr>
-        <p:spPr>
-          <a:xfrm>
-            <a:off x="0" y="228600"/>
-            <a:ext cx="8534400" cy="758825"/>
-          </a:xfrm>
-        </p:spPr>
+            <p:ph type="title"/>
+          </p:nvPr>
+        </p:nvSpPr>
+        <p:spPr/>
         <p:txBody>
           <a:bodyPr/>
           <a:lstStyle/>
           <a:p>
+            <a:r>
+              <a:rPr lang="ru-RU" sz="3600" dirty="0" smtClean="0"/>
+              <a:t>Актуальность</a:t>
+            </a:r>
             <a:endParaRPr lang="ru-RU" sz="3600" dirty="0"/>
+          </a:p>
+        </p:txBody>
+      </p:sp>
+    </p:spTree>
+  </p:cSld>
+  <p:clrMapOvr>
+    <a:masterClrMapping/>
+  </p:clrMapOvr>
+</p:sld>
+</file>
+
+<file path=ppt/slides/slide3.xml><?xml version="1.0" encoding="utf-8"?>
+<p:sld xmlns:a="http://schemas.openxmlformats.org/drawingml/2006/main" xmlns:r="http://schemas.openxmlformats.org/officeDocument/2006/relationships" xmlns:p="http://schemas.openxmlformats.org/presentationml/2006/main">
+  <p:cSld>
+    <p:spTree>
+      <p:nvGrpSpPr>
+        <p:cNvPr id="1" name=""/>
+        <p:cNvGrpSpPr/>
+        <p:nvPr/>
+      </p:nvGrpSpPr>
+      <p:grpSpPr>
+        <a:xfrm>
+          <a:off x="0" y="0"/>
+          <a:ext cx="0" cy="0"/>
+          <a:chOff x="0" y="0"/>
+          <a:chExt cx="0" cy="0"/>
+        </a:xfrm>
+      </p:grpSpPr>
+      <p:sp>
+        <p:nvSpPr>
+          <p:cNvPr id="3" name="Заголовок 2"/>
+          <p:cNvSpPr>
+            <a:spLocks noGrp="1"/>
+          </p:cNvSpPr>
+          <p:nvPr>
+            <p:ph type="title"/>
+          </p:nvPr>
+        </p:nvSpPr>
+        <p:spPr/>
+        <p:txBody>
+          <a:bodyPr/>
+          <a:lstStyle/>
+          <a:p>
+            <a:r>
+              <a:rPr lang="ru-RU" dirty="0" smtClean="0"/>
+              <a:t>Цели и задачи</a:t>
+            </a:r>
+            <a:endParaRPr lang="ru-RU" dirty="0"/>
           </a:p>
         </p:txBody>
       </p:sp>

--- a/Проект.pptx
+++ b/Проект.pptx
@@ -1,16 +1,19 @@
 
 <file path=ppt/presentation.xml><?xml version="1.0" encoding="utf-8"?>
-<p:presentation xmlns:a="http://schemas.openxmlformats.org/drawingml/2006/main" xmlns:r="http://schemas.openxmlformats.org/officeDocument/2006/relationships" xmlns:p="http://schemas.openxmlformats.org/presentationml/2006/main" saveSubsetFonts="1">
+<p:presentation xmlns:a="http://schemas.openxmlformats.org/drawingml/2006/main" xmlns:r="http://schemas.openxmlformats.org/officeDocument/2006/relationships" xmlns:p="http://schemas.openxmlformats.org/presentationml/2006/main" saveSubsetFonts="1" bookmarkIdSeed="4">
   <p:sldMasterIdLst>
     <p:sldMasterId id="2147483720" r:id="rId1"/>
   </p:sldMasterIdLst>
   <p:notesMasterIdLst>
-    <p:notesMasterId r:id="rId5"/>
+    <p:notesMasterId r:id="rId8"/>
   </p:notesMasterIdLst>
   <p:sldIdLst>
     <p:sldId id="256" r:id="rId2"/>
     <p:sldId id="257" r:id="rId3"/>
     <p:sldId id="258" r:id="rId4"/>
+    <p:sldId id="259" r:id="rId5"/>
+    <p:sldId id="260" r:id="rId6"/>
+    <p:sldId id="261" r:id="rId7"/>
   </p:sldIdLst>
   <p:sldSz cx="9144000" cy="6858000" type="screen4x3"/>
   <p:notesSz cx="6858000" cy="9144000"/>
@@ -195,7 +198,7 @@
             <a:fld id="{9436A96D-ED90-46F7-A0BB-11996F5C256E}" type="datetimeFigureOut">
               <a:rPr lang="ru-RU" smtClean="0"/>
               <a:pPr/>
-              <a:t>29.02.2024</a:t>
+              <a:t>03.03.2024</a:t>
             </a:fld>
             <a:endParaRPr lang="ru-RU"/>
           </a:p>
@@ -507,6 +510,89 @@
           </a:bodyPr>
           <a:lstStyle/>
           <a:p>
+            <a:r>
+              <a:rPr lang="ru-RU" sz="1200" dirty="0" smtClean="0"/>
+              <a:t>Итоговый проект 9 класс</a:t>
+            </a:r>
+            <a:r>
+              <a:rPr lang="ru-RU" sz="1200" baseline="0" dirty="0" smtClean="0"/>
+              <a:t> </a:t>
+            </a:r>
+            <a:r>
+              <a:rPr lang="ru-RU" sz="1200" dirty="0" smtClean="0"/>
+              <a:t>«Влияние интернета на подростков»</a:t>
+            </a:r>
+          </a:p>
+          <a:p>
+            <a:pPr marL="0" marR="0" indent="0" algn="l" defTabSz="914400" rtl="0" eaLnBrk="1" fontAlgn="auto" latinLnBrk="0" hangingPunct="1">
+              <a:lnSpc>
+                <a:spcPct val="100000"/>
+              </a:lnSpc>
+              <a:spcBef>
+                <a:spcPts val="0"/>
+              </a:spcBef>
+              <a:spcAft>
+                <a:spcPts val="0"/>
+              </a:spcAft>
+              <a:buClrTx/>
+              <a:buSzTx/>
+              <a:buFontTx/>
+              <a:buNone/>
+              <a:tabLst/>
+              <a:defRPr/>
+            </a:pPr>
+            <a:r>
+              <a:rPr lang="ru-RU" dirty="0" smtClean="0">
+                <a:solidFill>
+                  <a:schemeClr val="tx2">
+                    <a:lumMod val="75000"/>
+                  </a:schemeClr>
+                </a:solidFill>
+              </a:rPr>
+              <a:t>Проект выполнил учащийся 9Б класса ГБОУ лицея №389 «ЦЭО» </a:t>
+            </a:r>
+            <a:r>
+              <a:rPr lang="ru-RU" dirty="0" err="1" smtClean="0">
+                <a:solidFill>
+                  <a:schemeClr val="tx2">
+                    <a:lumMod val="75000"/>
+                  </a:schemeClr>
+                </a:solidFill>
+              </a:rPr>
+              <a:t>Лакотко</a:t>
+            </a:r>
+            <a:r>
+              <a:rPr lang="ru-RU" dirty="0" smtClean="0">
+                <a:solidFill>
+                  <a:schemeClr val="tx2">
+                    <a:lumMod val="75000"/>
+                  </a:schemeClr>
+                </a:solidFill>
+              </a:rPr>
+              <a:t> Иван под руководством </a:t>
+            </a:r>
+            <a:r>
+              <a:rPr lang="ru-RU" dirty="0" err="1" smtClean="0">
+                <a:solidFill>
+                  <a:schemeClr val="tx2">
+                    <a:lumMod val="75000"/>
+                  </a:schemeClr>
+                </a:solidFill>
+              </a:rPr>
+              <a:t>Кисельман</a:t>
+            </a:r>
+            <a:r>
+              <a:rPr lang="ru-RU" dirty="0" smtClean="0">
+                <a:solidFill>
+                  <a:schemeClr val="tx2">
+                    <a:lumMod val="75000"/>
+                  </a:schemeClr>
+                </a:solidFill>
+              </a:rPr>
+              <a:t> Надежды Юрьевны</a:t>
+            </a:r>
+          </a:p>
+          <a:p>
             <a:endParaRPr lang="ru-RU" dirty="0"/>
           </a:p>
         </p:txBody>
@@ -589,6 +675,208 @@
           </a:bodyPr>
           <a:lstStyle/>
           <a:p>
+            <a:pPr marL="0" marR="0" lvl="0" indent="449263" algn="just" defTabSz="914400" rtl="0" eaLnBrk="0" fontAlgn="base" latinLnBrk="0" hangingPunct="0">
+              <a:lnSpc>
+                <a:spcPct val="100000"/>
+              </a:lnSpc>
+              <a:spcBef>
+                <a:spcPct val="0"/>
+              </a:spcBef>
+              <a:spcAft>
+                <a:spcPct val="0"/>
+              </a:spcAft>
+              <a:buClrTx/>
+              <a:buSzTx/>
+              <a:buFontTx/>
+              <a:buNone/>
+              <a:tabLst/>
+            </a:pPr>
+            <a:r>
+              <a:rPr kumimoji="0" lang="ru-RU" sz="1200" b="0" i="0" u="none" strike="noStrike" cap="none" normalizeH="0" baseline="0" dirty="0" smtClean="0" bmk="">
+                <a:ln>
+                  <a:noFill/>
+                </a:ln>
+                <a:solidFill>
+                  <a:schemeClr val="tx1"/>
+                </a:solidFill>
+                <a:effectLst/>
+                <a:latin typeface="Times New Roman" pitchFamily="18" charset="0"/>
+                <a:ea typeface="Calibri" pitchFamily="34" charset="0"/>
+                <a:cs typeface="Times New Roman" pitchFamily="18" charset="0"/>
+              </a:rPr>
+              <a:t>В современном мире Интернет все активнее внедряется в сферу деятельности нашего общества. Практически у каждого подростка сейчас есть персональный компьютер с подключением к Интернету.</a:t>
+            </a:r>
+            <a:endParaRPr kumimoji="0" lang="ru-RU" sz="500" b="0" i="0" u="none" strike="noStrike" cap="none" normalizeH="0" baseline="0" dirty="0" smtClean="0" bmk="">
+              <a:ln>
+                <a:noFill/>
+              </a:ln>
+              <a:solidFill>
+                <a:schemeClr val="tx1"/>
+              </a:solidFill>
+              <a:effectLst/>
+              <a:latin typeface="Arial" pitchFamily="34" charset="0"/>
+              <a:ea typeface="+mn-ea"/>
+              <a:cs typeface="Arial" pitchFamily="34" charset="0"/>
+            </a:endParaRPr>
+          </a:p>
+          <a:p>
+            <a:pPr marL="0" marR="0" lvl="0" indent="449263" algn="just" defTabSz="914400" rtl="0" eaLnBrk="0" fontAlgn="base" latinLnBrk="0" hangingPunct="0">
+              <a:lnSpc>
+                <a:spcPct val="100000"/>
+              </a:lnSpc>
+              <a:spcBef>
+                <a:spcPct val="0"/>
+              </a:spcBef>
+              <a:spcAft>
+                <a:spcPct val="0"/>
+              </a:spcAft>
+              <a:buClrTx/>
+              <a:buSzTx/>
+              <a:buFontTx/>
+              <a:buNone/>
+              <a:tabLst/>
+            </a:pPr>
+            <a:r>
+              <a:rPr kumimoji="0" lang="ru-RU" sz="1200" b="0" i="0" u="none" strike="noStrike" cap="none" normalizeH="0" baseline="0" dirty="0" smtClean="0" bmk="">
+                <a:ln>
+                  <a:noFill/>
+                </a:ln>
+                <a:solidFill>
+                  <a:schemeClr val="tx1"/>
+                </a:solidFill>
+                <a:effectLst/>
+                <a:latin typeface="Times New Roman" pitchFamily="18" charset="0"/>
+                <a:ea typeface="Calibri" pitchFamily="34" charset="0"/>
+                <a:cs typeface="Times New Roman" pitchFamily="18" charset="0"/>
+              </a:rPr>
+              <a:t>Стоит отметить, что социальные сети заняли важное место в жизни детей и подростков. Большинство детей проводят огромное количество времени за монитором компьютера или экраном телефона, что, по их мнению, расширяет их кругозор и мировоззрение. Но так ли это на самом деле? Вот вопрос, который меня заинтересовал.</a:t>
+            </a:r>
+            <a:endParaRPr kumimoji="0" lang="ru-RU" sz="1200" b="1" i="0" u="none" strike="noStrike" cap="none" normalizeH="0" baseline="0" dirty="0" smtClean="0" bmk="">
+              <a:ln>
+                <a:noFill/>
+              </a:ln>
+              <a:solidFill>
+                <a:srgbClr val="365F91"/>
+              </a:solidFill>
+              <a:effectLst/>
+              <a:latin typeface="Cambria" pitchFamily="18" charset="0"/>
+              <a:ea typeface="Calibri" pitchFamily="34" charset="0"/>
+              <a:cs typeface="Times New Roman" pitchFamily="18" charset="0"/>
+            </a:endParaRPr>
+          </a:p>
+          <a:p>
+            <a:pPr marL="0" marR="0" lvl="0" indent="449263" algn="just" defTabSz="914400" rtl="0" eaLnBrk="0" fontAlgn="base" latinLnBrk="0" hangingPunct="0">
+              <a:lnSpc>
+                <a:spcPct val="100000"/>
+              </a:lnSpc>
+              <a:spcBef>
+                <a:spcPct val="0"/>
+              </a:spcBef>
+              <a:spcAft>
+                <a:spcPct val="0"/>
+              </a:spcAft>
+              <a:buClrTx/>
+              <a:buSzTx/>
+              <a:buFontTx/>
+              <a:buNone/>
+              <a:tabLst/>
+            </a:pPr>
+            <a:r>
+              <a:rPr kumimoji="0" lang="ru-RU" sz="1200" b="0" i="0" u="none" strike="noStrike" cap="none" normalizeH="0" baseline="0" dirty="0" smtClean="0">
+                <a:ln>
+                  <a:noFill/>
+                </a:ln>
+                <a:solidFill>
+                  <a:schemeClr val="tx1"/>
+                </a:solidFill>
+                <a:effectLst/>
+                <a:latin typeface="Times New Roman" pitchFamily="18" charset="0"/>
+                <a:ea typeface="Calibri" pitchFamily="34" charset="0"/>
+                <a:cs typeface="Times New Roman" pitchFamily="18" charset="0"/>
+              </a:rPr>
+              <a:t>Несмотря на свое величие, Интернет может создавать множество проблем для общества, одной из которых является воздействие на психику человека (в том числе интернет-зависимость). Поэтому тема проекта актуальна, и она заслуживает особого внимания, поскольку дети и подростки более подвержены зависимости.</a:t>
+            </a:r>
+            <a:endParaRPr lang="ru-RU" dirty="0" smtClean="0"/>
+          </a:p>
+          <a:p>
+            <a:pPr marL="0" marR="0" lvl="0" indent="449263" algn="just" defTabSz="914400" rtl="0" eaLnBrk="0" fontAlgn="base" latinLnBrk="0" hangingPunct="0">
+              <a:lnSpc>
+                <a:spcPct val="100000"/>
+              </a:lnSpc>
+              <a:spcBef>
+                <a:spcPct val="0"/>
+              </a:spcBef>
+              <a:spcAft>
+                <a:spcPct val="0"/>
+              </a:spcAft>
+              <a:buClrTx/>
+              <a:buSzTx/>
+              <a:buFontTx/>
+              <a:buNone/>
+              <a:tabLst/>
+              <a:defRPr/>
+            </a:pPr>
+            <a:endParaRPr lang="ru-RU" dirty="0" smtClean="0"/>
+          </a:p>
+          <a:p>
+            <a:pPr marL="0" marR="0" lvl="0" indent="449263" algn="just" defTabSz="914400" rtl="0" eaLnBrk="0" fontAlgn="base" latinLnBrk="0" hangingPunct="0">
+              <a:lnSpc>
+                <a:spcPct val="100000"/>
+              </a:lnSpc>
+              <a:spcBef>
+                <a:spcPct val="0"/>
+              </a:spcBef>
+              <a:spcAft>
+                <a:spcPct val="0"/>
+              </a:spcAft>
+              <a:buClrTx/>
+              <a:buSzTx/>
+              <a:buFontTx/>
+              <a:buNone/>
+              <a:tabLst/>
+            </a:pPr>
+            <a:endParaRPr kumimoji="0" lang="ru-RU" sz="1200" b="0" i="0" u="none" strike="noStrike" cap="none" normalizeH="0" baseline="0" dirty="0" smtClean="0">
+              <a:ln>
+                <a:noFill/>
+              </a:ln>
+              <a:solidFill>
+                <a:schemeClr val="tx1"/>
+              </a:solidFill>
+              <a:effectLst/>
+              <a:latin typeface="Times New Roman" pitchFamily="18" charset="0"/>
+              <a:cs typeface="Times New Roman" pitchFamily="18" charset="0"/>
+            </a:endParaRPr>
+          </a:p>
+          <a:p>
+            <a:pPr marL="0" marR="0" lvl="0" indent="449263" algn="just" defTabSz="914400" rtl="0" eaLnBrk="0" fontAlgn="base" latinLnBrk="0" hangingPunct="0">
+              <a:lnSpc>
+                <a:spcPct val="100000"/>
+              </a:lnSpc>
+              <a:spcBef>
+                <a:spcPct val="0"/>
+              </a:spcBef>
+              <a:spcAft>
+                <a:spcPct val="0"/>
+              </a:spcAft>
+              <a:buClrTx/>
+              <a:buSzTx/>
+              <a:buFontTx/>
+              <a:buNone/>
+              <a:tabLst/>
+            </a:pPr>
+            <a:endParaRPr kumimoji="0" lang="ru-RU" sz="1600" b="0" i="0" u="none" strike="noStrike" cap="none" normalizeH="0" baseline="0" dirty="0" smtClean="0">
+              <a:ln>
+                <a:noFill/>
+              </a:ln>
+              <a:solidFill>
+                <a:schemeClr val="tx1"/>
+              </a:solidFill>
+              <a:effectLst/>
+              <a:latin typeface="Arial" pitchFamily="34" charset="0"/>
+              <a:cs typeface="Arial" pitchFamily="34" charset="0"/>
+            </a:endParaRPr>
+          </a:p>
+          <a:p>
             <a:endParaRPr lang="ru-RU" dirty="0"/>
           </a:p>
         </p:txBody>
@@ -612,6 +900,931 @@
               <a:rPr lang="ru-RU" smtClean="0"/>
               <a:pPr/>
               <a:t>2</a:t>
+            </a:fld>
+            <a:endParaRPr lang="ru-RU"/>
+          </a:p>
+        </p:txBody>
+      </p:sp>
+    </p:spTree>
+  </p:cSld>
+  <p:clrMapOvr>
+    <a:masterClrMapping/>
+  </p:clrMapOvr>
+</p:notes>
+</file>
+
+<file path=ppt/notesSlides/notesSlide3.xml><?xml version="1.0" encoding="utf-8"?>
+<p:notes xmlns:a="http://schemas.openxmlformats.org/drawingml/2006/main" xmlns:r="http://schemas.openxmlformats.org/officeDocument/2006/relationships" xmlns:p="http://schemas.openxmlformats.org/presentationml/2006/main">
+  <p:cSld>
+    <p:spTree>
+      <p:nvGrpSpPr>
+        <p:cNvPr id="1" name=""/>
+        <p:cNvGrpSpPr/>
+        <p:nvPr/>
+      </p:nvGrpSpPr>
+      <p:grpSpPr>
+        <a:xfrm>
+          <a:off x="0" y="0"/>
+          <a:ext cx="0" cy="0"/>
+          <a:chOff x="0" y="0"/>
+          <a:chExt cx="0" cy="0"/>
+        </a:xfrm>
+      </p:grpSpPr>
+      <p:sp>
+        <p:nvSpPr>
+          <p:cNvPr id="2" name="Образ слайда 1"/>
+          <p:cNvSpPr>
+            <a:spLocks noGrp="1" noRot="1" noChangeAspect="1"/>
+          </p:cNvSpPr>
+          <p:nvPr>
+            <p:ph type="sldImg"/>
+          </p:nvPr>
+        </p:nvSpPr>
+        <p:spPr/>
+      </p:sp>
+      <p:sp>
+        <p:nvSpPr>
+          <p:cNvPr id="3" name="Заметки 2"/>
+          <p:cNvSpPr>
+            <a:spLocks noGrp="1"/>
+          </p:cNvSpPr>
+          <p:nvPr>
+            <p:ph type="body" idx="1"/>
+          </p:nvPr>
+        </p:nvSpPr>
+        <p:spPr/>
+        <p:txBody>
+          <a:bodyPr>
+            <a:normAutofit/>
+          </a:bodyPr>
+          <a:lstStyle/>
+          <a:p>
+            <a:r>
+              <a:rPr lang="ru-RU" sz="1200" b="1" kern="1200" dirty="0" smtClean="0">
+                <a:solidFill>
+                  <a:schemeClr val="tx1"/>
+                </a:solidFill>
+                <a:latin typeface="+mn-lt"/>
+                <a:ea typeface="+mn-ea"/>
+                <a:cs typeface="+mn-cs"/>
+              </a:rPr>
+              <a:t>Цель:  </a:t>
+            </a:r>
+            <a:r>
+              <a:rPr lang="ru-RU" sz="1200" kern="1200" dirty="0" smtClean="0">
+                <a:solidFill>
+                  <a:schemeClr val="tx1"/>
+                </a:solidFill>
+                <a:latin typeface="+mn-lt"/>
+                <a:ea typeface="+mn-ea"/>
+                <a:cs typeface="+mn-cs"/>
+              </a:rPr>
+              <a:t>Проследить влияние интернета на подростка и на основе изученной информации составить памятку с рекомендациями по профилактике </a:t>
+            </a:r>
+            <a:r>
+              <a:rPr lang="ru-RU" sz="1200" kern="1200" dirty="0" err="1" smtClean="0">
+                <a:solidFill>
+                  <a:schemeClr val="tx1"/>
+                </a:solidFill>
+                <a:latin typeface="+mn-lt"/>
+                <a:ea typeface="+mn-ea"/>
+                <a:cs typeface="+mn-cs"/>
+              </a:rPr>
+              <a:t>интернет-зависимости</a:t>
+            </a:r>
+            <a:r>
+              <a:rPr lang="ru-RU" sz="1200" kern="1200" dirty="0" smtClean="0">
+                <a:solidFill>
+                  <a:schemeClr val="tx1"/>
+                </a:solidFill>
+                <a:latin typeface="+mn-lt"/>
+                <a:ea typeface="+mn-ea"/>
+                <a:cs typeface="+mn-cs"/>
+              </a:rPr>
+              <a:t>.</a:t>
+            </a:r>
+          </a:p>
+          <a:p>
+            <a:r>
+              <a:rPr lang="ru-RU" sz="1200" kern="1200" dirty="0" smtClean="0">
+                <a:solidFill>
+                  <a:schemeClr val="tx1"/>
+                </a:solidFill>
+                <a:latin typeface="+mn-lt"/>
+                <a:ea typeface="+mn-ea"/>
+                <a:cs typeface="+mn-cs"/>
+              </a:rPr>
+              <a:t> </a:t>
+            </a:r>
+          </a:p>
+          <a:p>
+            <a:r>
+              <a:rPr lang="ru-RU" sz="1200" b="1" kern="1200" dirty="0" smtClean="0">
+                <a:solidFill>
+                  <a:schemeClr val="tx1"/>
+                </a:solidFill>
+                <a:latin typeface="+mn-lt"/>
+                <a:ea typeface="+mn-ea"/>
+                <a:cs typeface="+mn-cs"/>
+              </a:rPr>
+              <a:t>Задачи:</a:t>
+            </a:r>
+            <a:r>
+              <a:rPr lang="ru-RU" sz="1200" kern="1200" dirty="0" smtClean="0">
+                <a:solidFill>
+                  <a:schemeClr val="tx1"/>
+                </a:solidFill>
+                <a:latin typeface="+mn-lt"/>
+                <a:ea typeface="+mn-ea"/>
+                <a:cs typeface="+mn-cs"/>
+              </a:rPr>
+              <a:t> </a:t>
+            </a:r>
+          </a:p>
+          <a:p>
+            <a:pPr lvl="0"/>
+            <a:r>
+              <a:rPr lang="ru-RU" sz="1200" kern="1200" dirty="0" smtClean="0">
+                <a:solidFill>
+                  <a:schemeClr val="tx1"/>
+                </a:solidFill>
+                <a:latin typeface="+mn-lt"/>
+                <a:ea typeface="+mn-ea"/>
+                <a:cs typeface="+mn-cs"/>
+              </a:rPr>
+              <a:t>Выяснить, что такое интернет?</a:t>
+            </a:r>
+          </a:p>
+          <a:p>
+            <a:pPr lvl="0"/>
+            <a:r>
+              <a:rPr lang="ru-RU" sz="1200" kern="1200" dirty="0" smtClean="0">
+                <a:solidFill>
+                  <a:schemeClr val="tx1"/>
+                </a:solidFill>
+                <a:latin typeface="+mn-lt"/>
+                <a:ea typeface="+mn-ea"/>
+                <a:cs typeface="+mn-cs"/>
+              </a:rPr>
+              <a:t>Определить положительное и отрицательное влияние интернета.</a:t>
+            </a:r>
+          </a:p>
+          <a:p>
+            <a:pPr lvl="0"/>
+            <a:r>
+              <a:rPr lang="ru-RU" sz="1200" kern="1200" dirty="0" smtClean="0">
+                <a:solidFill>
+                  <a:schemeClr val="tx1"/>
+                </a:solidFill>
+                <a:latin typeface="+mn-lt"/>
+                <a:ea typeface="+mn-ea"/>
+                <a:cs typeface="+mn-cs"/>
+              </a:rPr>
+              <a:t>Разработать анкету и провести анкетирование подростков .</a:t>
+            </a:r>
+          </a:p>
+          <a:p>
+            <a:pPr lvl="0"/>
+            <a:r>
+              <a:rPr lang="ru-RU" sz="1200" kern="1200" dirty="0" smtClean="0">
+                <a:solidFill>
+                  <a:schemeClr val="tx1"/>
+                </a:solidFill>
+                <a:latin typeface="+mn-lt"/>
+                <a:ea typeface="+mn-ea"/>
+                <a:cs typeface="+mn-cs"/>
+              </a:rPr>
+              <a:t>Рассмотреть профилактические меры от </a:t>
+            </a:r>
+            <a:r>
+              <a:rPr lang="ru-RU" sz="1200" kern="1200" dirty="0" err="1" smtClean="0">
+                <a:solidFill>
+                  <a:schemeClr val="tx1"/>
+                </a:solidFill>
+                <a:latin typeface="+mn-lt"/>
+                <a:ea typeface="+mn-ea"/>
+                <a:cs typeface="+mn-cs"/>
+              </a:rPr>
+              <a:t>интернет-зависимости</a:t>
+            </a:r>
+            <a:r>
+              <a:rPr lang="ru-RU" sz="1200" kern="1200" dirty="0" smtClean="0">
+                <a:solidFill>
+                  <a:schemeClr val="tx1"/>
+                </a:solidFill>
+                <a:latin typeface="+mn-lt"/>
+                <a:ea typeface="+mn-ea"/>
+                <a:cs typeface="+mn-cs"/>
+              </a:rPr>
+              <a:t>.</a:t>
+            </a:r>
+          </a:p>
+          <a:p>
+            <a:pPr lvl="0"/>
+            <a:r>
+              <a:rPr lang="ru-RU" sz="1200" kern="1200" dirty="0" smtClean="0">
+                <a:solidFill>
+                  <a:schemeClr val="tx1"/>
+                </a:solidFill>
+                <a:latin typeface="+mn-lt"/>
+                <a:ea typeface="+mn-ea"/>
+                <a:cs typeface="+mn-cs"/>
+              </a:rPr>
+              <a:t>Сделать памятку с рекомендациями по профилактике </a:t>
+            </a:r>
+            <a:r>
+              <a:rPr lang="ru-RU" sz="1200" kern="1200" dirty="0" err="1" smtClean="0">
+                <a:solidFill>
+                  <a:schemeClr val="tx1"/>
+                </a:solidFill>
+                <a:latin typeface="+mn-lt"/>
+                <a:ea typeface="+mn-ea"/>
+                <a:cs typeface="+mn-cs"/>
+              </a:rPr>
+              <a:t>интернет-зависимости</a:t>
+            </a:r>
+            <a:r>
+              <a:rPr lang="ru-RU" sz="1200" kern="1200" dirty="0" smtClean="0">
+                <a:solidFill>
+                  <a:schemeClr val="tx1"/>
+                </a:solidFill>
+                <a:latin typeface="+mn-lt"/>
+                <a:ea typeface="+mn-ea"/>
+                <a:cs typeface="+mn-cs"/>
+              </a:rPr>
+              <a:t>.</a:t>
+            </a:r>
+          </a:p>
+        </p:txBody>
+      </p:sp>
+      <p:sp>
+        <p:nvSpPr>
+          <p:cNvPr id="4" name="Номер слайда 3"/>
+          <p:cNvSpPr>
+            <a:spLocks noGrp="1"/>
+          </p:cNvSpPr>
+          <p:nvPr>
+            <p:ph type="sldNum" sz="quarter" idx="10"/>
+          </p:nvPr>
+        </p:nvSpPr>
+        <p:spPr/>
+        <p:txBody>
+          <a:bodyPr/>
+          <a:lstStyle/>
+          <a:p>
+            <a:fld id="{09FDF26E-4884-4F82-8EF4-9001EE6CD5C3}" type="slidenum">
+              <a:rPr lang="ru-RU" smtClean="0"/>
+              <a:pPr/>
+              <a:t>3</a:t>
+            </a:fld>
+            <a:endParaRPr lang="ru-RU"/>
+          </a:p>
+        </p:txBody>
+      </p:sp>
+    </p:spTree>
+  </p:cSld>
+  <p:clrMapOvr>
+    <a:masterClrMapping/>
+  </p:clrMapOvr>
+</p:notes>
+</file>
+
+<file path=ppt/notesSlides/notesSlide4.xml><?xml version="1.0" encoding="utf-8"?>
+<p:notes xmlns:a="http://schemas.openxmlformats.org/drawingml/2006/main" xmlns:r="http://schemas.openxmlformats.org/officeDocument/2006/relationships" xmlns:p="http://schemas.openxmlformats.org/presentationml/2006/main">
+  <p:cSld>
+    <p:spTree>
+      <p:nvGrpSpPr>
+        <p:cNvPr id="1" name=""/>
+        <p:cNvGrpSpPr/>
+        <p:nvPr/>
+      </p:nvGrpSpPr>
+      <p:grpSpPr>
+        <a:xfrm>
+          <a:off x="0" y="0"/>
+          <a:ext cx="0" cy="0"/>
+          <a:chOff x="0" y="0"/>
+          <a:chExt cx="0" cy="0"/>
+        </a:xfrm>
+      </p:grpSpPr>
+      <p:sp>
+        <p:nvSpPr>
+          <p:cNvPr id="2" name="Образ слайда 1"/>
+          <p:cNvSpPr>
+            <a:spLocks noGrp="1" noRot="1" noChangeAspect="1"/>
+          </p:cNvSpPr>
+          <p:nvPr>
+            <p:ph type="sldImg"/>
+          </p:nvPr>
+        </p:nvSpPr>
+        <p:spPr/>
+      </p:sp>
+      <p:sp>
+        <p:nvSpPr>
+          <p:cNvPr id="3" name="Заметки 2"/>
+          <p:cNvSpPr>
+            <a:spLocks noGrp="1"/>
+          </p:cNvSpPr>
+          <p:nvPr>
+            <p:ph type="body" idx="1"/>
+          </p:nvPr>
+        </p:nvSpPr>
+        <p:spPr/>
+        <p:txBody>
+          <a:bodyPr>
+            <a:normAutofit/>
+          </a:bodyPr>
+          <a:lstStyle/>
+          <a:p>
+            <a:r>
+              <a:rPr lang="ru-RU" sz="1200" b="1" kern="1200" dirty="0" smtClean="0">
+                <a:solidFill>
+                  <a:schemeClr val="tx1"/>
+                </a:solidFill>
+                <a:latin typeface="+mn-lt"/>
+                <a:ea typeface="+mn-ea"/>
+                <a:cs typeface="+mn-cs"/>
+              </a:rPr>
+              <a:t>Что такое интернет?</a:t>
+            </a:r>
+          </a:p>
+          <a:p>
+            <a:r>
+              <a:rPr lang="ru-RU" sz="1200" kern="1200" dirty="0" smtClean="0">
+                <a:solidFill>
+                  <a:schemeClr val="tx1"/>
+                </a:solidFill>
+                <a:latin typeface="+mn-lt"/>
+                <a:ea typeface="+mn-ea"/>
+                <a:cs typeface="+mn-cs"/>
+              </a:rPr>
+              <a:t>Интернет – это глобальная сеть, которая объединяет огромное количество компьютеров по всему земному шару и дает возможность получения доступа к информационным ресурсам. Влияние Интернета настолько многогранно, что его по праву называют «Всемирной паутиной». </a:t>
+            </a:r>
+          </a:p>
+          <a:p>
+            <a:r>
+              <a:rPr lang="ru-RU" sz="1200" kern="1200" dirty="0" smtClean="0">
+                <a:solidFill>
+                  <a:schemeClr val="tx1"/>
+                </a:solidFill>
+                <a:latin typeface="+mn-lt"/>
+                <a:ea typeface="+mn-ea"/>
+                <a:cs typeface="+mn-cs"/>
+              </a:rPr>
+              <a:t>По правилам современного общества уже практически  невозможно существовать без пользования интернет ресурсами. Интернет,  стало важным и незаменимым аспектом жизни каждого. Его появление вывело все сферы нашей жизни на абсолютно новый уровень. И конечно, интернет оказывает большое влияние на жизнь конкретного человека (а особенно подростка) и общества в целом.</a:t>
+            </a:r>
+          </a:p>
+          <a:p>
+            <a:r>
+              <a:rPr lang="ru-RU" sz="1200" kern="1200" dirty="0" smtClean="0">
+                <a:solidFill>
+                  <a:schemeClr val="tx1"/>
+                </a:solidFill>
+                <a:latin typeface="+mn-lt"/>
+                <a:ea typeface="+mn-ea"/>
+                <a:cs typeface="+mn-cs"/>
+              </a:rPr>
+              <a:t>Пользование Интернетом имеет огромное количество преимуществ, но нельзя отрицать и то, что чрезмерное пользование Интернетом может негативно сказаться на нашей психике. Не зря есть такая поговорка: «все хорошо в меру».</a:t>
+            </a:r>
+          </a:p>
+        </p:txBody>
+      </p:sp>
+      <p:sp>
+        <p:nvSpPr>
+          <p:cNvPr id="4" name="Номер слайда 3"/>
+          <p:cNvSpPr>
+            <a:spLocks noGrp="1"/>
+          </p:cNvSpPr>
+          <p:nvPr>
+            <p:ph type="sldNum" sz="quarter" idx="10"/>
+          </p:nvPr>
+        </p:nvSpPr>
+        <p:spPr/>
+        <p:txBody>
+          <a:bodyPr/>
+          <a:lstStyle/>
+          <a:p>
+            <a:fld id="{09FDF26E-4884-4F82-8EF4-9001EE6CD5C3}" type="slidenum">
+              <a:rPr lang="ru-RU" smtClean="0"/>
+              <a:pPr/>
+              <a:t>4</a:t>
+            </a:fld>
+            <a:endParaRPr lang="ru-RU"/>
+          </a:p>
+        </p:txBody>
+      </p:sp>
+    </p:spTree>
+  </p:cSld>
+  <p:clrMapOvr>
+    <a:masterClrMapping/>
+  </p:clrMapOvr>
+</p:notes>
+</file>
+
+<file path=ppt/notesSlides/notesSlide5.xml><?xml version="1.0" encoding="utf-8"?>
+<p:notes xmlns:a="http://schemas.openxmlformats.org/drawingml/2006/main" xmlns:r="http://schemas.openxmlformats.org/officeDocument/2006/relationships" xmlns:p="http://schemas.openxmlformats.org/presentationml/2006/main">
+  <p:cSld>
+    <p:spTree>
+      <p:nvGrpSpPr>
+        <p:cNvPr id="1" name=""/>
+        <p:cNvGrpSpPr/>
+        <p:nvPr/>
+      </p:nvGrpSpPr>
+      <p:grpSpPr>
+        <a:xfrm>
+          <a:off x="0" y="0"/>
+          <a:ext cx="0" cy="0"/>
+          <a:chOff x="0" y="0"/>
+          <a:chExt cx="0" cy="0"/>
+        </a:xfrm>
+      </p:grpSpPr>
+      <p:sp>
+        <p:nvSpPr>
+          <p:cNvPr id="2" name="Образ слайда 1"/>
+          <p:cNvSpPr>
+            <a:spLocks noGrp="1" noRot="1" noChangeAspect="1"/>
+          </p:cNvSpPr>
+          <p:nvPr>
+            <p:ph type="sldImg"/>
+          </p:nvPr>
+        </p:nvSpPr>
+        <p:spPr/>
+      </p:sp>
+      <p:sp>
+        <p:nvSpPr>
+          <p:cNvPr id="3" name="Заметки 2"/>
+          <p:cNvSpPr>
+            <a:spLocks noGrp="1"/>
+          </p:cNvSpPr>
+          <p:nvPr>
+            <p:ph type="body" idx="1"/>
+          </p:nvPr>
+        </p:nvSpPr>
+        <p:spPr/>
+        <p:txBody>
+          <a:bodyPr>
+            <a:normAutofit fontScale="77500" lnSpcReduction="20000"/>
+          </a:bodyPr>
+          <a:lstStyle/>
+          <a:p>
+            <a:r>
+              <a:rPr lang="ru-RU" sz="1200" b="1" kern="1200" dirty="0" smtClean="0">
+                <a:solidFill>
+                  <a:schemeClr val="tx1"/>
+                </a:solidFill>
+                <a:latin typeface="+mn-lt"/>
+                <a:ea typeface="+mn-ea"/>
+                <a:cs typeface="+mn-cs"/>
+              </a:rPr>
+              <a:t>Положительное влияние интернета</a:t>
+            </a:r>
+          </a:p>
+          <a:p>
+            <a:r>
+              <a:rPr lang="ru-RU" sz="1200" kern="1200" dirty="0" smtClean="0">
+                <a:solidFill>
+                  <a:schemeClr val="tx1"/>
+                </a:solidFill>
+                <a:latin typeface="+mn-lt"/>
+                <a:ea typeface="+mn-ea"/>
+                <a:cs typeface="+mn-cs"/>
+              </a:rPr>
+              <a:t>Современный Интернет является одним из наиболее эффективных средств коммуникации между людьми, предоставляет различные платформы и методы для общения. Компьютеры и </a:t>
+            </a:r>
+            <a:r>
+              <a:rPr lang="ru-RU" sz="1200" kern="1200" dirty="0" err="1" smtClean="0">
+                <a:solidFill>
+                  <a:schemeClr val="tx1"/>
+                </a:solidFill>
+                <a:latin typeface="+mn-lt"/>
+                <a:ea typeface="+mn-ea"/>
+                <a:cs typeface="+mn-cs"/>
+              </a:rPr>
+              <a:t>гаджеты</a:t>
+            </a:r>
+            <a:r>
+              <a:rPr lang="ru-RU" sz="1200" kern="1200" dirty="0" smtClean="0">
+                <a:solidFill>
+                  <a:schemeClr val="tx1"/>
+                </a:solidFill>
+                <a:latin typeface="+mn-lt"/>
+                <a:ea typeface="+mn-ea"/>
+                <a:cs typeface="+mn-cs"/>
+              </a:rPr>
+              <a:t> уверенно закрепились в нашей повседневной жизни. Жизнь уже нельзя представить без общения в </a:t>
+            </a:r>
+            <a:r>
+              <a:rPr lang="ru-RU" sz="1200" kern="1200" dirty="0" err="1" smtClean="0">
+                <a:solidFill>
+                  <a:schemeClr val="tx1"/>
+                </a:solidFill>
+                <a:latin typeface="+mn-lt"/>
+                <a:ea typeface="+mn-ea"/>
+                <a:cs typeface="+mn-cs"/>
+              </a:rPr>
+              <a:t>мессенджерах</a:t>
+            </a:r>
+            <a:r>
+              <a:rPr lang="ru-RU" sz="1200" kern="1200" dirty="0" smtClean="0">
+                <a:solidFill>
+                  <a:schemeClr val="tx1"/>
+                </a:solidFill>
+                <a:latin typeface="+mn-lt"/>
+                <a:ea typeface="+mn-ea"/>
+                <a:cs typeface="+mn-cs"/>
+              </a:rPr>
+              <a:t> и прослушивания музыки в режиме </a:t>
+            </a:r>
+            <a:r>
+              <a:rPr lang="ru-RU" sz="1200" kern="1200" dirty="0" err="1" smtClean="0">
+                <a:solidFill>
+                  <a:schemeClr val="tx1"/>
+                </a:solidFill>
+                <a:latin typeface="+mn-lt"/>
+                <a:ea typeface="+mn-ea"/>
+                <a:cs typeface="+mn-cs"/>
+              </a:rPr>
+              <a:t>онлайн</a:t>
+            </a:r>
+            <a:r>
+              <a:rPr lang="ru-RU" sz="1200" kern="1200" dirty="0" smtClean="0">
+                <a:solidFill>
+                  <a:schemeClr val="tx1"/>
+                </a:solidFill>
+                <a:latin typeface="+mn-lt"/>
+                <a:ea typeface="+mn-ea"/>
+                <a:cs typeface="+mn-cs"/>
+              </a:rPr>
+              <a:t> по пути в школу или еще куда-либо. С помощью глобальной сети мы ежедневно взаимодействуем с окружающим миром и получаем нужную информацию. Главное преимущество интернета заключается в экономии времени.</a:t>
+            </a:r>
+          </a:p>
+          <a:p>
+            <a:r>
+              <a:rPr lang="ru-RU" sz="1200" kern="1200" dirty="0" smtClean="0">
+                <a:solidFill>
+                  <a:schemeClr val="tx1"/>
+                </a:solidFill>
+                <a:latin typeface="+mn-lt"/>
+                <a:ea typeface="+mn-ea"/>
+                <a:cs typeface="+mn-cs"/>
+              </a:rPr>
+              <a:t> </a:t>
+            </a:r>
+          </a:p>
+          <a:p>
+            <a:r>
+              <a:rPr lang="ru-RU" sz="1200" b="1" kern="1200" dirty="0" smtClean="0">
+                <a:solidFill>
+                  <a:schemeClr val="tx1"/>
+                </a:solidFill>
+                <a:latin typeface="+mn-lt"/>
+                <a:ea typeface="+mn-ea"/>
+                <a:cs typeface="+mn-cs"/>
+              </a:rPr>
+              <a:t>Плюсы</a:t>
+            </a:r>
+            <a:r>
+              <a:rPr lang="ru-RU" sz="1200" kern="1200" dirty="0" smtClean="0">
+                <a:solidFill>
+                  <a:schemeClr val="tx1"/>
+                </a:solidFill>
+                <a:latin typeface="+mn-lt"/>
+                <a:ea typeface="+mn-ea"/>
+                <a:cs typeface="+mn-cs"/>
+              </a:rPr>
+              <a:t>:</a:t>
+            </a:r>
+          </a:p>
+          <a:p>
+            <a:pPr lvl="0"/>
+            <a:r>
+              <a:rPr lang="ru-RU" sz="1200" b="1" kern="1200" dirty="0" smtClean="0">
+                <a:solidFill>
+                  <a:schemeClr val="tx1"/>
+                </a:solidFill>
+                <a:latin typeface="+mn-lt"/>
+                <a:ea typeface="+mn-ea"/>
+                <a:cs typeface="+mn-cs"/>
+              </a:rPr>
+              <a:t>Друзья по всему миру и общение в реальном времени</a:t>
+            </a:r>
+            <a:r>
+              <a:rPr lang="ru-RU" sz="1200" kern="1200" dirty="0" smtClean="0">
+                <a:solidFill>
+                  <a:schemeClr val="tx1"/>
+                </a:solidFill>
+                <a:latin typeface="+mn-lt"/>
+                <a:ea typeface="+mn-ea"/>
+                <a:cs typeface="+mn-cs"/>
+              </a:rPr>
+              <a:t>. </a:t>
+            </a:r>
+          </a:p>
+          <a:p>
+            <a:r>
+              <a:rPr lang="ru-RU" sz="1200" kern="1200" dirty="0" smtClean="0">
+                <a:solidFill>
+                  <a:schemeClr val="tx1"/>
+                </a:solidFill>
+                <a:latin typeface="+mn-lt"/>
+                <a:ea typeface="+mn-ea"/>
+                <a:cs typeface="+mn-cs"/>
+              </a:rPr>
+              <a:t>Теперь тебе не обязательно ехать к другу домой, чтоб спросить что то, или в другую страну, можно просто общаться в соц. сетях в реальном времени или даже по видеосвязи.</a:t>
+            </a:r>
+          </a:p>
+          <a:p>
+            <a:r>
+              <a:rPr lang="ru-RU" sz="1200" kern="1200" dirty="0" smtClean="0">
+                <a:solidFill>
+                  <a:schemeClr val="tx1"/>
+                </a:solidFill>
+                <a:latin typeface="+mn-lt"/>
+                <a:ea typeface="+mn-ea"/>
+                <a:cs typeface="+mn-cs"/>
+              </a:rPr>
+              <a:t> </a:t>
+            </a:r>
+          </a:p>
+          <a:p>
+            <a:pPr lvl="0"/>
+            <a:r>
+              <a:rPr lang="ru-RU" sz="1200" b="1" kern="1200" dirty="0" smtClean="0">
+                <a:solidFill>
+                  <a:schemeClr val="tx1"/>
+                </a:solidFill>
+                <a:latin typeface="+mn-lt"/>
+                <a:ea typeface="+mn-ea"/>
+                <a:cs typeface="+mn-cs"/>
+              </a:rPr>
+              <a:t>Доступность знаний.</a:t>
+            </a:r>
+            <a:endParaRPr lang="ru-RU" sz="1200" kern="1200" dirty="0" smtClean="0">
+              <a:solidFill>
+                <a:schemeClr val="tx1"/>
+              </a:solidFill>
+              <a:latin typeface="+mn-lt"/>
+              <a:ea typeface="+mn-ea"/>
+              <a:cs typeface="+mn-cs"/>
+            </a:endParaRPr>
+          </a:p>
+          <a:p>
+            <a:r>
+              <a:rPr lang="ru-RU" sz="1200" kern="1200" dirty="0" smtClean="0">
+                <a:solidFill>
+                  <a:schemeClr val="tx1"/>
+                </a:solidFill>
+                <a:latin typeface="+mn-lt"/>
+                <a:ea typeface="+mn-ea"/>
+                <a:cs typeface="+mn-cs"/>
+              </a:rPr>
+              <a:t>Если раньше для того, чтобы узнать что-то в какой-то сфере приходилось идти в библиотеку, находить книжку, выписывать ее, прочитывать кучу ненужной и не отфильтрованной информации, чтобы выудить хоть каплю, то сейчас все очень просто. Ответ на любой запрос дается в течение нескольких секунд. Открыл строку поиска. Забил запрос. Готово. Информация со всего мира. Полная паутина знаний. Хотя и здесь сейчас встречается достаточное количество статей с лишним материалом. Но все же это не сравнить с тем, что было раньше.</a:t>
+            </a:r>
+          </a:p>
+          <a:p>
+            <a:r>
+              <a:rPr lang="ru-RU" sz="1200" kern="1200" dirty="0" smtClean="0">
+                <a:solidFill>
+                  <a:schemeClr val="tx1"/>
+                </a:solidFill>
+                <a:latin typeface="+mn-lt"/>
+                <a:ea typeface="+mn-ea"/>
+                <a:cs typeface="+mn-cs"/>
+              </a:rPr>
+              <a:t> </a:t>
+            </a:r>
+          </a:p>
+          <a:p>
+            <a:pPr lvl="0"/>
+            <a:r>
+              <a:rPr lang="ru-RU" sz="1200" b="1" kern="1200" dirty="0" smtClean="0">
+                <a:solidFill>
+                  <a:schemeClr val="tx1"/>
+                </a:solidFill>
+                <a:latin typeface="+mn-lt"/>
+                <a:ea typeface="+mn-ea"/>
+                <a:cs typeface="+mn-cs"/>
+              </a:rPr>
+              <a:t>Не выходя из дома. </a:t>
+            </a:r>
+            <a:endParaRPr lang="ru-RU" sz="1200" kern="1200" dirty="0" smtClean="0">
+              <a:solidFill>
+                <a:schemeClr val="tx1"/>
+              </a:solidFill>
+              <a:latin typeface="+mn-lt"/>
+              <a:ea typeface="+mn-ea"/>
+              <a:cs typeface="+mn-cs"/>
+            </a:endParaRPr>
+          </a:p>
+          <a:p>
+            <a:r>
+              <a:rPr lang="ru-RU" sz="1200" kern="1200" dirty="0" smtClean="0">
+                <a:solidFill>
+                  <a:schemeClr val="tx1"/>
+                </a:solidFill>
+                <a:latin typeface="+mn-lt"/>
+                <a:ea typeface="+mn-ea"/>
+                <a:cs typeface="+mn-cs"/>
+              </a:rPr>
+              <a:t>Покупку продуктов и оплату счетов можно осуществлять, не выходя из дома.</a:t>
+            </a:r>
+          </a:p>
+          <a:p>
+            <a:r>
+              <a:rPr lang="ru-RU" sz="1200" b="1" kern="1200" dirty="0" smtClean="0">
+                <a:solidFill>
+                  <a:schemeClr val="tx1"/>
+                </a:solidFill>
+                <a:latin typeface="+mn-lt"/>
+                <a:ea typeface="+mn-ea"/>
+                <a:cs typeface="+mn-cs"/>
+              </a:rPr>
+              <a:t> </a:t>
+            </a:r>
+            <a:endParaRPr lang="ru-RU" sz="1200" kern="1200" dirty="0" smtClean="0">
+              <a:solidFill>
+                <a:schemeClr val="tx1"/>
+              </a:solidFill>
+              <a:latin typeface="+mn-lt"/>
+              <a:ea typeface="+mn-ea"/>
+              <a:cs typeface="+mn-cs"/>
+            </a:endParaRPr>
+          </a:p>
+          <a:p>
+            <a:pPr lvl="0"/>
+            <a:r>
+              <a:rPr lang="ru-RU" sz="1200" b="1" kern="1200" dirty="0" smtClean="0">
+                <a:solidFill>
+                  <a:schemeClr val="tx1"/>
+                </a:solidFill>
+                <a:latin typeface="+mn-lt"/>
+                <a:ea typeface="+mn-ea"/>
+                <a:cs typeface="+mn-cs"/>
+              </a:rPr>
+              <a:t>Способ заработка.</a:t>
+            </a:r>
+            <a:r>
+              <a:rPr lang="ru-RU" sz="1200" kern="1200" dirty="0" smtClean="0">
+                <a:solidFill>
+                  <a:schemeClr val="tx1"/>
+                </a:solidFill>
+                <a:latin typeface="+mn-lt"/>
+                <a:ea typeface="+mn-ea"/>
+                <a:cs typeface="+mn-cs"/>
+              </a:rPr>
+              <a:t> </a:t>
+            </a:r>
+          </a:p>
+          <a:p>
+            <a:r>
+              <a:rPr lang="ru-RU" sz="1200" kern="1200" dirty="0" smtClean="0">
+                <a:solidFill>
+                  <a:schemeClr val="tx1"/>
+                </a:solidFill>
+                <a:latin typeface="+mn-lt"/>
+                <a:ea typeface="+mn-ea"/>
+                <a:cs typeface="+mn-cs"/>
+              </a:rPr>
+              <a:t>С появлением интернета появилась возможность работать удаленно. Такое модное сейчас слово «</a:t>
+            </a:r>
+            <a:r>
+              <a:rPr lang="ru-RU" sz="1200" kern="1200" dirty="0" err="1" smtClean="0">
+                <a:solidFill>
+                  <a:schemeClr val="tx1"/>
+                </a:solidFill>
+                <a:latin typeface="+mn-lt"/>
+                <a:ea typeface="+mn-ea"/>
+                <a:cs typeface="+mn-cs"/>
+              </a:rPr>
+              <a:t>фрилансер</a:t>
+            </a:r>
+            <a:r>
+              <a:rPr lang="ru-RU" sz="1200" kern="1200" dirty="0" smtClean="0">
+                <a:solidFill>
+                  <a:schemeClr val="tx1"/>
+                </a:solidFill>
+                <a:latin typeface="+mn-lt"/>
+                <a:ea typeface="+mn-ea"/>
+                <a:cs typeface="+mn-cs"/>
+              </a:rPr>
+              <a:t>». Интернет открыл дверь для многих новых профессий, а также помог огромному количеству людей начать работать на себя, планируя свой рабочий день и свое свободное время самостоятельно.</a:t>
+            </a:r>
+          </a:p>
+          <a:p>
+            <a:r>
+              <a:rPr lang="ru-RU" sz="1200" kern="1200" dirty="0" smtClean="0">
+                <a:solidFill>
+                  <a:schemeClr val="tx1"/>
+                </a:solidFill>
+                <a:latin typeface="+mn-lt"/>
+                <a:ea typeface="+mn-ea"/>
+                <a:cs typeface="+mn-cs"/>
+              </a:rPr>
+              <a:t> </a:t>
+            </a:r>
+          </a:p>
+          <a:p>
+            <a:pPr lvl="0"/>
+            <a:r>
+              <a:rPr lang="ru-RU" sz="1200" b="1" kern="1200" dirty="0" smtClean="0">
+                <a:solidFill>
+                  <a:schemeClr val="tx1"/>
+                </a:solidFill>
+                <a:latin typeface="+mn-lt"/>
+                <a:ea typeface="+mn-ea"/>
+                <a:cs typeface="+mn-cs"/>
+              </a:rPr>
+              <a:t>Развлечение,</a:t>
+            </a:r>
+            <a:r>
+              <a:rPr lang="ru-RU" sz="1200" kern="1200" dirty="0" smtClean="0">
+                <a:solidFill>
+                  <a:schemeClr val="tx1"/>
+                </a:solidFill>
+                <a:latin typeface="+mn-lt"/>
+                <a:ea typeface="+mn-ea"/>
+                <a:cs typeface="+mn-cs"/>
+              </a:rPr>
+              <a:t> </a:t>
+            </a:r>
+            <a:r>
+              <a:rPr lang="ru-RU" sz="1200" b="1" kern="1200" dirty="0" smtClean="0">
+                <a:solidFill>
+                  <a:schemeClr val="tx1"/>
+                </a:solidFill>
+                <a:latin typeface="+mn-lt"/>
+                <a:ea typeface="+mn-ea"/>
+                <a:cs typeface="+mn-cs"/>
+              </a:rPr>
+              <a:t>новые</a:t>
+            </a:r>
+            <a:r>
+              <a:rPr lang="ru-RU" sz="1200" kern="1200" dirty="0" smtClean="0">
+                <a:solidFill>
+                  <a:schemeClr val="tx1"/>
+                </a:solidFill>
+                <a:latin typeface="+mn-lt"/>
+                <a:ea typeface="+mn-ea"/>
+                <a:cs typeface="+mn-cs"/>
+              </a:rPr>
+              <a:t> </a:t>
+            </a:r>
+            <a:r>
+              <a:rPr lang="ru-RU" sz="1200" b="1" kern="1200" dirty="0" smtClean="0">
+                <a:solidFill>
+                  <a:schemeClr val="tx1"/>
+                </a:solidFill>
+                <a:latin typeface="+mn-lt"/>
+                <a:ea typeface="+mn-ea"/>
+                <a:cs typeface="+mn-cs"/>
+              </a:rPr>
+              <a:t>формы проведения досуга.</a:t>
+            </a:r>
+            <a:endParaRPr lang="ru-RU" sz="1200" kern="1200" dirty="0" smtClean="0">
+              <a:solidFill>
+                <a:schemeClr val="tx1"/>
+              </a:solidFill>
+              <a:latin typeface="+mn-lt"/>
+              <a:ea typeface="+mn-ea"/>
+              <a:cs typeface="+mn-cs"/>
+            </a:endParaRPr>
+          </a:p>
+          <a:p>
+            <a:r>
+              <a:rPr lang="ru-RU" sz="1200" kern="1200" dirty="0" smtClean="0">
+                <a:solidFill>
+                  <a:schemeClr val="tx1"/>
+                </a:solidFill>
+                <a:latin typeface="+mn-lt"/>
+                <a:ea typeface="+mn-ea"/>
+                <a:cs typeface="+mn-cs"/>
+              </a:rPr>
+              <a:t>Появилась возможность смотреть фильмы не в кинотеатрах, а у себя дома, слушать музыку по дороге в школу. Также появились всевозможные игры, которые стали одним из способов проведения досуга у большинства.</a:t>
+            </a:r>
+          </a:p>
+          <a:p>
+            <a:endParaRPr lang="ru-RU" dirty="0"/>
+          </a:p>
+        </p:txBody>
+      </p:sp>
+      <p:sp>
+        <p:nvSpPr>
+          <p:cNvPr id="4" name="Номер слайда 3"/>
+          <p:cNvSpPr>
+            <a:spLocks noGrp="1"/>
+          </p:cNvSpPr>
+          <p:nvPr>
+            <p:ph type="sldNum" sz="quarter" idx="10"/>
+          </p:nvPr>
+        </p:nvSpPr>
+        <p:spPr/>
+        <p:txBody>
+          <a:bodyPr/>
+          <a:lstStyle/>
+          <a:p>
+            <a:fld id="{09FDF26E-4884-4F82-8EF4-9001EE6CD5C3}" type="slidenum">
+              <a:rPr lang="ru-RU" smtClean="0"/>
+              <a:pPr/>
+              <a:t>5</a:t>
             </a:fld>
             <a:endParaRPr lang="ru-RU"/>
           </a:p>
@@ -628,11 +1841,6 @@
 <file path=ppt/slideLayouts/slideLayout1.xml><?xml version="1.0" encoding="utf-8"?>
 <p:sldLayout xmlns:a="http://schemas.openxmlformats.org/drawingml/2006/main" xmlns:r="http://schemas.openxmlformats.org/officeDocument/2006/relationships" xmlns:p="http://schemas.openxmlformats.org/presentationml/2006/main" showMasterSp="0" type="title" preserve="1">
   <p:cSld name="Титульный слайд">
-    <p:bg>
-      <p:bgRef idx="1001">
-        <a:schemeClr val="bg2"/>
-      </p:bgRef>
-    </p:bg>
     <p:spTree>
       <p:nvGrpSpPr>
         <p:cNvPr id="1" name=""/>
@@ -906,7 +2114,7 @@
             <a:fld id="{5B106E36-FD25-4E2D-B0AA-010F637433A0}" type="datetimeFigureOut">
               <a:rPr lang="ru-RU" smtClean="0"/>
               <a:pPr/>
-              <a:t>29.02.2024</a:t>
+              <a:t>03.03.2024</a:t>
             </a:fld>
             <a:endParaRPr lang="ru-RU"/>
           </a:p>
@@ -1181,7 +2389,7 @@
     </p:spTree>
   </p:cSld>
   <p:clrMapOvr>
-    <a:overrideClrMapping bg1="lt1" tx1="dk1" bg2="lt2" tx2="dk2" accent1="accent1" accent2="accent2" accent3="accent3" accent4="accent4" accent5="accent5" accent6="accent6" hlink="hlink" folHlink="folHlink"/>
+    <a:masterClrMapping/>
   </p:clrMapOvr>
 </p:sldLayout>
 </file>
@@ -1189,11 +2397,6 @@
 <file path=ppt/slideLayouts/slideLayout10.xml><?xml version="1.0" encoding="utf-8"?>
 <p:sldLayout xmlns:a="http://schemas.openxmlformats.org/drawingml/2006/main" xmlns:r="http://schemas.openxmlformats.org/officeDocument/2006/relationships" xmlns:p="http://schemas.openxmlformats.org/presentationml/2006/main" type="vertTx" preserve="1">
   <p:cSld name="Заголовок и вертикальный текст">
-    <p:bg>
-      <p:bgRef idx="1001">
-        <a:schemeClr val="bg2"/>
-      </p:bgRef>
-    </p:bg>
     <p:spTree>
       <p:nvGrpSpPr>
         <p:cNvPr id="1" name=""/>
@@ -1301,7 +2504,7 @@
             <a:fld id="{5B106E36-FD25-4E2D-B0AA-010F637433A0}" type="datetimeFigureOut">
               <a:rPr lang="ru-RU" smtClean="0"/>
               <a:pPr/>
-              <a:t>29.02.2024</a:t>
+              <a:t>03.03.2024</a:t>
             </a:fld>
             <a:endParaRPr lang="ru-RU"/>
           </a:p>
@@ -1353,7 +2556,7 @@
     </p:spTree>
   </p:cSld>
   <p:clrMapOvr>
-    <a:overrideClrMapping bg1="lt1" tx1="dk1" bg2="lt2" tx2="dk2" accent1="accent1" accent2="accent2" accent3="accent3" accent4="accent4" accent5="accent5" accent6="accent6" hlink="hlink" folHlink="folHlink"/>
+    <a:masterClrMapping/>
   </p:clrMapOvr>
 </p:sldLayout>
 </file>
@@ -1361,11 +2564,6 @@
 <file path=ppt/slideLayouts/slideLayout11.xml><?xml version="1.0" encoding="utf-8"?>
 <p:sldLayout xmlns:a="http://schemas.openxmlformats.org/drawingml/2006/main" xmlns:r="http://schemas.openxmlformats.org/officeDocument/2006/relationships" xmlns:p="http://schemas.openxmlformats.org/presentationml/2006/main" showMasterSp="0" type="vertTitleAndTx" preserve="1">
   <p:cSld name="Вертикальный заголовок и текст">
-    <p:bg>
-      <p:bgRef idx="1001">
-        <a:schemeClr val="bg2"/>
-      </p:bgRef>
-    </p:bg>
     <p:spTree>
       <p:nvGrpSpPr>
         <p:cNvPr id="1" name=""/>
@@ -1836,7 +3034,7 @@
             <a:fld id="{5B106E36-FD25-4E2D-B0AA-010F637433A0}" type="datetimeFigureOut">
               <a:rPr lang="ru-RU" smtClean="0"/>
               <a:pPr/>
-              <a:t>29.02.2024</a:t>
+              <a:t>03.03.2024</a:t>
             </a:fld>
             <a:endParaRPr lang="ru-RU"/>
           </a:p>
@@ -1892,7 +3090,7 @@
     </p:spTree>
   </p:cSld>
   <p:clrMapOvr>
-    <a:overrideClrMapping bg1="lt1" tx1="dk1" bg2="lt2" tx2="dk2" accent1="accent1" accent2="accent2" accent3="accent3" accent4="accent4" accent5="accent5" accent6="accent6" hlink="hlink" folHlink="folHlink"/>
+    <a:masterClrMapping/>
   </p:clrMapOvr>
 </p:sldLayout>
 </file>
@@ -1900,11 +3098,6 @@
 <file path=ppt/slideLayouts/slideLayout2.xml><?xml version="1.0" encoding="utf-8"?>
 <p:sldLayout xmlns:a="http://schemas.openxmlformats.org/drawingml/2006/main" xmlns:r="http://schemas.openxmlformats.org/officeDocument/2006/relationships" xmlns:p="http://schemas.openxmlformats.org/presentationml/2006/main" type="obj" preserve="1">
   <p:cSld name="Заголовок и объект">
-    <p:bg>
-      <p:bgRef idx="1001">
-        <a:schemeClr val="bg2"/>
-      </p:bgRef>
-    </p:bg>
     <p:spTree>
       <p:nvGrpSpPr>
         <p:cNvPr id="1" name=""/>
@@ -1970,7 +3163,7 @@
             <a:fld id="{5B106E36-FD25-4E2D-B0AA-010F637433A0}" type="datetimeFigureOut">
               <a:rPr lang="ru-RU" smtClean="0"/>
               <a:pPr/>
-              <a:t>29.02.2024</a:t>
+              <a:t>03.03.2024</a:t>
             </a:fld>
             <a:endParaRPr lang="ru-RU"/>
           </a:p>
@@ -2084,7 +3277,7 @@
     </p:spTree>
   </p:cSld>
   <p:clrMapOvr>
-    <a:overrideClrMapping bg1="lt1" tx1="dk1" bg2="lt2" tx2="dk2" accent1="accent1" accent2="accent2" accent3="accent3" accent4="accent4" accent5="accent5" accent6="accent6" hlink="hlink" folHlink="folHlink"/>
+    <a:masterClrMapping/>
   </p:clrMapOvr>
 </p:sldLayout>
 </file>
@@ -2092,11 +3285,6 @@
 <file path=ppt/slideLayouts/slideLayout3.xml><?xml version="1.0" encoding="utf-8"?>
 <p:sldLayout xmlns:a="http://schemas.openxmlformats.org/drawingml/2006/main" xmlns:r="http://schemas.openxmlformats.org/officeDocument/2006/relationships" xmlns:p="http://schemas.openxmlformats.org/presentationml/2006/main" showMasterSp="0" type="secHead" preserve="1">
   <p:cSld name="Заголовок раздела">
-    <p:bg>
-      <p:bgRef idx="1001">
-        <a:schemeClr val="bg1"/>
-      </p:bgRef>
-    </p:bg>
     <p:spTree>
       <p:nvGrpSpPr>
         <p:cNvPr id="1" name=""/>
@@ -2515,7 +3703,7 @@
             <a:fld id="{5B106E36-FD25-4E2D-B0AA-010F637433A0}" type="datetimeFigureOut">
               <a:rPr lang="ru-RU" smtClean="0"/>
               <a:pPr/>
-              <a:t>29.02.2024</a:t>
+              <a:t>03.03.2024</a:t>
             </a:fld>
             <a:endParaRPr lang="ru-RU"/>
           </a:p>
@@ -2734,7 +3922,7 @@
     </p:spTree>
   </p:cSld>
   <p:clrMapOvr>
-    <a:overrideClrMapping bg1="lt1" tx1="dk1" bg2="lt2" tx2="dk2" accent1="accent1" accent2="accent2" accent3="accent3" accent4="accent4" accent5="accent5" accent6="accent6" hlink="hlink" folHlink="folHlink"/>
+    <a:masterClrMapping/>
   </p:clrMapOvr>
 </p:sldLayout>
 </file>
@@ -2742,11 +3930,6 @@
 <file path=ppt/slideLayouts/slideLayout4.xml><?xml version="1.0" encoding="utf-8"?>
 <p:sldLayout xmlns:a="http://schemas.openxmlformats.org/drawingml/2006/main" xmlns:r="http://schemas.openxmlformats.org/officeDocument/2006/relationships" xmlns:p="http://schemas.openxmlformats.org/presentationml/2006/main" type="twoObj" preserve="1">
   <p:cSld name="Два объекта">
-    <p:bg>
-      <p:bgRef idx="1001">
-        <a:schemeClr val="bg2"/>
-      </p:bgRef>
-    </p:bg>
     <p:spTree>
       <p:nvGrpSpPr>
         <p:cNvPr id="1" name=""/>
@@ -2812,7 +3995,7 @@
             <a:fld id="{5B106E36-FD25-4E2D-B0AA-010F637433A0}" type="datetimeFigureOut">
               <a:rPr lang="ru-RU" smtClean="0"/>
               <a:pPr/>
-              <a:t>29.02.2024</a:t>
+              <a:t>03.03.2024</a:t>
             </a:fld>
             <a:endParaRPr lang="ru-RU"/>
           </a:p>
@@ -3022,7 +4205,7 @@
     </p:spTree>
   </p:cSld>
   <p:clrMapOvr>
-    <a:overrideClrMapping bg1="lt1" tx1="dk1" bg2="lt2" tx2="dk2" accent1="accent1" accent2="accent2" accent3="accent3" accent4="accent4" accent5="accent5" accent6="accent6" hlink="hlink" folHlink="folHlink"/>
+    <a:masterClrMapping/>
   </p:clrMapOvr>
 </p:sldLayout>
 </file>
@@ -3030,11 +4213,6 @@
 <file path=ppt/slideLayouts/slideLayout5.xml><?xml version="1.0" encoding="utf-8"?>
 <p:sldLayout xmlns:a="http://schemas.openxmlformats.org/drawingml/2006/main" xmlns:r="http://schemas.openxmlformats.org/officeDocument/2006/relationships" xmlns:p="http://schemas.openxmlformats.org/presentationml/2006/main" showMasterSp="0" type="twoTxTwoObj" preserve="1">
   <p:cSld name="Сравнение">
-    <p:bg>
-      <p:bgRef idx="1001">
-        <a:schemeClr val="bg2"/>
-      </p:bgRef>
-    </p:bg>
     <p:spTree>
       <p:nvGrpSpPr>
         <p:cNvPr id="1" name=""/>
@@ -3473,7 +4651,7 @@
             <a:fld id="{5B106E36-FD25-4E2D-B0AA-010F637433A0}" type="datetimeFigureOut">
               <a:rPr lang="ru-RU" smtClean="0"/>
               <a:pPr/>
-              <a:t>29.02.2024</a:t>
+              <a:t>03.03.2024</a:t>
             </a:fld>
             <a:endParaRPr lang="ru-RU"/>
           </a:p>
@@ -3848,7 +5026,7 @@
     </p:spTree>
   </p:cSld>
   <p:clrMapOvr>
-    <a:overrideClrMapping bg1="lt1" tx1="dk1" bg2="lt2" tx2="dk2" accent1="accent1" accent2="accent2" accent3="accent3" accent4="accent4" accent5="accent5" accent6="accent6" hlink="hlink" folHlink="folHlink"/>
+    <a:masterClrMapping/>
   </p:clrMapOvr>
 </p:sldLayout>
 </file>
@@ -3911,7 +5089,7 @@
             <a:fld id="{5B106E36-FD25-4E2D-B0AA-010F637433A0}" type="datetimeFigureOut">
               <a:rPr lang="ru-RU" smtClean="0"/>
               <a:pPr/>
-              <a:t>29.02.2024</a:t>
+              <a:t>03.03.2024</a:t>
             </a:fld>
             <a:endParaRPr lang="ru-RU"/>
           </a:p>
@@ -4226,7 +5404,7 @@
             <a:fld id="{5B106E36-FD25-4E2D-B0AA-010F637433A0}" type="datetimeFigureOut">
               <a:rPr lang="ru-RU" smtClean="0"/>
               <a:pPr/>
-              <a:t>29.02.2024</a:t>
+              <a:t>03.03.2024</a:t>
             </a:fld>
             <a:endParaRPr lang="ru-RU"/>
           </a:p>
@@ -4299,11 +5477,6 @@
 <file path=ppt/slideLayouts/slideLayout8.xml><?xml version="1.0" encoding="utf-8"?>
 <p:sldLayout xmlns:a="http://schemas.openxmlformats.org/drawingml/2006/main" xmlns:r="http://schemas.openxmlformats.org/officeDocument/2006/relationships" xmlns:p="http://schemas.openxmlformats.org/presentationml/2006/main" showMasterSp="0" type="objTx" preserve="1">
   <p:cSld name="Объект с подписью">
-    <p:bg>
-      <p:bgRef idx="1001">
-        <a:schemeClr val="bg1"/>
-      </p:bgRef>
-    </p:bg>
     <p:spTree>
       <p:nvGrpSpPr>
         <p:cNvPr id="1" name=""/>
@@ -4961,7 +6134,7 @@
             <a:fld id="{5B106E36-FD25-4E2D-B0AA-010F637433A0}" type="datetimeFigureOut">
               <a:rPr lang="ru-RU" smtClean="0"/>
               <a:pPr/>
-              <a:t>29.02.2024</a:t>
+              <a:t>03.03.2024</a:t>
             </a:fld>
             <a:endParaRPr lang="ru-RU"/>
           </a:p>
@@ -4994,7 +6167,7 @@
     </p:spTree>
   </p:cSld>
   <p:clrMapOvr>
-    <a:overrideClrMapping bg1="lt1" tx1="dk1" bg2="lt2" tx2="dk2" accent1="accent1" accent2="accent2" accent3="accent3" accent4="accent4" accent5="accent5" accent6="accent6" hlink="hlink" folHlink="folHlink"/>
+    <a:masterClrMapping/>
   </p:clrMapOvr>
 </p:sldLayout>
 </file>
@@ -5627,7 +6800,7 @@
             <a:fld id="{5B106E36-FD25-4E2D-B0AA-010F637433A0}" type="datetimeFigureOut">
               <a:rPr lang="ru-RU" smtClean="0"/>
               <a:pPr/>
-              <a:t>29.02.2024</a:t>
+              <a:t>03.03.2024</a:t>
             </a:fld>
             <a:endParaRPr lang="ru-RU"/>
           </a:p>
@@ -5670,7 +6843,7 @@
   <p:cSld>
     <p:bg>
       <p:bgRef idx="1001">
-        <a:schemeClr val="bg1"/>
+        <a:schemeClr val="bg2"/>
       </p:bgRef>
     </p:bg>
     <p:spTree>
@@ -5901,7 +7074,7 @@
             <a:fld id="{5B106E36-FD25-4E2D-B0AA-010F637433A0}" type="datetimeFigureOut">
               <a:rPr lang="ru-RU" smtClean="0"/>
               <a:pPr/>
-              <a:t>29.02.2024</a:t>
+              <a:t>03.03.2024</a:t>
             </a:fld>
             <a:endParaRPr lang="ru-RU"/>
           </a:p>
@@ -6598,26 +7771,62 @@
           <a:lstStyle/>
           <a:p>
             <a:r>
-              <a:rPr lang="ru-RU" dirty="0" smtClean="0"/>
+              <a:rPr lang="ru-RU" dirty="0" smtClean="0">
+                <a:solidFill>
+                  <a:schemeClr val="tx2">
+                    <a:lumMod val="75000"/>
+                  </a:schemeClr>
+                </a:solidFill>
+              </a:rPr>
               <a:t>Проект выполнил учащийся 9Б класса ГБОУ лицея №389 «ЦЭО» </a:t>
             </a:r>
             <a:r>
-              <a:rPr lang="ru-RU" dirty="0" err="1" smtClean="0"/>
+              <a:rPr lang="ru-RU" dirty="0" err="1" smtClean="0">
+                <a:solidFill>
+                  <a:schemeClr val="tx2">
+                    <a:lumMod val="75000"/>
+                  </a:schemeClr>
+                </a:solidFill>
+              </a:rPr>
               <a:t>Лакотко</a:t>
             </a:r>
             <a:r>
-              <a:rPr lang="ru-RU" dirty="0" smtClean="0"/>
+              <a:rPr lang="ru-RU" dirty="0" smtClean="0">
+                <a:solidFill>
+                  <a:schemeClr val="tx2">
+                    <a:lumMod val="75000"/>
+                  </a:schemeClr>
+                </a:solidFill>
+              </a:rPr>
               <a:t> Иван под руководством </a:t>
             </a:r>
             <a:r>
-              <a:rPr lang="ru-RU" dirty="0" err="1" smtClean="0"/>
+              <a:rPr lang="ru-RU" dirty="0" err="1" smtClean="0">
+                <a:solidFill>
+                  <a:schemeClr val="tx2">
+                    <a:lumMod val="75000"/>
+                  </a:schemeClr>
+                </a:solidFill>
+              </a:rPr>
               <a:t>Кисельман</a:t>
             </a:r>
             <a:r>
-              <a:rPr lang="ru-RU" dirty="0" smtClean="0"/>
+              <a:rPr lang="ru-RU" dirty="0" smtClean="0">
+                <a:solidFill>
+                  <a:schemeClr val="tx2">
+                    <a:lumMod val="75000"/>
+                  </a:schemeClr>
+                </a:solidFill>
+              </a:rPr>
               <a:t> Надежды Юрьевны</a:t>
             </a:r>
-            <a:endParaRPr lang="ru-RU" dirty="0"/>
+            <a:endParaRPr lang="ru-RU" dirty="0">
+              <a:solidFill>
+                <a:schemeClr val="tx2">
+                  <a:lumMod val="75000"/>
+                </a:schemeClr>
+              </a:solidFill>
+            </a:endParaRPr>
           </a:p>
         </p:txBody>
       </p:sp>
@@ -6683,19 +7892,29 @@
             <a:r>
               <a:rPr lang="ru-RU" sz="1600" b="1" cap="all" spc="250" dirty="0" smtClean="0">
                 <a:solidFill>
-                  <a:schemeClr val="tx2"/>
+                  <a:schemeClr val="tx2">
+                    <a:lumMod val="75000"/>
+                  </a:schemeClr>
                 </a:solidFill>
               </a:rPr>
               <a:t>2024</a:t>
             </a:r>
             <a:r>
-              <a:rPr lang="ru-RU" dirty="0" smtClean="0"/>
+              <a:rPr lang="ru-RU" dirty="0" smtClean="0">
+                <a:solidFill>
+                  <a:schemeClr val="tx2">
+                    <a:lumMod val="75000"/>
+                  </a:schemeClr>
+                </a:solidFill>
+              </a:rPr>
               <a:t> </a:t>
             </a:r>
             <a:r>
               <a:rPr lang="ru-RU" sz="1600" b="1" cap="all" spc="250" dirty="0" smtClean="0">
                 <a:solidFill>
-                  <a:schemeClr val="tx2"/>
+                  <a:schemeClr val="tx2">
+                    <a:lumMod val="75000"/>
+                  </a:schemeClr>
                 </a:solidFill>
               </a:rPr>
               <a:t>год</a:t>
@@ -6708,6 +7927,13 @@
   <p:clrMapOvr>
     <a:masterClrMapping/>
   </p:clrMapOvr>
+  <p:timing>
+    <p:tnLst>
+      <p:par>
+        <p:cTn id="1" dur="indefinite" restart="never" nodeType="tmRoot"/>
+      </p:par>
+    </p:tnLst>
+  </p:timing>
 </p:sld>
 </file>
 
@@ -6751,11 +7977,419 @@
           </a:p>
         </p:txBody>
       </p:sp>
+      <p:sp>
+        <p:nvSpPr>
+          <p:cNvPr id="15" name="TextBox 14"/>
+          <p:cNvSpPr txBox="1"/>
+          <p:nvPr/>
+        </p:nvSpPr>
+        <p:spPr>
+          <a:xfrm>
+            <a:off x="179512" y="1052736"/>
+            <a:ext cx="8964488" cy="5232202"/>
+          </a:xfrm>
+          <a:prstGeom prst="rect">
+            <a:avLst/>
+          </a:prstGeom>
+          <a:noFill/>
+        </p:spPr>
+        <p:txBody>
+          <a:bodyPr wrap="square" rtlCol="0">
+            <a:spAutoFit/>
+          </a:bodyPr>
+          <a:lstStyle/>
+          <a:p>
+            <a:pPr lvl="0" indent="449263" algn="just" eaLnBrk="0" fontAlgn="base" hangingPunct="0">
+              <a:lnSpc>
+                <a:spcPct val="200000"/>
+              </a:lnSpc>
+              <a:spcBef>
+                <a:spcPct val="0"/>
+              </a:spcBef>
+              <a:spcAft>
+                <a:spcPct val="0"/>
+              </a:spcAft>
+            </a:pPr>
+            <a:endParaRPr lang="ru-RU" dirty="0" smtClean="0">
+              <a:latin typeface="Times New Roman" pitchFamily="18" charset="0"/>
+              <a:cs typeface="Times New Roman" pitchFamily="18" charset="0"/>
+            </a:endParaRPr>
+          </a:p>
+          <a:p>
+            <a:pPr lvl="0" indent="449263" algn="just" eaLnBrk="0" fontAlgn="base" hangingPunct="0">
+              <a:lnSpc>
+                <a:spcPct val="200000"/>
+              </a:lnSpc>
+              <a:spcBef>
+                <a:spcPct val="0"/>
+              </a:spcBef>
+              <a:spcAft>
+                <a:spcPct val="0"/>
+              </a:spcAft>
+              <a:buFont typeface="Courier New" pitchFamily="49" charset="0"/>
+              <a:buChar char="o"/>
+              <a:defRPr/>
+            </a:pPr>
+            <a:r>
+              <a:rPr lang="ru-RU" sz="2800" dirty="0" smtClean="0" bmk="">
+                <a:solidFill>
+                  <a:schemeClr val="tx2">
+                    <a:lumMod val="75000"/>
+                  </a:schemeClr>
+                </a:solidFill>
+                <a:ea typeface="Calibri" pitchFamily="34" charset="0"/>
+                <a:cs typeface="Times New Roman" pitchFamily="18" charset="0"/>
+              </a:rPr>
+              <a:t>Интернет все активнее </a:t>
+            </a:r>
+            <a:r>
+              <a:rPr lang="ru-RU" sz="2800" b="1" dirty="0" smtClean="0" bmk="">
+                <a:solidFill>
+                  <a:schemeClr val="tx2">
+                    <a:lumMod val="75000"/>
+                  </a:schemeClr>
+                </a:solidFill>
+                <a:ea typeface="Calibri" pitchFamily="34" charset="0"/>
+                <a:cs typeface="Times New Roman" pitchFamily="18" charset="0"/>
+              </a:rPr>
+              <a:t>внедряется</a:t>
+            </a:r>
+            <a:r>
+              <a:rPr lang="ru-RU" sz="2800" dirty="0" smtClean="0" bmk="">
+                <a:solidFill>
+                  <a:schemeClr val="tx2">
+                    <a:lumMod val="75000"/>
+                  </a:schemeClr>
+                </a:solidFill>
+                <a:ea typeface="Calibri" pitchFamily="34" charset="0"/>
+                <a:cs typeface="Times New Roman" pitchFamily="18" charset="0"/>
+              </a:rPr>
+              <a:t> в </a:t>
+            </a:r>
+            <a:r>
+              <a:rPr lang="ru-RU" sz="2800" dirty="0" smtClean="0" bmk="">
+                <a:solidFill>
+                  <a:schemeClr val="tx2">
+                    <a:lumMod val="75000"/>
+                  </a:schemeClr>
+                </a:solidFill>
+                <a:ea typeface="Calibri" pitchFamily="34" charset="0"/>
+                <a:cs typeface="Times New Roman" pitchFamily="18" charset="0"/>
+              </a:rPr>
+              <a:t>общество.</a:t>
+            </a:r>
+            <a:endParaRPr lang="ru-RU" sz="2800" dirty="0" smtClean="0" bmk="">
+              <a:solidFill>
+                <a:schemeClr val="tx2">
+                  <a:lumMod val="75000"/>
+                </a:schemeClr>
+              </a:solidFill>
+              <a:ea typeface="Calibri" pitchFamily="34" charset="0"/>
+              <a:cs typeface="Times New Roman" pitchFamily="18" charset="0"/>
+            </a:endParaRPr>
+          </a:p>
+          <a:p>
+            <a:pPr lvl="0" indent="449263" algn="just" eaLnBrk="0" fontAlgn="base" hangingPunct="0">
+              <a:lnSpc>
+                <a:spcPct val="200000"/>
+              </a:lnSpc>
+              <a:spcBef>
+                <a:spcPct val="0"/>
+              </a:spcBef>
+              <a:spcAft>
+                <a:spcPct val="0"/>
+              </a:spcAft>
+              <a:buFont typeface="Courier New" pitchFamily="49" charset="0"/>
+              <a:buChar char="o"/>
+              <a:defRPr/>
+            </a:pPr>
+            <a:r>
+              <a:rPr lang="ru-RU" sz="2800" b="1" dirty="0" smtClean="0">
+                <a:solidFill>
+                  <a:schemeClr val="tx2">
+                    <a:lumMod val="75000"/>
+                  </a:schemeClr>
+                </a:solidFill>
+              </a:rPr>
+              <a:t>У</a:t>
+            </a:r>
+            <a:r>
+              <a:rPr lang="ru-RU" sz="2800" dirty="0" smtClean="0">
+                <a:solidFill>
+                  <a:schemeClr val="tx2">
+                    <a:lumMod val="75000"/>
+                  </a:schemeClr>
+                </a:solidFill>
+              </a:rPr>
+              <a:t> </a:t>
+            </a:r>
+            <a:r>
+              <a:rPr lang="ru-RU" sz="2800" b="1" dirty="0" smtClean="0">
+                <a:solidFill>
+                  <a:schemeClr val="tx2">
+                    <a:lumMod val="75000"/>
+                  </a:schemeClr>
+                </a:solidFill>
+              </a:rPr>
+              <a:t>каждого</a:t>
+            </a:r>
+            <a:r>
+              <a:rPr lang="ru-RU" sz="2800" dirty="0" smtClean="0">
+                <a:solidFill>
+                  <a:schemeClr val="tx2">
+                    <a:lumMod val="75000"/>
+                  </a:schemeClr>
+                </a:solidFill>
+              </a:rPr>
+              <a:t> подростка есть выход в </a:t>
+            </a:r>
+            <a:r>
+              <a:rPr lang="ru-RU" sz="2800" dirty="0" smtClean="0">
+                <a:solidFill>
+                  <a:schemeClr val="tx2">
+                    <a:lumMod val="75000"/>
+                  </a:schemeClr>
+                </a:solidFill>
+              </a:rPr>
+              <a:t>Интернет.</a:t>
+            </a:r>
+            <a:endParaRPr lang="ru-RU" sz="2800" dirty="0" smtClean="0">
+              <a:solidFill>
+                <a:schemeClr val="tx2">
+                  <a:lumMod val="75000"/>
+                </a:schemeClr>
+              </a:solidFill>
+            </a:endParaRPr>
+          </a:p>
+          <a:p>
+            <a:pPr lvl="0" indent="449263" algn="just" eaLnBrk="0" fontAlgn="base" hangingPunct="0">
+              <a:lnSpc>
+                <a:spcPct val="200000"/>
+              </a:lnSpc>
+              <a:spcBef>
+                <a:spcPct val="0"/>
+              </a:spcBef>
+              <a:spcAft>
+                <a:spcPct val="0"/>
+              </a:spcAft>
+              <a:buFont typeface="Courier New" pitchFamily="49" charset="0"/>
+              <a:buChar char="o"/>
+              <a:defRPr/>
+            </a:pPr>
+            <a:r>
+              <a:rPr lang="ru-RU" sz="2800" dirty="0" smtClean="0">
+                <a:solidFill>
+                  <a:schemeClr val="tx2">
+                    <a:lumMod val="75000"/>
+                  </a:schemeClr>
+                </a:solidFill>
+              </a:rPr>
+              <a:t>Мы </a:t>
+            </a:r>
+            <a:r>
+              <a:rPr lang="ru-RU" sz="2800" b="1" dirty="0" smtClean="0">
+                <a:solidFill>
+                  <a:schemeClr val="tx2">
+                    <a:lumMod val="75000"/>
+                  </a:schemeClr>
+                </a:solidFill>
+              </a:rPr>
+              <a:t>зависим</a:t>
+            </a:r>
+            <a:r>
+              <a:rPr lang="ru-RU" sz="2800" dirty="0" smtClean="0">
+                <a:solidFill>
+                  <a:schemeClr val="tx2">
+                    <a:lumMod val="75000"/>
+                  </a:schemeClr>
+                </a:solidFill>
+              </a:rPr>
+              <a:t> от </a:t>
+            </a:r>
+            <a:r>
+              <a:rPr lang="ru-RU" sz="2800" dirty="0" smtClean="0">
+                <a:solidFill>
+                  <a:schemeClr val="tx2">
+                    <a:lumMod val="75000"/>
+                  </a:schemeClr>
+                </a:solidFill>
+              </a:rPr>
+              <a:t>интернета, особенно подростки.</a:t>
+            </a:r>
+            <a:endParaRPr lang="ru-RU" sz="2800" dirty="0" smtClean="0">
+              <a:solidFill>
+                <a:schemeClr val="tx2">
+                  <a:lumMod val="75000"/>
+                </a:schemeClr>
+              </a:solidFill>
+            </a:endParaRPr>
+          </a:p>
+          <a:p>
+            <a:pPr lvl="0" indent="449263" algn="just" eaLnBrk="0" fontAlgn="base" hangingPunct="0">
+              <a:lnSpc>
+                <a:spcPct val="200000"/>
+              </a:lnSpc>
+              <a:spcBef>
+                <a:spcPct val="0"/>
+              </a:spcBef>
+              <a:spcAft>
+                <a:spcPct val="0"/>
+              </a:spcAft>
+              <a:buFont typeface="Courier New" pitchFamily="49" charset="0"/>
+              <a:buChar char="o"/>
+              <a:defRPr/>
+            </a:pPr>
+            <a:r>
+              <a:rPr lang="ru-RU" sz="2800" dirty="0" smtClean="0">
+                <a:solidFill>
+                  <a:schemeClr val="tx2">
+                    <a:lumMod val="75000"/>
+                  </a:schemeClr>
+                </a:solidFill>
+              </a:rPr>
+              <a:t>В чем </a:t>
+            </a:r>
+            <a:r>
+              <a:rPr lang="ru-RU" sz="2800" b="1" dirty="0" smtClean="0">
+                <a:solidFill>
+                  <a:schemeClr val="tx2">
+                    <a:lumMod val="75000"/>
+                  </a:schemeClr>
+                </a:solidFill>
+              </a:rPr>
+              <a:t>польза</a:t>
+            </a:r>
+            <a:r>
+              <a:rPr lang="ru-RU" sz="2800" dirty="0" smtClean="0">
+                <a:solidFill>
+                  <a:schemeClr val="tx2">
+                    <a:lumMod val="75000"/>
+                  </a:schemeClr>
+                </a:solidFill>
+              </a:rPr>
+              <a:t> интернета, </a:t>
+            </a:r>
+            <a:r>
+              <a:rPr lang="ru-RU" sz="2800" dirty="0" smtClean="0">
+                <a:solidFill>
+                  <a:schemeClr val="tx2">
+                    <a:lumMod val="75000"/>
+                  </a:schemeClr>
+                </a:solidFill>
+              </a:rPr>
+              <a:t>в </a:t>
+            </a:r>
+            <a:r>
+              <a:rPr lang="ru-RU" sz="2800" dirty="0" smtClean="0">
+                <a:solidFill>
+                  <a:schemeClr val="tx2">
+                    <a:lumMod val="75000"/>
+                  </a:schemeClr>
+                </a:solidFill>
+              </a:rPr>
+              <a:t>чем его </a:t>
+            </a:r>
+            <a:r>
+              <a:rPr lang="ru-RU" sz="2800" b="1" dirty="0" smtClean="0">
+                <a:solidFill>
+                  <a:schemeClr val="tx2">
+                    <a:lumMod val="75000"/>
+                  </a:schemeClr>
+                </a:solidFill>
+              </a:rPr>
+              <a:t>опасность</a:t>
+            </a:r>
+            <a:r>
+              <a:rPr lang="ru-RU" sz="2800" dirty="0" smtClean="0">
+                <a:solidFill>
+                  <a:schemeClr val="tx2">
+                    <a:lumMod val="75000"/>
+                  </a:schemeClr>
+                </a:solidFill>
+              </a:rPr>
+              <a:t>?</a:t>
+            </a:r>
+          </a:p>
+          <a:p>
+            <a:pPr lvl="0" indent="449263" algn="just" eaLnBrk="0" fontAlgn="base" hangingPunct="0">
+              <a:lnSpc>
+                <a:spcPct val="200000"/>
+              </a:lnSpc>
+              <a:spcBef>
+                <a:spcPct val="0"/>
+              </a:spcBef>
+              <a:spcAft>
+                <a:spcPct val="0"/>
+              </a:spcAft>
+              <a:buFont typeface="Courier New" pitchFamily="49" charset="0"/>
+              <a:buChar char="o"/>
+              <a:defRPr/>
+            </a:pPr>
+            <a:r>
+              <a:rPr lang="ru-RU" sz="2800" dirty="0" smtClean="0">
+                <a:solidFill>
+                  <a:schemeClr val="tx2">
+                    <a:lumMod val="75000"/>
+                  </a:schemeClr>
+                </a:solidFill>
+              </a:rPr>
+              <a:t>Глобальная </a:t>
+            </a:r>
+            <a:r>
+              <a:rPr lang="ru-RU" sz="2800" b="1" dirty="0" smtClean="0">
+                <a:solidFill>
+                  <a:schemeClr val="tx2">
+                    <a:lumMod val="75000"/>
+                  </a:schemeClr>
+                </a:solidFill>
+              </a:rPr>
+              <a:t>проблема</a:t>
+            </a:r>
+            <a:r>
+              <a:rPr lang="ru-RU" sz="2800" dirty="0" smtClean="0">
+                <a:solidFill>
+                  <a:schemeClr val="tx2">
+                    <a:lumMod val="75000"/>
+                  </a:schemeClr>
+                </a:solidFill>
+              </a:rPr>
+              <a:t> – </a:t>
+            </a:r>
+            <a:r>
+              <a:rPr lang="ru-RU" sz="2800" dirty="0" smtClean="0">
+                <a:solidFill>
+                  <a:schemeClr val="tx2">
+                    <a:lumMod val="75000"/>
+                  </a:schemeClr>
+                </a:solidFill>
+              </a:rPr>
+              <a:t>интернет-зависимость.</a:t>
+            </a:r>
+            <a:endParaRPr lang="ru-RU" sz="2800" dirty="0" smtClean="0">
+              <a:solidFill>
+                <a:schemeClr val="tx2">
+                  <a:lumMod val="75000"/>
+                </a:schemeClr>
+              </a:solidFill>
+            </a:endParaRPr>
+          </a:p>
+          <a:p>
+            <a:endParaRPr lang="ru-RU" dirty="0"/>
+          </a:p>
+        </p:txBody>
+      </p:sp>
     </p:spTree>
   </p:cSld>
   <p:clrMapOvr>
     <a:masterClrMapping/>
   </p:clrMapOvr>
+  <p:timing>
+    <p:tnLst>
+      <p:par>
+        <p:cTn id="1" dur="indefinite" restart="never" nodeType="tmRoot"/>
+      </p:par>
+    </p:tnLst>
+  </p:timing>
 </p:sld>
 </file>
 
@@ -6799,11 +8433,977 @@
           </a:p>
         </p:txBody>
       </p:sp>
+      <p:sp>
+        <p:nvSpPr>
+          <p:cNvPr id="5" name="Прямоугольник 4"/>
+          <p:cNvSpPr/>
+          <p:nvPr/>
+        </p:nvSpPr>
+        <p:spPr>
+          <a:xfrm>
+            <a:off x="0" y="2132856"/>
+            <a:ext cx="8604448" cy="1569660"/>
+          </a:xfrm>
+          <a:prstGeom prst="rect">
+            <a:avLst/>
+          </a:prstGeom>
+          <a:noFill/>
+        </p:spPr>
+        <p:txBody>
+          <a:bodyPr wrap="square" lIns="91440" tIns="45720" rIns="91440" bIns="45720" numCol="2" anchor="ctr">
+            <a:spAutoFit/>
+          </a:bodyPr>
+          <a:lstStyle/>
+          <a:p>
+            <a:pPr algn="ctr">
+              <a:buFont typeface="Arial" pitchFamily="34" charset="0"/>
+              <a:buChar char="•"/>
+            </a:pPr>
+            <a:r>
+              <a:rPr lang="ru-RU" sz="2400" b="1" dirty="0" smtClean="0">
+                <a:ln w="12700">
+                  <a:solidFill>
+                    <a:schemeClr val="tx2">
+                      <a:satMod val="155000"/>
+                    </a:schemeClr>
+                  </a:solidFill>
+                  <a:prstDash val="solid"/>
+                </a:ln>
+                <a:solidFill>
+                  <a:schemeClr val="bg2">
+                    <a:tint val="85000"/>
+                    <a:satMod val="155000"/>
+                  </a:schemeClr>
+                </a:solidFill>
+                <a:effectLst>
+                  <a:outerShdw blurRad="41275" dist="20320" dir="1800000" algn="tl" rotWithShape="0">
+                    <a:srgbClr val="000000">
+                      <a:alpha val="40000"/>
+                    </a:srgbClr>
+                  </a:outerShdw>
+                </a:effectLst>
+              </a:rPr>
+              <a:t>Проследить влияние сети интернет на подростка.</a:t>
+            </a:r>
+          </a:p>
+          <a:p>
+            <a:pPr algn="ctr">
+              <a:buFont typeface="Arial" pitchFamily="34" charset="0"/>
+              <a:buChar char="•"/>
+            </a:pPr>
+            <a:endParaRPr lang="ru-RU" sz="2400" b="1" dirty="0" smtClean="0">
+              <a:ln w="12700">
+                <a:solidFill>
+                  <a:schemeClr val="tx2">
+                    <a:satMod val="155000"/>
+                  </a:schemeClr>
+                </a:solidFill>
+                <a:prstDash val="solid"/>
+              </a:ln>
+              <a:solidFill>
+                <a:schemeClr val="bg2">
+                  <a:tint val="85000"/>
+                  <a:satMod val="155000"/>
+                </a:schemeClr>
+              </a:solidFill>
+              <a:effectLst>
+                <a:outerShdw blurRad="41275" dist="20320" dir="1800000" algn="tl" rotWithShape="0">
+                  <a:srgbClr val="000000">
+                    <a:alpha val="40000"/>
+                  </a:srgbClr>
+                </a:outerShdw>
+              </a:effectLst>
+            </a:endParaRPr>
+          </a:p>
+          <a:p>
+            <a:pPr algn="ctr">
+              <a:buFont typeface="Arial" pitchFamily="34" charset="0"/>
+              <a:buChar char="•"/>
+            </a:pPr>
+            <a:r>
+              <a:rPr lang="ru-RU" sz="2400" b="1" dirty="0" smtClean="0">
+                <a:ln w="12700">
+                  <a:solidFill>
+                    <a:schemeClr val="tx2">
+                      <a:satMod val="155000"/>
+                    </a:schemeClr>
+                  </a:solidFill>
+                  <a:prstDash val="solid"/>
+                </a:ln>
+                <a:solidFill>
+                  <a:schemeClr val="bg2">
+                    <a:tint val="85000"/>
+                    <a:satMod val="155000"/>
+                  </a:schemeClr>
+                </a:solidFill>
+                <a:effectLst>
+                  <a:outerShdw blurRad="41275" dist="20320" dir="1800000" algn="tl" rotWithShape="0">
+                    <a:srgbClr val="000000">
+                      <a:alpha val="40000"/>
+                    </a:srgbClr>
+                  </a:outerShdw>
+                </a:effectLst>
+              </a:rPr>
+              <a:t>Составить памятку по профилактике </a:t>
+            </a:r>
+            <a:r>
+              <a:rPr lang="ru-RU" sz="2400" b="1" dirty="0" err="1" smtClean="0">
+                <a:ln w="12700">
+                  <a:solidFill>
+                    <a:schemeClr val="tx2">
+                      <a:satMod val="155000"/>
+                    </a:schemeClr>
+                  </a:solidFill>
+                  <a:prstDash val="solid"/>
+                </a:ln>
+                <a:solidFill>
+                  <a:schemeClr val="bg2">
+                    <a:tint val="85000"/>
+                    <a:satMod val="155000"/>
+                  </a:schemeClr>
+                </a:solidFill>
+                <a:effectLst>
+                  <a:outerShdw blurRad="41275" dist="20320" dir="1800000" algn="tl" rotWithShape="0">
+                    <a:srgbClr val="000000">
+                      <a:alpha val="40000"/>
+                    </a:srgbClr>
+                  </a:outerShdw>
+                </a:effectLst>
+              </a:rPr>
+              <a:t>интернет-зависимости</a:t>
+            </a:r>
+            <a:r>
+              <a:rPr lang="ru-RU" sz="2400" b="1" dirty="0" smtClean="0">
+                <a:ln w="12700">
+                  <a:solidFill>
+                    <a:schemeClr val="tx2">
+                      <a:satMod val="155000"/>
+                    </a:schemeClr>
+                  </a:solidFill>
+                  <a:prstDash val="solid"/>
+                </a:ln>
+                <a:solidFill>
+                  <a:schemeClr val="bg2">
+                    <a:tint val="85000"/>
+                    <a:satMod val="155000"/>
+                  </a:schemeClr>
+                </a:solidFill>
+                <a:effectLst>
+                  <a:outerShdw blurRad="41275" dist="20320" dir="1800000" algn="tl" rotWithShape="0">
+                    <a:srgbClr val="000000">
+                      <a:alpha val="40000"/>
+                    </a:srgbClr>
+                  </a:outerShdw>
+                </a:effectLst>
+              </a:rPr>
+              <a:t>.</a:t>
+            </a:r>
+            <a:endParaRPr lang="ru-RU" sz="2400" b="1" dirty="0">
+              <a:ln w="12700">
+                <a:solidFill>
+                  <a:schemeClr val="tx2">
+                    <a:satMod val="155000"/>
+                  </a:schemeClr>
+                </a:solidFill>
+                <a:prstDash val="solid"/>
+              </a:ln>
+              <a:solidFill>
+                <a:schemeClr val="bg2">
+                  <a:tint val="85000"/>
+                  <a:satMod val="155000"/>
+                </a:schemeClr>
+              </a:solidFill>
+              <a:effectLst>
+                <a:outerShdw blurRad="41275" dist="20320" dir="1800000" algn="tl" rotWithShape="0">
+                  <a:srgbClr val="000000">
+                    <a:alpha val="40000"/>
+                  </a:srgbClr>
+                </a:outerShdw>
+              </a:effectLst>
+            </a:endParaRPr>
+          </a:p>
+        </p:txBody>
+      </p:sp>
+      <p:sp>
+        <p:nvSpPr>
+          <p:cNvPr id="7" name="Прямоугольник 6"/>
+          <p:cNvSpPr/>
+          <p:nvPr/>
+        </p:nvSpPr>
+        <p:spPr>
+          <a:xfrm>
+            <a:off x="4391501" y="2967335"/>
+            <a:ext cx="360996" cy="923330"/>
+          </a:xfrm>
+          <a:prstGeom prst="rect">
+            <a:avLst/>
+          </a:prstGeom>
+          <a:noFill/>
+        </p:spPr>
+        <p:txBody>
+          <a:bodyPr wrap="none" lIns="91440" tIns="45720" rIns="91440" bIns="45720">
+            <a:spAutoFit/>
+          </a:bodyPr>
+          <a:lstStyle/>
+          <a:p>
+            <a:pPr algn="ctr"/>
+            <a:r>
+              <a:rPr lang="ru-RU" sz="5400" b="1" cap="none" spc="0" dirty="0" smtClean="0">
+                <a:ln w="17780" cmpd="sng">
+                  <a:solidFill>
+                    <a:srgbClr val="FFFFFF"/>
+                  </a:solidFill>
+                  <a:prstDash val="solid"/>
+                  <a:miter lim="800000"/>
+                </a:ln>
+                <a:gradFill rotWithShape="1">
+                  <a:gsLst>
+                    <a:gs pos="0">
+                      <a:srgbClr val="000000">
+                        <a:tint val="92000"/>
+                        <a:shade val="100000"/>
+                        <a:satMod val="150000"/>
+                      </a:srgbClr>
+                    </a:gs>
+                    <a:gs pos="49000">
+                      <a:srgbClr val="000000">
+                        <a:tint val="89000"/>
+                        <a:shade val="90000"/>
+                        <a:satMod val="150000"/>
+                      </a:srgbClr>
+                    </a:gs>
+                    <a:gs pos="50000">
+                      <a:srgbClr val="000000">
+                        <a:tint val="100000"/>
+                        <a:shade val="75000"/>
+                        <a:satMod val="150000"/>
+                      </a:srgbClr>
+                    </a:gs>
+                    <a:gs pos="95000">
+                      <a:srgbClr val="000000">
+                        <a:shade val="47000"/>
+                        <a:satMod val="150000"/>
+                      </a:srgbClr>
+                    </a:gs>
+                    <a:gs pos="100000">
+                      <a:srgbClr val="000000">
+                        <a:shade val="39000"/>
+                        <a:satMod val="150000"/>
+                      </a:srgbClr>
+                    </a:gs>
+                  </a:gsLst>
+                  <a:lin ang="5400000"/>
+                </a:gradFill>
+                <a:effectLst>
+                  <a:outerShdw blurRad="50800" algn="tl" rotWithShape="0">
+                    <a:srgbClr val="000000"/>
+                  </a:outerShdw>
+                </a:effectLst>
+              </a:rPr>
+              <a:t> </a:t>
+            </a:r>
+            <a:endParaRPr lang="ru-RU" sz="5400" b="1" cap="none" spc="0" dirty="0">
+              <a:ln w="17780" cmpd="sng">
+                <a:solidFill>
+                  <a:srgbClr val="FFFFFF"/>
+                </a:solidFill>
+                <a:prstDash val="solid"/>
+                <a:miter lim="800000"/>
+              </a:ln>
+              <a:gradFill rotWithShape="1">
+                <a:gsLst>
+                  <a:gs pos="0">
+                    <a:srgbClr val="000000">
+                      <a:tint val="92000"/>
+                      <a:shade val="100000"/>
+                      <a:satMod val="150000"/>
+                    </a:srgbClr>
+                  </a:gs>
+                  <a:gs pos="49000">
+                    <a:srgbClr val="000000">
+                      <a:tint val="89000"/>
+                      <a:shade val="90000"/>
+                      <a:satMod val="150000"/>
+                    </a:srgbClr>
+                  </a:gs>
+                  <a:gs pos="50000">
+                    <a:srgbClr val="000000">
+                      <a:tint val="100000"/>
+                      <a:shade val="75000"/>
+                      <a:satMod val="150000"/>
+                    </a:srgbClr>
+                  </a:gs>
+                  <a:gs pos="95000">
+                    <a:srgbClr val="000000">
+                      <a:shade val="47000"/>
+                      <a:satMod val="150000"/>
+                    </a:srgbClr>
+                  </a:gs>
+                  <a:gs pos="100000">
+                    <a:srgbClr val="000000">
+                      <a:shade val="39000"/>
+                      <a:satMod val="150000"/>
+                    </a:srgbClr>
+                  </a:gs>
+                </a:gsLst>
+                <a:lin ang="5400000"/>
+              </a:gradFill>
+              <a:effectLst>
+                <a:outerShdw blurRad="50800" algn="tl" rotWithShape="0">
+                  <a:srgbClr val="000000"/>
+                </a:outerShdw>
+              </a:effectLst>
+            </a:endParaRPr>
+          </a:p>
+        </p:txBody>
+      </p:sp>
+      <p:sp>
+        <p:nvSpPr>
+          <p:cNvPr id="10" name="Прямоугольник 9"/>
+          <p:cNvSpPr/>
+          <p:nvPr/>
+        </p:nvSpPr>
+        <p:spPr>
+          <a:xfrm>
+            <a:off x="539552" y="1412776"/>
+            <a:ext cx="1301958" cy="584775"/>
+          </a:xfrm>
+          <a:prstGeom prst="rect">
+            <a:avLst/>
+          </a:prstGeom>
+          <a:noFill/>
+        </p:spPr>
+        <p:txBody>
+          <a:bodyPr wrap="none" lIns="91440" tIns="45720" rIns="91440" bIns="45720">
+            <a:spAutoFit/>
+          </a:bodyPr>
+          <a:lstStyle/>
+          <a:p>
+            <a:pPr algn="ctr"/>
+            <a:r>
+              <a:rPr lang="ru-RU" sz="3200" b="1" cap="none" spc="0" dirty="0" smtClean="0">
+                <a:ln w="12700">
+                  <a:solidFill>
+                    <a:schemeClr val="tx2">
+                      <a:satMod val="155000"/>
+                    </a:schemeClr>
+                  </a:solidFill>
+                  <a:prstDash val="solid"/>
+                </a:ln>
+                <a:solidFill>
+                  <a:schemeClr val="bg2">
+                    <a:tint val="85000"/>
+                    <a:satMod val="155000"/>
+                  </a:schemeClr>
+                </a:solidFill>
+                <a:effectLst>
+                  <a:outerShdw blurRad="41275" dist="20320" dir="1800000" algn="tl" rotWithShape="0">
+                    <a:srgbClr val="000000">
+                      <a:alpha val="40000"/>
+                    </a:srgbClr>
+                  </a:outerShdw>
+                </a:effectLst>
+              </a:rPr>
+              <a:t>Цель</a:t>
+            </a:r>
+            <a:endParaRPr lang="ru-RU" sz="3200" b="1" cap="none" spc="0" dirty="0">
+              <a:ln w="12700">
+                <a:solidFill>
+                  <a:schemeClr val="tx2">
+                    <a:satMod val="155000"/>
+                  </a:schemeClr>
+                </a:solidFill>
+                <a:prstDash val="solid"/>
+              </a:ln>
+              <a:solidFill>
+                <a:schemeClr val="bg2">
+                  <a:tint val="85000"/>
+                  <a:satMod val="155000"/>
+                </a:schemeClr>
+              </a:solidFill>
+              <a:effectLst>
+                <a:outerShdw blurRad="41275" dist="20320" dir="1800000" algn="tl" rotWithShape="0">
+                  <a:srgbClr val="000000">
+                    <a:alpha val="40000"/>
+                  </a:srgbClr>
+                </a:outerShdw>
+              </a:effectLst>
+            </a:endParaRPr>
+          </a:p>
+        </p:txBody>
+      </p:sp>
+      <p:sp>
+        <p:nvSpPr>
+          <p:cNvPr id="11" name="TextBox 10"/>
+          <p:cNvSpPr txBox="1"/>
+          <p:nvPr/>
+        </p:nvSpPr>
+        <p:spPr>
+          <a:xfrm>
+            <a:off x="467544" y="3789040"/>
+            <a:ext cx="8424936" cy="2585323"/>
+          </a:xfrm>
+          <a:prstGeom prst="rect">
+            <a:avLst/>
+          </a:prstGeom>
+          <a:noFill/>
+        </p:spPr>
+        <p:txBody>
+          <a:bodyPr wrap="square" rtlCol="0">
+            <a:spAutoFit/>
+          </a:bodyPr>
+          <a:lstStyle/>
+          <a:p>
+            <a:pPr>
+              <a:lnSpc>
+                <a:spcPct val="150000"/>
+              </a:lnSpc>
+            </a:pPr>
+            <a:r>
+              <a:rPr lang="ru-RU" sz="1600" b="1" dirty="0" smtClean="0">
+                <a:solidFill>
+                  <a:schemeClr val="tx2">
+                    <a:lumMod val="75000"/>
+                  </a:schemeClr>
+                </a:solidFill>
+              </a:rPr>
+              <a:t>Задачи:</a:t>
+            </a:r>
+            <a:r>
+              <a:rPr lang="ru-RU" sz="1600" dirty="0" smtClean="0">
+                <a:solidFill>
+                  <a:schemeClr val="tx2">
+                    <a:lumMod val="75000"/>
+                  </a:schemeClr>
+                </a:solidFill>
+              </a:rPr>
+              <a:t> </a:t>
+            </a:r>
+          </a:p>
+          <a:p>
+            <a:pPr lvl="0">
+              <a:lnSpc>
+                <a:spcPct val="150000"/>
+              </a:lnSpc>
+              <a:buFont typeface="Arial" pitchFamily="34" charset="0"/>
+              <a:buChar char="•"/>
+            </a:pPr>
+            <a:r>
+              <a:rPr lang="ru-RU" sz="1600" dirty="0" smtClean="0">
+                <a:solidFill>
+                  <a:schemeClr val="tx2">
+                    <a:lumMod val="75000"/>
+                  </a:schemeClr>
+                </a:solidFill>
+              </a:rPr>
+              <a:t>Выяснить, что такое интернет?</a:t>
+            </a:r>
+          </a:p>
+          <a:p>
+            <a:pPr lvl="0">
+              <a:lnSpc>
+                <a:spcPct val="150000"/>
+              </a:lnSpc>
+              <a:buFont typeface="Arial" pitchFamily="34" charset="0"/>
+              <a:buChar char="•"/>
+            </a:pPr>
+            <a:r>
+              <a:rPr lang="ru-RU" sz="1600" dirty="0" smtClean="0">
+                <a:solidFill>
+                  <a:schemeClr val="tx2">
+                    <a:lumMod val="75000"/>
+                  </a:schemeClr>
+                </a:solidFill>
+              </a:rPr>
+              <a:t>Определить положительное и отрицательное влияние интернета.</a:t>
+            </a:r>
+          </a:p>
+          <a:p>
+            <a:pPr lvl="0">
+              <a:lnSpc>
+                <a:spcPct val="150000"/>
+              </a:lnSpc>
+              <a:buFont typeface="Arial" pitchFamily="34" charset="0"/>
+              <a:buChar char="•"/>
+            </a:pPr>
+            <a:r>
+              <a:rPr lang="ru-RU" sz="1600" dirty="0" smtClean="0">
+                <a:solidFill>
+                  <a:schemeClr val="tx2">
+                    <a:lumMod val="75000"/>
+                  </a:schemeClr>
+                </a:solidFill>
+              </a:rPr>
+              <a:t>Разработать анкету и провести анкетирование подростков .</a:t>
+            </a:r>
+          </a:p>
+          <a:p>
+            <a:pPr lvl="0">
+              <a:lnSpc>
+                <a:spcPct val="150000"/>
+              </a:lnSpc>
+              <a:buFont typeface="Arial" pitchFamily="34" charset="0"/>
+              <a:buChar char="•"/>
+            </a:pPr>
+            <a:r>
+              <a:rPr lang="ru-RU" sz="1600" dirty="0" smtClean="0">
+                <a:solidFill>
+                  <a:schemeClr val="tx2">
+                    <a:lumMod val="75000"/>
+                  </a:schemeClr>
+                </a:solidFill>
+              </a:rPr>
+              <a:t>Рассмотреть профилактические меры от </a:t>
+            </a:r>
+            <a:r>
+              <a:rPr lang="ru-RU" sz="1600" dirty="0" err="1" smtClean="0">
+                <a:solidFill>
+                  <a:schemeClr val="tx2">
+                    <a:lumMod val="75000"/>
+                  </a:schemeClr>
+                </a:solidFill>
+              </a:rPr>
+              <a:t>интернет-зависимости</a:t>
+            </a:r>
+            <a:r>
+              <a:rPr lang="ru-RU" sz="1600" dirty="0" smtClean="0">
+                <a:solidFill>
+                  <a:schemeClr val="tx2">
+                    <a:lumMod val="75000"/>
+                  </a:schemeClr>
+                </a:solidFill>
+              </a:rPr>
+              <a:t>.</a:t>
+            </a:r>
+          </a:p>
+          <a:p>
+            <a:pPr>
+              <a:lnSpc>
+                <a:spcPct val="150000"/>
+              </a:lnSpc>
+              <a:buFont typeface="Arial" pitchFamily="34" charset="0"/>
+              <a:buChar char="•"/>
+            </a:pPr>
+            <a:r>
+              <a:rPr lang="ru-RU" sz="1600" dirty="0" smtClean="0">
+                <a:solidFill>
+                  <a:schemeClr val="tx2">
+                    <a:lumMod val="75000"/>
+                  </a:schemeClr>
+                </a:solidFill>
+              </a:rPr>
+              <a:t>Сделать памятку с рекомендациями по профилактике </a:t>
+            </a:r>
+            <a:r>
+              <a:rPr lang="ru-RU" sz="1600" dirty="0" err="1" smtClean="0">
+                <a:solidFill>
+                  <a:schemeClr val="tx2">
+                    <a:lumMod val="75000"/>
+                  </a:schemeClr>
+                </a:solidFill>
+              </a:rPr>
+              <a:t>интернет-зависимости</a:t>
+            </a:r>
+            <a:r>
+              <a:rPr lang="ru-RU" sz="1600" dirty="0" smtClean="0">
+                <a:solidFill>
+                  <a:schemeClr val="tx2">
+                    <a:lumMod val="75000"/>
+                  </a:schemeClr>
+                </a:solidFill>
+              </a:rPr>
+              <a:t>.</a:t>
+            </a:r>
+          </a:p>
+          <a:p>
+            <a:endParaRPr lang="ru-RU" dirty="0"/>
+          </a:p>
+        </p:txBody>
+      </p:sp>
     </p:spTree>
   </p:cSld>
   <p:clrMapOvr>
     <a:masterClrMapping/>
   </p:clrMapOvr>
+  <p:timing>
+    <p:tnLst>
+      <p:par>
+        <p:cTn id="1" dur="indefinite" restart="never" nodeType="tmRoot"/>
+      </p:par>
+    </p:tnLst>
+  </p:timing>
+</p:sld>
+</file>
+
+<file path=ppt/slides/slide4.xml><?xml version="1.0" encoding="utf-8"?>
+<p:sld xmlns:a="http://schemas.openxmlformats.org/drawingml/2006/main" xmlns:r="http://schemas.openxmlformats.org/officeDocument/2006/relationships" xmlns:p="http://schemas.openxmlformats.org/presentationml/2006/main">
+  <p:cSld>
+    <p:spTree>
+      <p:nvGrpSpPr>
+        <p:cNvPr id="1" name=""/>
+        <p:cNvGrpSpPr/>
+        <p:nvPr/>
+      </p:nvGrpSpPr>
+      <p:grpSpPr>
+        <a:xfrm>
+          <a:off x="0" y="0"/>
+          <a:ext cx="0" cy="0"/>
+          <a:chOff x="0" y="0"/>
+          <a:chExt cx="0" cy="0"/>
+        </a:xfrm>
+      </p:grpSpPr>
+      <p:sp>
+        <p:nvSpPr>
+          <p:cNvPr id="2" name="Заголовок 1"/>
+          <p:cNvSpPr>
+            <a:spLocks noGrp="1"/>
+          </p:cNvSpPr>
+          <p:nvPr>
+            <p:ph type="title"/>
+          </p:nvPr>
+        </p:nvSpPr>
+        <p:spPr/>
+        <p:txBody>
+          <a:bodyPr/>
+          <a:lstStyle/>
+          <a:p>
+            <a:r>
+              <a:rPr lang="ru-RU" dirty="0" smtClean="0"/>
+              <a:t>Что такое интернет?</a:t>
+            </a:r>
+            <a:endParaRPr lang="ru-RU" dirty="0"/>
+          </a:p>
+        </p:txBody>
+      </p:sp>
+      <p:sp>
+        <p:nvSpPr>
+          <p:cNvPr id="3" name="TextBox 2"/>
+          <p:cNvSpPr txBox="1"/>
+          <p:nvPr/>
+        </p:nvSpPr>
+        <p:spPr>
+          <a:xfrm>
+            <a:off x="179512" y="1700808"/>
+            <a:ext cx="8784976" cy="1384995"/>
+          </a:xfrm>
+          <a:prstGeom prst="rect">
+            <a:avLst/>
+          </a:prstGeom>
+          <a:noFill/>
+        </p:spPr>
+        <p:txBody>
+          <a:bodyPr wrap="square" rtlCol="0">
+            <a:spAutoFit/>
+          </a:bodyPr>
+          <a:lstStyle/>
+          <a:p>
+            <a:r>
+              <a:rPr lang="ru-RU" sz="2800" b="1" dirty="0" smtClean="0">
+                <a:solidFill>
+                  <a:schemeClr val="tx2">
+                    <a:lumMod val="75000"/>
+                  </a:schemeClr>
+                </a:solidFill>
+              </a:rPr>
+              <a:t>Интернет</a:t>
+            </a:r>
+            <a:r>
+              <a:rPr lang="ru-RU" sz="2800" dirty="0" smtClean="0">
+                <a:solidFill>
+                  <a:schemeClr val="tx2">
+                    <a:lumMod val="75000"/>
+                  </a:schemeClr>
+                </a:solidFill>
+              </a:rPr>
+              <a:t> – это </a:t>
+            </a:r>
+            <a:r>
+              <a:rPr lang="ru-RU" sz="2800" dirty="0" smtClean="0">
+                <a:solidFill>
+                  <a:schemeClr val="tx2">
+                    <a:lumMod val="75000"/>
+                  </a:schemeClr>
+                </a:solidFill>
+              </a:rPr>
+              <a:t>глобальная информационная  </a:t>
+            </a:r>
+            <a:r>
+              <a:rPr lang="ru-RU" sz="2800" dirty="0" smtClean="0">
+                <a:solidFill>
+                  <a:schemeClr val="tx2">
+                    <a:lumMod val="75000"/>
+                  </a:schemeClr>
+                </a:solidFill>
+              </a:rPr>
+              <a:t>сеть, которая объединяет огромное количество компьютеров по </a:t>
+            </a:r>
+            <a:r>
+              <a:rPr lang="ru-RU" sz="2800" dirty="0" smtClean="0">
+                <a:solidFill>
+                  <a:schemeClr val="tx2">
+                    <a:lumMod val="75000"/>
+                  </a:schemeClr>
+                </a:solidFill>
+              </a:rPr>
+              <a:t>всему миру.</a:t>
+            </a:r>
+            <a:endParaRPr lang="ru-RU" sz="2800" dirty="0">
+              <a:solidFill>
+                <a:schemeClr val="tx2">
+                  <a:lumMod val="75000"/>
+                </a:schemeClr>
+              </a:solidFill>
+            </a:endParaRPr>
+          </a:p>
+        </p:txBody>
+      </p:sp>
+      <p:sp>
+        <p:nvSpPr>
+          <p:cNvPr id="4" name="TextBox 3"/>
+          <p:cNvSpPr txBox="1"/>
+          <p:nvPr/>
+        </p:nvSpPr>
+        <p:spPr>
+          <a:xfrm>
+            <a:off x="179512" y="3284984"/>
+            <a:ext cx="8784976" cy="2092881"/>
+          </a:xfrm>
+          <a:prstGeom prst="rect">
+            <a:avLst/>
+          </a:prstGeom>
+          <a:noFill/>
+        </p:spPr>
+        <p:txBody>
+          <a:bodyPr wrap="square" rtlCol="0">
+            <a:spAutoFit/>
+          </a:bodyPr>
+          <a:lstStyle/>
+          <a:p>
+            <a:r>
+              <a:rPr lang="ru-RU" sz="2800" dirty="0" smtClean="0">
+                <a:solidFill>
+                  <a:schemeClr val="tx2">
+                    <a:lumMod val="75000"/>
+                  </a:schemeClr>
+                </a:solidFill>
+              </a:rPr>
+              <a:t>Пользование </a:t>
+            </a:r>
+            <a:r>
+              <a:rPr lang="ru-RU" sz="2800" dirty="0" smtClean="0">
+                <a:solidFill>
+                  <a:schemeClr val="tx2">
+                    <a:lumMod val="75000"/>
+                  </a:schemeClr>
+                </a:solidFill>
+              </a:rPr>
+              <a:t>интернетом </a:t>
+            </a:r>
+            <a:r>
+              <a:rPr lang="ru-RU" sz="2800" dirty="0" smtClean="0">
+                <a:solidFill>
+                  <a:schemeClr val="tx2">
+                    <a:lumMod val="75000"/>
+                  </a:schemeClr>
+                </a:solidFill>
+              </a:rPr>
+              <a:t>имеет огромное количество </a:t>
+            </a:r>
+            <a:r>
+              <a:rPr lang="ru-RU" sz="2800" b="1" dirty="0" smtClean="0">
+                <a:solidFill>
+                  <a:schemeClr val="tx2">
+                    <a:lumMod val="75000"/>
+                  </a:schemeClr>
+                </a:solidFill>
+              </a:rPr>
+              <a:t>ПРЕИМУЩЕСТВ</a:t>
+            </a:r>
+            <a:r>
+              <a:rPr lang="ru-RU" sz="2800" dirty="0" smtClean="0">
+                <a:solidFill>
+                  <a:schemeClr val="tx2">
+                    <a:lumMod val="75000"/>
+                  </a:schemeClr>
+                </a:solidFill>
+              </a:rPr>
+              <a:t>, </a:t>
+            </a:r>
+            <a:r>
+              <a:rPr lang="ru-RU" sz="2800" dirty="0" smtClean="0">
+                <a:solidFill>
+                  <a:schemeClr val="tx2">
+                    <a:lumMod val="75000"/>
+                  </a:schemeClr>
+                </a:solidFill>
+              </a:rPr>
+              <a:t>но нельзя отрицать и то, что </a:t>
+            </a:r>
+            <a:r>
+              <a:rPr lang="ru-RU" sz="2800" dirty="0" smtClean="0">
+                <a:solidFill>
+                  <a:schemeClr val="tx2">
+                    <a:lumMod val="75000"/>
+                  </a:schemeClr>
+                </a:solidFill>
+              </a:rPr>
+              <a:t>у интернета, как и у всего, есть свои </a:t>
+            </a:r>
+            <a:r>
+              <a:rPr lang="ru-RU" sz="2800" b="1" dirty="0" smtClean="0">
+                <a:solidFill>
+                  <a:schemeClr val="tx2">
+                    <a:lumMod val="75000"/>
+                  </a:schemeClr>
+                </a:solidFill>
+              </a:rPr>
+              <a:t>НЕДОСТАТКИ</a:t>
+            </a:r>
+            <a:r>
+              <a:rPr lang="ru-RU" sz="2800" dirty="0" smtClean="0">
+                <a:solidFill>
+                  <a:schemeClr val="tx2">
+                    <a:lumMod val="75000"/>
+                  </a:schemeClr>
+                </a:solidFill>
+              </a:rPr>
+              <a:t>.</a:t>
+            </a:r>
+            <a:endParaRPr lang="ru-RU" sz="2800" dirty="0" smtClean="0">
+              <a:solidFill>
+                <a:schemeClr val="tx2">
+                  <a:lumMod val="75000"/>
+                </a:schemeClr>
+              </a:solidFill>
+            </a:endParaRPr>
+          </a:p>
+          <a:p>
+            <a:endParaRPr lang="ru-RU" dirty="0"/>
+          </a:p>
+        </p:txBody>
+      </p:sp>
+    </p:spTree>
+  </p:cSld>
+  <p:clrMapOvr>
+    <a:masterClrMapping/>
+  </p:clrMapOvr>
+  <p:timing>
+    <p:tnLst>
+      <p:par>
+        <p:cTn id="1" dur="indefinite" restart="never" nodeType="tmRoot"/>
+      </p:par>
+    </p:tnLst>
+  </p:timing>
+</p:sld>
+</file>
+
+<file path=ppt/slides/slide5.xml><?xml version="1.0" encoding="utf-8"?>
+<p:sld xmlns:a="http://schemas.openxmlformats.org/drawingml/2006/main" xmlns:r="http://schemas.openxmlformats.org/officeDocument/2006/relationships" xmlns:p="http://schemas.openxmlformats.org/presentationml/2006/main">
+  <p:cSld>
+    <p:spTree>
+      <p:nvGrpSpPr>
+        <p:cNvPr id="1" name=""/>
+        <p:cNvGrpSpPr/>
+        <p:nvPr/>
+      </p:nvGrpSpPr>
+      <p:grpSpPr>
+        <a:xfrm>
+          <a:off x="0" y="0"/>
+          <a:ext cx="0" cy="0"/>
+          <a:chOff x="0" y="0"/>
+          <a:chExt cx="0" cy="0"/>
+        </a:xfrm>
+      </p:grpSpPr>
+      <p:sp>
+        <p:nvSpPr>
+          <p:cNvPr id="2" name="Заголовок 1"/>
+          <p:cNvSpPr>
+            <a:spLocks noGrp="1"/>
+          </p:cNvSpPr>
+          <p:nvPr>
+            <p:ph type="title"/>
+          </p:nvPr>
+        </p:nvSpPr>
+        <p:spPr/>
+        <p:txBody>
+          <a:bodyPr/>
+          <a:lstStyle/>
+          <a:p>
+            <a:r>
+              <a:rPr lang="ru-RU" dirty="0" smtClean="0"/>
+              <a:t>Положительное влияние</a:t>
+            </a:r>
+            <a:endParaRPr lang="ru-RU" dirty="0"/>
+          </a:p>
+        </p:txBody>
+      </p:sp>
+    </p:spTree>
+  </p:cSld>
+  <p:clrMapOvr>
+    <a:masterClrMapping/>
+  </p:clrMapOvr>
+  <p:timing>
+    <p:tnLst>
+      <p:par>
+        <p:cTn id="1" dur="indefinite" restart="never" nodeType="tmRoot"/>
+      </p:par>
+    </p:tnLst>
+  </p:timing>
+</p:sld>
+</file>
+
+<file path=ppt/slides/slide6.xml><?xml version="1.0" encoding="utf-8"?>
+<p:sld xmlns:a="http://schemas.openxmlformats.org/drawingml/2006/main" xmlns:r="http://schemas.openxmlformats.org/officeDocument/2006/relationships" xmlns:p="http://schemas.openxmlformats.org/presentationml/2006/main">
+  <p:cSld>
+    <p:spTree>
+      <p:nvGrpSpPr>
+        <p:cNvPr id="1" name=""/>
+        <p:cNvGrpSpPr/>
+        <p:nvPr/>
+      </p:nvGrpSpPr>
+      <p:grpSpPr>
+        <a:xfrm>
+          <a:off x="0" y="0"/>
+          <a:ext cx="0" cy="0"/>
+          <a:chOff x="0" y="0"/>
+          <a:chExt cx="0" cy="0"/>
+        </a:xfrm>
+      </p:grpSpPr>
+      <p:sp>
+        <p:nvSpPr>
+          <p:cNvPr id="2" name="Заголовок 1"/>
+          <p:cNvSpPr>
+            <a:spLocks noGrp="1"/>
+          </p:cNvSpPr>
+          <p:nvPr>
+            <p:ph type="title"/>
+          </p:nvPr>
+        </p:nvSpPr>
+        <p:spPr/>
+        <p:txBody>
+          <a:bodyPr/>
+          <a:lstStyle/>
+          <a:p>
+            <a:r>
+              <a:rPr lang="ru-RU" dirty="0" smtClean="0"/>
+              <a:t>Отрицательное влияние</a:t>
+            </a:r>
+            <a:endParaRPr lang="ru-RU" dirty="0"/>
+          </a:p>
+        </p:txBody>
+      </p:sp>
+    </p:spTree>
+  </p:cSld>
+  <p:clrMapOvr>
+    <a:masterClrMapping/>
+  </p:clrMapOvr>
+  <p:timing>
+    <p:tnLst>
+      <p:par>
+        <p:cTn id="1" dur="indefinite" restart="never" nodeType="tmRoot"/>
+      </p:par>
+    </p:tnLst>
+  </p:timing>
 </p:sld>
 </file>
 

--- a/Проект.pptx
+++ b/Проект.pptx
@@ -1,11 +1,11 @@
 
 <file path=ppt/presentation.xml><?xml version="1.0" encoding="utf-8"?>
-<p:presentation xmlns:a="http://schemas.openxmlformats.org/drawingml/2006/main" xmlns:r="http://schemas.openxmlformats.org/officeDocument/2006/relationships" xmlns:p="http://schemas.openxmlformats.org/presentationml/2006/main" saveSubsetFonts="1" bookmarkIdSeed="4">
+<p:presentation xmlns:a="http://schemas.openxmlformats.org/drawingml/2006/main" xmlns:r="http://schemas.openxmlformats.org/officeDocument/2006/relationships" xmlns:p="http://schemas.openxmlformats.org/presentationml/2006/main" saveSubsetFonts="1" bookmarkIdSeed="5">
   <p:sldMasterIdLst>
     <p:sldMasterId id="2147483720" r:id="rId1"/>
   </p:sldMasterIdLst>
   <p:notesMasterIdLst>
-    <p:notesMasterId r:id="rId8"/>
+    <p:notesMasterId r:id="rId14"/>
   </p:notesMasterIdLst>
   <p:sldIdLst>
     <p:sldId id="256" r:id="rId2"/>
@@ -14,6 +14,12 @@
     <p:sldId id="259" r:id="rId5"/>
     <p:sldId id="260" r:id="rId6"/>
     <p:sldId id="261" r:id="rId7"/>
+    <p:sldId id="262" r:id="rId8"/>
+    <p:sldId id="263" r:id="rId9"/>
+    <p:sldId id="264" r:id="rId10"/>
+    <p:sldId id="265" r:id="rId11"/>
+    <p:sldId id="266" r:id="rId12"/>
+    <p:sldId id="267" r:id="rId13"/>
   </p:sldIdLst>
   <p:sldSz cx="9144000" cy="6858000" type="screen4x3"/>
   <p:notesSz cx="6858000" cy="9144000"/>
@@ -198,7 +204,7 @@
             <a:fld id="{9436A96D-ED90-46F7-A0BB-11996F5C256E}" type="datetimeFigureOut">
               <a:rPr lang="ru-RU" smtClean="0"/>
               <a:pPr/>
-              <a:t>03.03.2024</a:t>
+              <a:t>04.03.2024</a:t>
             </a:fld>
             <a:endParaRPr lang="ru-RU"/>
           </a:p>
@@ -629,6 +635,423 @@
 </p:notes>
 </file>
 
+<file path=ppt/notesSlides/notesSlide10.xml><?xml version="1.0" encoding="utf-8"?>
+<p:notes xmlns:a="http://schemas.openxmlformats.org/drawingml/2006/main" xmlns:r="http://schemas.openxmlformats.org/officeDocument/2006/relationships" xmlns:p="http://schemas.openxmlformats.org/presentationml/2006/main">
+  <p:cSld>
+    <p:spTree>
+      <p:nvGrpSpPr>
+        <p:cNvPr id="1" name=""/>
+        <p:cNvGrpSpPr/>
+        <p:nvPr/>
+      </p:nvGrpSpPr>
+      <p:grpSpPr>
+        <a:xfrm>
+          <a:off x="0" y="0"/>
+          <a:ext cx="0" cy="0"/>
+          <a:chOff x="0" y="0"/>
+          <a:chExt cx="0" cy="0"/>
+        </a:xfrm>
+      </p:grpSpPr>
+      <p:sp>
+        <p:nvSpPr>
+          <p:cNvPr id="2" name="Образ слайда 1"/>
+          <p:cNvSpPr>
+            <a:spLocks noGrp="1" noRot="1" noChangeAspect="1"/>
+          </p:cNvSpPr>
+          <p:nvPr>
+            <p:ph type="sldImg"/>
+          </p:nvPr>
+        </p:nvSpPr>
+        <p:spPr/>
+      </p:sp>
+      <p:sp>
+        <p:nvSpPr>
+          <p:cNvPr id="3" name="Заметки 2"/>
+          <p:cNvSpPr>
+            <a:spLocks noGrp="1"/>
+          </p:cNvSpPr>
+          <p:nvPr>
+            <p:ph type="body" idx="1"/>
+          </p:nvPr>
+        </p:nvSpPr>
+        <p:spPr/>
+        <p:txBody>
+          <a:bodyPr>
+            <a:normAutofit/>
+          </a:bodyPr>
+          <a:lstStyle/>
+          <a:p>
+            <a:r>
+              <a:rPr lang="ru-RU" sz="1200" b="1" kern="1200" dirty="0" smtClean="0">
+                <a:solidFill>
+                  <a:schemeClr val="tx1"/>
+                </a:solidFill>
+                <a:latin typeface="+mn-lt"/>
+                <a:ea typeface="+mn-ea"/>
+                <a:cs typeface="+mn-cs"/>
+              </a:rPr>
+              <a:t>Профилактика </a:t>
+            </a:r>
+            <a:r>
+              <a:rPr lang="ru-RU" sz="1200" b="1" kern="1200" dirty="0" err="1" smtClean="0">
+                <a:solidFill>
+                  <a:schemeClr val="tx1"/>
+                </a:solidFill>
+                <a:latin typeface="+mn-lt"/>
+                <a:ea typeface="+mn-ea"/>
+                <a:cs typeface="+mn-cs"/>
+              </a:rPr>
+              <a:t>интернет-зависимости</a:t>
+            </a:r>
+            <a:r>
+              <a:rPr lang="ru-RU" sz="1200" b="1" kern="1200" dirty="0" smtClean="0">
+                <a:solidFill>
+                  <a:schemeClr val="tx1"/>
+                </a:solidFill>
+                <a:latin typeface="+mn-lt"/>
+                <a:ea typeface="+mn-ea"/>
+                <a:cs typeface="+mn-cs"/>
+              </a:rPr>
+              <a:t>:</a:t>
+            </a:r>
+          </a:p>
+          <a:p>
+            <a:pPr lvl="0"/>
+            <a:r>
+              <a:rPr lang="ru-RU" sz="1200" kern="1200" dirty="0" smtClean="0">
+                <a:solidFill>
+                  <a:schemeClr val="tx1"/>
+                </a:solidFill>
+                <a:latin typeface="+mn-lt"/>
+                <a:ea typeface="+mn-ea"/>
+                <a:cs typeface="+mn-cs"/>
+              </a:rPr>
+              <a:t>Установить точное количество времени для проведения в сети</a:t>
+            </a:r>
+          </a:p>
+          <a:p>
+            <a:pPr lvl="0"/>
+            <a:r>
+              <a:rPr lang="ru-RU" sz="1200" kern="1200" dirty="0" smtClean="0">
+                <a:solidFill>
+                  <a:schemeClr val="tx1"/>
+                </a:solidFill>
+                <a:latin typeface="+mn-lt"/>
+                <a:ea typeface="+mn-ea"/>
+                <a:cs typeface="+mn-cs"/>
+              </a:rPr>
+              <a:t>Иногда заставлять себя несколько дней подряд не выходить в интернет; </a:t>
+            </a:r>
+          </a:p>
+          <a:p>
+            <a:pPr lvl="0"/>
+            <a:r>
+              <a:rPr lang="ru-RU" sz="1200" kern="1200" dirty="0" smtClean="0">
+                <a:solidFill>
+                  <a:schemeClr val="tx1"/>
+                </a:solidFill>
+                <a:latin typeface="+mn-lt"/>
+                <a:ea typeface="+mn-ea"/>
+                <a:cs typeface="+mn-cs"/>
+              </a:rPr>
+              <a:t>Установить правило — не общаться в интернете в субботу и в воскресенье</a:t>
+            </a:r>
+          </a:p>
+          <a:p>
+            <a:pPr lvl="0"/>
+            <a:r>
+              <a:rPr lang="ru-RU" sz="1200" kern="1200" dirty="0" smtClean="0">
+                <a:solidFill>
+                  <a:schemeClr val="tx1"/>
+                </a:solidFill>
+                <a:latin typeface="+mn-lt"/>
+                <a:ea typeface="+mn-ea"/>
+                <a:cs typeface="+mn-cs"/>
+              </a:rPr>
+              <a:t>Насыщать реальную жизнь разнообразными событиями (хобби, общение, физическая активность, путешествия)</a:t>
+            </a:r>
+          </a:p>
+          <a:p>
+            <a:pPr lvl="0"/>
+            <a:r>
+              <a:rPr lang="ru-RU" sz="1200" kern="1200" dirty="0" smtClean="0">
+                <a:solidFill>
+                  <a:schemeClr val="tx1"/>
+                </a:solidFill>
+                <a:latin typeface="+mn-lt"/>
+                <a:ea typeface="+mn-ea"/>
+                <a:cs typeface="+mn-cs"/>
+              </a:rPr>
+              <a:t>Самому или с помощью специалиста выявить первопричину тяги к интернету и избавиться от нее.</a:t>
+            </a:r>
+          </a:p>
+          <a:p>
+            <a:pPr lvl="0"/>
+            <a:r>
+              <a:rPr lang="ru-RU" sz="1200" kern="1200" dirty="0" smtClean="0">
+                <a:solidFill>
+                  <a:schemeClr val="tx1"/>
+                </a:solidFill>
+                <a:latin typeface="+mn-lt"/>
+                <a:ea typeface="+mn-ea"/>
+                <a:cs typeface="+mn-cs"/>
+              </a:rPr>
+              <a:t>Следует помнить, что компьютерная зависимость реже проявляется у подростков, занимающихся спортом, поэтому хорошей идеей было бы заняться спортом, чтобы уделять достаточное время физическим нагрузкам.</a:t>
+            </a:r>
+          </a:p>
+          <a:p>
+            <a:pPr lvl="0"/>
+            <a:r>
+              <a:rPr lang="ru-RU" sz="1200" kern="1200" dirty="0" smtClean="0">
+                <a:solidFill>
+                  <a:schemeClr val="tx1"/>
+                </a:solidFill>
+                <a:latin typeface="+mn-lt"/>
+                <a:ea typeface="+mn-ea"/>
+                <a:cs typeface="+mn-cs"/>
+              </a:rPr>
+              <a:t>Будьте внимательны: вовремя заметить и предупредить появление и развитие компьютерной зависимости легче, нежели потом с ней бороться.</a:t>
+            </a:r>
+          </a:p>
+          <a:p>
+            <a:endParaRPr lang="ru-RU" dirty="0"/>
+          </a:p>
+        </p:txBody>
+      </p:sp>
+      <p:sp>
+        <p:nvSpPr>
+          <p:cNvPr id="4" name="Номер слайда 3"/>
+          <p:cNvSpPr>
+            <a:spLocks noGrp="1"/>
+          </p:cNvSpPr>
+          <p:nvPr>
+            <p:ph type="sldNum" sz="quarter" idx="10"/>
+          </p:nvPr>
+        </p:nvSpPr>
+        <p:spPr/>
+        <p:txBody>
+          <a:bodyPr/>
+          <a:lstStyle/>
+          <a:p>
+            <a:fld id="{09FDF26E-4884-4F82-8EF4-9001EE6CD5C3}" type="slidenum">
+              <a:rPr lang="ru-RU" smtClean="0"/>
+              <a:pPr/>
+              <a:t>10</a:t>
+            </a:fld>
+            <a:endParaRPr lang="ru-RU"/>
+          </a:p>
+        </p:txBody>
+      </p:sp>
+    </p:spTree>
+  </p:cSld>
+  <p:clrMapOvr>
+    <a:masterClrMapping/>
+  </p:clrMapOvr>
+</p:notes>
+</file>
+
+<file path=ppt/notesSlides/notesSlide11.xml><?xml version="1.0" encoding="utf-8"?>
+<p:notes xmlns:a="http://schemas.openxmlformats.org/drawingml/2006/main" xmlns:r="http://schemas.openxmlformats.org/officeDocument/2006/relationships" xmlns:p="http://schemas.openxmlformats.org/presentationml/2006/main">
+  <p:cSld>
+    <p:spTree>
+      <p:nvGrpSpPr>
+        <p:cNvPr id="1" name=""/>
+        <p:cNvGrpSpPr/>
+        <p:nvPr/>
+      </p:nvGrpSpPr>
+      <p:grpSpPr>
+        <a:xfrm>
+          <a:off x="0" y="0"/>
+          <a:ext cx="0" cy="0"/>
+          <a:chOff x="0" y="0"/>
+          <a:chExt cx="0" cy="0"/>
+        </a:xfrm>
+      </p:grpSpPr>
+      <p:sp>
+        <p:nvSpPr>
+          <p:cNvPr id="2" name="Образ слайда 1"/>
+          <p:cNvSpPr>
+            <a:spLocks noGrp="1" noRot="1" noChangeAspect="1"/>
+          </p:cNvSpPr>
+          <p:nvPr>
+            <p:ph type="sldImg"/>
+          </p:nvPr>
+        </p:nvSpPr>
+        <p:spPr/>
+      </p:sp>
+      <p:sp>
+        <p:nvSpPr>
+          <p:cNvPr id="3" name="Заметки 2"/>
+          <p:cNvSpPr>
+            <a:spLocks noGrp="1"/>
+          </p:cNvSpPr>
+          <p:nvPr>
+            <p:ph type="body" idx="1"/>
+          </p:nvPr>
+        </p:nvSpPr>
+        <p:spPr/>
+        <p:txBody>
+          <a:bodyPr>
+            <a:normAutofit/>
+          </a:bodyPr>
+          <a:lstStyle/>
+          <a:p>
+            <a:r>
+              <a:rPr lang="ru-RU" sz="1200" b="1" kern="1200" dirty="0" smtClean="0">
+                <a:solidFill>
+                  <a:schemeClr val="tx1"/>
+                </a:solidFill>
+                <a:latin typeface="+mn-lt"/>
+                <a:ea typeface="+mn-ea"/>
+                <a:cs typeface="+mn-cs"/>
+              </a:rPr>
+              <a:t>Вывод</a:t>
+            </a:r>
+          </a:p>
+          <a:p>
+            <a:r>
+              <a:rPr lang="ru-RU" sz="1200" kern="1200" dirty="0" smtClean="0">
+                <a:solidFill>
+                  <a:schemeClr val="tx1"/>
+                </a:solidFill>
+                <a:latin typeface="+mn-lt"/>
+                <a:ea typeface="+mn-ea"/>
+                <a:cs typeface="+mn-cs"/>
+              </a:rPr>
+              <a:t>Подводя итог, хочется сказать, что с каждым днем Интернет все больше и больше проникает в жизнь общества, если не использовать методы контроля времени, которое люди проводят в Интернете, то общество начнет деградировать. Как мне кажется, этот процесс уже начался, а что будет в будущем – зависит от нас самих. Неограниченное посещение Интернета – глобальная проблема, которую нужно решать.</a:t>
+            </a:r>
+          </a:p>
+          <a:p>
+            <a:endParaRPr lang="ru-RU" dirty="0"/>
+          </a:p>
+        </p:txBody>
+      </p:sp>
+      <p:sp>
+        <p:nvSpPr>
+          <p:cNvPr id="4" name="Номер слайда 3"/>
+          <p:cNvSpPr>
+            <a:spLocks noGrp="1"/>
+          </p:cNvSpPr>
+          <p:nvPr>
+            <p:ph type="sldNum" sz="quarter" idx="10"/>
+          </p:nvPr>
+        </p:nvSpPr>
+        <p:spPr/>
+        <p:txBody>
+          <a:bodyPr/>
+          <a:lstStyle/>
+          <a:p>
+            <a:fld id="{09FDF26E-4884-4F82-8EF4-9001EE6CD5C3}" type="slidenum">
+              <a:rPr lang="ru-RU" smtClean="0"/>
+              <a:pPr/>
+              <a:t>11</a:t>
+            </a:fld>
+            <a:endParaRPr lang="ru-RU"/>
+          </a:p>
+        </p:txBody>
+      </p:sp>
+    </p:spTree>
+  </p:cSld>
+  <p:clrMapOvr>
+    <a:masterClrMapping/>
+  </p:clrMapOvr>
+</p:notes>
+</file>
+
+<file path=ppt/notesSlides/notesSlide12.xml><?xml version="1.0" encoding="utf-8"?>
+<p:notes xmlns:a="http://schemas.openxmlformats.org/drawingml/2006/main" xmlns:r="http://schemas.openxmlformats.org/officeDocument/2006/relationships" xmlns:p="http://schemas.openxmlformats.org/presentationml/2006/main">
+  <p:cSld>
+    <p:spTree>
+      <p:nvGrpSpPr>
+        <p:cNvPr id="1" name=""/>
+        <p:cNvGrpSpPr/>
+        <p:nvPr/>
+      </p:nvGrpSpPr>
+      <p:grpSpPr>
+        <a:xfrm>
+          <a:off x="0" y="0"/>
+          <a:ext cx="0" cy="0"/>
+          <a:chOff x="0" y="0"/>
+          <a:chExt cx="0" cy="0"/>
+        </a:xfrm>
+      </p:grpSpPr>
+      <p:sp>
+        <p:nvSpPr>
+          <p:cNvPr id="2" name="Образ слайда 1"/>
+          <p:cNvSpPr>
+            <a:spLocks noGrp="1" noRot="1" noChangeAspect="1"/>
+          </p:cNvSpPr>
+          <p:nvPr>
+            <p:ph type="sldImg"/>
+          </p:nvPr>
+        </p:nvSpPr>
+        <p:spPr/>
+      </p:sp>
+      <p:sp>
+        <p:nvSpPr>
+          <p:cNvPr id="3" name="Заметки 2"/>
+          <p:cNvSpPr>
+            <a:spLocks noGrp="1"/>
+          </p:cNvSpPr>
+          <p:nvPr>
+            <p:ph type="body" idx="1"/>
+          </p:nvPr>
+        </p:nvSpPr>
+        <p:spPr/>
+        <p:txBody>
+          <a:bodyPr>
+            <a:normAutofit/>
+          </a:bodyPr>
+          <a:lstStyle/>
+          <a:p>
+            <a:r>
+              <a:rPr lang="ru-RU" smtClean="0"/>
+              <a:t>Спасибо</a:t>
+            </a:r>
+            <a:r>
+              <a:rPr lang="ru-RU" baseline="0" smtClean="0"/>
+              <a:t> за </a:t>
+            </a:r>
+            <a:r>
+              <a:rPr lang="ru-RU" baseline="0" dirty="0" smtClean="0"/>
+              <a:t>внимание!</a:t>
+            </a:r>
+            <a:endParaRPr lang="ru-RU" dirty="0"/>
+          </a:p>
+        </p:txBody>
+      </p:sp>
+      <p:sp>
+        <p:nvSpPr>
+          <p:cNvPr id="4" name="Номер слайда 3"/>
+          <p:cNvSpPr>
+            <a:spLocks noGrp="1"/>
+          </p:cNvSpPr>
+          <p:nvPr>
+            <p:ph type="sldNum" sz="quarter" idx="10"/>
+          </p:nvPr>
+        </p:nvSpPr>
+        <p:spPr/>
+        <p:txBody>
+          <a:bodyPr/>
+          <a:lstStyle/>
+          <a:p>
+            <a:fld id="{09FDF26E-4884-4F82-8EF4-9001EE6CD5C3}" type="slidenum">
+              <a:rPr lang="ru-RU" smtClean="0"/>
+              <a:pPr/>
+              <a:t>12</a:t>
+            </a:fld>
+            <a:endParaRPr lang="ru-RU"/>
+          </a:p>
+        </p:txBody>
+      </p:sp>
+    </p:spTree>
+  </p:cSld>
+  <p:clrMapOvr>
+    <a:masterClrMapping/>
+  </p:clrMapOvr>
+</p:notes>
+</file>
+
 <file path=ppt/notesSlides/notesSlide2.xml><?xml version="1.0" encoding="utf-8"?>
 <p:notes xmlns:a="http://schemas.openxmlformats.org/drawingml/2006/main" xmlns:r="http://schemas.openxmlformats.org/officeDocument/2006/relationships" xmlns:p="http://schemas.openxmlformats.org/presentationml/2006/main">
   <p:cSld>
@@ -1838,6 +2261,1358 @@
 </p:notes>
 </file>
 
+<file path=ppt/notesSlides/notesSlide6.xml><?xml version="1.0" encoding="utf-8"?>
+<p:notes xmlns:a="http://schemas.openxmlformats.org/drawingml/2006/main" xmlns:r="http://schemas.openxmlformats.org/officeDocument/2006/relationships" xmlns:p="http://schemas.openxmlformats.org/presentationml/2006/main">
+  <p:cSld>
+    <p:spTree>
+      <p:nvGrpSpPr>
+        <p:cNvPr id="1" name=""/>
+        <p:cNvGrpSpPr/>
+        <p:nvPr/>
+      </p:nvGrpSpPr>
+      <p:grpSpPr>
+        <a:xfrm>
+          <a:off x="0" y="0"/>
+          <a:ext cx="0" cy="0"/>
+          <a:chOff x="0" y="0"/>
+          <a:chExt cx="0" cy="0"/>
+        </a:xfrm>
+      </p:grpSpPr>
+      <p:sp>
+        <p:nvSpPr>
+          <p:cNvPr id="2" name="Образ слайда 1"/>
+          <p:cNvSpPr>
+            <a:spLocks noGrp="1" noRot="1" noChangeAspect="1"/>
+          </p:cNvSpPr>
+          <p:nvPr>
+            <p:ph type="sldImg"/>
+          </p:nvPr>
+        </p:nvSpPr>
+        <p:spPr/>
+      </p:sp>
+      <p:sp>
+        <p:nvSpPr>
+          <p:cNvPr id="3" name="Заметки 2"/>
+          <p:cNvSpPr>
+            <a:spLocks noGrp="1"/>
+          </p:cNvSpPr>
+          <p:nvPr>
+            <p:ph type="body" idx="1"/>
+          </p:nvPr>
+        </p:nvSpPr>
+        <p:spPr/>
+        <p:txBody>
+          <a:bodyPr>
+            <a:normAutofit fontScale="70000" lnSpcReduction="20000"/>
+          </a:bodyPr>
+          <a:lstStyle/>
+          <a:p>
+            <a:r>
+              <a:rPr lang="ru-RU" sz="1200" b="1" kern="1200" dirty="0" smtClean="0">
+                <a:solidFill>
+                  <a:schemeClr val="tx1"/>
+                </a:solidFill>
+                <a:latin typeface="+mn-lt"/>
+                <a:ea typeface="+mn-ea"/>
+                <a:cs typeface="+mn-cs"/>
+              </a:rPr>
+              <a:t>Отрицательное влияние интернета</a:t>
+            </a:r>
+          </a:p>
+          <a:p>
+            <a:r>
+              <a:rPr lang="ru-RU" sz="1200" kern="1200" dirty="0" smtClean="0">
+                <a:solidFill>
+                  <a:schemeClr val="tx1"/>
+                </a:solidFill>
+                <a:latin typeface="+mn-lt"/>
+                <a:ea typeface="+mn-ea"/>
+                <a:cs typeface="+mn-cs"/>
+              </a:rPr>
+              <a:t>Специалисты все чаще стали отмечать негативное влияние интернета на детей. При неблагоприятных условиях он вызывает зависимость, которая приводит к серьезным проблемам с психикой и здоровьем.</a:t>
+            </a:r>
+          </a:p>
+          <a:p>
+            <a:r>
+              <a:rPr lang="ru-RU" sz="1200" kern="1200" dirty="0" smtClean="0">
+                <a:solidFill>
+                  <a:schemeClr val="tx1"/>
+                </a:solidFill>
+                <a:latin typeface="+mn-lt"/>
+                <a:ea typeface="+mn-ea"/>
+                <a:cs typeface="+mn-cs"/>
+              </a:rPr>
+              <a:t> </a:t>
+            </a:r>
+          </a:p>
+          <a:p>
+            <a:r>
+              <a:rPr lang="ru-RU" sz="1200" b="1" kern="1200" dirty="0" smtClean="0">
+                <a:solidFill>
+                  <a:schemeClr val="tx1"/>
+                </a:solidFill>
+                <a:latin typeface="+mn-lt"/>
+                <a:ea typeface="+mn-ea"/>
+                <a:cs typeface="+mn-cs"/>
+              </a:rPr>
+              <a:t>Минусы:</a:t>
+            </a:r>
+            <a:endParaRPr lang="ru-RU" sz="1200" kern="1200" dirty="0" smtClean="0">
+              <a:solidFill>
+                <a:schemeClr val="tx1"/>
+              </a:solidFill>
+              <a:latin typeface="+mn-lt"/>
+              <a:ea typeface="+mn-ea"/>
+              <a:cs typeface="+mn-cs"/>
+            </a:endParaRPr>
+          </a:p>
+          <a:p>
+            <a:pPr lvl="0"/>
+            <a:r>
+              <a:rPr lang="ru-RU" sz="1200" b="1" kern="1200" dirty="0" smtClean="0">
+                <a:solidFill>
+                  <a:schemeClr val="tx1"/>
+                </a:solidFill>
+                <a:latin typeface="+mn-lt"/>
+                <a:ea typeface="+mn-ea"/>
+                <a:cs typeface="+mn-cs"/>
+              </a:rPr>
+              <a:t>Высокая вероятность получения недостоверной информации.</a:t>
+            </a:r>
+            <a:endParaRPr lang="ru-RU" sz="1200" kern="1200" dirty="0" smtClean="0">
+              <a:solidFill>
+                <a:schemeClr val="tx1"/>
+              </a:solidFill>
+              <a:latin typeface="+mn-lt"/>
+              <a:ea typeface="+mn-ea"/>
+              <a:cs typeface="+mn-cs"/>
+            </a:endParaRPr>
+          </a:p>
+          <a:p>
+            <a:r>
+              <a:rPr lang="ru-RU" sz="1200" kern="1200" dirty="0" smtClean="0">
+                <a:solidFill>
+                  <a:schemeClr val="tx1"/>
+                </a:solidFill>
+                <a:latin typeface="+mn-lt"/>
+                <a:ea typeface="+mn-ea"/>
+                <a:cs typeface="+mn-cs"/>
+              </a:rPr>
+              <a:t>К сожалению, пока еще не предусмотрено ответственности за публикацию тех или иных материалов. Она может вводить пользователей в заблуждение, а в некоторых случаях даже серьезно вредить им.</a:t>
+            </a:r>
+          </a:p>
+          <a:p>
+            <a:r>
+              <a:rPr lang="ru-RU" sz="1200" kern="1200" dirty="0" smtClean="0">
+                <a:solidFill>
+                  <a:schemeClr val="tx1"/>
+                </a:solidFill>
+                <a:latin typeface="+mn-lt"/>
+                <a:ea typeface="+mn-ea"/>
+                <a:cs typeface="+mn-cs"/>
+              </a:rPr>
+              <a:t> </a:t>
+            </a:r>
+          </a:p>
+          <a:p>
+            <a:pPr lvl="0"/>
+            <a:r>
+              <a:rPr lang="ru-RU" sz="1200" b="1" kern="1200" dirty="0" smtClean="0">
+                <a:solidFill>
+                  <a:schemeClr val="tx1"/>
+                </a:solidFill>
+                <a:latin typeface="+mn-lt"/>
+                <a:ea typeface="+mn-ea"/>
+                <a:cs typeface="+mn-cs"/>
+              </a:rPr>
+              <a:t>Потеря ценности живого общения.</a:t>
+            </a:r>
+            <a:endParaRPr lang="ru-RU" sz="1200" kern="1200" dirty="0" smtClean="0">
+              <a:solidFill>
+                <a:schemeClr val="tx1"/>
+              </a:solidFill>
+              <a:latin typeface="+mn-lt"/>
+              <a:ea typeface="+mn-ea"/>
+              <a:cs typeface="+mn-cs"/>
+            </a:endParaRPr>
+          </a:p>
+          <a:p>
+            <a:r>
+              <a:rPr lang="ru-RU" sz="1200" kern="1200" dirty="0" smtClean="0">
+                <a:solidFill>
+                  <a:schemeClr val="tx1"/>
+                </a:solidFill>
+                <a:latin typeface="+mn-lt"/>
+                <a:ea typeface="+mn-ea"/>
+                <a:cs typeface="+mn-cs"/>
+              </a:rPr>
+              <a:t>Люди стали чаще общаться с другими людьми через интернет, отказываясь от личных встреч.</a:t>
+            </a:r>
+          </a:p>
+          <a:p>
+            <a:r>
+              <a:rPr lang="ru-RU" sz="1200" kern="1200" dirty="0" smtClean="0">
+                <a:solidFill>
+                  <a:schemeClr val="tx1"/>
+                </a:solidFill>
+                <a:latin typeface="+mn-lt"/>
+                <a:ea typeface="+mn-ea"/>
+                <a:cs typeface="+mn-cs"/>
+              </a:rPr>
+              <a:t> </a:t>
+            </a:r>
+          </a:p>
+          <a:p>
+            <a:pPr lvl="0"/>
+            <a:r>
+              <a:rPr lang="ru-RU" sz="1200" b="1" kern="1200" dirty="0" smtClean="0">
+                <a:solidFill>
+                  <a:schemeClr val="tx1"/>
+                </a:solidFill>
+                <a:latin typeface="+mn-lt"/>
+                <a:ea typeface="+mn-ea"/>
+                <a:cs typeface="+mn-cs"/>
+              </a:rPr>
+              <a:t>Хорошим местом нахождения интернет стал и для мошенников.</a:t>
+            </a:r>
+            <a:endParaRPr lang="ru-RU" sz="1200" kern="1200" dirty="0" smtClean="0">
+              <a:solidFill>
+                <a:schemeClr val="tx1"/>
+              </a:solidFill>
+              <a:latin typeface="+mn-lt"/>
+              <a:ea typeface="+mn-ea"/>
+              <a:cs typeface="+mn-cs"/>
+            </a:endParaRPr>
+          </a:p>
+          <a:p>
+            <a:r>
+              <a:rPr lang="ru-RU" sz="1200" kern="1200" dirty="0" smtClean="0">
+                <a:solidFill>
+                  <a:schemeClr val="tx1"/>
+                </a:solidFill>
+                <a:latin typeface="+mn-lt"/>
+                <a:ea typeface="+mn-ea"/>
+                <a:cs typeface="+mn-cs"/>
+              </a:rPr>
+              <a:t>Несовершенство правовой базы позволяет им придумывать изощренные схемы обмана. Также увеличивается количество случаев мошенничества и привлечение к нему несовершеннолетних детей.</a:t>
+            </a:r>
+          </a:p>
+          <a:p>
+            <a:r>
+              <a:rPr lang="ru-RU" sz="1200" kern="1200" dirty="0" smtClean="0">
+                <a:solidFill>
+                  <a:schemeClr val="tx1"/>
+                </a:solidFill>
+                <a:latin typeface="+mn-lt"/>
+                <a:ea typeface="+mn-ea"/>
+                <a:cs typeface="+mn-cs"/>
+              </a:rPr>
+              <a:t> </a:t>
+            </a:r>
+          </a:p>
+          <a:p>
+            <a:pPr lvl="0"/>
+            <a:r>
+              <a:rPr lang="ru-RU" sz="1200" b="1" kern="1200" dirty="0" smtClean="0">
+                <a:solidFill>
+                  <a:schemeClr val="tx1"/>
+                </a:solidFill>
+                <a:latin typeface="+mn-lt"/>
+                <a:ea typeface="+mn-ea"/>
+                <a:cs typeface="+mn-cs"/>
+              </a:rPr>
+              <a:t>Снижение уровня образования.</a:t>
+            </a:r>
+            <a:endParaRPr lang="ru-RU" sz="1200" kern="1200" dirty="0" smtClean="0">
+              <a:solidFill>
+                <a:schemeClr val="tx1"/>
+              </a:solidFill>
+              <a:latin typeface="+mn-lt"/>
+              <a:ea typeface="+mn-ea"/>
+              <a:cs typeface="+mn-cs"/>
+            </a:endParaRPr>
+          </a:p>
+          <a:p>
+            <a:r>
+              <a:rPr lang="ru-RU" sz="1200" kern="1200" dirty="0" smtClean="0">
+                <a:solidFill>
+                  <a:schemeClr val="tx1"/>
+                </a:solidFill>
+                <a:latin typeface="+mn-lt"/>
+                <a:ea typeface="+mn-ea"/>
+                <a:cs typeface="+mn-cs"/>
+              </a:rPr>
+              <a:t>За счет возможности найти любую информацию в интернете. Школьники перестали посещать библиотеки и читать живые книги. Они предпочитают скачивать доклады и рефераты через интернет. Делать домашнее задание с помощью готовых решений. Тем самым они способствую снижению их уровня интеллекта. </a:t>
+            </a:r>
+          </a:p>
+          <a:p>
+            <a:r>
+              <a:rPr lang="ru-RU" sz="1200" kern="1200" dirty="0" smtClean="0">
+                <a:solidFill>
+                  <a:schemeClr val="tx1"/>
+                </a:solidFill>
+                <a:latin typeface="+mn-lt"/>
+                <a:ea typeface="+mn-ea"/>
+                <a:cs typeface="+mn-cs"/>
+              </a:rPr>
+              <a:t> </a:t>
+            </a:r>
+          </a:p>
+          <a:p>
+            <a:pPr lvl="0"/>
+            <a:r>
+              <a:rPr lang="ru-RU" sz="1200" b="1" kern="1200" dirty="0" smtClean="0">
+                <a:solidFill>
+                  <a:schemeClr val="tx1"/>
+                </a:solidFill>
+                <a:latin typeface="+mn-lt"/>
+                <a:ea typeface="+mn-ea"/>
+                <a:cs typeface="+mn-cs"/>
+              </a:rPr>
+              <a:t>Излишний поток информации.</a:t>
+            </a:r>
+            <a:endParaRPr lang="ru-RU" sz="1200" kern="1200" dirty="0" smtClean="0">
+              <a:solidFill>
+                <a:schemeClr val="tx1"/>
+              </a:solidFill>
+              <a:latin typeface="+mn-lt"/>
+              <a:ea typeface="+mn-ea"/>
+              <a:cs typeface="+mn-cs"/>
+            </a:endParaRPr>
+          </a:p>
+          <a:p>
+            <a:r>
+              <a:rPr lang="ru-RU" sz="1200" kern="1200" dirty="0" smtClean="0">
+                <a:solidFill>
+                  <a:schemeClr val="tx1"/>
+                </a:solidFill>
+                <a:latin typeface="+mn-lt"/>
+                <a:ea typeface="+mn-ea"/>
+                <a:cs typeface="+mn-cs"/>
+              </a:rPr>
+              <a:t>Большой поток информации и знаний, приходящий из интернета, а также неспособность их фильтровать и структурировать, сильно влияют на восприятие реальности, таким образом подросток начинает терять концентрацию над отдельными задачами и вскоре, привыкая к такому образу жизни, может потерять и к ней интерес, становясь не целеустремленным.</a:t>
+            </a:r>
+          </a:p>
+          <a:p>
+            <a:r>
+              <a:rPr lang="ru-RU" sz="1200" kern="1200" dirty="0" smtClean="0">
+                <a:solidFill>
+                  <a:schemeClr val="tx1"/>
+                </a:solidFill>
+                <a:latin typeface="+mn-lt"/>
+                <a:ea typeface="+mn-ea"/>
+                <a:cs typeface="+mn-cs"/>
+              </a:rPr>
+              <a:t> </a:t>
+            </a:r>
+          </a:p>
+          <a:p>
+            <a:pPr lvl="0"/>
+            <a:r>
+              <a:rPr lang="ru-RU" sz="1200" b="1" kern="1200" dirty="0" smtClean="0">
+                <a:solidFill>
+                  <a:schemeClr val="tx1"/>
+                </a:solidFill>
+                <a:latin typeface="+mn-lt"/>
+                <a:ea typeface="+mn-ea"/>
+                <a:cs typeface="+mn-cs"/>
+              </a:rPr>
+              <a:t>Психические расстройства. </a:t>
+            </a:r>
+            <a:endParaRPr lang="ru-RU" sz="1200" kern="1200" dirty="0" smtClean="0">
+              <a:solidFill>
+                <a:schemeClr val="tx1"/>
+              </a:solidFill>
+              <a:latin typeface="+mn-lt"/>
+              <a:ea typeface="+mn-ea"/>
+              <a:cs typeface="+mn-cs"/>
+            </a:endParaRPr>
+          </a:p>
+          <a:p>
+            <a:r>
+              <a:rPr lang="ru-RU" sz="1200" kern="1200" dirty="0" smtClean="0">
+                <a:solidFill>
+                  <a:schemeClr val="tx1"/>
+                </a:solidFill>
+                <a:latin typeface="+mn-lt"/>
+                <a:ea typeface="+mn-ea"/>
+                <a:cs typeface="+mn-cs"/>
+              </a:rPr>
+              <a:t>Проведение большого количества времени в интернет может привести к образованию множества  психических заболеваний, одни из которых это: </a:t>
+            </a:r>
+            <a:r>
+              <a:rPr lang="ru-RU" sz="1200" kern="1200" dirty="0" err="1" smtClean="0">
+                <a:solidFill>
+                  <a:schemeClr val="tx1"/>
+                </a:solidFill>
+                <a:latin typeface="+mn-lt"/>
+                <a:ea typeface="+mn-ea"/>
+                <a:cs typeface="+mn-cs"/>
+              </a:rPr>
+              <a:t>нарциссические</a:t>
+            </a:r>
+            <a:r>
+              <a:rPr lang="ru-RU" sz="1200" kern="1200" dirty="0" smtClean="0">
+                <a:solidFill>
+                  <a:schemeClr val="tx1"/>
+                </a:solidFill>
+                <a:latin typeface="+mn-lt"/>
+                <a:ea typeface="+mn-ea"/>
+                <a:cs typeface="+mn-cs"/>
+              </a:rPr>
+              <a:t> расстройства, </a:t>
+            </a:r>
+            <a:r>
+              <a:rPr lang="ru-RU" sz="1200" kern="1200" dirty="0" err="1" smtClean="0">
+                <a:solidFill>
+                  <a:schemeClr val="tx1"/>
+                </a:solidFill>
+                <a:latin typeface="+mn-lt"/>
+                <a:ea typeface="+mn-ea"/>
+                <a:cs typeface="+mn-cs"/>
+              </a:rPr>
+              <a:t>обсессивно-компульсивные</a:t>
+            </a:r>
+            <a:r>
+              <a:rPr lang="ru-RU" sz="1200" kern="1200" dirty="0" smtClean="0">
+                <a:solidFill>
+                  <a:schemeClr val="tx1"/>
+                </a:solidFill>
+                <a:latin typeface="+mn-lt"/>
+                <a:ea typeface="+mn-ea"/>
+                <a:cs typeface="+mn-cs"/>
+              </a:rPr>
+              <a:t> расстройства и даже шизоидные расстройства. Но самое часто встречаемое психическое заболевание – это интернет-зависимость. Интернет-зависимость – разновидность психологической зависимости, проявляемой в желании подключиться к Интернету и проводить во Всемирной сети как можно больше времени. При этом утрачиваются социальные, семейные и материальные ценности.</a:t>
+            </a:r>
+          </a:p>
+          <a:p>
+            <a:r>
+              <a:rPr lang="ru-RU" sz="1200" kern="1200" dirty="0" smtClean="0">
+                <a:solidFill>
+                  <a:schemeClr val="tx1"/>
+                </a:solidFill>
+                <a:latin typeface="+mn-lt"/>
+                <a:ea typeface="+mn-ea"/>
+                <a:cs typeface="+mn-cs"/>
+              </a:rPr>
+              <a:t> </a:t>
+            </a:r>
+          </a:p>
+          <a:p>
+            <a:pPr lvl="0"/>
+            <a:r>
+              <a:rPr lang="ru-RU" sz="1200" b="1" kern="1200" dirty="0" smtClean="0">
+                <a:solidFill>
+                  <a:schemeClr val="tx1"/>
+                </a:solidFill>
+                <a:latin typeface="+mn-lt"/>
+                <a:ea typeface="+mn-ea"/>
+                <a:cs typeface="+mn-cs"/>
+              </a:rPr>
+              <a:t>Проблемы со здоровьем.</a:t>
+            </a:r>
+            <a:endParaRPr lang="ru-RU" sz="1200" kern="1200" dirty="0" smtClean="0">
+              <a:solidFill>
+                <a:schemeClr val="tx1"/>
+              </a:solidFill>
+              <a:latin typeface="+mn-lt"/>
+              <a:ea typeface="+mn-ea"/>
+              <a:cs typeface="+mn-cs"/>
+            </a:endParaRPr>
+          </a:p>
+          <a:p>
+            <a:r>
+              <a:rPr lang="ru-RU" sz="1200" kern="1200" dirty="0" smtClean="0">
+                <a:solidFill>
+                  <a:schemeClr val="tx1"/>
+                </a:solidFill>
+                <a:latin typeface="+mn-lt"/>
+                <a:ea typeface="+mn-ea"/>
+                <a:cs typeface="+mn-cs"/>
+              </a:rPr>
+              <a:t>Интернет-зависимость приводит к утрате не только возможности реального общения, но и способствует развитию сколиоза, артрита, остеохондроза, а также </a:t>
+            </a:r>
+            <a:r>
+              <a:rPr lang="ru-RU" sz="1200" kern="1200" dirty="0" err="1" smtClean="0">
+                <a:solidFill>
+                  <a:schemeClr val="tx1"/>
+                </a:solidFill>
+                <a:latin typeface="+mn-lt"/>
+                <a:ea typeface="+mn-ea"/>
+                <a:cs typeface="+mn-cs"/>
+              </a:rPr>
+              <a:t>сердечно-сосудистых</a:t>
+            </a:r>
+            <a:r>
+              <a:rPr lang="ru-RU" sz="1200" kern="1200" dirty="0" smtClean="0">
+                <a:solidFill>
+                  <a:schemeClr val="tx1"/>
+                </a:solidFill>
+                <a:latin typeface="+mn-lt"/>
+                <a:ea typeface="+mn-ea"/>
+                <a:cs typeface="+mn-cs"/>
+              </a:rPr>
+              <a:t> заболеваний: тахикардии, аритмии, </a:t>
+            </a:r>
+            <a:r>
+              <a:rPr lang="ru-RU" sz="1200" kern="1200" dirty="0" err="1" smtClean="0">
+                <a:solidFill>
+                  <a:schemeClr val="tx1"/>
+                </a:solidFill>
+                <a:latin typeface="+mn-lt"/>
+                <a:ea typeface="+mn-ea"/>
+                <a:cs typeface="+mn-cs"/>
+              </a:rPr>
+              <a:t>варикоза</a:t>
+            </a:r>
+            <a:r>
+              <a:rPr lang="ru-RU" sz="1200" kern="1200" dirty="0" smtClean="0">
+                <a:solidFill>
+                  <a:schemeClr val="tx1"/>
+                </a:solidFill>
+                <a:latin typeface="+mn-lt"/>
+                <a:ea typeface="+mn-ea"/>
+                <a:cs typeface="+mn-cs"/>
+              </a:rPr>
+              <a:t> нижних конечностей.</a:t>
+            </a:r>
+          </a:p>
+          <a:p>
+            <a:endParaRPr lang="ru-RU" sz="1200" kern="1200" dirty="0" smtClean="0">
+              <a:solidFill>
+                <a:schemeClr val="tx1"/>
+              </a:solidFill>
+              <a:latin typeface="+mn-lt"/>
+              <a:ea typeface="+mn-ea"/>
+              <a:cs typeface="+mn-cs"/>
+            </a:endParaRPr>
+          </a:p>
+          <a:p>
+            <a:endParaRPr lang="ru-RU" sz="1200" kern="1200" dirty="0" smtClean="0">
+              <a:solidFill>
+                <a:schemeClr val="tx1"/>
+              </a:solidFill>
+              <a:latin typeface="+mn-lt"/>
+              <a:ea typeface="+mn-ea"/>
+              <a:cs typeface="+mn-cs"/>
+            </a:endParaRPr>
+          </a:p>
+          <a:p>
+            <a:endParaRPr lang="ru-RU" sz="1200" kern="1200" dirty="0" smtClean="0">
+              <a:solidFill>
+                <a:schemeClr val="tx1"/>
+              </a:solidFill>
+              <a:latin typeface="+mn-lt"/>
+              <a:ea typeface="+mn-ea"/>
+              <a:cs typeface="+mn-cs"/>
+            </a:endParaRPr>
+          </a:p>
+          <a:p>
+            <a:endParaRPr lang="ru-RU" sz="1200" kern="1200" dirty="0" smtClean="0">
+              <a:solidFill>
+                <a:schemeClr val="tx1"/>
+              </a:solidFill>
+              <a:latin typeface="+mn-lt"/>
+              <a:ea typeface="+mn-ea"/>
+              <a:cs typeface="+mn-cs"/>
+            </a:endParaRPr>
+          </a:p>
+          <a:p>
+            <a:r>
+              <a:rPr lang="ru-RU" sz="1200" b="1" kern="1200" dirty="0" smtClean="0">
+                <a:solidFill>
+                  <a:schemeClr val="tx1"/>
+                </a:solidFill>
+                <a:latin typeface="+mn-lt"/>
+                <a:ea typeface="+mn-ea"/>
+                <a:cs typeface="+mn-cs"/>
+              </a:rPr>
+              <a:t>Вступление</a:t>
+            </a:r>
+            <a:r>
+              <a:rPr lang="ru-RU" sz="1200" b="1" kern="1200" baseline="0" dirty="0" smtClean="0">
+                <a:solidFill>
+                  <a:schemeClr val="tx1"/>
+                </a:solidFill>
+                <a:latin typeface="+mn-lt"/>
+                <a:ea typeface="+mn-ea"/>
+                <a:cs typeface="+mn-cs"/>
+              </a:rPr>
+              <a:t> к п</a:t>
+            </a:r>
+            <a:r>
+              <a:rPr lang="ru-RU" sz="1200" b="1" kern="1200" dirty="0" smtClean="0">
+                <a:solidFill>
+                  <a:schemeClr val="tx1"/>
+                </a:solidFill>
+                <a:latin typeface="+mn-lt"/>
+                <a:ea typeface="+mn-ea"/>
+                <a:cs typeface="+mn-cs"/>
+              </a:rPr>
+              <a:t>рофилактике </a:t>
+            </a:r>
+            <a:r>
+              <a:rPr lang="ru-RU" sz="1200" b="1" kern="1200" dirty="0" err="1" smtClean="0">
+                <a:solidFill>
+                  <a:schemeClr val="tx1"/>
+                </a:solidFill>
+                <a:latin typeface="+mn-lt"/>
+                <a:ea typeface="+mn-ea"/>
+                <a:cs typeface="+mn-cs"/>
+              </a:rPr>
+              <a:t>интернет-зависимости</a:t>
+            </a:r>
+            <a:r>
+              <a:rPr lang="ru-RU" sz="1200" b="1" kern="1200" dirty="0" smtClean="0">
+                <a:solidFill>
+                  <a:schemeClr val="tx1"/>
+                </a:solidFill>
+                <a:latin typeface="+mn-lt"/>
+                <a:ea typeface="+mn-ea"/>
+                <a:cs typeface="+mn-cs"/>
+              </a:rPr>
+              <a:t> и статистике</a:t>
+            </a:r>
+          </a:p>
+          <a:p>
+            <a:r>
+              <a:rPr lang="ru-RU" sz="1200" kern="1200" dirty="0" smtClean="0">
+                <a:solidFill>
+                  <a:schemeClr val="tx1"/>
+                </a:solidFill>
+                <a:latin typeface="+mn-lt"/>
+                <a:ea typeface="+mn-ea"/>
+                <a:cs typeface="+mn-cs"/>
+              </a:rPr>
+              <a:t>Просторы Интернета привлекают яркостью, обилием и доступностью любой информации, свободой общения с окружающими. Но именно эти свойства и представляют реальную опасность: </a:t>
+            </a:r>
+            <a:r>
+              <a:rPr lang="ru-RU" sz="1200" kern="1200" dirty="0" err="1" smtClean="0">
+                <a:solidFill>
+                  <a:schemeClr val="tx1"/>
+                </a:solidFill>
+                <a:latin typeface="+mn-lt"/>
+                <a:ea typeface="+mn-ea"/>
+                <a:cs typeface="+mn-cs"/>
+              </a:rPr>
+              <a:t>онлайн</a:t>
+            </a:r>
+            <a:r>
+              <a:rPr lang="ru-RU" sz="1200" kern="1200" dirty="0" smtClean="0">
+                <a:solidFill>
+                  <a:schemeClr val="tx1"/>
+                </a:solidFill>
+                <a:latin typeface="+mn-lt"/>
+                <a:ea typeface="+mn-ea"/>
+                <a:cs typeface="+mn-cs"/>
+              </a:rPr>
+              <a:t> игры, чаты, социальные сети, развлекательные порталы затягивают ребенка, влияют на его психику и подсознание. Ему становится трудно оторваться от экрана монитора, но легко забыть об уроках, домашних делах, друзьях и надолго погрузиться в виртуальную реальность. Так формируется интернет-зависимость детей и подростков.</a:t>
+            </a:r>
+          </a:p>
+          <a:p>
+            <a:endParaRPr lang="ru-RU" sz="1200" kern="1200" dirty="0" smtClean="0">
+              <a:solidFill>
+                <a:schemeClr val="tx1"/>
+              </a:solidFill>
+              <a:latin typeface="+mn-lt"/>
+              <a:ea typeface="+mn-ea"/>
+              <a:cs typeface="+mn-cs"/>
+            </a:endParaRPr>
+          </a:p>
+        </p:txBody>
+      </p:sp>
+      <p:sp>
+        <p:nvSpPr>
+          <p:cNvPr id="4" name="Номер слайда 3"/>
+          <p:cNvSpPr>
+            <a:spLocks noGrp="1"/>
+          </p:cNvSpPr>
+          <p:nvPr>
+            <p:ph type="sldNum" sz="quarter" idx="10"/>
+          </p:nvPr>
+        </p:nvSpPr>
+        <p:spPr/>
+        <p:txBody>
+          <a:bodyPr/>
+          <a:lstStyle/>
+          <a:p>
+            <a:fld id="{09FDF26E-4884-4F82-8EF4-9001EE6CD5C3}" type="slidenum">
+              <a:rPr lang="ru-RU" smtClean="0"/>
+              <a:pPr/>
+              <a:t>6</a:t>
+            </a:fld>
+            <a:endParaRPr lang="ru-RU"/>
+          </a:p>
+        </p:txBody>
+      </p:sp>
+    </p:spTree>
+  </p:cSld>
+  <p:clrMapOvr>
+    <a:masterClrMapping/>
+  </p:clrMapOvr>
+</p:notes>
+</file>
+
+<file path=ppt/notesSlides/notesSlide7.xml><?xml version="1.0" encoding="utf-8"?>
+<p:notes xmlns:a="http://schemas.openxmlformats.org/drawingml/2006/main" xmlns:r="http://schemas.openxmlformats.org/officeDocument/2006/relationships" xmlns:p="http://schemas.openxmlformats.org/presentationml/2006/main">
+  <p:cSld>
+    <p:spTree>
+      <p:nvGrpSpPr>
+        <p:cNvPr id="1" name=""/>
+        <p:cNvGrpSpPr/>
+        <p:nvPr/>
+      </p:nvGrpSpPr>
+      <p:grpSpPr>
+        <a:xfrm>
+          <a:off x="0" y="0"/>
+          <a:ext cx="0" cy="0"/>
+          <a:chOff x="0" y="0"/>
+          <a:chExt cx="0" cy="0"/>
+        </a:xfrm>
+      </p:grpSpPr>
+      <p:sp>
+        <p:nvSpPr>
+          <p:cNvPr id="2" name="Образ слайда 1"/>
+          <p:cNvSpPr>
+            <a:spLocks noGrp="1" noRot="1" noChangeAspect="1"/>
+          </p:cNvSpPr>
+          <p:nvPr>
+            <p:ph type="sldImg"/>
+          </p:nvPr>
+        </p:nvSpPr>
+        <p:spPr/>
+      </p:sp>
+      <p:sp>
+        <p:nvSpPr>
+          <p:cNvPr id="3" name="Заметки 2"/>
+          <p:cNvSpPr>
+            <a:spLocks noGrp="1"/>
+          </p:cNvSpPr>
+          <p:nvPr>
+            <p:ph type="body" idx="1"/>
+          </p:nvPr>
+        </p:nvSpPr>
+        <p:spPr/>
+        <p:txBody>
+          <a:bodyPr>
+            <a:normAutofit/>
+          </a:bodyPr>
+          <a:lstStyle/>
+          <a:p>
+            <a:r>
+              <a:rPr lang="ru-RU" sz="1200" b="1" kern="1200" dirty="0" smtClean="0">
+                <a:solidFill>
+                  <a:schemeClr val="tx1"/>
+                </a:solidFill>
+                <a:latin typeface="+mn-lt"/>
+                <a:ea typeface="+mn-ea"/>
+                <a:cs typeface="+mn-cs"/>
+              </a:rPr>
+              <a:t>Статистика</a:t>
+            </a:r>
+          </a:p>
+          <a:p>
+            <a:r>
+              <a:rPr lang="ru-RU" sz="1200" kern="1200" dirty="0" smtClean="0">
+                <a:solidFill>
+                  <a:schemeClr val="tx1"/>
+                </a:solidFill>
+                <a:latin typeface="+mn-lt"/>
+                <a:ea typeface="+mn-ea"/>
+                <a:cs typeface="+mn-cs"/>
+              </a:rPr>
+              <a:t>Проводя анкетирование подростков от 15 до 17 лет, выяснилось:</a:t>
+            </a:r>
+          </a:p>
+          <a:p>
+            <a:pPr lvl="0"/>
+            <a:r>
+              <a:rPr lang="ru-RU" sz="1200" kern="1200" dirty="0" smtClean="0">
+                <a:solidFill>
+                  <a:schemeClr val="tx1"/>
+                </a:solidFill>
+                <a:latin typeface="+mn-lt"/>
+                <a:ea typeface="+mn-ea"/>
+                <a:cs typeface="+mn-cs"/>
+              </a:rPr>
+              <a:t>Большинство детей, а именно 36%, проводит в интернете от 3 до 6 часов, хотя целых 18% опрошенных ответили, что предпочитают находиться в сети более 8 часов (что крайне не есть хорошо). Напомню, что согласно </a:t>
+            </a:r>
+            <a:r>
+              <a:rPr lang="ru-RU" sz="1200" kern="1200" dirty="0" err="1" smtClean="0">
+                <a:solidFill>
+                  <a:schemeClr val="tx1"/>
+                </a:solidFill>
+                <a:latin typeface="+mn-lt"/>
+                <a:ea typeface="+mn-ea"/>
+                <a:cs typeface="+mn-cs"/>
+              </a:rPr>
+              <a:t>СанПиН</a:t>
+            </a:r>
+            <a:r>
+              <a:rPr lang="ru-RU" sz="1200" kern="1200" dirty="0" smtClean="0">
+                <a:solidFill>
+                  <a:schemeClr val="tx1"/>
+                </a:solidFill>
+                <a:latin typeface="+mn-lt"/>
+                <a:ea typeface="+mn-ea"/>
+                <a:cs typeface="+mn-cs"/>
+              </a:rPr>
+              <a:t> (санитарным правилам и нормам), детям рекомендуется использовать </a:t>
+            </a:r>
+            <a:r>
+              <a:rPr lang="ru-RU" sz="1200" kern="1200" dirty="0" err="1" smtClean="0">
+                <a:solidFill>
+                  <a:schemeClr val="tx1"/>
+                </a:solidFill>
+                <a:latin typeface="+mn-lt"/>
+                <a:ea typeface="+mn-ea"/>
+                <a:cs typeface="+mn-cs"/>
+              </a:rPr>
+              <a:t>гаджеты</a:t>
+            </a:r>
+            <a:r>
+              <a:rPr lang="ru-RU" sz="1200" kern="1200" dirty="0" smtClean="0">
+                <a:solidFill>
+                  <a:schemeClr val="tx1"/>
+                </a:solidFill>
+                <a:latin typeface="+mn-lt"/>
+                <a:ea typeface="+mn-ea"/>
+                <a:cs typeface="+mn-cs"/>
+              </a:rPr>
+              <a:t> не более 30-40 минут в день, включая те случаи, когда это требуется по учебе.</a:t>
+            </a:r>
+          </a:p>
+        </p:txBody>
+      </p:sp>
+      <p:sp>
+        <p:nvSpPr>
+          <p:cNvPr id="4" name="Номер слайда 3"/>
+          <p:cNvSpPr>
+            <a:spLocks noGrp="1"/>
+          </p:cNvSpPr>
+          <p:nvPr>
+            <p:ph type="sldNum" sz="quarter" idx="10"/>
+          </p:nvPr>
+        </p:nvSpPr>
+        <p:spPr/>
+        <p:txBody>
+          <a:bodyPr/>
+          <a:lstStyle/>
+          <a:p>
+            <a:fld id="{09FDF26E-4884-4F82-8EF4-9001EE6CD5C3}" type="slidenum">
+              <a:rPr lang="ru-RU" smtClean="0"/>
+              <a:pPr/>
+              <a:t>7</a:t>
+            </a:fld>
+            <a:endParaRPr lang="ru-RU"/>
+          </a:p>
+        </p:txBody>
+      </p:sp>
+    </p:spTree>
+  </p:cSld>
+  <p:clrMapOvr>
+    <a:masterClrMapping/>
+  </p:clrMapOvr>
+</p:notes>
+</file>
+
+<file path=ppt/notesSlides/notesSlide8.xml><?xml version="1.0" encoding="utf-8"?>
+<p:notes xmlns:a="http://schemas.openxmlformats.org/drawingml/2006/main" xmlns:r="http://schemas.openxmlformats.org/officeDocument/2006/relationships" xmlns:p="http://schemas.openxmlformats.org/presentationml/2006/main">
+  <p:cSld>
+    <p:spTree>
+      <p:nvGrpSpPr>
+        <p:cNvPr id="1" name=""/>
+        <p:cNvGrpSpPr/>
+        <p:nvPr/>
+      </p:nvGrpSpPr>
+      <p:grpSpPr>
+        <a:xfrm>
+          <a:off x="0" y="0"/>
+          <a:ext cx="0" cy="0"/>
+          <a:chOff x="0" y="0"/>
+          <a:chExt cx="0" cy="0"/>
+        </a:xfrm>
+      </p:grpSpPr>
+      <p:sp>
+        <p:nvSpPr>
+          <p:cNvPr id="2" name="Образ слайда 1"/>
+          <p:cNvSpPr>
+            <a:spLocks noGrp="1" noRot="1" noChangeAspect="1"/>
+          </p:cNvSpPr>
+          <p:nvPr>
+            <p:ph type="sldImg"/>
+          </p:nvPr>
+        </p:nvSpPr>
+        <p:spPr/>
+      </p:sp>
+      <p:sp>
+        <p:nvSpPr>
+          <p:cNvPr id="3" name="Заметки 2"/>
+          <p:cNvSpPr>
+            <a:spLocks noGrp="1"/>
+          </p:cNvSpPr>
+          <p:nvPr>
+            <p:ph type="body" idx="1"/>
+          </p:nvPr>
+        </p:nvSpPr>
+        <p:spPr/>
+        <p:txBody>
+          <a:bodyPr>
+            <a:normAutofit/>
+          </a:bodyPr>
+          <a:lstStyle/>
+          <a:p>
+            <a:pPr marL="0" marR="0" lvl="0" indent="0" algn="l" defTabSz="914400" rtl="0" eaLnBrk="1" fontAlgn="auto" latinLnBrk="0" hangingPunct="1">
+              <a:lnSpc>
+                <a:spcPct val="100000"/>
+              </a:lnSpc>
+              <a:spcBef>
+                <a:spcPts val="0"/>
+              </a:spcBef>
+              <a:spcAft>
+                <a:spcPts val="0"/>
+              </a:spcAft>
+              <a:buClrTx/>
+              <a:buSzTx/>
+              <a:buFontTx/>
+              <a:buNone/>
+              <a:tabLst/>
+              <a:defRPr/>
+            </a:pPr>
+            <a:r>
+              <a:rPr lang="ru-RU" sz="1200" kern="1200" dirty="0" smtClean="0">
+                <a:solidFill>
+                  <a:schemeClr val="tx1"/>
+                </a:solidFill>
+                <a:latin typeface="+mn-lt"/>
+                <a:ea typeface="+mn-ea"/>
+                <a:cs typeface="+mn-cs"/>
+              </a:rPr>
+              <a:t>В основном, дети используют интернет для общения в соц.сетях (более 60%), но удивительно то, что дети упоминают компьютерные игры абсолютно наравне с обучением (13%). И лишь небольшая часть использует интернет для просмотра фильмов и </a:t>
+            </a:r>
+            <a:r>
+              <a:rPr lang="ru-RU" sz="1200" kern="1200" dirty="0" err="1" smtClean="0">
+                <a:solidFill>
+                  <a:schemeClr val="tx1"/>
+                </a:solidFill>
+                <a:latin typeface="+mn-lt"/>
+                <a:ea typeface="+mn-ea"/>
+                <a:cs typeface="+mn-cs"/>
+              </a:rPr>
+              <a:t>онлайн</a:t>
+            </a:r>
+            <a:r>
+              <a:rPr lang="ru-RU" sz="1200" kern="1200" dirty="0" smtClean="0">
+                <a:solidFill>
+                  <a:schemeClr val="tx1"/>
+                </a:solidFill>
+                <a:latin typeface="+mn-lt"/>
+                <a:ea typeface="+mn-ea"/>
+                <a:cs typeface="+mn-cs"/>
+              </a:rPr>
+              <a:t> покупок.</a:t>
+            </a:r>
+            <a:endParaRPr lang="en-US" sz="1200" kern="1200" dirty="0" smtClean="0">
+              <a:solidFill>
+                <a:schemeClr val="tx1"/>
+              </a:solidFill>
+              <a:latin typeface="+mn-lt"/>
+              <a:ea typeface="+mn-ea"/>
+              <a:cs typeface="+mn-cs"/>
+            </a:endParaRPr>
+          </a:p>
+          <a:p>
+            <a:pPr marL="0" marR="0" lvl="0" indent="0" algn="l" defTabSz="914400" rtl="0" eaLnBrk="1" fontAlgn="auto" latinLnBrk="0" hangingPunct="1">
+              <a:lnSpc>
+                <a:spcPct val="100000"/>
+              </a:lnSpc>
+              <a:spcBef>
+                <a:spcPts val="0"/>
+              </a:spcBef>
+              <a:spcAft>
+                <a:spcPts val="0"/>
+              </a:spcAft>
+              <a:buClrTx/>
+              <a:buSzTx/>
+              <a:buFontTx/>
+              <a:buNone/>
+              <a:tabLst/>
+              <a:defRPr/>
+            </a:pPr>
+            <a:endParaRPr lang="en-US" sz="1200" kern="1200" dirty="0" smtClean="0">
+              <a:solidFill>
+                <a:schemeClr val="tx1"/>
+              </a:solidFill>
+              <a:latin typeface="+mn-lt"/>
+              <a:ea typeface="+mn-ea"/>
+              <a:cs typeface="+mn-cs"/>
+            </a:endParaRPr>
+          </a:p>
+          <a:p>
+            <a:pPr marL="0" marR="0" lvl="0" indent="0" algn="l" defTabSz="914400" rtl="0" eaLnBrk="1" fontAlgn="auto" latinLnBrk="0" hangingPunct="1">
+              <a:lnSpc>
+                <a:spcPct val="100000"/>
+              </a:lnSpc>
+              <a:spcBef>
+                <a:spcPts val="0"/>
+              </a:spcBef>
+              <a:spcAft>
+                <a:spcPts val="0"/>
+              </a:spcAft>
+              <a:buClrTx/>
+              <a:buSzTx/>
+              <a:buFontTx/>
+              <a:buNone/>
+              <a:tabLst/>
+              <a:defRPr/>
+            </a:pPr>
+            <a:endParaRPr lang="en-US" sz="1200" kern="1200" dirty="0" smtClean="0">
+              <a:solidFill>
+                <a:schemeClr val="tx1"/>
+              </a:solidFill>
+              <a:latin typeface="+mn-lt"/>
+              <a:ea typeface="+mn-ea"/>
+              <a:cs typeface="+mn-cs"/>
+            </a:endParaRPr>
+          </a:p>
+          <a:p>
+            <a:r>
+              <a:rPr lang="ru-RU" sz="1200" kern="1200" dirty="0" smtClean="0">
+                <a:solidFill>
+                  <a:schemeClr val="tx1"/>
+                </a:solidFill>
+                <a:latin typeface="+mn-lt"/>
+                <a:ea typeface="+mn-ea"/>
+                <a:cs typeface="+mn-cs"/>
+              </a:rPr>
+              <a:t>В связи с довольно печальной статистикой проведенного анкетирования, я решил разработать памятку по профилактике </a:t>
+            </a:r>
+            <a:r>
+              <a:rPr lang="ru-RU" sz="1200" kern="1200" dirty="0" err="1" smtClean="0">
+                <a:solidFill>
+                  <a:schemeClr val="tx1"/>
+                </a:solidFill>
+                <a:latin typeface="+mn-lt"/>
+                <a:ea typeface="+mn-ea"/>
+                <a:cs typeface="+mn-cs"/>
+              </a:rPr>
+              <a:t>интернет-зависимости</a:t>
+            </a:r>
+            <a:r>
+              <a:rPr lang="ru-RU" sz="1200" kern="1200" dirty="0" smtClean="0">
+                <a:solidFill>
+                  <a:schemeClr val="tx1"/>
+                </a:solidFill>
+                <a:latin typeface="+mn-lt"/>
+                <a:ea typeface="+mn-ea"/>
+                <a:cs typeface="+mn-cs"/>
+              </a:rPr>
+              <a:t> для подростков, которая будет вывешена на всеобщий обзор в кабинетах по информатике.</a:t>
+            </a:r>
+          </a:p>
+          <a:p>
+            <a:endParaRPr lang="ru-RU" dirty="0"/>
+          </a:p>
+        </p:txBody>
+      </p:sp>
+      <p:sp>
+        <p:nvSpPr>
+          <p:cNvPr id="4" name="Номер слайда 3"/>
+          <p:cNvSpPr>
+            <a:spLocks noGrp="1"/>
+          </p:cNvSpPr>
+          <p:nvPr>
+            <p:ph type="sldNum" sz="quarter" idx="10"/>
+          </p:nvPr>
+        </p:nvSpPr>
+        <p:spPr/>
+        <p:txBody>
+          <a:bodyPr/>
+          <a:lstStyle/>
+          <a:p>
+            <a:fld id="{09FDF26E-4884-4F82-8EF4-9001EE6CD5C3}" type="slidenum">
+              <a:rPr lang="ru-RU" smtClean="0"/>
+              <a:pPr/>
+              <a:t>8</a:t>
+            </a:fld>
+            <a:endParaRPr lang="ru-RU"/>
+          </a:p>
+        </p:txBody>
+      </p:sp>
+    </p:spTree>
+  </p:cSld>
+  <p:clrMapOvr>
+    <a:masterClrMapping/>
+  </p:clrMapOvr>
+</p:notes>
+</file>
+
+<file path=ppt/notesSlides/notesSlide9.xml><?xml version="1.0" encoding="utf-8"?>
+<p:notes xmlns:a="http://schemas.openxmlformats.org/drawingml/2006/main" xmlns:r="http://schemas.openxmlformats.org/officeDocument/2006/relationships" xmlns:p="http://schemas.openxmlformats.org/presentationml/2006/main">
+  <p:cSld>
+    <p:spTree>
+      <p:nvGrpSpPr>
+        <p:cNvPr id="1" name=""/>
+        <p:cNvGrpSpPr/>
+        <p:nvPr/>
+      </p:nvGrpSpPr>
+      <p:grpSpPr>
+        <a:xfrm>
+          <a:off x="0" y="0"/>
+          <a:ext cx="0" cy="0"/>
+          <a:chOff x="0" y="0"/>
+          <a:chExt cx="0" cy="0"/>
+        </a:xfrm>
+      </p:grpSpPr>
+      <p:sp>
+        <p:nvSpPr>
+          <p:cNvPr id="2" name="Образ слайда 1"/>
+          <p:cNvSpPr>
+            <a:spLocks noGrp="1" noRot="1" noChangeAspect="1"/>
+          </p:cNvSpPr>
+          <p:nvPr>
+            <p:ph type="sldImg"/>
+          </p:nvPr>
+        </p:nvSpPr>
+        <p:spPr/>
+      </p:sp>
+      <p:sp>
+        <p:nvSpPr>
+          <p:cNvPr id="3" name="Заметки 2"/>
+          <p:cNvSpPr>
+            <a:spLocks noGrp="1"/>
+          </p:cNvSpPr>
+          <p:nvPr>
+            <p:ph type="body" idx="1"/>
+          </p:nvPr>
+        </p:nvSpPr>
+        <p:spPr/>
+        <p:txBody>
+          <a:bodyPr>
+            <a:normAutofit/>
+          </a:bodyPr>
+          <a:lstStyle/>
+          <a:p>
+            <a:pPr marL="0" marR="0" indent="0" algn="l" defTabSz="914400" rtl="0" eaLnBrk="1" fontAlgn="auto" latinLnBrk="0" hangingPunct="1">
+              <a:lnSpc>
+                <a:spcPct val="100000"/>
+              </a:lnSpc>
+              <a:spcBef>
+                <a:spcPts val="0"/>
+              </a:spcBef>
+              <a:spcAft>
+                <a:spcPts val="0"/>
+              </a:spcAft>
+              <a:buClrTx/>
+              <a:buSzTx/>
+              <a:buFontTx/>
+              <a:buNone/>
+              <a:tabLst/>
+              <a:defRPr/>
+            </a:pPr>
+            <a:r>
+              <a:rPr lang="ru-RU" sz="1200" kern="1200" dirty="0" smtClean="0">
+                <a:solidFill>
+                  <a:schemeClr val="tx1"/>
+                </a:solidFill>
+                <a:latin typeface="+mn-lt"/>
+                <a:ea typeface="+mn-ea"/>
+                <a:cs typeface="+mn-cs"/>
+              </a:rPr>
+              <a:t>Во-первых чтобы понять есть ли у тебя интернет-зависимость стоит обратиться к следующим пунктам.</a:t>
+            </a:r>
+          </a:p>
+          <a:p>
+            <a:r>
+              <a:rPr lang="ru-RU" sz="1200" b="1" kern="1200" dirty="0" smtClean="0">
+                <a:solidFill>
+                  <a:schemeClr val="tx1"/>
+                </a:solidFill>
+                <a:latin typeface="+mn-lt"/>
+                <a:ea typeface="+mn-ea"/>
+                <a:cs typeface="+mn-cs"/>
+              </a:rPr>
+              <a:t>Симптомы </a:t>
+            </a:r>
+            <a:r>
+              <a:rPr lang="ru-RU" sz="1200" b="1" kern="1200" dirty="0" err="1" smtClean="0">
+                <a:solidFill>
+                  <a:schemeClr val="tx1"/>
+                </a:solidFill>
+                <a:latin typeface="+mn-lt"/>
+                <a:ea typeface="+mn-ea"/>
+                <a:cs typeface="+mn-cs"/>
+              </a:rPr>
+              <a:t>интернет-зависимости</a:t>
+            </a:r>
+            <a:r>
+              <a:rPr lang="ru-RU" sz="1200" b="1" kern="1200" dirty="0" smtClean="0">
+                <a:solidFill>
+                  <a:schemeClr val="tx1"/>
+                </a:solidFill>
+                <a:latin typeface="+mn-lt"/>
+                <a:ea typeface="+mn-ea"/>
+                <a:cs typeface="+mn-cs"/>
+              </a:rPr>
+              <a:t>:</a:t>
+            </a:r>
+          </a:p>
+          <a:p>
+            <a:pPr lvl="0"/>
+            <a:r>
+              <a:rPr lang="ru-RU" sz="1200" kern="1200" dirty="0" smtClean="0">
+                <a:solidFill>
+                  <a:schemeClr val="tx1"/>
+                </a:solidFill>
+                <a:latin typeface="+mn-lt"/>
+                <a:ea typeface="+mn-ea"/>
+                <a:cs typeface="+mn-cs"/>
+              </a:rPr>
+              <a:t>Равнодушие к семейным контактам, своему здоровью, успешности в учебе, школьным и внешкольным мероприятиям.</a:t>
+            </a:r>
+          </a:p>
+          <a:p>
+            <a:pPr lvl="0"/>
+            <a:r>
+              <a:rPr lang="ru-RU" sz="1200" kern="1200" dirty="0" smtClean="0">
+                <a:solidFill>
+                  <a:schemeClr val="tx1"/>
+                </a:solidFill>
+                <a:latin typeface="+mn-lt"/>
+                <a:ea typeface="+mn-ea"/>
+                <a:cs typeface="+mn-cs"/>
+              </a:rPr>
+              <a:t>Чрезмерно длительное пребывание за компьютером, как ни странно.</a:t>
+            </a:r>
+          </a:p>
+          <a:p>
+            <a:pPr lvl="0"/>
+            <a:r>
+              <a:rPr lang="ru-RU" sz="1200" kern="1200" dirty="0" smtClean="0">
+                <a:solidFill>
+                  <a:schemeClr val="tx1"/>
+                </a:solidFill>
+                <a:latin typeface="+mn-lt"/>
+                <a:ea typeface="+mn-ea"/>
+                <a:cs typeface="+mn-cs"/>
+              </a:rPr>
+              <a:t>Неоправданно быстро появляющаяся усталость, раздражительность, перепады настроения.</a:t>
+            </a:r>
+          </a:p>
+          <a:p>
+            <a:pPr lvl="0"/>
+            <a:r>
+              <a:rPr lang="ru-RU" sz="1200" kern="1200" dirty="0" smtClean="0">
+                <a:solidFill>
+                  <a:schemeClr val="tx1"/>
+                </a:solidFill>
+                <a:latin typeface="+mn-lt"/>
+                <a:ea typeface="+mn-ea"/>
+                <a:cs typeface="+mn-cs"/>
+              </a:rPr>
+              <a:t>Постоянные или значительно более частое общение в режиме </a:t>
+            </a:r>
+            <a:r>
+              <a:rPr lang="ru-RU" sz="1200" kern="1200" dirty="0" err="1" smtClean="0">
+                <a:solidFill>
+                  <a:schemeClr val="tx1"/>
+                </a:solidFill>
+                <a:latin typeface="+mn-lt"/>
+                <a:ea typeface="+mn-ea"/>
+                <a:cs typeface="+mn-cs"/>
+              </a:rPr>
+              <a:t>онлайн</a:t>
+            </a:r>
+            <a:r>
+              <a:rPr lang="ru-RU" sz="1200" kern="1200" dirty="0" smtClean="0">
+                <a:solidFill>
+                  <a:schemeClr val="tx1"/>
+                </a:solidFill>
+                <a:latin typeface="+mn-lt"/>
+                <a:ea typeface="+mn-ea"/>
+                <a:cs typeface="+mn-cs"/>
+              </a:rPr>
+              <a:t>, чем непосредственные.</a:t>
+            </a:r>
+          </a:p>
+          <a:p>
+            <a:pPr lvl="0"/>
+            <a:r>
+              <a:rPr lang="ru-RU" sz="1200" kern="1200" dirty="0" smtClean="0">
+                <a:solidFill>
+                  <a:schemeClr val="tx1"/>
+                </a:solidFill>
+                <a:latin typeface="+mn-lt"/>
+                <a:ea typeface="+mn-ea"/>
+                <a:cs typeface="+mn-cs"/>
+              </a:rPr>
+              <a:t>Погружение в Интернет как средство ухода от проблем, от плохого настроения, чувства потерянности , тревоги, подавленности.</a:t>
+            </a:r>
+          </a:p>
+          <a:p>
+            <a:pPr lvl="0"/>
+            <a:r>
+              <a:rPr lang="ru-RU" sz="1200" kern="1200" dirty="0" smtClean="0">
+                <a:solidFill>
+                  <a:schemeClr val="tx1"/>
+                </a:solidFill>
+                <a:latin typeface="+mn-lt"/>
+                <a:ea typeface="+mn-ea"/>
+                <a:cs typeface="+mn-cs"/>
+              </a:rPr>
+              <a:t>Приоритет пребывания в Интернет над всеми остальными видами деятельности и общения.</a:t>
+            </a:r>
+          </a:p>
+          <a:p>
+            <a:r>
+              <a:rPr lang="ru-RU" sz="1200" kern="1200" dirty="0" smtClean="0">
+                <a:solidFill>
+                  <a:schemeClr val="tx1"/>
+                </a:solidFill>
+                <a:latin typeface="+mn-lt"/>
+                <a:ea typeface="+mn-ea"/>
+                <a:cs typeface="+mn-cs"/>
+              </a:rPr>
+              <a:t>Если у подростка наблюдается 3-4 симптома, то это свидетельствует о наличии компьютерной зависимости.</a:t>
+            </a:r>
+          </a:p>
+          <a:p>
+            <a:endParaRPr lang="ru-RU" dirty="0"/>
+          </a:p>
+        </p:txBody>
+      </p:sp>
+      <p:sp>
+        <p:nvSpPr>
+          <p:cNvPr id="4" name="Номер слайда 3"/>
+          <p:cNvSpPr>
+            <a:spLocks noGrp="1"/>
+          </p:cNvSpPr>
+          <p:nvPr>
+            <p:ph type="sldNum" sz="quarter" idx="10"/>
+          </p:nvPr>
+        </p:nvSpPr>
+        <p:spPr/>
+        <p:txBody>
+          <a:bodyPr/>
+          <a:lstStyle/>
+          <a:p>
+            <a:fld id="{09FDF26E-4884-4F82-8EF4-9001EE6CD5C3}" type="slidenum">
+              <a:rPr lang="ru-RU" smtClean="0"/>
+              <a:pPr/>
+              <a:t>9</a:t>
+            </a:fld>
+            <a:endParaRPr lang="ru-RU"/>
+          </a:p>
+        </p:txBody>
+      </p:sp>
+    </p:spTree>
+  </p:cSld>
+  <p:clrMapOvr>
+    <a:masterClrMapping/>
+  </p:clrMapOvr>
+</p:notes>
+</file>
+
 <file path=ppt/slideLayouts/slideLayout1.xml><?xml version="1.0" encoding="utf-8"?>
 <p:sldLayout xmlns:a="http://schemas.openxmlformats.org/drawingml/2006/main" xmlns:r="http://schemas.openxmlformats.org/officeDocument/2006/relationships" xmlns:p="http://schemas.openxmlformats.org/presentationml/2006/main" showMasterSp="0" type="title" preserve="1">
   <p:cSld name="Титульный слайд">
@@ -2114,7 +3889,7 @@
             <a:fld id="{5B106E36-FD25-4E2D-B0AA-010F637433A0}" type="datetimeFigureOut">
               <a:rPr lang="ru-RU" smtClean="0"/>
               <a:pPr/>
-              <a:t>03.03.2024</a:t>
+              <a:t>04.03.2024</a:t>
             </a:fld>
             <a:endParaRPr lang="ru-RU"/>
           </a:p>
@@ -2504,7 +4279,7 @@
             <a:fld id="{5B106E36-FD25-4E2D-B0AA-010F637433A0}" type="datetimeFigureOut">
               <a:rPr lang="ru-RU" smtClean="0"/>
               <a:pPr/>
-              <a:t>03.03.2024</a:t>
+              <a:t>04.03.2024</a:t>
             </a:fld>
             <a:endParaRPr lang="ru-RU"/>
           </a:p>
@@ -3034,7 +4809,7 @@
             <a:fld id="{5B106E36-FD25-4E2D-B0AA-010F637433A0}" type="datetimeFigureOut">
               <a:rPr lang="ru-RU" smtClean="0"/>
               <a:pPr/>
-              <a:t>03.03.2024</a:t>
+              <a:t>04.03.2024</a:t>
             </a:fld>
             <a:endParaRPr lang="ru-RU"/>
           </a:p>
@@ -3163,7 +4938,7 @@
             <a:fld id="{5B106E36-FD25-4E2D-B0AA-010F637433A0}" type="datetimeFigureOut">
               <a:rPr lang="ru-RU" smtClean="0"/>
               <a:pPr/>
-              <a:t>03.03.2024</a:t>
+              <a:t>04.03.2024</a:t>
             </a:fld>
             <a:endParaRPr lang="ru-RU"/>
           </a:p>
@@ -3703,7 +5478,7 @@
             <a:fld id="{5B106E36-FD25-4E2D-B0AA-010F637433A0}" type="datetimeFigureOut">
               <a:rPr lang="ru-RU" smtClean="0"/>
               <a:pPr/>
-              <a:t>03.03.2024</a:t>
+              <a:t>04.03.2024</a:t>
             </a:fld>
             <a:endParaRPr lang="ru-RU"/>
           </a:p>
@@ -3995,7 +5770,7 @@
             <a:fld id="{5B106E36-FD25-4E2D-B0AA-010F637433A0}" type="datetimeFigureOut">
               <a:rPr lang="ru-RU" smtClean="0"/>
               <a:pPr/>
-              <a:t>03.03.2024</a:t>
+              <a:t>04.03.2024</a:t>
             </a:fld>
             <a:endParaRPr lang="ru-RU"/>
           </a:p>
@@ -4651,7 +6426,7 @@
             <a:fld id="{5B106E36-FD25-4E2D-B0AA-010F637433A0}" type="datetimeFigureOut">
               <a:rPr lang="ru-RU" smtClean="0"/>
               <a:pPr/>
-              <a:t>03.03.2024</a:t>
+              <a:t>04.03.2024</a:t>
             </a:fld>
             <a:endParaRPr lang="ru-RU"/>
           </a:p>
@@ -5089,7 +6864,7 @@
             <a:fld id="{5B106E36-FD25-4E2D-B0AA-010F637433A0}" type="datetimeFigureOut">
               <a:rPr lang="ru-RU" smtClean="0"/>
               <a:pPr/>
-              <a:t>03.03.2024</a:t>
+              <a:t>04.03.2024</a:t>
             </a:fld>
             <a:endParaRPr lang="ru-RU"/>
           </a:p>
@@ -5404,7 +7179,7 @@
             <a:fld id="{5B106E36-FD25-4E2D-B0AA-010F637433A0}" type="datetimeFigureOut">
               <a:rPr lang="ru-RU" smtClean="0"/>
               <a:pPr/>
-              <a:t>03.03.2024</a:t>
+              <a:t>04.03.2024</a:t>
             </a:fld>
             <a:endParaRPr lang="ru-RU"/>
           </a:p>
@@ -6134,7 +7909,7 @@
             <a:fld id="{5B106E36-FD25-4E2D-B0AA-010F637433A0}" type="datetimeFigureOut">
               <a:rPr lang="ru-RU" smtClean="0"/>
               <a:pPr/>
-              <a:t>03.03.2024</a:t>
+              <a:t>04.03.2024</a:t>
             </a:fld>
             <a:endParaRPr lang="ru-RU"/>
           </a:p>
@@ -6800,7 +8575,7 @@
             <a:fld id="{5B106E36-FD25-4E2D-B0AA-010F637433A0}" type="datetimeFigureOut">
               <a:rPr lang="ru-RU" smtClean="0"/>
               <a:pPr/>
-              <a:t>03.03.2024</a:t>
+              <a:t>04.03.2024</a:t>
             </a:fld>
             <a:endParaRPr lang="ru-RU"/>
           </a:p>
@@ -7074,7 +8849,7 @@
             <a:fld id="{5B106E36-FD25-4E2D-B0AA-010F637433A0}" type="datetimeFigureOut">
               <a:rPr lang="ru-RU" smtClean="0"/>
               <a:pPr/>
-              <a:t>03.03.2024</a:t>
+              <a:t>04.03.2024</a:t>
             </a:fld>
             <a:endParaRPr lang="ru-RU"/>
           </a:p>
@@ -7922,6 +9697,1048 @@
           </a:p>
         </p:txBody>
       </p:sp>
+      <p:pic>
+        <p:nvPicPr>
+          <p:cNvPr id="16" name="Рисунок 15" descr="2898035.png"/>
+          <p:cNvPicPr>
+            <a:picLocks noChangeAspect="1"/>
+          </p:cNvPicPr>
+          <p:nvPr/>
+        </p:nvPicPr>
+        <p:blipFill>
+          <a:blip r:embed="rId3" cstate="print"/>
+          <a:stretch>
+            <a:fillRect/>
+          </a:stretch>
+        </p:blipFill>
+        <p:spPr>
+          <a:xfrm>
+            <a:off x="-5221088" y="2852936"/>
+            <a:ext cx="7620000" cy="4695825"/>
+          </a:xfrm>
+          <a:prstGeom prst="rect">
+            <a:avLst/>
+          </a:prstGeom>
+        </p:spPr>
+      </p:pic>
+      <p:pic>
+        <p:nvPicPr>
+          <p:cNvPr id="18" name="Рисунок 17" descr="2898035.png"/>
+          <p:cNvPicPr>
+            <a:picLocks noChangeAspect="1"/>
+          </p:cNvPicPr>
+          <p:nvPr/>
+        </p:nvPicPr>
+        <p:blipFill>
+          <a:blip r:embed="rId3" cstate="print"/>
+          <a:stretch>
+            <a:fillRect/>
+          </a:stretch>
+        </p:blipFill>
+        <p:spPr>
+          <a:xfrm flipH="1">
+            <a:off x="6804248" y="2852936"/>
+            <a:ext cx="7344816" cy="4695825"/>
+          </a:xfrm>
+          <a:prstGeom prst="rect">
+            <a:avLst/>
+          </a:prstGeom>
+        </p:spPr>
+      </p:pic>
+    </p:spTree>
+  </p:cSld>
+  <p:clrMapOvr>
+    <a:masterClrMapping/>
+  </p:clrMapOvr>
+  <p:timing>
+    <p:tnLst>
+      <p:par>
+        <p:cTn id="1" dur="indefinite" restart="never" nodeType="tmRoot"/>
+      </p:par>
+    </p:tnLst>
+  </p:timing>
+</p:sld>
+</file>
+
+<file path=ppt/slides/slide10.xml><?xml version="1.0" encoding="utf-8"?>
+<p:sld xmlns:a="http://schemas.openxmlformats.org/drawingml/2006/main" xmlns:r="http://schemas.openxmlformats.org/officeDocument/2006/relationships" xmlns:p="http://schemas.openxmlformats.org/presentationml/2006/main">
+  <p:cSld>
+    <p:spTree>
+      <p:nvGrpSpPr>
+        <p:cNvPr id="1" name=""/>
+        <p:cNvGrpSpPr/>
+        <p:nvPr/>
+      </p:nvGrpSpPr>
+      <p:grpSpPr>
+        <a:xfrm>
+          <a:off x="0" y="0"/>
+          <a:ext cx="0" cy="0"/>
+          <a:chOff x="0" y="0"/>
+          <a:chExt cx="0" cy="0"/>
+        </a:xfrm>
+      </p:grpSpPr>
+      <p:sp>
+        <p:nvSpPr>
+          <p:cNvPr id="2" name="Заголовок 1"/>
+          <p:cNvSpPr>
+            <a:spLocks noGrp="1"/>
+          </p:cNvSpPr>
+          <p:nvPr>
+            <p:ph type="title"/>
+          </p:nvPr>
+        </p:nvSpPr>
+        <p:spPr/>
+        <p:txBody>
+          <a:bodyPr/>
+          <a:lstStyle/>
+          <a:p>
+            <a:r>
+              <a:rPr lang="ru-RU" dirty="0" smtClean="0"/>
+              <a:t>Профилактика </a:t>
+            </a:r>
+            <a:r>
+              <a:rPr lang="ru-RU" dirty="0" err="1" smtClean="0"/>
+              <a:t>интернет-зависимости</a:t>
+            </a:r>
+            <a:endParaRPr lang="ru-RU" dirty="0"/>
+          </a:p>
+        </p:txBody>
+      </p:sp>
+      <p:sp>
+        <p:nvSpPr>
+          <p:cNvPr id="3" name="TextBox 2"/>
+          <p:cNvSpPr txBox="1"/>
+          <p:nvPr/>
+        </p:nvSpPr>
+        <p:spPr>
+          <a:xfrm>
+            <a:off x="179512" y="1484784"/>
+            <a:ext cx="8784976" cy="4370427"/>
+          </a:xfrm>
+          <a:prstGeom prst="rect">
+            <a:avLst/>
+          </a:prstGeom>
+          <a:noFill/>
+        </p:spPr>
+        <p:txBody>
+          <a:bodyPr wrap="square" rtlCol="0">
+            <a:spAutoFit/>
+          </a:bodyPr>
+          <a:lstStyle/>
+          <a:p>
+            <a:pPr marL="457200" lvl="0" indent="-457200">
+              <a:lnSpc>
+                <a:spcPct val="150000"/>
+              </a:lnSpc>
+              <a:buFont typeface="+mj-lt"/>
+              <a:buAutoNum type="arabicPeriod"/>
+            </a:pPr>
+            <a:r>
+              <a:rPr lang="ru-RU" sz="2000" dirty="0" smtClean="0">
+                <a:solidFill>
+                  <a:schemeClr val="tx2">
+                    <a:lumMod val="75000"/>
+                  </a:schemeClr>
+                </a:solidFill>
+              </a:rPr>
+              <a:t>Установить время проведения </a:t>
+            </a:r>
+            <a:r>
+              <a:rPr lang="ru-RU" sz="2000" dirty="0" smtClean="0">
+                <a:solidFill>
+                  <a:schemeClr val="tx2">
+                    <a:lumMod val="75000"/>
+                  </a:schemeClr>
+                </a:solidFill>
+              </a:rPr>
+              <a:t>в </a:t>
+            </a:r>
+            <a:r>
+              <a:rPr lang="ru-RU" sz="2000" dirty="0" smtClean="0">
+                <a:solidFill>
+                  <a:schemeClr val="tx2">
+                    <a:lumMod val="75000"/>
+                  </a:schemeClr>
+                </a:solidFill>
+              </a:rPr>
+              <a:t>сети.</a:t>
+            </a:r>
+            <a:endParaRPr lang="ru-RU" sz="2000" dirty="0" smtClean="0">
+              <a:solidFill>
+                <a:schemeClr val="tx2">
+                  <a:lumMod val="75000"/>
+                </a:schemeClr>
+              </a:solidFill>
+            </a:endParaRPr>
+          </a:p>
+          <a:p>
+            <a:pPr marL="457200" lvl="0" indent="-457200">
+              <a:lnSpc>
+                <a:spcPct val="150000"/>
+              </a:lnSpc>
+              <a:buFont typeface="+mj-lt"/>
+              <a:buAutoNum type="arabicPeriod"/>
+            </a:pPr>
+            <a:r>
+              <a:rPr lang="ru-RU" sz="2000" dirty="0" smtClean="0">
+                <a:solidFill>
+                  <a:schemeClr val="tx2">
+                    <a:lumMod val="75000"/>
+                  </a:schemeClr>
+                </a:solidFill>
+              </a:rPr>
+              <a:t>Иногда </a:t>
+            </a:r>
+            <a:r>
+              <a:rPr lang="ru-RU" sz="2000" dirty="0" smtClean="0">
+                <a:solidFill>
+                  <a:schemeClr val="tx2">
+                    <a:lumMod val="75000"/>
+                  </a:schemeClr>
+                </a:solidFill>
+              </a:rPr>
+              <a:t>не </a:t>
+            </a:r>
+            <a:r>
+              <a:rPr lang="ru-RU" sz="2000" dirty="0" smtClean="0">
+                <a:solidFill>
+                  <a:schemeClr val="tx2">
+                    <a:lumMod val="75000"/>
+                  </a:schemeClr>
+                </a:solidFill>
+              </a:rPr>
+              <a:t>выходить в </a:t>
+            </a:r>
+            <a:r>
+              <a:rPr lang="ru-RU" sz="2000" dirty="0" smtClean="0">
+                <a:solidFill>
+                  <a:schemeClr val="tx2">
+                    <a:lumMod val="75000"/>
+                  </a:schemeClr>
+                </a:solidFill>
+              </a:rPr>
+              <a:t>интернет несколько дней.</a:t>
+            </a:r>
+            <a:endParaRPr lang="ru-RU" sz="2000" dirty="0" smtClean="0">
+              <a:solidFill>
+                <a:schemeClr val="tx2">
+                  <a:lumMod val="75000"/>
+                </a:schemeClr>
+              </a:solidFill>
+            </a:endParaRPr>
+          </a:p>
+          <a:p>
+            <a:pPr marL="457200" lvl="0" indent="-457200">
+              <a:lnSpc>
+                <a:spcPct val="150000"/>
+              </a:lnSpc>
+              <a:buFont typeface="+mj-lt"/>
+              <a:buAutoNum type="arabicPeriod"/>
+            </a:pPr>
+            <a:r>
+              <a:rPr lang="ru-RU" sz="2000" dirty="0" smtClean="0">
+                <a:solidFill>
+                  <a:schemeClr val="tx2">
+                    <a:lumMod val="75000"/>
+                  </a:schemeClr>
+                </a:solidFill>
+              </a:rPr>
+              <a:t>Не общаться </a:t>
+            </a:r>
+            <a:r>
+              <a:rPr lang="ru-RU" sz="2000" dirty="0" smtClean="0">
+                <a:solidFill>
+                  <a:schemeClr val="tx2">
+                    <a:lumMod val="75000"/>
+                  </a:schemeClr>
+                </a:solidFill>
+              </a:rPr>
+              <a:t>в интернете в субботу и в </a:t>
+            </a:r>
+            <a:r>
+              <a:rPr lang="ru-RU" sz="2000" dirty="0" smtClean="0">
+                <a:solidFill>
+                  <a:schemeClr val="tx2">
+                    <a:lumMod val="75000"/>
+                  </a:schemeClr>
+                </a:solidFill>
+              </a:rPr>
+              <a:t>воскресенье.</a:t>
+            </a:r>
+            <a:endParaRPr lang="ru-RU" sz="2000" dirty="0" smtClean="0">
+              <a:solidFill>
+                <a:schemeClr val="tx2">
+                  <a:lumMod val="75000"/>
+                </a:schemeClr>
+              </a:solidFill>
+            </a:endParaRPr>
+          </a:p>
+          <a:p>
+            <a:pPr marL="457200" lvl="0" indent="-457200">
+              <a:lnSpc>
+                <a:spcPct val="150000"/>
+              </a:lnSpc>
+              <a:buFont typeface="+mj-lt"/>
+              <a:buAutoNum type="arabicPeriod"/>
+            </a:pPr>
+            <a:r>
+              <a:rPr lang="ru-RU" sz="2000" dirty="0" smtClean="0">
+                <a:solidFill>
+                  <a:schemeClr val="tx2">
+                    <a:lumMod val="75000"/>
+                  </a:schemeClr>
+                </a:solidFill>
+              </a:rPr>
+              <a:t>Заняться хобби.</a:t>
+            </a:r>
+            <a:endParaRPr lang="ru-RU" sz="2000" dirty="0" smtClean="0">
+              <a:solidFill>
+                <a:schemeClr val="tx2">
+                  <a:lumMod val="75000"/>
+                </a:schemeClr>
+              </a:solidFill>
+            </a:endParaRPr>
+          </a:p>
+          <a:p>
+            <a:pPr marL="457200" lvl="0" indent="-457200">
+              <a:lnSpc>
+                <a:spcPct val="150000"/>
+              </a:lnSpc>
+              <a:buFont typeface="+mj-lt"/>
+              <a:buAutoNum type="arabicPeriod"/>
+            </a:pPr>
+            <a:r>
+              <a:rPr lang="ru-RU" sz="2000" dirty="0" smtClean="0">
+                <a:solidFill>
+                  <a:schemeClr val="tx2">
+                    <a:lumMod val="75000"/>
+                  </a:schemeClr>
+                </a:solidFill>
+              </a:rPr>
+              <a:t>Заняться спортом.</a:t>
+            </a:r>
+          </a:p>
+          <a:p>
+            <a:pPr marL="457200" indent="-457200">
+              <a:lnSpc>
+                <a:spcPct val="150000"/>
+              </a:lnSpc>
+              <a:buFont typeface="+mj-lt"/>
+              <a:buAutoNum type="arabicPeriod"/>
+            </a:pPr>
+            <a:r>
+              <a:rPr lang="ru-RU" sz="2000" dirty="0" smtClean="0">
+                <a:solidFill>
+                  <a:schemeClr val="tx2">
+                    <a:lumMod val="75000"/>
+                  </a:schemeClr>
+                </a:solidFill>
+              </a:rPr>
+              <a:t>Выявить первопричину тяги к интернету и избавиться от нее</a:t>
+            </a:r>
+            <a:r>
+              <a:rPr lang="ru-RU" sz="2000" dirty="0" smtClean="0">
+                <a:solidFill>
+                  <a:schemeClr val="tx2">
+                    <a:lumMod val="75000"/>
+                  </a:schemeClr>
+                </a:solidFill>
+              </a:rPr>
+              <a:t>.</a:t>
+            </a:r>
+          </a:p>
+          <a:p>
+            <a:pPr marL="457200" indent="-457200">
+              <a:buFont typeface="+mj-lt"/>
+              <a:buAutoNum type="arabicPeriod"/>
+            </a:pPr>
+            <a:endParaRPr lang="ru-RU" sz="2000" dirty="0" smtClean="0">
+              <a:solidFill>
+                <a:schemeClr val="tx2">
+                  <a:lumMod val="75000"/>
+                </a:schemeClr>
+              </a:solidFill>
+            </a:endParaRPr>
+          </a:p>
+          <a:p>
+            <a:pPr marL="457200" indent="-457200">
+              <a:buFont typeface="+mj-lt"/>
+              <a:buAutoNum type="arabicPeriod"/>
+            </a:pPr>
+            <a:endParaRPr lang="ru-RU" sz="2000" dirty="0" smtClean="0">
+              <a:solidFill>
+                <a:schemeClr val="tx2">
+                  <a:lumMod val="75000"/>
+                </a:schemeClr>
+              </a:solidFill>
+            </a:endParaRPr>
+          </a:p>
+          <a:p>
+            <a:pPr marL="457200" lvl="0" indent="-457200" algn="ctr"/>
+            <a:r>
+              <a:rPr lang="ru-RU" sz="2000" dirty="0" smtClean="0">
+                <a:solidFill>
+                  <a:schemeClr val="tx2">
+                    <a:lumMod val="75000"/>
+                  </a:schemeClr>
+                </a:solidFill>
+              </a:rPr>
+              <a:t>	</a:t>
+            </a:r>
+            <a:r>
+              <a:rPr lang="ru-RU" sz="2000" i="1" dirty="0" smtClean="0">
+                <a:solidFill>
+                  <a:schemeClr val="tx2">
+                    <a:lumMod val="75000"/>
+                  </a:schemeClr>
+                </a:solidFill>
+              </a:rPr>
+              <a:t>Вовремя </a:t>
+            </a:r>
+            <a:r>
+              <a:rPr lang="ru-RU" sz="2000" i="1" dirty="0" smtClean="0">
+                <a:solidFill>
+                  <a:schemeClr val="tx2">
+                    <a:lumMod val="75000"/>
+                  </a:schemeClr>
+                </a:solidFill>
+              </a:rPr>
+              <a:t>заметить и предупредить появление и развитие компьютерной зависимости легче, нежели потом с ней бороться.</a:t>
+            </a:r>
+          </a:p>
+          <a:p>
+            <a:endParaRPr lang="ru-RU" dirty="0"/>
+          </a:p>
+        </p:txBody>
+      </p:sp>
+      <p:pic>
+        <p:nvPicPr>
+          <p:cNvPr id="4" name="Рисунок 3" descr="мозг3.png"/>
+          <p:cNvPicPr>
+            <a:picLocks noChangeAspect="1"/>
+          </p:cNvPicPr>
+          <p:nvPr/>
+        </p:nvPicPr>
+        <p:blipFill>
+          <a:blip r:embed="rId3" cstate="print"/>
+          <a:stretch>
+            <a:fillRect/>
+          </a:stretch>
+        </p:blipFill>
+        <p:spPr>
+          <a:xfrm>
+            <a:off x="5796136" y="1484784"/>
+            <a:ext cx="4104456" cy="2422630"/>
+          </a:xfrm>
+          <a:prstGeom prst="rect">
+            <a:avLst/>
+          </a:prstGeom>
+        </p:spPr>
+      </p:pic>
+    </p:spTree>
+  </p:cSld>
+  <p:clrMapOvr>
+    <a:masterClrMapping/>
+  </p:clrMapOvr>
+  <p:timing>
+    <p:tnLst>
+      <p:par>
+        <p:cTn id="1" dur="indefinite" restart="never" nodeType="tmRoot"/>
+      </p:par>
+    </p:tnLst>
+  </p:timing>
+</p:sld>
+</file>
+
+<file path=ppt/slides/slide11.xml><?xml version="1.0" encoding="utf-8"?>
+<p:sld xmlns:a="http://schemas.openxmlformats.org/drawingml/2006/main" xmlns:r="http://schemas.openxmlformats.org/officeDocument/2006/relationships" xmlns:p="http://schemas.openxmlformats.org/presentationml/2006/main">
+  <p:cSld>
+    <p:spTree>
+      <p:nvGrpSpPr>
+        <p:cNvPr id="1" name=""/>
+        <p:cNvGrpSpPr/>
+        <p:nvPr/>
+      </p:nvGrpSpPr>
+      <p:grpSpPr>
+        <a:xfrm>
+          <a:off x="0" y="0"/>
+          <a:ext cx="0" cy="0"/>
+          <a:chOff x="0" y="0"/>
+          <a:chExt cx="0" cy="0"/>
+        </a:xfrm>
+      </p:grpSpPr>
+      <p:sp>
+        <p:nvSpPr>
+          <p:cNvPr id="2" name="Заголовок 1"/>
+          <p:cNvSpPr>
+            <a:spLocks noGrp="1"/>
+          </p:cNvSpPr>
+          <p:nvPr>
+            <p:ph type="title"/>
+          </p:nvPr>
+        </p:nvSpPr>
+        <p:spPr/>
+        <p:txBody>
+          <a:bodyPr/>
+          <a:lstStyle/>
+          <a:p>
+            <a:r>
+              <a:rPr lang="ru-RU" dirty="0" smtClean="0"/>
+              <a:t>Вывод</a:t>
+            </a:r>
+            <a:endParaRPr lang="ru-RU" dirty="0"/>
+          </a:p>
+        </p:txBody>
+      </p:sp>
+      <p:sp>
+        <p:nvSpPr>
+          <p:cNvPr id="4" name="TextBox 3"/>
+          <p:cNvSpPr txBox="1"/>
+          <p:nvPr/>
+        </p:nvSpPr>
+        <p:spPr>
+          <a:xfrm>
+            <a:off x="179512" y="1556792"/>
+            <a:ext cx="8784976" cy="2215991"/>
+          </a:xfrm>
+          <a:prstGeom prst="rect">
+            <a:avLst/>
+          </a:prstGeom>
+          <a:noFill/>
+        </p:spPr>
+        <p:txBody>
+          <a:bodyPr wrap="square" rtlCol="0">
+            <a:spAutoFit/>
+          </a:bodyPr>
+          <a:lstStyle/>
+          <a:p>
+            <a:r>
+              <a:rPr lang="ru-RU" sz="2400" dirty="0" smtClean="0">
+                <a:solidFill>
+                  <a:schemeClr val="tx2">
+                    <a:lumMod val="75000"/>
+                  </a:schemeClr>
+                </a:solidFill>
+              </a:rPr>
+              <a:t>С каждым днем </a:t>
+            </a:r>
+            <a:r>
+              <a:rPr lang="ru-RU" sz="2400" dirty="0" smtClean="0">
+                <a:solidFill>
+                  <a:schemeClr val="tx2">
+                    <a:lumMod val="75000"/>
+                  </a:schemeClr>
+                </a:solidFill>
+              </a:rPr>
+              <a:t>Интернет все больше </a:t>
+            </a:r>
+            <a:r>
+              <a:rPr lang="ru-RU" sz="2400" b="1" dirty="0" smtClean="0">
+                <a:solidFill>
+                  <a:schemeClr val="tx2">
+                    <a:lumMod val="75000"/>
+                  </a:schemeClr>
+                </a:solidFill>
+              </a:rPr>
+              <a:t>проникает </a:t>
+            </a:r>
+            <a:r>
+              <a:rPr lang="ru-RU" sz="2400" b="1" dirty="0" smtClean="0">
+                <a:solidFill>
+                  <a:schemeClr val="tx2">
+                    <a:lumMod val="75000"/>
+                  </a:schemeClr>
+                </a:solidFill>
+              </a:rPr>
+              <a:t>в жизнь </a:t>
+            </a:r>
+            <a:r>
+              <a:rPr lang="ru-RU" sz="2400" dirty="0" smtClean="0">
+                <a:solidFill>
+                  <a:schemeClr val="tx2">
+                    <a:lumMod val="75000"/>
+                  </a:schemeClr>
+                </a:solidFill>
+              </a:rPr>
+              <a:t>общества, если не использовать методы контроля времени, которое люди проводят в Интернете, то общество начнет </a:t>
+            </a:r>
+            <a:r>
+              <a:rPr lang="ru-RU" sz="2400" b="1" dirty="0" smtClean="0">
+                <a:solidFill>
+                  <a:schemeClr val="tx2">
+                    <a:lumMod val="75000"/>
+                  </a:schemeClr>
+                </a:solidFill>
+              </a:rPr>
+              <a:t>деградировать</a:t>
+            </a:r>
+            <a:r>
+              <a:rPr lang="ru-RU" sz="2400" dirty="0" smtClean="0">
+                <a:solidFill>
+                  <a:schemeClr val="tx2">
+                    <a:lumMod val="75000"/>
+                  </a:schemeClr>
+                </a:solidFill>
+              </a:rPr>
+              <a:t>. </a:t>
+            </a:r>
+            <a:r>
+              <a:rPr lang="ru-RU" sz="2400" dirty="0" smtClean="0">
+                <a:solidFill>
+                  <a:schemeClr val="tx2">
+                    <a:lumMod val="75000"/>
+                  </a:schemeClr>
+                </a:solidFill>
+              </a:rPr>
+              <a:t>И этот процесс </a:t>
+            </a:r>
+            <a:r>
+              <a:rPr lang="ru-RU" sz="2400" dirty="0" smtClean="0">
+                <a:solidFill>
+                  <a:schemeClr val="tx2">
+                    <a:lumMod val="75000"/>
+                  </a:schemeClr>
+                </a:solidFill>
+              </a:rPr>
+              <a:t>уже начался, </a:t>
+            </a:r>
+            <a:r>
+              <a:rPr lang="ru-RU" sz="2400" dirty="0" smtClean="0">
+                <a:solidFill>
+                  <a:schemeClr val="tx2">
+                    <a:lumMod val="75000"/>
+                  </a:schemeClr>
+                </a:solidFill>
+              </a:rPr>
+              <a:t>а </a:t>
+            </a:r>
+            <a:r>
+              <a:rPr lang="ru-RU" sz="2400" dirty="0" smtClean="0">
+                <a:solidFill>
+                  <a:schemeClr val="tx2">
+                    <a:lumMod val="75000"/>
+                  </a:schemeClr>
+                </a:solidFill>
+              </a:rPr>
+              <a:t>что будет в будущем – зависит от нас самих. </a:t>
+            </a:r>
+          </a:p>
+          <a:p>
+            <a:endParaRPr lang="ru-RU" dirty="0"/>
+          </a:p>
+        </p:txBody>
+      </p:sp>
+      <p:sp>
+        <p:nvSpPr>
+          <p:cNvPr id="5" name="Прямоугольник 4"/>
+          <p:cNvSpPr/>
+          <p:nvPr/>
+        </p:nvSpPr>
+        <p:spPr>
+          <a:xfrm>
+            <a:off x="0" y="3789040"/>
+            <a:ext cx="9144000" cy="3385542"/>
+          </a:xfrm>
+          <a:prstGeom prst="rect">
+            <a:avLst/>
+          </a:prstGeom>
+          <a:noFill/>
+        </p:spPr>
+        <p:txBody>
+          <a:bodyPr wrap="square" lIns="91440" tIns="45720" rIns="91440" bIns="45720">
+            <a:spAutoFit/>
+          </a:bodyPr>
+          <a:lstStyle/>
+          <a:p>
+            <a:pPr algn="ctr"/>
+            <a:r>
+              <a:rPr lang="ru-RU" sz="4000" b="1" dirty="0" smtClean="0">
+                <a:ln w="12700">
+                  <a:solidFill>
+                    <a:schemeClr val="tx2">
+                      <a:satMod val="155000"/>
+                    </a:schemeClr>
+                  </a:solidFill>
+                  <a:prstDash val="solid"/>
+                </a:ln>
+                <a:solidFill>
+                  <a:schemeClr val="bg2">
+                    <a:tint val="85000"/>
+                    <a:satMod val="155000"/>
+                  </a:schemeClr>
+                </a:solidFill>
+                <a:effectLst>
+                  <a:outerShdw blurRad="41275" dist="20320" dir="1800000" algn="tl" rotWithShape="0">
+                    <a:srgbClr val="000000">
+                      <a:alpha val="40000"/>
+                    </a:srgbClr>
+                  </a:outerShdw>
+                </a:effectLst>
+              </a:rPr>
+              <a:t>Неограниченное посещение Интернета – </a:t>
+            </a:r>
+            <a:r>
+              <a:rPr lang="ru-RU" sz="4000" b="1" dirty="0" smtClean="0">
+                <a:ln w="12700">
+                  <a:solidFill>
+                    <a:schemeClr val="tx2">
+                      <a:satMod val="155000"/>
+                    </a:schemeClr>
+                  </a:solidFill>
+                  <a:prstDash val="solid"/>
+                </a:ln>
+                <a:solidFill>
+                  <a:schemeClr val="accent1">
+                    <a:lumMod val="60000"/>
+                    <a:lumOff val="40000"/>
+                  </a:schemeClr>
+                </a:solidFill>
+                <a:effectLst>
+                  <a:outerShdw blurRad="41275" dist="20320" dir="1800000" algn="tl" rotWithShape="0">
+                    <a:srgbClr val="000000">
+                      <a:alpha val="40000"/>
+                    </a:srgbClr>
+                  </a:outerShdw>
+                </a:effectLst>
+              </a:rPr>
+              <a:t>глобальная</a:t>
+            </a:r>
+            <a:r>
+              <a:rPr lang="ru-RU" sz="4000" b="1" dirty="0" smtClean="0">
+                <a:ln w="12700">
+                  <a:solidFill>
+                    <a:schemeClr val="tx2">
+                      <a:satMod val="155000"/>
+                    </a:schemeClr>
+                  </a:solidFill>
+                  <a:prstDash val="solid"/>
+                </a:ln>
+                <a:solidFill>
+                  <a:schemeClr val="bg2">
+                    <a:tint val="85000"/>
+                    <a:satMod val="155000"/>
+                  </a:schemeClr>
+                </a:solidFill>
+                <a:effectLst>
+                  <a:outerShdw blurRad="41275" dist="20320" dir="1800000" algn="tl" rotWithShape="0">
+                    <a:srgbClr val="000000">
+                      <a:alpha val="40000"/>
+                    </a:srgbClr>
+                  </a:outerShdw>
+                </a:effectLst>
+              </a:rPr>
+              <a:t> </a:t>
+            </a:r>
+            <a:r>
+              <a:rPr lang="ru-RU" sz="4000" b="1" dirty="0" smtClean="0">
+                <a:ln w="12700">
+                  <a:solidFill>
+                    <a:schemeClr val="tx2">
+                      <a:satMod val="155000"/>
+                    </a:schemeClr>
+                  </a:solidFill>
+                  <a:prstDash val="solid"/>
+                </a:ln>
+                <a:solidFill>
+                  <a:schemeClr val="accent1">
+                    <a:lumMod val="60000"/>
+                    <a:lumOff val="40000"/>
+                  </a:schemeClr>
+                </a:solidFill>
+                <a:effectLst>
+                  <a:outerShdw blurRad="41275" dist="20320" dir="1800000" algn="tl" rotWithShape="0">
+                    <a:srgbClr val="000000">
+                      <a:alpha val="40000"/>
+                    </a:srgbClr>
+                  </a:outerShdw>
+                </a:effectLst>
+              </a:rPr>
+              <a:t>проблема</a:t>
+            </a:r>
+            <a:r>
+              <a:rPr lang="ru-RU" sz="4000" b="1" dirty="0" smtClean="0">
+                <a:ln w="12700">
+                  <a:solidFill>
+                    <a:schemeClr val="tx2">
+                      <a:satMod val="155000"/>
+                    </a:schemeClr>
+                  </a:solidFill>
+                  <a:prstDash val="solid"/>
+                </a:ln>
+                <a:solidFill>
+                  <a:schemeClr val="bg2">
+                    <a:tint val="85000"/>
+                    <a:satMod val="155000"/>
+                  </a:schemeClr>
+                </a:solidFill>
+                <a:effectLst>
+                  <a:outerShdw blurRad="41275" dist="20320" dir="1800000" algn="tl" rotWithShape="0">
+                    <a:srgbClr val="000000">
+                      <a:alpha val="40000"/>
+                    </a:srgbClr>
+                  </a:outerShdw>
+                </a:effectLst>
+              </a:rPr>
+              <a:t>, которую </a:t>
+            </a:r>
+            <a:r>
+              <a:rPr lang="ru-RU" sz="4000" b="1" dirty="0" smtClean="0">
+                <a:ln w="12700">
+                  <a:solidFill>
+                    <a:schemeClr val="tx2">
+                      <a:satMod val="155000"/>
+                    </a:schemeClr>
+                  </a:solidFill>
+                  <a:prstDash val="solid"/>
+                </a:ln>
+                <a:solidFill>
+                  <a:srgbClr val="92D050"/>
+                </a:solidFill>
+                <a:effectLst>
+                  <a:outerShdw blurRad="41275" dist="20320" dir="1800000" algn="tl" rotWithShape="0">
+                    <a:srgbClr val="000000">
+                      <a:alpha val="40000"/>
+                    </a:srgbClr>
+                  </a:outerShdw>
+                </a:effectLst>
+              </a:rPr>
+              <a:t>нужно</a:t>
+            </a:r>
+            <a:r>
+              <a:rPr lang="ru-RU" sz="4000" b="1" dirty="0" smtClean="0">
+                <a:ln w="12700">
+                  <a:solidFill>
+                    <a:schemeClr val="tx2">
+                      <a:satMod val="155000"/>
+                    </a:schemeClr>
+                  </a:solidFill>
+                  <a:prstDash val="solid"/>
+                </a:ln>
+                <a:solidFill>
+                  <a:schemeClr val="bg2">
+                    <a:tint val="85000"/>
+                    <a:satMod val="155000"/>
+                  </a:schemeClr>
+                </a:solidFill>
+                <a:effectLst>
+                  <a:outerShdw blurRad="41275" dist="20320" dir="1800000" algn="tl" rotWithShape="0">
+                    <a:srgbClr val="000000">
+                      <a:alpha val="40000"/>
+                    </a:srgbClr>
+                  </a:outerShdw>
+                </a:effectLst>
+              </a:rPr>
+              <a:t> </a:t>
+            </a:r>
+            <a:r>
+              <a:rPr lang="ru-RU" sz="4000" b="1" dirty="0" smtClean="0">
+                <a:ln w="12700">
+                  <a:solidFill>
+                    <a:schemeClr val="tx2">
+                      <a:satMod val="155000"/>
+                    </a:schemeClr>
+                  </a:solidFill>
+                  <a:prstDash val="solid"/>
+                </a:ln>
+                <a:solidFill>
+                  <a:srgbClr val="92D050"/>
+                </a:solidFill>
+                <a:effectLst>
+                  <a:outerShdw blurRad="41275" dist="20320" dir="1800000" algn="tl" rotWithShape="0">
+                    <a:srgbClr val="000000">
+                      <a:alpha val="40000"/>
+                    </a:srgbClr>
+                  </a:outerShdw>
+                </a:effectLst>
+              </a:rPr>
+              <a:t>решать</a:t>
+            </a:r>
+            <a:r>
+              <a:rPr lang="ru-RU" sz="4000" b="1" dirty="0" smtClean="0">
+                <a:ln w="12700">
+                  <a:solidFill>
+                    <a:schemeClr val="tx2">
+                      <a:satMod val="155000"/>
+                    </a:schemeClr>
+                  </a:solidFill>
+                  <a:prstDash val="solid"/>
+                </a:ln>
+                <a:solidFill>
+                  <a:schemeClr val="bg2">
+                    <a:tint val="85000"/>
+                    <a:satMod val="155000"/>
+                  </a:schemeClr>
+                </a:solidFill>
+                <a:effectLst>
+                  <a:outerShdw blurRad="41275" dist="20320" dir="1800000" algn="tl" rotWithShape="0">
+                    <a:srgbClr val="000000">
+                      <a:alpha val="40000"/>
+                    </a:srgbClr>
+                  </a:outerShdw>
+                </a:effectLst>
+              </a:rPr>
+              <a:t>.</a:t>
+            </a:r>
+          </a:p>
+          <a:p>
+            <a:pPr algn="ctr"/>
+            <a:endParaRPr lang="ru-RU" sz="5400" b="1" cap="none" spc="0" dirty="0">
+              <a:ln w="12700">
+                <a:solidFill>
+                  <a:schemeClr val="tx2">
+                    <a:satMod val="155000"/>
+                  </a:schemeClr>
+                </a:solidFill>
+                <a:prstDash val="solid"/>
+              </a:ln>
+              <a:solidFill>
+                <a:schemeClr val="bg2">
+                  <a:tint val="85000"/>
+                  <a:satMod val="155000"/>
+                </a:schemeClr>
+              </a:solidFill>
+              <a:effectLst>
+                <a:outerShdw blurRad="41275" dist="20320" dir="1800000" algn="tl" rotWithShape="0">
+                  <a:srgbClr val="000000">
+                    <a:alpha val="40000"/>
+                  </a:srgbClr>
+                </a:outerShdw>
+              </a:effectLst>
+            </a:endParaRPr>
+          </a:p>
+        </p:txBody>
+      </p:sp>
+    </p:spTree>
+  </p:cSld>
+  <p:clrMapOvr>
+    <a:masterClrMapping/>
+  </p:clrMapOvr>
+  <p:timing>
+    <p:tnLst>
+      <p:par>
+        <p:cTn id="1" dur="indefinite" restart="never" nodeType="tmRoot"/>
+      </p:par>
+    </p:tnLst>
+  </p:timing>
+</p:sld>
+</file>
+
+<file path=ppt/slides/slide12.xml><?xml version="1.0" encoding="utf-8"?>
+<p:sld xmlns:a="http://schemas.openxmlformats.org/drawingml/2006/main" xmlns:r="http://schemas.openxmlformats.org/officeDocument/2006/relationships" xmlns:p="http://schemas.openxmlformats.org/presentationml/2006/main">
+  <p:cSld>
+    <p:spTree>
+      <p:nvGrpSpPr>
+        <p:cNvPr id="1" name=""/>
+        <p:cNvGrpSpPr/>
+        <p:nvPr/>
+      </p:nvGrpSpPr>
+      <p:grpSpPr>
+        <a:xfrm>
+          <a:off x="0" y="0"/>
+          <a:ext cx="0" cy="0"/>
+          <a:chOff x="0" y="0"/>
+          <a:chExt cx="0" cy="0"/>
+        </a:xfrm>
+      </p:grpSpPr>
+      <p:pic>
+        <p:nvPicPr>
+          <p:cNvPr id="7" name="Рисунок 6" descr="интернетjpg.jpg"/>
+          <p:cNvPicPr>
+            <a:picLocks noChangeAspect="1"/>
+          </p:cNvPicPr>
+          <p:nvPr/>
+        </p:nvPicPr>
+        <p:blipFill>
+          <a:blip r:embed="rId3" cstate="print"/>
+          <a:stretch>
+            <a:fillRect/>
+          </a:stretch>
+        </p:blipFill>
+        <p:spPr>
+          <a:xfrm>
+            <a:off x="1403648" y="1556792"/>
+            <a:ext cx="6200606" cy="4456686"/>
+          </a:xfrm>
+          <a:prstGeom prst="rect">
+            <a:avLst/>
+          </a:prstGeom>
+        </p:spPr>
+      </p:pic>
+      <p:sp>
+        <p:nvSpPr>
+          <p:cNvPr id="4" name="Прямоугольник 3"/>
+          <p:cNvSpPr/>
+          <p:nvPr/>
+        </p:nvSpPr>
+        <p:spPr>
+          <a:xfrm>
+            <a:off x="323528" y="548680"/>
+            <a:ext cx="8485016" cy="923330"/>
+          </a:xfrm>
+          <a:prstGeom prst="rect">
+            <a:avLst/>
+          </a:prstGeom>
+          <a:noFill/>
+        </p:spPr>
+        <p:txBody>
+          <a:bodyPr wrap="none" lIns="91440" tIns="45720" rIns="91440" bIns="45720">
+            <a:spAutoFit/>
+          </a:bodyPr>
+          <a:lstStyle/>
+          <a:p>
+            <a:pPr algn="ctr"/>
+            <a:r>
+              <a:rPr lang="ru-RU" sz="5400" b="1" dirty="0" smtClean="0">
+                <a:ln w="12700">
+                  <a:solidFill>
+                    <a:schemeClr val="tx2">
+                      <a:satMod val="155000"/>
+                    </a:schemeClr>
+                  </a:solidFill>
+                  <a:prstDash val="solid"/>
+                </a:ln>
+                <a:solidFill>
+                  <a:schemeClr val="bg2">
+                    <a:tint val="85000"/>
+                    <a:satMod val="155000"/>
+                  </a:schemeClr>
+                </a:solidFill>
+                <a:effectLst>
+                  <a:outerShdw blurRad="41275" dist="20320" dir="1800000" algn="tl" rotWithShape="0">
+                    <a:srgbClr val="000000">
+                      <a:alpha val="40000"/>
+                    </a:srgbClr>
+                  </a:outerShdw>
+                </a:effectLst>
+              </a:rPr>
+              <a:t>Спасибо за внимание!</a:t>
+            </a:r>
+            <a:endParaRPr lang="ru-RU" sz="5400" b="1" dirty="0">
+              <a:ln w="12700">
+                <a:solidFill>
+                  <a:schemeClr val="tx2">
+                    <a:satMod val="155000"/>
+                  </a:schemeClr>
+                </a:solidFill>
+                <a:prstDash val="solid"/>
+              </a:ln>
+              <a:solidFill>
+                <a:schemeClr val="bg2">
+                  <a:tint val="85000"/>
+                  <a:satMod val="155000"/>
+                </a:schemeClr>
+              </a:solidFill>
+              <a:effectLst>
+                <a:outerShdw blurRad="41275" dist="20320" dir="1800000" algn="tl" rotWithShape="0">
+                  <a:srgbClr val="000000">
+                    <a:alpha val="40000"/>
+                  </a:srgbClr>
+                </a:outerShdw>
+              </a:effectLst>
+            </a:endParaRPr>
+          </a:p>
+        </p:txBody>
+      </p:sp>
     </p:spTree>
   </p:cSld>
   <p:clrMapOvr>
@@ -7986,7 +10803,7 @@
         <p:spPr>
           <a:xfrm>
             <a:off x="179512" y="1052736"/>
-            <a:ext cx="8964488" cy="5232202"/>
+            <a:ext cx="8964488" cy="4016484"/>
           </a:xfrm>
           <a:prstGeom prst="rect">
             <a:avLst/>
@@ -8001,7 +10818,7 @@
           <a:p>
             <a:pPr lvl="0" indent="449263" algn="just" eaLnBrk="0" fontAlgn="base" hangingPunct="0">
               <a:lnSpc>
-                <a:spcPct val="200000"/>
+                <a:spcPct val="150000"/>
               </a:lnSpc>
               <a:spcBef>
                 <a:spcPct val="0"/>
@@ -8011,14 +10828,14 @@
               </a:spcAft>
             </a:pPr>
             <a:endParaRPr lang="ru-RU" dirty="0" smtClean="0">
-              <a:latin typeface="Times New Roman" pitchFamily="18" charset="0"/>
+              <a:latin typeface="+mj-lt"/>
               <a:cs typeface="Times New Roman" pitchFamily="18" charset="0"/>
             </a:endParaRPr>
           </a:p>
           <a:p>
             <a:pPr lvl="0" indent="449263" algn="just" eaLnBrk="0" fontAlgn="base" hangingPunct="0">
               <a:lnSpc>
-                <a:spcPct val="200000"/>
+                <a:spcPct val="150000"/>
               </a:lnSpc>
               <a:spcBef>
                 <a:spcPct val="0"/>
@@ -8037,6 +10854,7 @@
                     <a:lumMod val="75000"/>
                   </a:schemeClr>
                 </a:solidFill>
+                <a:latin typeface="+mj-lt"/>
                 <a:ea typeface="Calibri" pitchFamily="34" charset="0"/>
                 <a:cs typeface="Times New Roman" pitchFamily="18" charset="0"/>
               </a:rPr>
@@ -8049,6 +10867,7 @@
                     <a:lumMod val="75000"/>
                   </a:schemeClr>
                 </a:solidFill>
+                <a:latin typeface="+mj-lt"/>
                 <a:ea typeface="Calibri" pitchFamily="34" charset="0"/>
                 <a:cs typeface="Times New Roman" pitchFamily="18" charset="0"/>
               </a:rPr>
@@ -8061,37 +10880,17 @@
                     <a:lumMod val="75000"/>
                   </a:schemeClr>
                 </a:solidFill>
+                <a:latin typeface="+mj-lt"/>
                 <a:ea typeface="Calibri" pitchFamily="34" charset="0"/>
                 <a:cs typeface="Times New Roman" pitchFamily="18" charset="0"/>
               </a:rPr>
-              <a:t> в </a:t>
-            </a:r>
-            <a:r>
-              <a:rPr lang="ru-RU" sz="2800" dirty="0" smtClean="0" bmk="">
-                <a:solidFill>
-                  <a:schemeClr val="tx2">
-                    <a:lumMod val="75000"/>
-                  </a:schemeClr>
-                </a:solidFill>
-                <a:ea typeface="Calibri" pitchFamily="34" charset="0"/>
-                <a:cs typeface="Times New Roman" pitchFamily="18" charset="0"/>
-              </a:rPr>
-              <a:t>общество.</a:t>
-            </a:r>
-            <a:endParaRPr lang="ru-RU" sz="2800" dirty="0" smtClean="0" bmk="">
-              <a:solidFill>
-                <a:schemeClr val="tx2">
-                  <a:lumMod val="75000"/>
-                </a:schemeClr>
-              </a:solidFill>
-              <a:ea typeface="Calibri" pitchFamily="34" charset="0"/>
-              <a:cs typeface="Times New Roman" pitchFamily="18" charset="0"/>
-            </a:endParaRPr>
+              <a:t> в общество.</a:t>
+            </a:r>
           </a:p>
           <a:p>
             <a:pPr lvl="0" indent="449263" algn="just" eaLnBrk="0" fontAlgn="base" hangingPunct="0">
               <a:lnSpc>
-                <a:spcPct val="200000"/>
+                <a:spcPct val="150000"/>
               </a:lnSpc>
               <a:spcBef>
                 <a:spcPct val="0"/>
@@ -8110,6 +10909,7 @@
                     <a:lumMod val="75000"/>
                   </a:schemeClr>
                 </a:solidFill>
+                <a:latin typeface="+mj-lt"/>
               </a:rPr>
               <a:t>У</a:t>
             </a:r>
@@ -8120,6 +10920,7 @@
                     <a:lumMod val="75000"/>
                   </a:schemeClr>
                 </a:solidFill>
+                <a:latin typeface="+mj-lt"/>
               </a:rPr>
               <a:t> </a:t>
             </a:r>
@@ -8130,6 +10931,7 @@
                     <a:lumMod val="75000"/>
                   </a:schemeClr>
                 </a:solidFill>
+                <a:latin typeface="+mj-lt"/>
               </a:rPr>
               <a:t>каждого</a:t>
             </a:r>
@@ -8140,31 +10942,15 @@
                     <a:lumMod val="75000"/>
                   </a:schemeClr>
                 </a:solidFill>
-              </a:rPr>
-              <a:t> подростка есть выход в </a:t>
-            </a:r>
-            <a:r>
-              <a:rPr lang="ru-RU" sz="2800" dirty="0" smtClean="0">
-                <a:solidFill>
-                  <a:schemeClr val="tx2">
-                    <a:lumMod val="75000"/>
-                  </a:schemeClr>
-                </a:solidFill>
-              </a:rPr>
-              <a:t>Интернет.</a:t>
-            </a:r>
-            <a:endParaRPr lang="ru-RU" sz="2800" dirty="0" smtClean="0">
-              <a:solidFill>
-                <a:schemeClr val="tx2">
-                  <a:lumMod val="75000"/>
-                </a:schemeClr>
-              </a:solidFill>
-            </a:endParaRPr>
+                <a:latin typeface="+mj-lt"/>
+              </a:rPr>
+              <a:t> подростка есть выход в Интернет.</a:t>
+            </a:r>
           </a:p>
           <a:p>
             <a:pPr lvl="0" indent="449263" algn="just" eaLnBrk="0" fontAlgn="base" hangingPunct="0">
               <a:lnSpc>
-                <a:spcPct val="200000"/>
+                <a:spcPct val="150000"/>
               </a:lnSpc>
               <a:spcBef>
                 <a:spcPct val="0"/>
@@ -8183,6 +10969,7 @@
                     <a:lumMod val="75000"/>
                   </a:schemeClr>
                 </a:solidFill>
+                <a:latin typeface="+mj-lt"/>
               </a:rPr>
               <a:t>Мы </a:t>
             </a:r>
@@ -8193,6 +10980,7 @@
                     <a:lumMod val="75000"/>
                   </a:schemeClr>
                 </a:solidFill>
+                <a:latin typeface="+mj-lt"/>
               </a:rPr>
               <a:t>зависим</a:t>
             </a:r>
@@ -8203,31 +10991,15 @@
                     <a:lumMod val="75000"/>
                   </a:schemeClr>
                 </a:solidFill>
-              </a:rPr>
-              <a:t> от </a:t>
-            </a:r>
-            <a:r>
-              <a:rPr lang="ru-RU" sz="2800" dirty="0" smtClean="0">
-                <a:solidFill>
-                  <a:schemeClr val="tx2">
-                    <a:lumMod val="75000"/>
-                  </a:schemeClr>
-                </a:solidFill>
-              </a:rPr>
-              <a:t>интернета, особенно подростки.</a:t>
-            </a:r>
-            <a:endParaRPr lang="ru-RU" sz="2800" dirty="0" smtClean="0">
-              <a:solidFill>
-                <a:schemeClr val="tx2">
-                  <a:lumMod val="75000"/>
-                </a:schemeClr>
-              </a:solidFill>
-            </a:endParaRPr>
+                <a:latin typeface="+mj-lt"/>
+              </a:rPr>
+              <a:t> от интернета, особенно подростки.</a:t>
+            </a:r>
           </a:p>
           <a:p>
             <a:pPr lvl="0" indent="449263" algn="just" eaLnBrk="0" fontAlgn="base" hangingPunct="0">
               <a:lnSpc>
-                <a:spcPct val="200000"/>
+                <a:spcPct val="150000"/>
               </a:lnSpc>
               <a:spcBef>
                 <a:spcPct val="0"/>
@@ -8246,6 +11018,7 @@
                     <a:lumMod val="75000"/>
                   </a:schemeClr>
                 </a:solidFill>
+                <a:latin typeface="+mj-lt"/>
               </a:rPr>
               <a:t>В чем </a:t>
             </a:r>
@@ -8256,6 +11029,7 @@
                     <a:lumMod val="75000"/>
                   </a:schemeClr>
                 </a:solidFill>
+                <a:latin typeface="+mj-lt"/>
               </a:rPr>
               <a:t>польза</a:t>
             </a:r>
@@ -8266,8 +11040,20 @@
                     <a:lumMod val="75000"/>
                   </a:schemeClr>
                 </a:solidFill>
-              </a:rPr>
-              <a:t> интернета, </a:t>
+                <a:latin typeface="+mj-lt"/>
+              </a:rPr>
+              <a:t> интернета, в чем его </a:t>
+            </a:r>
+            <a:r>
+              <a:rPr lang="ru-RU" sz="2800" b="1" dirty="0" smtClean="0">
+                <a:solidFill>
+                  <a:schemeClr val="tx2">
+                    <a:lumMod val="75000"/>
+                  </a:schemeClr>
+                </a:solidFill>
+                <a:latin typeface="+mj-lt"/>
+              </a:rPr>
+              <a:t>опасность</a:t>
             </a:r>
             <a:r>
               <a:rPr lang="ru-RU" sz="2800" dirty="0" smtClean="0">
@@ -8276,36 +11062,7 @@
                     <a:lumMod val="75000"/>
                   </a:schemeClr>
                 </a:solidFill>
-              </a:rPr>
-              <a:t>в </a:t>
-            </a:r>
-            <a:r>
-              <a:rPr lang="ru-RU" sz="2800" dirty="0" smtClean="0">
-                <a:solidFill>
-                  <a:schemeClr val="tx2">
-                    <a:lumMod val="75000"/>
-                  </a:schemeClr>
-                </a:solidFill>
-              </a:rPr>
-              <a:t>чем его </a:t>
-            </a:r>
-            <a:r>
-              <a:rPr lang="ru-RU" sz="2800" b="1" dirty="0" smtClean="0">
-                <a:solidFill>
-                  <a:schemeClr val="tx2">
-                    <a:lumMod val="75000"/>
-                  </a:schemeClr>
-                </a:solidFill>
-              </a:rPr>
-              <a:t>опасность</a:t>
-            </a:r>
-            <a:r>
-              <a:rPr lang="ru-RU" sz="2800" dirty="0" smtClean="0">
-                <a:solidFill>
-                  <a:schemeClr val="tx2">
-                    <a:lumMod val="75000"/>
-                  </a:schemeClr>
-                </a:solidFill>
+                <a:latin typeface="+mj-lt"/>
               </a:rPr>
               <a:t>?</a:t>
             </a:r>
@@ -8313,7 +11070,7 @@
           <a:p>
             <a:pPr lvl="0" indent="449263" algn="just" eaLnBrk="0" fontAlgn="base" hangingPunct="0">
               <a:lnSpc>
-                <a:spcPct val="200000"/>
+                <a:spcPct val="150000"/>
               </a:lnSpc>
               <a:spcBef>
                 <a:spcPct val="0"/>
@@ -8332,6 +11089,7 @@
                     <a:lumMod val="75000"/>
                   </a:schemeClr>
                 </a:solidFill>
+                <a:latin typeface="+mj-lt"/>
               </a:rPr>
               <a:t>Глобальная </a:t>
             </a:r>
@@ -8342,6 +11100,7 @@
                     <a:lumMod val="75000"/>
                   </a:schemeClr>
                 </a:solidFill>
+                <a:latin typeface="+mj-lt"/>
               </a:rPr>
               <a:t>проблема</a:t>
             </a:r>
@@ -8352,26 +11111,10 @@
                     <a:lumMod val="75000"/>
                   </a:schemeClr>
                 </a:solidFill>
-              </a:rPr>
-              <a:t> – </a:t>
-            </a:r>
-            <a:r>
-              <a:rPr lang="ru-RU" sz="2800" dirty="0" smtClean="0">
-                <a:solidFill>
-                  <a:schemeClr val="tx2">
-                    <a:lumMod val="75000"/>
-                  </a:schemeClr>
-                </a:solidFill>
-              </a:rPr>
-              <a:t>интернет-зависимость.</a:t>
-            </a:r>
-            <a:endParaRPr lang="ru-RU" sz="2800" dirty="0" smtClean="0">
-              <a:solidFill>
-                <a:schemeClr val="tx2">
-                  <a:lumMod val="75000"/>
-                </a:schemeClr>
-              </a:solidFill>
-            </a:endParaRPr>
+                <a:latin typeface="+mj-lt"/>
+              </a:rPr>
+              <a:t> – интернет-зависимость.</a:t>
+            </a:r>
           </a:p>
           <a:p>
             <a:endParaRPr lang="ru-RU" dirty="0"/>
@@ -8896,7 +11639,17 @@
                   </a:schemeClr>
                 </a:solidFill>
               </a:rPr>
-              <a:t>Выяснить, что такое интернет?</a:t>
+              <a:t> Выяснить</a:t>
+            </a:r>
+            <a:r>
+              <a:rPr lang="ru-RU" sz="1600" dirty="0" smtClean="0">
+                <a:solidFill>
+                  <a:schemeClr val="tx2">
+                    <a:lumMod val="75000"/>
+                  </a:schemeClr>
+                </a:solidFill>
+              </a:rPr>
+              <a:t>, что такое интернет?</a:t>
             </a:r>
           </a:p>
           <a:p>
@@ -8915,7 +11668,17 @@
                   </a:schemeClr>
                 </a:solidFill>
               </a:rPr>
-              <a:t>Определить положительное и отрицательное влияние интернета.</a:t>
+              <a:t> Определить </a:t>
+            </a:r>
+            <a:r>
+              <a:rPr lang="ru-RU" sz="1600" dirty="0" smtClean="0">
+                <a:solidFill>
+                  <a:schemeClr val="tx2">
+                    <a:lumMod val="75000"/>
+                  </a:schemeClr>
+                </a:solidFill>
+              </a:rPr>
+              <a:t>положительное и отрицательное влияние интернета.</a:t>
             </a:r>
           </a:p>
           <a:p>
@@ -8934,7 +11697,17 @@
                   </a:schemeClr>
                 </a:solidFill>
               </a:rPr>
-              <a:t>Разработать анкету и провести анкетирование подростков .</a:t>
+              <a:t> Разработать </a:t>
+            </a:r>
+            <a:r>
+              <a:rPr lang="ru-RU" sz="1600" dirty="0" smtClean="0">
+                <a:solidFill>
+                  <a:schemeClr val="tx2">
+                    <a:lumMod val="75000"/>
+                  </a:schemeClr>
+                </a:solidFill>
+              </a:rPr>
+              <a:t>анкету и провести анкетирование подростков .</a:t>
             </a:r>
           </a:p>
           <a:p>
@@ -8953,7 +11726,17 @@
                   </a:schemeClr>
                 </a:solidFill>
               </a:rPr>
-              <a:t>Рассмотреть профилактические меры от </a:t>
+              <a:t> Рассмотреть </a:t>
+            </a:r>
+            <a:r>
+              <a:rPr lang="ru-RU" sz="1600" dirty="0" smtClean="0">
+                <a:solidFill>
+                  <a:schemeClr val="tx2">
+                    <a:lumMod val="75000"/>
+                  </a:schemeClr>
+                </a:solidFill>
+              </a:rPr>
+              <a:t>профилактические меры от </a:t>
             </a:r>
             <a:r>
               <a:rPr lang="ru-RU" sz="1600" dirty="0" err="1" smtClean="0">
@@ -8992,7 +11775,17 @@
                   </a:schemeClr>
                 </a:solidFill>
               </a:rPr>
-              <a:t>Сделать памятку с рекомендациями по профилактике </a:t>
+              <a:t> Сделать </a:t>
+            </a:r>
+            <a:r>
+              <a:rPr lang="ru-RU" sz="1600" dirty="0" smtClean="0">
+                <a:solidFill>
+                  <a:schemeClr val="tx2">
+                    <a:lumMod val="75000"/>
+                  </a:schemeClr>
+                </a:solidFill>
+              </a:rPr>
+              <a:t>памятку с рекомендациями по профилактике </a:t>
             </a:r>
             <a:r>
               <a:rPr lang="ru-RU" sz="1600" dirty="0" err="1" smtClean="0">
@@ -9020,6 +11813,30 @@
           </a:p>
         </p:txBody>
       </p:sp>
+      <p:pic>
+        <p:nvPicPr>
+          <p:cNvPr id="9" name="Рисунок 8" descr="мозг-Photoroom.png-Photoroom.png"/>
+          <p:cNvPicPr>
+            <a:picLocks noChangeAspect="1"/>
+          </p:cNvPicPr>
+          <p:nvPr/>
+        </p:nvPicPr>
+        <p:blipFill>
+          <a:blip r:embed="rId3" cstate="print"/>
+          <a:stretch>
+            <a:fillRect/>
+          </a:stretch>
+        </p:blipFill>
+        <p:spPr>
+          <a:xfrm>
+            <a:off x="6804248" y="3429000"/>
+            <a:ext cx="2088232" cy="2088232"/>
+          </a:xfrm>
+          <a:prstGeom prst="rect">
+            <a:avLst/>
+          </a:prstGeom>
+        </p:spPr>
+      </p:pic>
     </p:spTree>
   </p:cSld>
   <p:clrMapOvr>
@@ -9115,37 +11932,7 @@
                   </a:schemeClr>
                 </a:solidFill>
               </a:rPr>
-              <a:t> – это </a:t>
-            </a:r>
-            <a:r>
-              <a:rPr lang="ru-RU" sz="2800" dirty="0" smtClean="0">
-                <a:solidFill>
-                  <a:schemeClr val="tx2">
-                    <a:lumMod val="75000"/>
-                  </a:schemeClr>
-                </a:solidFill>
-              </a:rPr>
-              <a:t>глобальная информационная  </a:t>
-            </a:r>
-            <a:r>
-              <a:rPr lang="ru-RU" sz="2800" dirty="0" smtClean="0">
-                <a:solidFill>
-                  <a:schemeClr val="tx2">
-                    <a:lumMod val="75000"/>
-                  </a:schemeClr>
-                </a:solidFill>
-              </a:rPr>
-              <a:t>сеть, которая объединяет огромное количество компьютеров по </a:t>
-            </a:r>
-            <a:r>
-              <a:rPr lang="ru-RU" sz="2800" dirty="0" smtClean="0">
-                <a:solidFill>
-                  <a:schemeClr val="tx2">
-                    <a:lumMod val="75000"/>
-                  </a:schemeClr>
-                </a:solidFill>
-              </a:rPr>
-              <a:t>всему миру.</a:t>
+              <a:t> – это глобальная информационная  сеть, которая объединяет огромное количество компьютеров по всему миру.</a:t>
             </a:r>
             <a:endParaRPr lang="ru-RU" sz="2800" dirty="0">
               <a:solidFill>
@@ -9187,7 +11974,17 @@
                   </a:schemeClr>
                 </a:solidFill>
               </a:rPr>
-              <a:t>Пользование </a:t>
+              <a:t>Пользование интернетом имеет огромное количество </a:t>
+            </a:r>
+            <a:r>
+              <a:rPr lang="ru-RU" sz="2800" b="1" dirty="0" smtClean="0">
+                <a:solidFill>
+                  <a:schemeClr val="tx2">
+                    <a:lumMod val="75000"/>
+                  </a:schemeClr>
+                </a:solidFill>
+              </a:rPr>
+              <a:t>ПРЕИМУЩЕСТВ</a:t>
             </a:r>
             <a:r>
               <a:rPr lang="ru-RU" sz="2800" dirty="0" smtClean="0">
@@ -9197,7 +11994,17 @@
                   </a:schemeClr>
                 </a:solidFill>
               </a:rPr>
-              <a:t>интернетом </a:t>
+              <a:t>, но нельзя отрицать и то, что у интернета, как и у всего, есть свои </a:t>
+            </a:r>
+            <a:r>
+              <a:rPr lang="ru-RU" sz="2800" b="1" dirty="0" smtClean="0">
+                <a:solidFill>
+                  <a:schemeClr val="tx2">
+                    <a:lumMod val="75000"/>
+                  </a:schemeClr>
+                </a:solidFill>
+              </a:rPr>
+              <a:t>НЕДОСТАТКИ</a:t>
             </a:r>
             <a:r>
               <a:rPr lang="ru-RU" sz="2800" dirty="0" smtClean="0">
@@ -9207,75 +12014,8 @@
                   </a:schemeClr>
                 </a:solidFill>
               </a:rPr>
-              <a:t>имеет огромное количество </a:t>
-            </a:r>
-            <a:r>
-              <a:rPr lang="ru-RU" sz="2800" b="1" dirty="0" smtClean="0">
-                <a:solidFill>
-                  <a:schemeClr val="tx2">
-                    <a:lumMod val="75000"/>
-                  </a:schemeClr>
-                </a:solidFill>
-              </a:rPr>
-              <a:t>ПРЕИМУЩЕСТВ</a:t>
-            </a:r>
-            <a:r>
-              <a:rPr lang="ru-RU" sz="2800" dirty="0" smtClean="0">
-                <a:solidFill>
-                  <a:schemeClr val="tx2">
-                    <a:lumMod val="75000"/>
-                  </a:schemeClr>
-                </a:solidFill>
-              </a:rPr>
-              <a:t>, </a:t>
-            </a:r>
-            <a:r>
-              <a:rPr lang="ru-RU" sz="2800" dirty="0" smtClean="0">
-                <a:solidFill>
-                  <a:schemeClr val="tx2">
-                    <a:lumMod val="75000"/>
-                  </a:schemeClr>
-                </a:solidFill>
-              </a:rPr>
-              <a:t>но нельзя отрицать и то, что </a:t>
-            </a:r>
-            <a:r>
-              <a:rPr lang="ru-RU" sz="2800" dirty="0" smtClean="0">
-                <a:solidFill>
-                  <a:schemeClr val="tx2">
-                    <a:lumMod val="75000"/>
-                  </a:schemeClr>
-                </a:solidFill>
-              </a:rPr>
-              <a:t>у интернета, как и у всего, есть свои </a:t>
-            </a:r>
-            <a:r>
-              <a:rPr lang="ru-RU" sz="2800" b="1" dirty="0" smtClean="0">
-                <a:solidFill>
-                  <a:schemeClr val="tx2">
-                    <a:lumMod val="75000"/>
-                  </a:schemeClr>
-                </a:solidFill>
-              </a:rPr>
-              <a:t>НЕДОСТАТКИ</a:t>
-            </a:r>
-            <a:r>
-              <a:rPr lang="ru-RU" sz="2800" dirty="0" smtClean="0">
-                <a:solidFill>
-                  <a:schemeClr val="tx2">
-                    <a:lumMod val="75000"/>
-                  </a:schemeClr>
-                </a:solidFill>
-              </a:rPr>
               <a:t>.</a:t>
             </a:r>
-            <a:endParaRPr lang="ru-RU" sz="2800" dirty="0" smtClean="0">
-              <a:solidFill>
-                <a:schemeClr val="tx2">
-                  <a:lumMod val="75000"/>
-                </a:schemeClr>
-              </a:solidFill>
-            </a:endParaRPr>
           </a:p>
           <a:p>
             <a:endParaRPr lang="ru-RU" dirty="0"/>
@@ -9337,6 +12077,292 @@
           </a:p>
         </p:txBody>
       </p:sp>
+      <p:sp>
+        <p:nvSpPr>
+          <p:cNvPr id="3" name="TextBox 2"/>
+          <p:cNvSpPr txBox="1"/>
+          <p:nvPr/>
+        </p:nvSpPr>
+        <p:spPr>
+          <a:xfrm>
+            <a:off x="179512" y="1196752"/>
+            <a:ext cx="8964488" cy="5262979"/>
+          </a:xfrm>
+          <a:prstGeom prst="rect">
+            <a:avLst/>
+          </a:prstGeom>
+          <a:noFill/>
+        </p:spPr>
+        <p:txBody>
+          <a:bodyPr wrap="square" rtlCol="0">
+            <a:spAutoFit/>
+          </a:bodyPr>
+          <a:lstStyle/>
+          <a:p>
+            <a:pPr lvl="0">
+              <a:lnSpc>
+                <a:spcPct val="200000"/>
+              </a:lnSpc>
+              <a:buFont typeface="Courier New" pitchFamily="49" charset="0"/>
+              <a:buChar char="o"/>
+            </a:pPr>
+            <a:r>
+              <a:rPr lang="ru-RU" sz="2800" dirty="0" smtClean="0">
+                <a:solidFill>
+                  <a:schemeClr val="tx2">
+                    <a:lumMod val="75000"/>
+                  </a:schemeClr>
+                </a:solidFill>
+              </a:rPr>
+              <a:t> Друзья </a:t>
+            </a:r>
+            <a:r>
+              <a:rPr lang="ru-RU" sz="2800" dirty="0" smtClean="0">
+                <a:solidFill>
+                  <a:schemeClr val="tx2">
+                    <a:lumMod val="75000"/>
+                  </a:schemeClr>
+                </a:solidFill>
+              </a:rPr>
+              <a:t>по всему миру </a:t>
+            </a:r>
+            <a:endParaRPr lang="en-US" sz="2800" dirty="0" smtClean="0">
+              <a:solidFill>
+                <a:schemeClr val="tx2">
+                  <a:lumMod val="75000"/>
+                </a:schemeClr>
+              </a:solidFill>
+            </a:endParaRPr>
+          </a:p>
+          <a:p>
+            <a:pPr lvl="0">
+              <a:lnSpc>
+                <a:spcPct val="200000"/>
+              </a:lnSpc>
+              <a:buFont typeface="Courier New" pitchFamily="49" charset="0"/>
+              <a:buChar char="o"/>
+            </a:pPr>
+            <a:r>
+              <a:rPr lang="ru-RU" sz="2800" dirty="0" smtClean="0">
+                <a:solidFill>
+                  <a:schemeClr val="tx2">
+                    <a:lumMod val="75000"/>
+                  </a:schemeClr>
+                </a:solidFill>
+              </a:rPr>
+              <a:t> Общение </a:t>
+            </a:r>
+            <a:r>
+              <a:rPr lang="ru-RU" sz="2800" dirty="0" smtClean="0">
+                <a:solidFill>
+                  <a:schemeClr val="tx2">
+                    <a:lumMod val="75000"/>
+                  </a:schemeClr>
+                </a:solidFill>
+              </a:rPr>
+              <a:t>в реальном времени</a:t>
+            </a:r>
+            <a:r>
+              <a:rPr lang="ru-RU" sz="2800" dirty="0" smtClean="0">
+                <a:solidFill>
+                  <a:schemeClr val="tx2">
+                    <a:lumMod val="75000"/>
+                  </a:schemeClr>
+                </a:solidFill>
+              </a:rPr>
+              <a:t>.</a:t>
+            </a:r>
+            <a:endParaRPr lang="en-US" sz="2800" dirty="0" smtClean="0">
+              <a:solidFill>
+                <a:schemeClr val="tx2">
+                  <a:lumMod val="75000"/>
+                </a:schemeClr>
+              </a:solidFill>
+            </a:endParaRPr>
+          </a:p>
+          <a:p>
+            <a:pPr>
+              <a:lnSpc>
+                <a:spcPct val="200000"/>
+              </a:lnSpc>
+              <a:buFont typeface="Courier New" pitchFamily="49" charset="0"/>
+              <a:buChar char="o"/>
+            </a:pPr>
+            <a:r>
+              <a:rPr lang="ru-RU" sz="2800" dirty="0" smtClean="0">
+                <a:solidFill>
+                  <a:schemeClr val="tx2">
+                    <a:lumMod val="75000"/>
+                  </a:schemeClr>
+                </a:solidFill>
+              </a:rPr>
+              <a:t> Доступность </a:t>
+            </a:r>
+            <a:r>
+              <a:rPr lang="ru-RU" sz="2800" dirty="0" smtClean="0">
+                <a:solidFill>
+                  <a:schemeClr val="tx2">
+                    <a:lumMod val="75000"/>
+                  </a:schemeClr>
+                </a:solidFill>
+              </a:rPr>
+              <a:t>знаний.</a:t>
+            </a:r>
+          </a:p>
+          <a:p>
+            <a:pPr>
+              <a:lnSpc>
+                <a:spcPct val="200000"/>
+              </a:lnSpc>
+              <a:buFont typeface="Courier New" pitchFamily="49" charset="0"/>
+              <a:buChar char="o"/>
+            </a:pPr>
+            <a:r>
+              <a:rPr lang="ru-RU" sz="2800" dirty="0" smtClean="0">
+                <a:solidFill>
+                  <a:schemeClr val="tx2">
+                    <a:lumMod val="75000"/>
+                  </a:schemeClr>
+                </a:solidFill>
+              </a:rPr>
+              <a:t> Не </a:t>
+            </a:r>
+            <a:r>
+              <a:rPr lang="ru-RU" sz="2800" dirty="0" smtClean="0">
+                <a:solidFill>
+                  <a:schemeClr val="tx2">
+                    <a:lumMod val="75000"/>
+                  </a:schemeClr>
+                </a:solidFill>
+              </a:rPr>
+              <a:t>выходя из </a:t>
+            </a:r>
+            <a:r>
+              <a:rPr lang="ru-RU" sz="2800" dirty="0" smtClean="0">
+                <a:solidFill>
+                  <a:schemeClr val="tx2">
+                    <a:lumMod val="75000"/>
+                  </a:schemeClr>
+                </a:solidFill>
+              </a:rPr>
+              <a:t>дома.</a:t>
+            </a:r>
+            <a:endParaRPr lang="en-US" sz="2800" dirty="0" smtClean="0">
+              <a:solidFill>
+                <a:schemeClr val="tx2">
+                  <a:lumMod val="75000"/>
+                </a:schemeClr>
+              </a:solidFill>
+            </a:endParaRPr>
+          </a:p>
+          <a:p>
+            <a:pPr>
+              <a:lnSpc>
+                <a:spcPct val="200000"/>
+              </a:lnSpc>
+              <a:buFont typeface="Courier New" pitchFamily="49" charset="0"/>
+              <a:buChar char="o"/>
+            </a:pPr>
+            <a:r>
+              <a:rPr lang="ru-RU" sz="2800" dirty="0" smtClean="0">
+                <a:solidFill>
+                  <a:schemeClr val="tx2">
+                    <a:lumMod val="75000"/>
+                  </a:schemeClr>
+                </a:solidFill>
+              </a:rPr>
+              <a:t> Способ </a:t>
+            </a:r>
+            <a:r>
+              <a:rPr lang="ru-RU" sz="2800" dirty="0" smtClean="0">
+                <a:solidFill>
+                  <a:schemeClr val="tx2">
+                    <a:lumMod val="75000"/>
+                  </a:schemeClr>
+                </a:solidFill>
+              </a:rPr>
+              <a:t>заработка. </a:t>
+            </a:r>
+            <a:endParaRPr lang="en-US" sz="2800" dirty="0" smtClean="0">
+              <a:solidFill>
+                <a:schemeClr val="tx2">
+                  <a:lumMod val="75000"/>
+                </a:schemeClr>
+              </a:solidFill>
+            </a:endParaRPr>
+          </a:p>
+          <a:p>
+            <a:pPr>
+              <a:lnSpc>
+                <a:spcPct val="200000"/>
+              </a:lnSpc>
+              <a:buFont typeface="Courier New" pitchFamily="49" charset="0"/>
+              <a:buChar char="o"/>
+            </a:pPr>
+            <a:r>
+              <a:rPr lang="ru-RU" sz="2800" dirty="0" smtClean="0">
+                <a:solidFill>
+                  <a:schemeClr val="tx2">
+                    <a:lumMod val="75000"/>
+                  </a:schemeClr>
+                </a:solidFill>
+              </a:rPr>
+              <a:t> Развлечение</a:t>
+            </a:r>
+            <a:r>
+              <a:rPr lang="ru-RU" sz="2800" dirty="0" smtClean="0">
+                <a:solidFill>
+                  <a:schemeClr val="tx2">
+                    <a:lumMod val="75000"/>
+                  </a:schemeClr>
+                </a:solidFill>
+              </a:rPr>
+              <a:t>, новые формы проведения досуга</a:t>
+            </a:r>
+            <a:r>
+              <a:rPr lang="ru-RU" sz="2800" dirty="0" smtClean="0">
+                <a:solidFill>
+                  <a:schemeClr val="tx2">
+                    <a:lumMod val="75000"/>
+                  </a:schemeClr>
+                </a:solidFill>
+              </a:rPr>
+              <a:t>.</a:t>
+            </a:r>
+            <a:endParaRPr lang="ru-RU" sz="2800" dirty="0" smtClean="0">
+              <a:solidFill>
+                <a:schemeClr val="tx2">
+                  <a:lumMod val="75000"/>
+                </a:schemeClr>
+              </a:solidFill>
+            </a:endParaRPr>
+          </a:p>
+        </p:txBody>
+      </p:sp>
+      <p:pic>
+        <p:nvPicPr>
+          <p:cNvPr id="6" name="Рисунок 5" descr="ноут.png"/>
+          <p:cNvPicPr>
+            <a:picLocks noChangeAspect="1"/>
+          </p:cNvPicPr>
+          <p:nvPr/>
+        </p:nvPicPr>
+        <p:blipFill>
+          <a:blip r:embed="rId3" cstate="print"/>
+          <a:stretch>
+            <a:fillRect/>
+          </a:stretch>
+        </p:blipFill>
+        <p:spPr>
+          <a:xfrm>
+            <a:off x="4283968" y="2132856"/>
+            <a:ext cx="4032448" cy="4032448"/>
+          </a:xfrm>
+          <a:prstGeom prst="rect">
+            <a:avLst/>
+          </a:prstGeom>
+        </p:spPr>
+      </p:pic>
     </p:spTree>
   </p:cSld>
   <p:clrMapOvr>
@@ -9392,6 +12418,988 @@
           </a:p>
         </p:txBody>
       </p:sp>
+      <p:sp>
+        <p:nvSpPr>
+          <p:cNvPr id="3" name="TextBox 2"/>
+          <p:cNvSpPr txBox="1"/>
+          <p:nvPr/>
+        </p:nvSpPr>
+        <p:spPr>
+          <a:xfrm>
+            <a:off x="179512" y="1340768"/>
+            <a:ext cx="8568952" cy="5078313"/>
+          </a:xfrm>
+          <a:prstGeom prst="rect">
+            <a:avLst/>
+          </a:prstGeom>
+          <a:noFill/>
+        </p:spPr>
+        <p:txBody>
+          <a:bodyPr wrap="square" rtlCol="0">
+            <a:spAutoFit/>
+          </a:bodyPr>
+          <a:lstStyle/>
+          <a:p>
+            <a:pPr lvl="0">
+              <a:lnSpc>
+                <a:spcPct val="150000"/>
+              </a:lnSpc>
+              <a:buFont typeface="Courier New" pitchFamily="49" charset="0"/>
+              <a:buChar char="o"/>
+            </a:pPr>
+            <a:r>
+              <a:rPr lang="ru-RU" sz="2400" dirty="0" smtClean="0">
+                <a:solidFill>
+                  <a:schemeClr val="tx2">
+                    <a:lumMod val="75000"/>
+                  </a:schemeClr>
+                </a:solidFill>
+              </a:rPr>
+              <a:t> Высокая </a:t>
+            </a:r>
+            <a:r>
+              <a:rPr lang="ru-RU" sz="2400" dirty="0" smtClean="0">
+                <a:solidFill>
+                  <a:schemeClr val="tx2">
+                    <a:lumMod val="75000"/>
+                  </a:schemeClr>
+                </a:solidFill>
+              </a:rPr>
+              <a:t>вероятность получения недостоверной информации</a:t>
+            </a:r>
+            <a:r>
+              <a:rPr lang="ru-RU" sz="2400" dirty="0" smtClean="0">
+                <a:solidFill>
+                  <a:schemeClr val="tx2">
+                    <a:lumMod val="75000"/>
+                  </a:schemeClr>
+                </a:solidFill>
+              </a:rPr>
+              <a:t>.</a:t>
+            </a:r>
+          </a:p>
+          <a:p>
+            <a:pPr>
+              <a:lnSpc>
+                <a:spcPct val="150000"/>
+              </a:lnSpc>
+              <a:buFont typeface="Courier New" pitchFamily="49" charset="0"/>
+              <a:buChar char="o"/>
+            </a:pPr>
+            <a:r>
+              <a:rPr lang="ru-RU" sz="2400" dirty="0" smtClean="0">
+                <a:solidFill>
+                  <a:schemeClr val="tx2">
+                    <a:lumMod val="75000"/>
+                  </a:schemeClr>
+                </a:solidFill>
+              </a:rPr>
+              <a:t> Потеря </a:t>
+            </a:r>
+            <a:r>
+              <a:rPr lang="ru-RU" sz="2400" dirty="0" smtClean="0">
+                <a:solidFill>
+                  <a:schemeClr val="tx2">
+                    <a:lumMod val="75000"/>
+                  </a:schemeClr>
+                </a:solidFill>
+              </a:rPr>
+              <a:t>ценности живого общения</a:t>
+            </a:r>
+            <a:r>
+              <a:rPr lang="ru-RU" sz="2400" dirty="0" smtClean="0">
+                <a:solidFill>
+                  <a:schemeClr val="tx2">
+                    <a:lumMod val="75000"/>
+                  </a:schemeClr>
+                </a:solidFill>
+              </a:rPr>
+              <a:t>.</a:t>
+            </a:r>
+          </a:p>
+          <a:p>
+            <a:pPr lvl="0">
+              <a:lnSpc>
+                <a:spcPct val="150000"/>
+              </a:lnSpc>
+              <a:buFont typeface="Courier New" pitchFamily="49" charset="0"/>
+              <a:buChar char="o"/>
+            </a:pPr>
+            <a:r>
+              <a:rPr lang="ru-RU" sz="2400" dirty="0" smtClean="0">
+                <a:solidFill>
+                  <a:schemeClr val="tx2">
+                    <a:lumMod val="75000"/>
+                  </a:schemeClr>
+                </a:solidFill>
+              </a:rPr>
+              <a:t> Хорошим </a:t>
+            </a:r>
+            <a:r>
+              <a:rPr lang="ru-RU" sz="2400" dirty="0" smtClean="0">
+                <a:solidFill>
+                  <a:schemeClr val="tx2">
+                    <a:lumMod val="75000"/>
+                  </a:schemeClr>
+                </a:solidFill>
+              </a:rPr>
+              <a:t>местом нахождения интернет стал и для мошенников</a:t>
+            </a:r>
+            <a:r>
+              <a:rPr lang="ru-RU" sz="2400" dirty="0" smtClean="0">
+                <a:solidFill>
+                  <a:schemeClr val="tx2">
+                    <a:lumMod val="75000"/>
+                  </a:schemeClr>
+                </a:solidFill>
+              </a:rPr>
+              <a:t>.</a:t>
+            </a:r>
+          </a:p>
+          <a:p>
+            <a:pPr>
+              <a:lnSpc>
+                <a:spcPct val="150000"/>
+              </a:lnSpc>
+              <a:buFont typeface="Courier New" pitchFamily="49" charset="0"/>
+              <a:buChar char="o"/>
+            </a:pPr>
+            <a:r>
+              <a:rPr lang="ru-RU" sz="2400" dirty="0" smtClean="0">
+                <a:solidFill>
+                  <a:schemeClr val="tx2">
+                    <a:lumMod val="75000"/>
+                  </a:schemeClr>
+                </a:solidFill>
+              </a:rPr>
+              <a:t> Снижение </a:t>
+            </a:r>
+            <a:r>
+              <a:rPr lang="ru-RU" sz="2400" dirty="0" smtClean="0">
+                <a:solidFill>
+                  <a:schemeClr val="tx2">
+                    <a:lumMod val="75000"/>
+                  </a:schemeClr>
+                </a:solidFill>
+              </a:rPr>
+              <a:t>уровня образования.</a:t>
+            </a:r>
+          </a:p>
+          <a:p>
+            <a:pPr>
+              <a:lnSpc>
+                <a:spcPct val="150000"/>
+              </a:lnSpc>
+              <a:buFont typeface="Courier New" pitchFamily="49" charset="0"/>
+              <a:buChar char="o"/>
+            </a:pPr>
+            <a:r>
+              <a:rPr lang="ru-RU" sz="2400" dirty="0" smtClean="0">
+                <a:solidFill>
+                  <a:schemeClr val="tx2">
+                    <a:lumMod val="75000"/>
+                  </a:schemeClr>
+                </a:solidFill>
+              </a:rPr>
+              <a:t> Излишний </a:t>
+            </a:r>
+            <a:r>
+              <a:rPr lang="ru-RU" sz="2400" dirty="0" smtClean="0">
+                <a:solidFill>
+                  <a:schemeClr val="tx2">
+                    <a:lumMod val="75000"/>
+                  </a:schemeClr>
+                </a:solidFill>
+              </a:rPr>
+              <a:t>поток информации</a:t>
+            </a:r>
+            <a:r>
+              <a:rPr lang="ru-RU" sz="2400" dirty="0" smtClean="0">
+                <a:solidFill>
+                  <a:schemeClr val="tx2">
+                    <a:lumMod val="75000"/>
+                  </a:schemeClr>
+                </a:solidFill>
+              </a:rPr>
+              <a:t>.</a:t>
+            </a:r>
+          </a:p>
+          <a:p>
+            <a:pPr lvl="0">
+              <a:lnSpc>
+                <a:spcPct val="150000"/>
+              </a:lnSpc>
+              <a:buFont typeface="Courier New" pitchFamily="49" charset="0"/>
+              <a:buChar char="o"/>
+            </a:pPr>
+            <a:r>
+              <a:rPr lang="ru-RU" sz="2400" dirty="0" smtClean="0">
+                <a:solidFill>
+                  <a:schemeClr val="tx2">
+                    <a:lumMod val="75000"/>
+                  </a:schemeClr>
+                </a:solidFill>
+              </a:rPr>
+              <a:t> Психические </a:t>
+            </a:r>
+            <a:r>
+              <a:rPr lang="ru-RU" sz="2400" dirty="0" smtClean="0">
+                <a:solidFill>
+                  <a:schemeClr val="tx2">
+                    <a:lumMod val="75000"/>
+                  </a:schemeClr>
+                </a:solidFill>
+              </a:rPr>
+              <a:t>расстройства</a:t>
+            </a:r>
+            <a:r>
+              <a:rPr lang="ru-RU" sz="2400" dirty="0" smtClean="0">
+                <a:solidFill>
+                  <a:schemeClr val="tx2">
+                    <a:lumMod val="75000"/>
+                  </a:schemeClr>
+                </a:solidFill>
+              </a:rPr>
+              <a:t>.</a:t>
+            </a:r>
+          </a:p>
+          <a:p>
+            <a:pPr>
+              <a:lnSpc>
+                <a:spcPct val="150000"/>
+              </a:lnSpc>
+              <a:buFont typeface="Courier New" pitchFamily="49" charset="0"/>
+              <a:buChar char="o"/>
+            </a:pPr>
+            <a:r>
+              <a:rPr lang="ru-RU" sz="2400" dirty="0" smtClean="0">
+                <a:solidFill>
+                  <a:schemeClr val="tx2">
+                    <a:lumMod val="75000"/>
+                  </a:schemeClr>
+                </a:solidFill>
+              </a:rPr>
+              <a:t> Проблемы </a:t>
+            </a:r>
+            <a:r>
+              <a:rPr lang="ru-RU" sz="2400" dirty="0" smtClean="0">
+                <a:solidFill>
+                  <a:schemeClr val="tx2">
+                    <a:lumMod val="75000"/>
+                  </a:schemeClr>
+                </a:solidFill>
+              </a:rPr>
+              <a:t>со здоровьем</a:t>
+            </a:r>
+            <a:r>
+              <a:rPr lang="ru-RU" sz="2400" dirty="0" smtClean="0">
+                <a:solidFill>
+                  <a:schemeClr val="tx2">
+                    <a:lumMod val="75000"/>
+                  </a:schemeClr>
+                </a:solidFill>
+              </a:rPr>
+              <a:t>.</a:t>
+            </a:r>
+            <a:endParaRPr lang="ru-RU" sz="2400" dirty="0">
+              <a:solidFill>
+                <a:schemeClr val="tx2">
+                  <a:lumMod val="75000"/>
+                </a:schemeClr>
+              </a:solidFill>
+            </a:endParaRPr>
+          </a:p>
+        </p:txBody>
+      </p:sp>
+      <p:pic>
+        <p:nvPicPr>
+          <p:cNvPr id="8" name="Рисунок 7" descr="зависимость2.jpg"/>
+          <p:cNvPicPr>
+            <a:picLocks noChangeAspect="1"/>
+          </p:cNvPicPr>
+          <p:nvPr/>
+        </p:nvPicPr>
+        <p:blipFill>
+          <a:blip r:embed="rId3" cstate="print"/>
+          <a:stretch>
+            <a:fillRect/>
+          </a:stretch>
+        </p:blipFill>
+        <p:spPr>
+          <a:xfrm>
+            <a:off x="5292080" y="4077072"/>
+            <a:ext cx="3480386" cy="2088232"/>
+          </a:xfrm>
+          <a:prstGeom prst="rect">
+            <a:avLst/>
+          </a:prstGeom>
+        </p:spPr>
+      </p:pic>
+    </p:spTree>
+  </p:cSld>
+  <p:clrMapOvr>
+    <a:masterClrMapping/>
+  </p:clrMapOvr>
+  <p:timing>
+    <p:tnLst>
+      <p:par>
+        <p:cTn id="1" dur="indefinite" restart="never" nodeType="tmRoot"/>
+      </p:par>
+    </p:tnLst>
+  </p:timing>
+</p:sld>
+</file>
+
+<file path=ppt/slides/slide7.xml><?xml version="1.0" encoding="utf-8"?>
+<p:sld xmlns:a="http://schemas.openxmlformats.org/drawingml/2006/main" xmlns:r="http://schemas.openxmlformats.org/officeDocument/2006/relationships" xmlns:p="http://schemas.openxmlformats.org/presentationml/2006/main">
+  <p:cSld>
+    <p:spTree>
+      <p:nvGrpSpPr>
+        <p:cNvPr id="1" name=""/>
+        <p:cNvGrpSpPr/>
+        <p:nvPr/>
+      </p:nvGrpSpPr>
+      <p:grpSpPr>
+        <a:xfrm>
+          <a:off x="0" y="0"/>
+          <a:ext cx="0" cy="0"/>
+          <a:chOff x="0" y="0"/>
+          <a:chExt cx="0" cy="0"/>
+        </a:xfrm>
+      </p:grpSpPr>
+      <p:sp>
+        <p:nvSpPr>
+          <p:cNvPr id="2" name="Заголовок 1"/>
+          <p:cNvSpPr>
+            <a:spLocks noGrp="1"/>
+          </p:cNvSpPr>
+          <p:nvPr>
+            <p:ph type="title"/>
+          </p:nvPr>
+        </p:nvSpPr>
+        <p:spPr/>
+        <p:txBody>
+          <a:bodyPr/>
+          <a:lstStyle/>
+          <a:p>
+            <a:r>
+              <a:rPr lang="ru-RU" dirty="0" smtClean="0"/>
+              <a:t>Статистика</a:t>
+            </a:r>
+            <a:endParaRPr lang="ru-RU" dirty="0"/>
+          </a:p>
+        </p:txBody>
+      </p:sp>
+      <p:pic>
+        <p:nvPicPr>
+          <p:cNvPr id="3" name="Рисунок 2" descr="1.png"/>
+          <p:cNvPicPr>
+            <a:picLocks noChangeAspect="1"/>
+          </p:cNvPicPr>
+          <p:nvPr/>
+        </p:nvPicPr>
+        <p:blipFill>
+          <a:blip r:embed="rId3" cstate="print"/>
+          <a:stretch>
+            <a:fillRect/>
+          </a:stretch>
+        </p:blipFill>
+        <p:spPr>
+          <a:xfrm>
+            <a:off x="539552" y="1628800"/>
+            <a:ext cx="4560507" cy="2736304"/>
+          </a:xfrm>
+          <a:prstGeom prst="rect">
+            <a:avLst/>
+          </a:prstGeom>
+        </p:spPr>
+      </p:pic>
+      <p:pic>
+        <p:nvPicPr>
+          <p:cNvPr id="4" name="Рисунок 3" descr="3.png"/>
+          <p:cNvPicPr>
+            <a:picLocks noChangeAspect="1"/>
+          </p:cNvPicPr>
+          <p:nvPr/>
+        </p:nvPicPr>
+        <p:blipFill>
+          <a:blip r:embed="rId4" cstate="print"/>
+          <a:stretch>
+            <a:fillRect/>
+          </a:stretch>
+        </p:blipFill>
+        <p:spPr>
+          <a:xfrm>
+            <a:off x="4499992" y="3717032"/>
+            <a:ext cx="4032448" cy="2419469"/>
+          </a:xfrm>
+          <a:prstGeom prst="rect">
+            <a:avLst/>
+          </a:prstGeom>
+        </p:spPr>
+      </p:pic>
+      <p:sp>
+        <p:nvSpPr>
+          <p:cNvPr id="5" name="TextBox 4"/>
+          <p:cNvSpPr txBox="1"/>
+          <p:nvPr/>
+        </p:nvSpPr>
+        <p:spPr>
+          <a:xfrm>
+            <a:off x="5508104" y="1916832"/>
+            <a:ext cx="2808312" cy="1323439"/>
+          </a:xfrm>
+          <a:prstGeom prst="rect">
+            <a:avLst/>
+          </a:prstGeom>
+          <a:noFill/>
+        </p:spPr>
+        <p:txBody>
+          <a:bodyPr wrap="square" rtlCol="0">
+            <a:spAutoFit/>
+          </a:bodyPr>
+          <a:lstStyle/>
+          <a:p>
+            <a:r>
+              <a:rPr lang="ru-RU" sz="4000" dirty="0" smtClean="0">
+                <a:solidFill>
+                  <a:schemeClr val="tx2">
+                    <a:lumMod val="75000"/>
+                  </a:schemeClr>
+                </a:solidFill>
+              </a:rPr>
+              <a:t>Возраст: 15 – 17 лет</a:t>
+            </a:r>
+            <a:endParaRPr lang="ru-RU" sz="4000" dirty="0">
+              <a:solidFill>
+                <a:schemeClr val="tx2">
+                  <a:lumMod val="75000"/>
+                </a:schemeClr>
+              </a:solidFill>
+            </a:endParaRPr>
+          </a:p>
+        </p:txBody>
+      </p:sp>
+      <p:sp>
+        <p:nvSpPr>
+          <p:cNvPr id="6" name="TextBox 5"/>
+          <p:cNvSpPr txBox="1"/>
+          <p:nvPr/>
+        </p:nvSpPr>
+        <p:spPr>
+          <a:xfrm>
+            <a:off x="467544" y="4509120"/>
+            <a:ext cx="4392488" cy="1569660"/>
+          </a:xfrm>
+          <a:prstGeom prst="rect">
+            <a:avLst/>
+          </a:prstGeom>
+          <a:noFill/>
+        </p:spPr>
+        <p:txBody>
+          <a:bodyPr wrap="square" rtlCol="0">
+            <a:spAutoFit/>
+          </a:bodyPr>
+          <a:lstStyle/>
+          <a:p>
+            <a:r>
+              <a:rPr lang="en-US" sz="3200" dirty="0" smtClean="0">
+                <a:solidFill>
+                  <a:schemeClr val="tx2">
+                    <a:lumMod val="75000"/>
+                  </a:schemeClr>
+                </a:solidFill>
+              </a:rPr>
+              <a:t>1/5 – </a:t>
+            </a:r>
+            <a:r>
+              <a:rPr lang="ru-RU" sz="3200" dirty="0" smtClean="0">
+                <a:solidFill>
+                  <a:schemeClr val="tx2">
+                    <a:lumMod val="75000"/>
+                  </a:schemeClr>
+                </a:solidFill>
+              </a:rPr>
+              <a:t>подростков проводит более 8 часов в интернете</a:t>
+            </a:r>
+            <a:endParaRPr lang="ru-RU" sz="3200" dirty="0">
+              <a:solidFill>
+                <a:schemeClr val="tx2">
+                  <a:lumMod val="75000"/>
+                </a:schemeClr>
+              </a:solidFill>
+            </a:endParaRPr>
+          </a:p>
+        </p:txBody>
+      </p:sp>
+    </p:spTree>
+  </p:cSld>
+  <p:clrMapOvr>
+    <a:masterClrMapping/>
+  </p:clrMapOvr>
+  <p:timing>
+    <p:tnLst>
+      <p:par>
+        <p:cTn id="1" dur="indefinite" restart="never" nodeType="tmRoot"/>
+      </p:par>
+    </p:tnLst>
+  </p:timing>
+</p:sld>
+</file>
+
+<file path=ppt/slides/slide8.xml><?xml version="1.0" encoding="utf-8"?>
+<p:sld xmlns:a="http://schemas.openxmlformats.org/drawingml/2006/main" xmlns:r="http://schemas.openxmlformats.org/officeDocument/2006/relationships" xmlns:p="http://schemas.openxmlformats.org/presentationml/2006/main">
+  <p:cSld>
+    <p:spTree>
+      <p:nvGrpSpPr>
+        <p:cNvPr id="1" name=""/>
+        <p:cNvGrpSpPr/>
+        <p:nvPr/>
+      </p:nvGrpSpPr>
+      <p:grpSpPr>
+        <a:xfrm>
+          <a:off x="0" y="0"/>
+          <a:ext cx="0" cy="0"/>
+          <a:chOff x="0" y="0"/>
+          <a:chExt cx="0" cy="0"/>
+        </a:xfrm>
+      </p:grpSpPr>
+      <p:sp>
+        <p:nvSpPr>
+          <p:cNvPr id="2" name="Заголовок 1"/>
+          <p:cNvSpPr>
+            <a:spLocks noGrp="1"/>
+          </p:cNvSpPr>
+          <p:nvPr>
+            <p:ph type="title"/>
+          </p:nvPr>
+        </p:nvSpPr>
+        <p:spPr/>
+        <p:txBody>
+          <a:bodyPr/>
+          <a:lstStyle/>
+          <a:p>
+            <a:r>
+              <a:rPr lang="ru-RU" dirty="0" smtClean="0"/>
+              <a:t>Статистика</a:t>
+            </a:r>
+            <a:endParaRPr lang="ru-RU" dirty="0"/>
+          </a:p>
+        </p:txBody>
+      </p:sp>
+      <p:pic>
+        <p:nvPicPr>
+          <p:cNvPr id="3" name="Рисунок 2" descr="2.png"/>
+          <p:cNvPicPr>
+            <a:picLocks noChangeAspect="1"/>
+          </p:cNvPicPr>
+          <p:nvPr/>
+        </p:nvPicPr>
+        <p:blipFill>
+          <a:blip r:embed="rId3" cstate="print"/>
+          <a:stretch>
+            <a:fillRect/>
+          </a:stretch>
+        </p:blipFill>
+        <p:spPr>
+          <a:xfrm>
+            <a:off x="899592" y="1700808"/>
+            <a:ext cx="7381875" cy="4429125"/>
+          </a:xfrm>
+          <a:prstGeom prst="rect">
+            <a:avLst/>
+          </a:prstGeom>
+        </p:spPr>
+      </p:pic>
+    </p:spTree>
+  </p:cSld>
+  <p:clrMapOvr>
+    <a:masterClrMapping/>
+  </p:clrMapOvr>
+  <p:timing>
+    <p:tnLst>
+      <p:par>
+        <p:cTn id="1" dur="indefinite" restart="never" nodeType="tmRoot"/>
+      </p:par>
+    </p:tnLst>
+  </p:timing>
+</p:sld>
+</file>
+
+<file path=ppt/slides/slide9.xml><?xml version="1.0" encoding="utf-8"?>
+<p:sld xmlns:a="http://schemas.openxmlformats.org/drawingml/2006/main" xmlns:r="http://schemas.openxmlformats.org/officeDocument/2006/relationships" xmlns:p="http://schemas.openxmlformats.org/presentationml/2006/main">
+  <p:cSld>
+    <p:spTree>
+      <p:nvGrpSpPr>
+        <p:cNvPr id="1" name=""/>
+        <p:cNvGrpSpPr/>
+        <p:nvPr/>
+      </p:nvGrpSpPr>
+      <p:grpSpPr>
+        <a:xfrm>
+          <a:off x="0" y="0"/>
+          <a:ext cx="0" cy="0"/>
+          <a:chOff x="0" y="0"/>
+          <a:chExt cx="0" cy="0"/>
+        </a:xfrm>
+      </p:grpSpPr>
+      <p:sp>
+        <p:nvSpPr>
+          <p:cNvPr id="2" name="Заголовок 1"/>
+          <p:cNvSpPr>
+            <a:spLocks noGrp="1"/>
+          </p:cNvSpPr>
+          <p:nvPr>
+            <p:ph type="title"/>
+          </p:nvPr>
+        </p:nvSpPr>
+        <p:spPr/>
+        <p:txBody>
+          <a:bodyPr>
+            <a:normAutofit/>
+          </a:bodyPr>
+          <a:lstStyle/>
+          <a:p>
+            <a:r>
+              <a:rPr lang="ru-RU" dirty="0" smtClean="0"/>
+              <a:t>Симптомы </a:t>
+            </a:r>
+            <a:r>
+              <a:rPr lang="ru-RU" dirty="0" err="1" smtClean="0"/>
+              <a:t>интернет-зависимости</a:t>
+            </a:r>
+            <a:endParaRPr lang="ru-RU" dirty="0"/>
+          </a:p>
+        </p:txBody>
+      </p:sp>
+      <p:sp>
+        <p:nvSpPr>
+          <p:cNvPr id="3" name="TextBox 2"/>
+          <p:cNvSpPr txBox="1"/>
+          <p:nvPr/>
+        </p:nvSpPr>
+        <p:spPr>
+          <a:xfrm>
+            <a:off x="179512" y="1484784"/>
+            <a:ext cx="8784976" cy="4370427"/>
+          </a:xfrm>
+          <a:prstGeom prst="rect">
+            <a:avLst/>
+          </a:prstGeom>
+          <a:noFill/>
+        </p:spPr>
+        <p:txBody>
+          <a:bodyPr wrap="square" rtlCol="0">
+            <a:spAutoFit/>
+          </a:bodyPr>
+          <a:lstStyle/>
+          <a:p>
+            <a:pPr marL="457200" lvl="0" indent="-457200">
+              <a:lnSpc>
+                <a:spcPct val="150000"/>
+              </a:lnSpc>
+              <a:buFont typeface="+mj-lt"/>
+              <a:buAutoNum type="arabicPeriod"/>
+            </a:pPr>
+            <a:r>
+              <a:rPr lang="ru-RU" sz="2000" dirty="0" smtClean="0">
+                <a:solidFill>
+                  <a:schemeClr val="tx2">
+                    <a:lumMod val="75000"/>
+                  </a:schemeClr>
+                </a:solidFill>
+              </a:rPr>
+              <a:t>Равнодушие.</a:t>
+            </a:r>
+            <a:endParaRPr lang="ru-RU" sz="2000" dirty="0" smtClean="0">
+              <a:solidFill>
+                <a:schemeClr val="tx2">
+                  <a:lumMod val="75000"/>
+                </a:schemeClr>
+              </a:solidFill>
+            </a:endParaRPr>
+          </a:p>
+          <a:p>
+            <a:pPr marL="457200" lvl="0" indent="-457200">
+              <a:lnSpc>
+                <a:spcPct val="150000"/>
+              </a:lnSpc>
+              <a:buFont typeface="+mj-lt"/>
+              <a:buAutoNum type="arabicPeriod"/>
+            </a:pPr>
+            <a:r>
+              <a:rPr lang="ru-RU" sz="2000" dirty="0" smtClean="0">
+                <a:solidFill>
+                  <a:schemeClr val="tx2">
+                    <a:lumMod val="75000"/>
+                  </a:schemeClr>
+                </a:solidFill>
+              </a:rPr>
+              <a:t>Длительное </a:t>
+            </a:r>
+            <a:r>
+              <a:rPr lang="ru-RU" sz="2000" dirty="0" smtClean="0">
+                <a:solidFill>
+                  <a:schemeClr val="tx2">
+                    <a:lumMod val="75000"/>
+                  </a:schemeClr>
+                </a:solidFill>
+              </a:rPr>
+              <a:t>пребывание за </a:t>
+            </a:r>
+            <a:r>
+              <a:rPr lang="ru-RU" sz="2000" dirty="0" smtClean="0">
+                <a:solidFill>
+                  <a:schemeClr val="tx2">
+                    <a:lumMod val="75000"/>
+                  </a:schemeClr>
+                </a:solidFill>
+              </a:rPr>
+              <a:t>компьютером.</a:t>
+            </a:r>
+            <a:endParaRPr lang="ru-RU" sz="2000" dirty="0" smtClean="0">
+              <a:solidFill>
+                <a:schemeClr val="tx2">
+                  <a:lumMod val="75000"/>
+                </a:schemeClr>
+              </a:solidFill>
+            </a:endParaRPr>
+          </a:p>
+          <a:p>
+            <a:pPr marL="457200" lvl="0" indent="-457200">
+              <a:lnSpc>
+                <a:spcPct val="150000"/>
+              </a:lnSpc>
+              <a:buFont typeface="+mj-lt"/>
+              <a:buAutoNum type="arabicPeriod"/>
+            </a:pPr>
+            <a:r>
+              <a:rPr lang="ru-RU" sz="2000" dirty="0" smtClean="0">
+                <a:solidFill>
+                  <a:schemeClr val="tx2">
+                    <a:lumMod val="75000"/>
+                  </a:schemeClr>
+                </a:solidFill>
+              </a:rPr>
+              <a:t>Усталость, раздражительность.</a:t>
+            </a:r>
+            <a:endParaRPr lang="ru-RU" sz="2000" dirty="0" smtClean="0">
+              <a:solidFill>
+                <a:schemeClr val="tx2">
+                  <a:lumMod val="75000"/>
+                </a:schemeClr>
+              </a:solidFill>
+            </a:endParaRPr>
+          </a:p>
+          <a:p>
+            <a:pPr marL="457200" lvl="0" indent="-457200">
+              <a:lnSpc>
+                <a:spcPct val="150000"/>
+              </a:lnSpc>
+              <a:buFont typeface="+mj-lt"/>
+              <a:buAutoNum type="arabicPeriod"/>
+            </a:pPr>
+            <a:r>
+              <a:rPr lang="ru-RU" sz="2000" dirty="0" smtClean="0">
+                <a:solidFill>
+                  <a:schemeClr val="tx2">
+                    <a:lumMod val="75000"/>
+                  </a:schemeClr>
+                </a:solidFill>
+              </a:rPr>
+              <a:t>Очень частое общение </a:t>
+            </a:r>
+            <a:r>
+              <a:rPr lang="ru-RU" sz="2000" dirty="0" smtClean="0">
+                <a:solidFill>
+                  <a:schemeClr val="tx2">
+                    <a:lumMod val="75000"/>
+                  </a:schemeClr>
+                </a:solidFill>
+              </a:rPr>
+              <a:t>в режиме </a:t>
+            </a:r>
+            <a:r>
+              <a:rPr lang="ru-RU" sz="2000" dirty="0" err="1" smtClean="0">
+                <a:solidFill>
+                  <a:schemeClr val="tx2">
+                    <a:lumMod val="75000"/>
+                  </a:schemeClr>
+                </a:solidFill>
+              </a:rPr>
+              <a:t>онлайн</a:t>
+            </a:r>
+            <a:r>
+              <a:rPr lang="ru-RU" sz="2000" dirty="0" smtClean="0">
+                <a:solidFill>
+                  <a:schemeClr val="tx2">
+                    <a:lumMod val="75000"/>
+                  </a:schemeClr>
+                </a:solidFill>
+              </a:rPr>
+              <a:t>.</a:t>
+            </a:r>
+            <a:endParaRPr lang="ru-RU" sz="2000" dirty="0" smtClean="0">
+              <a:solidFill>
+                <a:schemeClr val="tx2">
+                  <a:lumMod val="75000"/>
+                </a:schemeClr>
+              </a:solidFill>
+            </a:endParaRPr>
+          </a:p>
+          <a:p>
+            <a:pPr marL="457200" lvl="0" indent="-457200">
+              <a:lnSpc>
+                <a:spcPct val="150000"/>
+              </a:lnSpc>
+              <a:buFont typeface="+mj-lt"/>
+              <a:buAutoNum type="arabicPeriod"/>
+            </a:pPr>
+            <a:r>
+              <a:rPr lang="ru-RU" sz="2000" dirty="0" smtClean="0">
+                <a:solidFill>
+                  <a:schemeClr val="tx2">
+                    <a:lumMod val="75000"/>
+                  </a:schemeClr>
+                </a:solidFill>
+              </a:rPr>
+              <a:t>Погружение в Интернет как средство ухода от </a:t>
+            </a:r>
+            <a:r>
+              <a:rPr lang="ru-RU" sz="2000" dirty="0" smtClean="0">
+                <a:solidFill>
+                  <a:schemeClr val="tx2">
+                    <a:lumMod val="75000"/>
+                  </a:schemeClr>
+                </a:solidFill>
+              </a:rPr>
+              <a:t>проблем.</a:t>
+            </a:r>
+            <a:endParaRPr lang="ru-RU" sz="2000" dirty="0" smtClean="0">
+              <a:solidFill>
+                <a:schemeClr val="tx2">
+                  <a:lumMod val="75000"/>
+                </a:schemeClr>
+              </a:solidFill>
+            </a:endParaRPr>
+          </a:p>
+          <a:p>
+            <a:pPr marL="457200" lvl="0" indent="-457200">
+              <a:lnSpc>
+                <a:spcPct val="150000"/>
+              </a:lnSpc>
+              <a:buFont typeface="+mj-lt"/>
+              <a:buAutoNum type="arabicPeriod"/>
+            </a:pPr>
+            <a:r>
+              <a:rPr lang="ru-RU" sz="2000" dirty="0" smtClean="0">
+                <a:solidFill>
+                  <a:schemeClr val="tx2">
+                    <a:lumMod val="75000"/>
+                  </a:schemeClr>
+                </a:solidFill>
+              </a:rPr>
+              <a:t>Приоритет пребывания в Интернет над </a:t>
+            </a:r>
+            <a:r>
+              <a:rPr lang="ru-RU" sz="2000" dirty="0" smtClean="0">
+                <a:solidFill>
+                  <a:schemeClr val="tx2">
+                    <a:lumMod val="75000"/>
+                  </a:schemeClr>
+                </a:solidFill>
+              </a:rPr>
+              <a:t>всем остальным.</a:t>
+            </a:r>
+          </a:p>
+          <a:p>
+            <a:pPr marL="457200" lvl="0" indent="-457200">
+              <a:buFont typeface="+mj-lt"/>
+              <a:buAutoNum type="arabicPeriod"/>
+            </a:pPr>
+            <a:endParaRPr lang="ru-RU" sz="2000" dirty="0" smtClean="0">
+              <a:solidFill>
+                <a:schemeClr val="tx2">
+                  <a:lumMod val="75000"/>
+                </a:schemeClr>
+              </a:solidFill>
+            </a:endParaRPr>
+          </a:p>
+          <a:p>
+            <a:pPr marL="457200" lvl="0" indent="-457200">
+              <a:buFont typeface="+mj-lt"/>
+              <a:buAutoNum type="arabicPeriod"/>
+            </a:pPr>
+            <a:endParaRPr lang="ru-RU" sz="2000" dirty="0" smtClean="0">
+              <a:solidFill>
+                <a:schemeClr val="tx2">
+                  <a:lumMod val="75000"/>
+                </a:schemeClr>
+              </a:solidFill>
+            </a:endParaRPr>
+          </a:p>
+          <a:p>
+            <a:pPr marL="457200" indent="-457200" algn="ctr"/>
+            <a:r>
+              <a:rPr lang="ru-RU" sz="2000" dirty="0" smtClean="0">
+                <a:solidFill>
+                  <a:schemeClr val="tx2">
+                    <a:lumMod val="75000"/>
+                  </a:schemeClr>
+                </a:solidFill>
+              </a:rPr>
+              <a:t>	</a:t>
+            </a:r>
+            <a:r>
+              <a:rPr lang="ru-RU" sz="2000" i="1" dirty="0" smtClean="0">
+                <a:solidFill>
+                  <a:schemeClr val="tx2">
+                    <a:lumMod val="75000"/>
+                  </a:schemeClr>
+                </a:solidFill>
+              </a:rPr>
+              <a:t>Если </a:t>
+            </a:r>
+            <a:r>
+              <a:rPr lang="ru-RU" sz="2000" i="1" dirty="0" smtClean="0">
+                <a:solidFill>
+                  <a:schemeClr val="tx2">
+                    <a:lumMod val="75000"/>
+                  </a:schemeClr>
+                </a:solidFill>
+              </a:rPr>
+              <a:t>у подростка наблюдается 3-4 симптома, то это свидетельствует о наличии компьютерной зависимости.</a:t>
+            </a:r>
+          </a:p>
+          <a:p>
+            <a:endParaRPr lang="ru-RU" dirty="0"/>
+          </a:p>
+        </p:txBody>
+      </p:sp>
+      <p:pic>
+        <p:nvPicPr>
+          <p:cNvPr id="6" name="Рисунок 5" descr="мозг-Photoroom.png-Photoroom.png"/>
+          <p:cNvPicPr>
+            <a:picLocks noChangeAspect="1"/>
+          </p:cNvPicPr>
+          <p:nvPr/>
+        </p:nvPicPr>
+        <p:blipFill>
+          <a:blip r:embed="rId3" cstate="print"/>
+          <a:stretch>
+            <a:fillRect/>
+          </a:stretch>
+        </p:blipFill>
+        <p:spPr>
+          <a:xfrm>
+            <a:off x="6444208" y="1484784"/>
+            <a:ext cx="2434580" cy="2434580"/>
+          </a:xfrm>
+          <a:prstGeom prst="rect">
+            <a:avLst/>
+          </a:prstGeom>
+        </p:spPr>
+      </p:pic>
     </p:spTree>
   </p:cSld>
   <p:clrMapOvr>

--- a/Проект.pptx
+++ b/Проект.pptx
@@ -204,7 +204,7 @@
             <a:fld id="{9436A96D-ED90-46F7-A0BB-11996F5C256E}" type="datetimeFigureOut">
               <a:rPr lang="ru-RU" smtClean="0"/>
               <a:pPr/>
-              <a:t>04.03.2024</a:t>
+              <a:t>18.03.2024</a:t>
             </a:fld>
             <a:endParaRPr lang="ru-RU"/>
           </a:p>
@@ -3889,7 +3889,7 @@
             <a:fld id="{5B106E36-FD25-4E2D-B0AA-010F637433A0}" type="datetimeFigureOut">
               <a:rPr lang="ru-RU" smtClean="0"/>
               <a:pPr/>
-              <a:t>04.03.2024</a:t>
+              <a:t>18.03.2024</a:t>
             </a:fld>
             <a:endParaRPr lang="ru-RU"/>
           </a:p>
@@ -4279,7 +4279,7 @@
             <a:fld id="{5B106E36-FD25-4E2D-B0AA-010F637433A0}" type="datetimeFigureOut">
               <a:rPr lang="ru-RU" smtClean="0"/>
               <a:pPr/>
-              <a:t>04.03.2024</a:t>
+              <a:t>18.03.2024</a:t>
             </a:fld>
             <a:endParaRPr lang="ru-RU"/>
           </a:p>
@@ -4809,7 +4809,7 @@
             <a:fld id="{5B106E36-FD25-4E2D-B0AA-010F637433A0}" type="datetimeFigureOut">
               <a:rPr lang="ru-RU" smtClean="0"/>
               <a:pPr/>
-              <a:t>04.03.2024</a:t>
+              <a:t>18.03.2024</a:t>
             </a:fld>
             <a:endParaRPr lang="ru-RU"/>
           </a:p>
@@ -4938,7 +4938,7 @@
             <a:fld id="{5B106E36-FD25-4E2D-B0AA-010F637433A0}" type="datetimeFigureOut">
               <a:rPr lang="ru-RU" smtClean="0"/>
               <a:pPr/>
-              <a:t>04.03.2024</a:t>
+              <a:t>18.03.2024</a:t>
             </a:fld>
             <a:endParaRPr lang="ru-RU"/>
           </a:p>
@@ -5478,7 +5478,7 @@
             <a:fld id="{5B106E36-FD25-4E2D-B0AA-010F637433A0}" type="datetimeFigureOut">
               <a:rPr lang="ru-RU" smtClean="0"/>
               <a:pPr/>
-              <a:t>04.03.2024</a:t>
+              <a:t>18.03.2024</a:t>
             </a:fld>
             <a:endParaRPr lang="ru-RU"/>
           </a:p>
@@ -5770,7 +5770,7 @@
             <a:fld id="{5B106E36-FD25-4E2D-B0AA-010F637433A0}" type="datetimeFigureOut">
               <a:rPr lang="ru-RU" smtClean="0"/>
               <a:pPr/>
-              <a:t>04.03.2024</a:t>
+              <a:t>18.03.2024</a:t>
             </a:fld>
             <a:endParaRPr lang="ru-RU"/>
           </a:p>
@@ -6426,7 +6426,7 @@
             <a:fld id="{5B106E36-FD25-4E2D-B0AA-010F637433A0}" type="datetimeFigureOut">
               <a:rPr lang="ru-RU" smtClean="0"/>
               <a:pPr/>
-              <a:t>04.03.2024</a:t>
+              <a:t>18.03.2024</a:t>
             </a:fld>
             <a:endParaRPr lang="ru-RU"/>
           </a:p>
@@ -6864,7 +6864,7 @@
             <a:fld id="{5B106E36-FD25-4E2D-B0AA-010F637433A0}" type="datetimeFigureOut">
               <a:rPr lang="ru-RU" smtClean="0"/>
               <a:pPr/>
-              <a:t>04.03.2024</a:t>
+              <a:t>18.03.2024</a:t>
             </a:fld>
             <a:endParaRPr lang="ru-RU"/>
           </a:p>
@@ -7179,7 +7179,7 @@
             <a:fld id="{5B106E36-FD25-4E2D-B0AA-010F637433A0}" type="datetimeFigureOut">
               <a:rPr lang="ru-RU" smtClean="0"/>
               <a:pPr/>
-              <a:t>04.03.2024</a:t>
+              <a:t>18.03.2024</a:t>
             </a:fld>
             <a:endParaRPr lang="ru-RU"/>
           </a:p>
@@ -7909,7 +7909,7 @@
             <a:fld id="{5B106E36-FD25-4E2D-B0AA-010F637433A0}" type="datetimeFigureOut">
               <a:rPr lang="ru-RU" smtClean="0"/>
               <a:pPr/>
-              <a:t>04.03.2024</a:t>
+              <a:t>18.03.2024</a:t>
             </a:fld>
             <a:endParaRPr lang="ru-RU"/>
           </a:p>
@@ -8575,7 +8575,7 @@
             <a:fld id="{5B106E36-FD25-4E2D-B0AA-010F637433A0}" type="datetimeFigureOut">
               <a:rPr lang="ru-RU" smtClean="0"/>
               <a:pPr/>
-              <a:t>04.03.2024</a:t>
+              <a:t>18.03.2024</a:t>
             </a:fld>
             <a:endParaRPr lang="ru-RU"/>
           </a:p>
@@ -8849,7 +8849,7 @@
             <a:fld id="{5B106E36-FD25-4E2D-B0AA-010F637433A0}" type="datetimeFigureOut">
               <a:rPr lang="ru-RU" smtClean="0"/>
               <a:pPr/>
-              <a:t>04.03.2024</a:t>
+              <a:t>18.03.2024</a:t>
             </a:fld>
             <a:endParaRPr lang="ru-RU"/>
           </a:p>
@@ -9536,7 +9536,7 @@
         <p:spPr>
           <a:xfrm>
             <a:off x="1331640" y="2819400"/>
-            <a:ext cx="6624736" cy="2049760"/>
+            <a:ext cx="6624736" cy="1185664"/>
           </a:xfrm>
         </p:spPr>
         <p:txBody>
@@ -9841,35 +9841,8 @@
                   </a:schemeClr>
                 </a:solidFill>
               </a:rPr>
-              <a:t>Установить время проведения </a:t>
-            </a:r>
-            <a:r>
-              <a:rPr lang="ru-RU" sz="2000" dirty="0" smtClean="0">
-                <a:solidFill>
-                  <a:schemeClr val="tx2">
-                    <a:lumMod val="75000"/>
-                  </a:schemeClr>
-                </a:solidFill>
-              </a:rPr>
-              <a:t>в </a:t>
-            </a:r>
-            <a:r>
-              <a:rPr lang="ru-RU" sz="2000" dirty="0" smtClean="0">
-                <a:solidFill>
-                  <a:schemeClr val="tx2">
-                    <a:lumMod val="75000"/>
-                  </a:schemeClr>
-                </a:solidFill>
-              </a:rPr>
-              <a:t>сети.</a:t>
-            </a:r>
-            <a:endParaRPr lang="ru-RU" sz="2000" dirty="0" smtClean="0">
-              <a:solidFill>
-                <a:schemeClr val="tx2">
-                  <a:lumMod val="75000"/>
-                </a:schemeClr>
-              </a:solidFill>
-            </a:endParaRPr>
+              <a:t>Установить время проведения в сети.</a:t>
+            </a:r>
           </a:p>
           <a:p>
             <a:pPr marL="457200" lvl="0" indent="-457200">
@@ -9887,45 +9860,8 @@
                   </a:schemeClr>
                 </a:solidFill>
               </a:rPr>
-              <a:t>Иногда </a:t>
-            </a:r>
-            <a:r>
-              <a:rPr lang="ru-RU" sz="2000" dirty="0" smtClean="0">
-                <a:solidFill>
-                  <a:schemeClr val="tx2">
-                    <a:lumMod val="75000"/>
-                  </a:schemeClr>
-                </a:solidFill>
-              </a:rPr>
-              <a:t>не </a:t>
-            </a:r>
-            <a:r>
-              <a:rPr lang="ru-RU" sz="2000" dirty="0" smtClean="0">
-                <a:solidFill>
-                  <a:schemeClr val="tx2">
-                    <a:lumMod val="75000"/>
-                  </a:schemeClr>
-                </a:solidFill>
-              </a:rPr>
-              <a:t>выходить в </a:t>
-            </a:r>
-            <a:r>
-              <a:rPr lang="ru-RU" sz="2000" dirty="0" smtClean="0">
-                <a:solidFill>
-                  <a:schemeClr val="tx2">
-                    <a:lumMod val="75000"/>
-                  </a:schemeClr>
-                </a:solidFill>
-              </a:rPr>
-              <a:t>интернет несколько дней.</a:t>
-            </a:r>
-            <a:endParaRPr lang="ru-RU" sz="2000" dirty="0" smtClean="0">
-              <a:solidFill>
-                <a:schemeClr val="tx2">
-                  <a:lumMod val="75000"/>
-                </a:schemeClr>
-              </a:solidFill>
-            </a:endParaRPr>
+              <a:t>Иногда не выходить в интернет несколько дней.</a:t>
+            </a:r>
           </a:p>
           <a:p>
             <a:pPr marL="457200" lvl="0" indent="-457200">
@@ -9943,35 +9879,8 @@
                   </a:schemeClr>
                 </a:solidFill>
               </a:rPr>
-              <a:t>Не общаться </a:t>
-            </a:r>
-            <a:r>
-              <a:rPr lang="ru-RU" sz="2000" dirty="0" smtClean="0">
-                <a:solidFill>
-                  <a:schemeClr val="tx2">
-                    <a:lumMod val="75000"/>
-                  </a:schemeClr>
-                </a:solidFill>
-              </a:rPr>
-              <a:t>в интернете в субботу и в </a:t>
-            </a:r>
-            <a:r>
-              <a:rPr lang="ru-RU" sz="2000" dirty="0" smtClean="0">
-                <a:solidFill>
-                  <a:schemeClr val="tx2">
-                    <a:lumMod val="75000"/>
-                  </a:schemeClr>
-                </a:solidFill>
-              </a:rPr>
-              <a:t>воскресенье.</a:t>
-            </a:r>
-            <a:endParaRPr lang="ru-RU" sz="2000" dirty="0" smtClean="0">
-              <a:solidFill>
-                <a:schemeClr val="tx2">
-                  <a:lumMod val="75000"/>
-                </a:schemeClr>
-              </a:solidFill>
-            </a:endParaRPr>
+              <a:t>Не общаться в интернете в субботу и в воскресенье.</a:t>
+            </a:r>
           </a:p>
           <a:p>
             <a:pPr marL="457200" lvl="0" indent="-457200">
@@ -9991,13 +9900,6 @@
               </a:rPr>
               <a:t>Заняться хобби.</a:t>
             </a:r>
-            <a:endParaRPr lang="ru-RU" sz="2000" dirty="0" smtClean="0">
-              <a:solidFill>
-                <a:schemeClr val="tx2">
-                  <a:lumMod val="75000"/>
-                </a:schemeClr>
-              </a:solidFill>
-            </a:endParaRPr>
           </a:p>
           <a:p>
             <a:pPr marL="457200" lvl="0" indent="-457200">
@@ -10034,17 +9936,7 @@
                   </a:schemeClr>
                 </a:solidFill>
               </a:rPr>
-              <a:t>Выявить первопричину тяги к интернету и избавиться от нее</a:t>
-            </a:r>
-            <a:r>
-              <a:rPr lang="ru-RU" sz="2000" dirty="0" smtClean="0">
-                <a:solidFill>
-                  <a:schemeClr val="tx2">
-                    <a:lumMod val="75000"/>
-                  </a:schemeClr>
-                </a:solidFill>
-              </a:rPr>
-              <a:t>.</a:t>
+              <a:t>Выявить первопричину тяги к интернету и избавиться от нее.</a:t>
             </a:r>
           </a:p>
           <a:p>
@@ -10093,17 +9985,7 @@
                   </a:schemeClr>
                 </a:solidFill>
               </a:rPr>
-              <a:t>Вовремя </a:t>
-            </a:r>
-            <a:r>
-              <a:rPr lang="ru-RU" sz="2000" i="1" dirty="0" smtClean="0">
-                <a:solidFill>
-                  <a:schemeClr val="tx2">
-                    <a:lumMod val="75000"/>
-                  </a:schemeClr>
-                </a:solidFill>
-              </a:rPr>
-              <a:t>заметить и предупредить появление и развитие компьютерной зависимости легче, нежели потом с ней бороться.</a:t>
+              <a:t>Вовремя заметить и предупредить появление и развитие компьютерной зависимости легче, нежели потом с ней бороться.</a:t>
             </a:r>
           </a:p>
           <a:p>
@@ -10220,27 +10102,27 @@
                   </a:schemeClr>
                 </a:solidFill>
               </a:rPr>
-              <a:t>С каждым днем </a:t>
-            </a:r>
-            <a:r>
-              <a:rPr lang="ru-RU" sz="2400" dirty="0" smtClean="0">
+              <a:t>С каждым днем Интернет все больше </a:t>
+            </a:r>
+            <a:r>
+              <a:rPr lang="ru-RU" sz="2400" b="1" dirty="0" smtClean="0">
                 <a:solidFill>
                   <a:schemeClr val="tx2">
                     <a:lumMod val="75000"/>
                   </a:schemeClr>
                 </a:solidFill>
               </a:rPr>
-              <a:t>Интернет все больше </a:t>
-            </a:r>
-            <a:r>
-              <a:rPr lang="ru-RU" sz="2400" b="1" dirty="0" smtClean="0">
+              <a:t>проникает в жизнь </a:t>
+            </a:r>
+            <a:r>
+              <a:rPr lang="ru-RU" sz="2400" dirty="0" smtClean="0">
                 <a:solidFill>
                   <a:schemeClr val="tx2">
                     <a:lumMod val="75000"/>
                   </a:schemeClr>
                 </a:solidFill>
               </a:rPr>
-              <a:t>проникает </a:t>
+              <a:t>общества, если не использовать методы контроля времени, которое люди проводят в Интернете, то общество начнет </a:t>
             </a:r>
             <a:r>
               <a:rPr lang="ru-RU" sz="2400" b="1" dirty="0" smtClean="0">
@@ -10250,7 +10132,7 @@
                   </a:schemeClr>
                 </a:solidFill>
               </a:rPr>
-              <a:t>в жизнь </a:t>
+              <a:t>деградировать</a:t>
             </a:r>
             <a:r>
               <a:rPr lang="ru-RU" sz="2400" dirty="0" smtClean="0">
@@ -10260,67 +10142,7 @@
                   </a:schemeClr>
                 </a:solidFill>
               </a:rPr>
-              <a:t>общества, если не использовать методы контроля времени, которое люди проводят в Интернете, то общество начнет </a:t>
-            </a:r>
-            <a:r>
-              <a:rPr lang="ru-RU" sz="2400" b="1" dirty="0" smtClean="0">
-                <a:solidFill>
-                  <a:schemeClr val="tx2">
-                    <a:lumMod val="75000"/>
-                  </a:schemeClr>
-                </a:solidFill>
-              </a:rPr>
-              <a:t>деградировать</a:t>
-            </a:r>
-            <a:r>
-              <a:rPr lang="ru-RU" sz="2400" dirty="0" smtClean="0">
-                <a:solidFill>
-                  <a:schemeClr val="tx2">
-                    <a:lumMod val="75000"/>
-                  </a:schemeClr>
-                </a:solidFill>
-              </a:rPr>
-              <a:t>. </a:t>
-            </a:r>
-            <a:r>
-              <a:rPr lang="ru-RU" sz="2400" dirty="0" smtClean="0">
-                <a:solidFill>
-                  <a:schemeClr val="tx2">
-                    <a:lumMod val="75000"/>
-                  </a:schemeClr>
-                </a:solidFill>
-              </a:rPr>
-              <a:t>И этот процесс </a:t>
-            </a:r>
-            <a:r>
-              <a:rPr lang="ru-RU" sz="2400" dirty="0" smtClean="0">
-                <a:solidFill>
-                  <a:schemeClr val="tx2">
-                    <a:lumMod val="75000"/>
-                  </a:schemeClr>
-                </a:solidFill>
-              </a:rPr>
-              <a:t>уже начался, </a:t>
-            </a:r>
-            <a:r>
-              <a:rPr lang="ru-RU" sz="2400" dirty="0" smtClean="0">
-                <a:solidFill>
-                  <a:schemeClr val="tx2">
-                    <a:lumMod val="75000"/>
-                  </a:schemeClr>
-                </a:solidFill>
-              </a:rPr>
-              <a:t>а </a:t>
-            </a:r>
-            <a:r>
-              <a:rPr lang="ru-RU" sz="2400" dirty="0" smtClean="0">
-                <a:solidFill>
-                  <a:schemeClr val="tx2">
-                    <a:lumMod val="75000"/>
-                  </a:schemeClr>
-                </a:solidFill>
-              </a:rPr>
-              <a:t>что будет в будущем – зависит от нас самих. </a:t>
+              <a:t>. И этот процесс уже начался, а что будет в будущем – зависит от нас самих. </a:t>
             </a:r>
           </a:p>
           <a:p>
@@ -11639,17 +11461,7 @@
                   </a:schemeClr>
                 </a:solidFill>
               </a:rPr>
-              <a:t> Выяснить</a:t>
-            </a:r>
-            <a:r>
-              <a:rPr lang="ru-RU" sz="1600" dirty="0" smtClean="0">
-                <a:solidFill>
-                  <a:schemeClr val="tx2">
-                    <a:lumMod val="75000"/>
-                  </a:schemeClr>
-                </a:solidFill>
-              </a:rPr>
-              <a:t>, что такое интернет?</a:t>
+              <a:t> Выяснить, что такое интернет?</a:t>
             </a:r>
           </a:p>
           <a:p>
@@ -11668,17 +11480,7 @@
                   </a:schemeClr>
                 </a:solidFill>
               </a:rPr>
-              <a:t> Определить </a:t>
-            </a:r>
-            <a:r>
-              <a:rPr lang="ru-RU" sz="1600" dirty="0" smtClean="0">
-                <a:solidFill>
-                  <a:schemeClr val="tx2">
-                    <a:lumMod val="75000"/>
-                  </a:schemeClr>
-                </a:solidFill>
-              </a:rPr>
-              <a:t>положительное и отрицательное влияние интернета.</a:t>
+              <a:t> Определить положительное и отрицательное влияние интернета.</a:t>
             </a:r>
           </a:p>
           <a:p>
@@ -11697,17 +11499,7 @@
                   </a:schemeClr>
                 </a:solidFill>
               </a:rPr>
-              <a:t> Разработать </a:t>
-            </a:r>
-            <a:r>
-              <a:rPr lang="ru-RU" sz="1600" dirty="0" smtClean="0">
-                <a:solidFill>
-                  <a:schemeClr val="tx2">
-                    <a:lumMod val="75000"/>
-                  </a:schemeClr>
-                </a:solidFill>
-              </a:rPr>
-              <a:t>анкету и провести анкетирование подростков .</a:t>
+              <a:t> Разработать анкету и провести анкетирование подростков .</a:t>
             </a:r>
           </a:p>
           <a:p>
@@ -11726,17 +11518,7 @@
                   </a:schemeClr>
                 </a:solidFill>
               </a:rPr>
-              <a:t> Рассмотреть </a:t>
-            </a:r>
-            <a:r>
-              <a:rPr lang="ru-RU" sz="1600" dirty="0" smtClean="0">
-                <a:solidFill>
-                  <a:schemeClr val="tx2">
-                    <a:lumMod val="75000"/>
-                  </a:schemeClr>
-                </a:solidFill>
-              </a:rPr>
-              <a:t>профилактические меры от </a:t>
+              <a:t> Рассмотреть профилактические меры от </a:t>
             </a:r>
             <a:r>
               <a:rPr lang="ru-RU" sz="1600" dirty="0" err="1" smtClean="0">
@@ -11775,17 +11557,7 @@
                   </a:schemeClr>
                 </a:solidFill>
               </a:rPr>
-              <a:t> Сделать </a:t>
-            </a:r>
-            <a:r>
-              <a:rPr lang="ru-RU" sz="1600" dirty="0" smtClean="0">
-                <a:solidFill>
-                  <a:schemeClr val="tx2">
-                    <a:lumMod val="75000"/>
-                  </a:schemeClr>
-                </a:solidFill>
-              </a:rPr>
-              <a:t>памятку с рекомендациями по профилактике </a:t>
+              <a:t> Сделать памятку с рекомендациями по профилактике </a:t>
             </a:r>
             <a:r>
               <a:rPr lang="ru-RU" sz="1600" dirty="0" err="1" smtClean="0">
@@ -11952,7 +11724,7 @@
         </p:nvSpPr>
         <p:spPr>
           <a:xfrm>
-            <a:off x="179512" y="3284984"/>
+            <a:off x="179512" y="3789040"/>
             <a:ext cx="8784976" cy="2092881"/>
           </a:xfrm>
           <a:prstGeom prst="rect">
@@ -12019,6 +11791,101 @@
           </a:p>
           <a:p>
             <a:endParaRPr lang="ru-RU" dirty="0"/>
+          </a:p>
+        </p:txBody>
+      </p:sp>
+      <p:sp>
+        <p:nvSpPr>
+          <p:cNvPr id="5" name="TextBox 4"/>
+          <p:cNvSpPr txBox="1"/>
+          <p:nvPr/>
+        </p:nvSpPr>
+        <p:spPr>
+          <a:xfrm>
+            <a:off x="971600" y="3140968"/>
+            <a:ext cx="7293984" cy="523220"/>
+          </a:xfrm>
+          <a:prstGeom prst="rect">
+            <a:avLst/>
+          </a:prstGeom>
+          <a:noFill/>
+        </p:spPr>
+        <p:txBody>
+          <a:bodyPr wrap="none" rtlCol="0">
+            <a:spAutoFit/>
+          </a:bodyPr>
+          <a:lstStyle/>
+          <a:p>
+            <a:r>
+              <a:rPr lang="ru-RU" sz="2800" b="1" dirty="0" smtClean="0">
+                <a:solidFill>
+                  <a:schemeClr val="accent1">
+                    <a:lumMod val="50000"/>
+                  </a:schemeClr>
+                </a:solidFill>
+              </a:rPr>
+              <a:t>Уже невозможно</a:t>
+            </a:r>
+            <a:r>
+              <a:rPr lang="ru-RU" b="1" dirty="0" smtClean="0">
+                <a:solidFill>
+                  <a:schemeClr val="accent1">
+                    <a:lumMod val="50000"/>
+                  </a:schemeClr>
+                </a:solidFill>
+              </a:rPr>
+              <a:t> </a:t>
+            </a:r>
+            <a:r>
+              <a:rPr lang="ru-RU" sz="2800" b="1" dirty="0" smtClean="0">
+                <a:solidFill>
+                  <a:schemeClr val="accent1">
+                    <a:lumMod val="50000"/>
+                  </a:schemeClr>
+                </a:solidFill>
+              </a:rPr>
+              <a:t>жить</a:t>
+            </a:r>
+            <a:r>
+              <a:rPr lang="ru-RU" b="1" dirty="0" smtClean="0">
+                <a:solidFill>
+                  <a:schemeClr val="accent1">
+                    <a:lumMod val="50000"/>
+                  </a:schemeClr>
+                </a:solidFill>
+              </a:rPr>
+              <a:t> </a:t>
+            </a:r>
+            <a:r>
+              <a:rPr lang="ru-RU" sz="2800" b="1" dirty="0" smtClean="0">
+                <a:solidFill>
+                  <a:schemeClr val="accent1">
+                    <a:lumMod val="50000"/>
+                  </a:schemeClr>
+                </a:solidFill>
+              </a:rPr>
+              <a:t>без</a:t>
+            </a:r>
+            <a:r>
+              <a:rPr lang="ru-RU" b="1" dirty="0" smtClean="0">
+                <a:solidFill>
+                  <a:schemeClr val="accent1">
+                    <a:lumMod val="50000"/>
+                  </a:schemeClr>
+                </a:solidFill>
+              </a:rPr>
+              <a:t> </a:t>
+            </a:r>
+            <a:r>
+              <a:rPr lang="ru-RU" sz="2800" b="1" dirty="0" smtClean="0">
+                <a:solidFill>
+                  <a:schemeClr val="accent1">
+                    <a:lumMod val="50000"/>
+                  </a:schemeClr>
+                </a:solidFill>
+              </a:rPr>
+              <a:t>интернета</a:t>
+            </a:r>
           </a:p>
         </p:txBody>
       </p:sp>
@@ -12085,8 +11952,8 @@
         </p:nvSpPr>
         <p:spPr>
           <a:xfrm>
-            <a:off x="179512" y="1196752"/>
-            <a:ext cx="8964488" cy="5262979"/>
+            <a:off x="179512" y="1124744"/>
+            <a:ext cx="8964488" cy="5272662"/>
           </a:xfrm>
           <a:prstGeom prst="rect">
             <a:avLst/>
@@ -12114,25 +11981,18 @@
                   </a:schemeClr>
                 </a:solidFill>
               </a:rPr>
-              <a:t> Друзья </a:t>
-            </a:r>
-            <a:r>
-              <a:rPr lang="ru-RU" sz="2800" dirty="0" smtClean="0">
+              <a:t> </a:t>
+            </a:r>
+            <a:r>
+              <a:rPr lang="ru-RU" sz="2400" dirty="0" smtClean="0">
                 <a:solidFill>
                   <a:schemeClr val="tx2">
                     <a:lumMod val="75000"/>
                   </a:schemeClr>
                 </a:solidFill>
               </a:rPr>
-              <a:t>по всему миру </a:t>
-            </a:r>
-            <a:endParaRPr lang="en-US" sz="2800" dirty="0" smtClean="0">
-              <a:solidFill>
-                <a:schemeClr val="tx2">
-                  <a:lumMod val="75000"/>
-                </a:schemeClr>
-              </a:solidFill>
-            </a:endParaRPr>
+              <a:t>Экономия времени</a:t>
+            </a:r>
           </a:p>
           <a:p>
             <a:pPr lvl="0">
@@ -12143,36 +12003,52 @@
               <a:buChar char="o"/>
             </a:pPr>
             <a:r>
-              <a:rPr lang="ru-RU" sz="2800" dirty="0" smtClean="0">
+              <a:rPr lang="ru-RU" sz="2400" dirty="0" smtClean="0">
                 <a:solidFill>
                   <a:schemeClr val="tx2">
                     <a:lumMod val="75000"/>
                   </a:schemeClr>
                 </a:solidFill>
               </a:rPr>
-              <a:t> Общение </a:t>
-            </a:r>
-            <a:r>
-              <a:rPr lang="ru-RU" sz="2800" dirty="0" smtClean="0">
+              <a:t> Друзья </a:t>
+            </a:r>
+            <a:r>
+              <a:rPr lang="ru-RU" sz="2400" dirty="0" smtClean="0">
                 <a:solidFill>
                   <a:schemeClr val="tx2">
                     <a:lumMod val="75000"/>
                   </a:schemeClr>
                 </a:solidFill>
               </a:rPr>
-              <a:t>в реальном времени</a:t>
-            </a:r>
-            <a:r>
-              <a:rPr lang="ru-RU" sz="2800" dirty="0" smtClean="0">
+              <a:t>по всему миру </a:t>
+            </a:r>
+            <a:endParaRPr lang="en-US" sz="2400" dirty="0" smtClean="0">
+              <a:solidFill>
+                <a:schemeClr val="tx2">
+                  <a:lumMod val="75000"/>
+                </a:schemeClr>
+              </a:solidFill>
+            </a:endParaRPr>
+          </a:p>
+          <a:p>
+            <a:pPr lvl="0">
+              <a:lnSpc>
+                <a:spcPct val="200000"/>
+              </a:lnSpc>
+              <a:buFont typeface="Courier New" pitchFamily="49" charset="0"/>
+              <a:buChar char="o"/>
+            </a:pPr>
+            <a:r>
+              <a:rPr lang="ru-RU" sz="2400" dirty="0" smtClean="0">
                 <a:solidFill>
                   <a:schemeClr val="tx2">
                     <a:lumMod val="75000"/>
                   </a:schemeClr>
                 </a:solidFill>
               </a:rPr>
-              <a:t>.</a:t>
-            </a:r>
-            <a:endParaRPr lang="en-US" sz="2800" dirty="0" smtClean="0">
+              <a:t> Общение в реальном времени.</a:t>
+            </a:r>
+            <a:endParaRPr lang="en-US" sz="2400" dirty="0" smtClean="0">
               <a:solidFill>
                 <a:schemeClr val="tx2">
                   <a:lumMod val="75000"/>
@@ -12189,24 +12065,14 @@
               <a:buChar char="o"/>
             </a:pPr>
             <a:r>
-              <a:rPr lang="ru-RU" sz="2800" dirty="0" smtClean="0">
+              <a:rPr lang="ru-RU" sz="2400" dirty="0" smtClean="0">
                 <a:solidFill>
                   <a:schemeClr val="tx2">
                     <a:lumMod val="75000"/>
                   </a:schemeClr>
                 </a:solidFill>
               </a:rPr>
-              <a:t> Доступность </a:t>
-            </a:r>
-            <a:r>
-              <a:rPr lang="ru-RU" sz="2800" dirty="0" smtClean="0">
-                <a:solidFill>
-                  <a:schemeClr val="tx2">
-                    <a:lumMod val="75000"/>
-                  </a:schemeClr>
-                </a:solidFill>
-              </a:rPr>
-              <a:t>знаний.</a:t>
+              <a:t> Доступность знаний.</a:t>
             </a:r>
           </a:p>
           <a:p>
@@ -12218,36 +12084,16 @@
               <a:buChar char="o"/>
             </a:pPr>
             <a:r>
-              <a:rPr lang="ru-RU" sz="2800" dirty="0" smtClean="0">
+              <a:rPr lang="ru-RU" sz="2400" dirty="0" smtClean="0">
                 <a:solidFill>
                   <a:schemeClr val="tx2">
                     <a:lumMod val="75000"/>
                   </a:schemeClr>
                 </a:solidFill>
               </a:rPr>
-              <a:t> Не </a:t>
-            </a:r>
-            <a:r>
-              <a:rPr lang="ru-RU" sz="2800" dirty="0" smtClean="0">
-                <a:solidFill>
-                  <a:schemeClr val="tx2">
-                    <a:lumMod val="75000"/>
-                  </a:schemeClr>
-                </a:solidFill>
-              </a:rPr>
-              <a:t>выходя из </a:t>
-            </a:r>
-            <a:r>
-              <a:rPr lang="ru-RU" sz="2800" dirty="0" smtClean="0">
-                <a:solidFill>
-                  <a:schemeClr val="tx2">
-                    <a:lumMod val="75000"/>
-                  </a:schemeClr>
-                </a:solidFill>
-              </a:rPr>
-              <a:t>дома.</a:t>
-            </a:r>
-            <a:endParaRPr lang="en-US" sz="2800" dirty="0" smtClean="0">
+              <a:t> Не выходя из дома.</a:t>
+            </a:r>
+            <a:endParaRPr lang="en-US" sz="2400" dirty="0" smtClean="0">
               <a:solidFill>
                 <a:schemeClr val="tx2">
                   <a:lumMod val="75000"/>
@@ -12264,26 +12110,16 @@
               <a:buChar char="o"/>
             </a:pPr>
             <a:r>
-              <a:rPr lang="ru-RU" sz="2800" dirty="0" smtClean="0">
+              <a:rPr lang="ru-RU" sz="2400" dirty="0" smtClean="0">
                 <a:solidFill>
                   <a:schemeClr val="tx2">
                     <a:lumMod val="75000"/>
                   </a:schemeClr>
                 </a:solidFill>
               </a:rPr>
-              <a:t> Способ </a:t>
-            </a:r>
-            <a:r>
-              <a:rPr lang="ru-RU" sz="2800" dirty="0" smtClean="0">
-                <a:solidFill>
-                  <a:schemeClr val="tx2">
-                    <a:lumMod val="75000"/>
-                  </a:schemeClr>
-                </a:solidFill>
-              </a:rPr>
-              <a:t>заработка. </a:t>
-            </a:r>
-            <a:endParaRPr lang="en-US" sz="2800" dirty="0" smtClean="0">
+              <a:t> Способ заработка. </a:t>
+            </a:r>
+            <a:endParaRPr lang="en-US" sz="2400" dirty="0" smtClean="0">
               <a:solidFill>
                 <a:schemeClr val="tx2">
                   <a:lumMod val="75000"/>
@@ -12300,42 +12136,15 @@
               <a:buChar char="o"/>
             </a:pPr>
             <a:r>
-              <a:rPr lang="ru-RU" sz="2800" dirty="0" smtClean="0">
+              <a:rPr lang="ru-RU" sz="2400" dirty="0" smtClean="0">
                 <a:solidFill>
                   <a:schemeClr val="tx2">
                     <a:lumMod val="75000"/>
                   </a:schemeClr>
                 </a:solidFill>
               </a:rPr>
-              <a:t> Развлечение</a:t>
-            </a:r>
-            <a:r>
-              <a:rPr lang="ru-RU" sz="2800" dirty="0" smtClean="0">
-                <a:solidFill>
-                  <a:schemeClr val="tx2">
-                    <a:lumMod val="75000"/>
-                  </a:schemeClr>
-                </a:solidFill>
-              </a:rPr>
-              <a:t>, новые формы проведения досуга</a:t>
-            </a:r>
-            <a:r>
-              <a:rPr lang="ru-RU" sz="2800" dirty="0" smtClean="0">
-                <a:solidFill>
-                  <a:schemeClr val="tx2">
-                    <a:lumMod val="75000"/>
-                  </a:schemeClr>
-                </a:solidFill>
-              </a:rPr>
-              <a:t>.</a:t>
-            </a:r>
-            <a:endParaRPr lang="ru-RU" sz="2800" dirty="0" smtClean="0">
-              <a:solidFill>
-                <a:schemeClr val="tx2">
-                  <a:lumMod val="75000"/>
-                </a:schemeClr>
-              </a:solidFill>
-            </a:endParaRPr>
+              <a:t> Развлечение, новые формы проведения досуга.</a:t>
+            </a:r>
           </a:p>
         </p:txBody>
       </p:sp>
@@ -12455,27 +12264,7 @@
                   </a:schemeClr>
                 </a:solidFill>
               </a:rPr>
-              <a:t> Высокая </a:t>
-            </a:r>
-            <a:r>
-              <a:rPr lang="ru-RU" sz="2400" dirty="0" smtClean="0">
-                <a:solidFill>
-                  <a:schemeClr val="tx2">
-                    <a:lumMod val="75000"/>
-                  </a:schemeClr>
-                </a:solidFill>
-              </a:rPr>
-              <a:t>вероятность получения недостоверной информации</a:t>
-            </a:r>
-            <a:r>
-              <a:rPr lang="ru-RU" sz="2400" dirty="0" smtClean="0">
-                <a:solidFill>
-                  <a:schemeClr val="tx2">
-                    <a:lumMod val="75000"/>
-                  </a:schemeClr>
-                </a:solidFill>
-              </a:rPr>
-              <a:t>.</a:t>
+              <a:t> Высокая вероятность получения недостоверной информации.</a:t>
             </a:r>
           </a:p>
           <a:p>
@@ -12494,27 +12283,7 @@
                   </a:schemeClr>
                 </a:solidFill>
               </a:rPr>
-              <a:t> Потеря </a:t>
-            </a:r>
-            <a:r>
-              <a:rPr lang="ru-RU" sz="2400" dirty="0" smtClean="0">
-                <a:solidFill>
-                  <a:schemeClr val="tx2">
-                    <a:lumMod val="75000"/>
-                  </a:schemeClr>
-                </a:solidFill>
-              </a:rPr>
-              <a:t>ценности живого общения</a:t>
-            </a:r>
-            <a:r>
-              <a:rPr lang="ru-RU" sz="2400" dirty="0" smtClean="0">
-                <a:solidFill>
-                  <a:schemeClr val="tx2">
-                    <a:lumMod val="75000"/>
-                  </a:schemeClr>
-                </a:solidFill>
-              </a:rPr>
-              <a:t>.</a:t>
+              <a:t> Потеря ценности живого общения.</a:t>
             </a:r>
           </a:p>
           <a:p>
@@ -12533,27 +12302,7 @@
                   </a:schemeClr>
                 </a:solidFill>
               </a:rPr>
-              <a:t> Хорошим </a:t>
-            </a:r>
-            <a:r>
-              <a:rPr lang="ru-RU" sz="2400" dirty="0" smtClean="0">
-                <a:solidFill>
-                  <a:schemeClr val="tx2">
-                    <a:lumMod val="75000"/>
-                  </a:schemeClr>
-                </a:solidFill>
-              </a:rPr>
-              <a:t>местом нахождения интернет стал и для мошенников</a:t>
-            </a:r>
-            <a:r>
-              <a:rPr lang="ru-RU" sz="2400" dirty="0" smtClean="0">
-                <a:solidFill>
-                  <a:schemeClr val="tx2">
-                    <a:lumMod val="75000"/>
-                  </a:schemeClr>
-                </a:solidFill>
-              </a:rPr>
-              <a:t>.</a:t>
+              <a:t> Хорошим местом нахождения интернет стал и для мошенников.</a:t>
             </a:r>
           </a:p>
           <a:p>
@@ -12572,17 +12321,7 @@
                   </a:schemeClr>
                 </a:solidFill>
               </a:rPr>
-              <a:t> Снижение </a:t>
-            </a:r>
-            <a:r>
-              <a:rPr lang="ru-RU" sz="2400" dirty="0" smtClean="0">
-                <a:solidFill>
-                  <a:schemeClr val="tx2">
-                    <a:lumMod val="75000"/>
-                  </a:schemeClr>
-                </a:solidFill>
-              </a:rPr>
-              <a:t>уровня образования.</a:t>
+              <a:t> Снижение уровня образования.</a:t>
             </a:r>
           </a:p>
           <a:p>
@@ -12601,27 +12340,7 @@
                   </a:schemeClr>
                 </a:solidFill>
               </a:rPr>
-              <a:t> Излишний </a:t>
-            </a:r>
-            <a:r>
-              <a:rPr lang="ru-RU" sz="2400" dirty="0" smtClean="0">
-                <a:solidFill>
-                  <a:schemeClr val="tx2">
-                    <a:lumMod val="75000"/>
-                  </a:schemeClr>
-                </a:solidFill>
-              </a:rPr>
-              <a:t>поток информации</a:t>
-            </a:r>
-            <a:r>
-              <a:rPr lang="ru-RU" sz="2400" dirty="0" smtClean="0">
-                <a:solidFill>
-                  <a:schemeClr val="tx2">
-                    <a:lumMod val="75000"/>
-                  </a:schemeClr>
-                </a:solidFill>
-              </a:rPr>
-              <a:t>.</a:t>
+              <a:t> Излишний поток информации.</a:t>
             </a:r>
           </a:p>
           <a:p>
@@ -12640,27 +12359,7 @@
                   </a:schemeClr>
                 </a:solidFill>
               </a:rPr>
-              <a:t> Психические </a:t>
-            </a:r>
-            <a:r>
-              <a:rPr lang="ru-RU" sz="2400" dirty="0" smtClean="0">
-                <a:solidFill>
-                  <a:schemeClr val="tx2">
-                    <a:lumMod val="75000"/>
-                  </a:schemeClr>
-                </a:solidFill>
-              </a:rPr>
-              <a:t>расстройства</a:t>
-            </a:r>
-            <a:r>
-              <a:rPr lang="ru-RU" sz="2400" dirty="0" smtClean="0">
-                <a:solidFill>
-                  <a:schemeClr val="tx2">
-                    <a:lumMod val="75000"/>
-                  </a:schemeClr>
-                </a:solidFill>
-              </a:rPr>
-              <a:t>.</a:t>
+              <a:t> Психические расстройства.</a:t>
             </a:r>
           </a:p>
           <a:p>
@@ -12679,27 +12378,7 @@
                   </a:schemeClr>
                 </a:solidFill>
               </a:rPr>
-              <a:t> Проблемы </a:t>
-            </a:r>
-            <a:r>
-              <a:rPr lang="ru-RU" sz="2400" dirty="0" smtClean="0">
-                <a:solidFill>
-                  <a:schemeClr val="tx2">
-                    <a:lumMod val="75000"/>
-                  </a:schemeClr>
-                </a:solidFill>
-              </a:rPr>
-              <a:t>со здоровьем</a:t>
-            </a:r>
-            <a:r>
-              <a:rPr lang="ru-RU" sz="2400" dirty="0" smtClean="0">
-                <a:solidFill>
-                  <a:schemeClr val="tx2">
-                    <a:lumMod val="75000"/>
-                  </a:schemeClr>
-                </a:solidFill>
-              </a:rPr>
-              <a:t>.</a:t>
+              <a:t> Проблемы со здоровьем.</a:t>
             </a:r>
             <a:endParaRPr lang="ru-RU" sz="2400" dirty="0">
               <a:solidFill>
@@ -13111,13 +12790,6 @@
               </a:rPr>
               <a:t>Равнодушие.</a:t>
             </a:r>
-            <a:endParaRPr lang="ru-RU" sz="2000" dirty="0" smtClean="0">
-              <a:solidFill>
-                <a:schemeClr val="tx2">
-                  <a:lumMod val="75000"/>
-                </a:schemeClr>
-              </a:solidFill>
-            </a:endParaRPr>
           </a:p>
           <a:p>
             <a:pPr marL="457200" lvl="0" indent="-457200">
@@ -13135,35 +12807,8 @@
                   </a:schemeClr>
                 </a:solidFill>
               </a:rPr>
-              <a:t>Длительное </a:t>
-            </a:r>
-            <a:r>
-              <a:rPr lang="ru-RU" sz="2000" dirty="0" smtClean="0">
-                <a:solidFill>
-                  <a:schemeClr val="tx2">
-                    <a:lumMod val="75000"/>
-                  </a:schemeClr>
-                </a:solidFill>
-              </a:rPr>
-              <a:t>пребывание за </a:t>
-            </a:r>
-            <a:r>
-              <a:rPr lang="ru-RU" sz="2000" dirty="0" smtClean="0">
-                <a:solidFill>
-                  <a:schemeClr val="tx2">
-                    <a:lumMod val="75000"/>
-                  </a:schemeClr>
-                </a:solidFill>
-              </a:rPr>
-              <a:t>компьютером.</a:t>
-            </a:r>
-            <a:endParaRPr lang="ru-RU" sz="2000" dirty="0" smtClean="0">
-              <a:solidFill>
-                <a:schemeClr val="tx2">
-                  <a:lumMod val="75000"/>
-                </a:schemeClr>
-              </a:solidFill>
-            </a:endParaRPr>
+              <a:t>Длительное пребывание за компьютером.</a:t>
+            </a:r>
           </a:p>
           <a:p>
             <a:pPr marL="457200" lvl="0" indent="-457200">
@@ -13183,13 +12828,6 @@
               </a:rPr>
               <a:t>Усталость, раздражительность.</a:t>
             </a:r>
-            <a:endParaRPr lang="ru-RU" sz="2000" dirty="0" smtClean="0">
-              <a:solidFill>
-                <a:schemeClr val="tx2">
-                  <a:lumMod val="75000"/>
-                </a:schemeClr>
-              </a:solidFill>
-            </a:endParaRPr>
           </a:p>
           <a:p>
             <a:pPr marL="457200" lvl="0" indent="-457200">
@@ -13207,45 +12845,28 @@
                   </a:schemeClr>
                 </a:solidFill>
               </a:rPr>
-              <a:t>Очень частое общение </a:t>
-            </a:r>
-            <a:r>
-              <a:rPr lang="ru-RU" sz="2000" dirty="0" smtClean="0">
+              <a:t>Очень частое общение в режиме </a:t>
+            </a:r>
+            <a:r>
+              <a:rPr lang="ru-RU" sz="2000" dirty="0" err="1" smtClean="0">
                 <a:solidFill>
                   <a:schemeClr val="tx2">
                     <a:lumMod val="75000"/>
                   </a:schemeClr>
                 </a:solidFill>
               </a:rPr>
-              <a:t>в режиме </a:t>
-            </a:r>
-            <a:r>
-              <a:rPr lang="ru-RU" sz="2000" dirty="0" err="1" smtClean="0">
+              <a:t>онлайн</a:t>
+            </a:r>
+            <a:r>
+              <a:rPr lang="ru-RU" sz="2000" dirty="0" smtClean="0">
                 <a:solidFill>
                   <a:schemeClr val="tx2">
                     <a:lumMod val="75000"/>
                   </a:schemeClr>
                 </a:solidFill>
               </a:rPr>
-              <a:t>онлайн</a:t>
-            </a:r>
-            <a:r>
-              <a:rPr lang="ru-RU" sz="2000" dirty="0" smtClean="0">
-                <a:solidFill>
-                  <a:schemeClr val="tx2">
-                    <a:lumMod val="75000"/>
-                  </a:schemeClr>
-                </a:solidFill>
-              </a:rPr>
               <a:t>.</a:t>
             </a:r>
-            <a:endParaRPr lang="ru-RU" sz="2000" dirty="0" smtClean="0">
-              <a:solidFill>
-                <a:schemeClr val="tx2">
-                  <a:lumMod val="75000"/>
-                </a:schemeClr>
-              </a:solidFill>
-            </a:endParaRPr>
           </a:p>
           <a:p>
             <a:pPr marL="457200" lvl="0" indent="-457200">
@@ -13263,25 +12884,8 @@
                   </a:schemeClr>
                 </a:solidFill>
               </a:rPr>
-              <a:t>Погружение в Интернет как средство ухода от </a:t>
-            </a:r>
-            <a:r>
-              <a:rPr lang="ru-RU" sz="2000" dirty="0" smtClean="0">
-                <a:solidFill>
-                  <a:schemeClr val="tx2">
-                    <a:lumMod val="75000"/>
-                  </a:schemeClr>
-                </a:solidFill>
-              </a:rPr>
-              <a:t>проблем.</a:t>
-            </a:r>
-            <a:endParaRPr lang="ru-RU" sz="2000" dirty="0" smtClean="0">
-              <a:solidFill>
-                <a:schemeClr val="tx2">
-                  <a:lumMod val="75000"/>
-                </a:schemeClr>
-              </a:solidFill>
-            </a:endParaRPr>
+              <a:t>Погружение в Интернет как средство ухода от проблем.</a:t>
+            </a:r>
           </a:p>
           <a:p>
             <a:pPr marL="457200" lvl="0" indent="-457200">
@@ -13299,17 +12903,7 @@
                   </a:schemeClr>
                 </a:solidFill>
               </a:rPr>
-              <a:t>Приоритет пребывания в Интернет над </a:t>
-            </a:r>
-            <a:r>
-              <a:rPr lang="ru-RU" sz="2000" dirty="0" smtClean="0">
-                <a:solidFill>
-                  <a:schemeClr val="tx2">
-                    <a:lumMod val="75000"/>
-                  </a:schemeClr>
-                </a:solidFill>
-              </a:rPr>
-              <a:t>всем остальным.</a:t>
+              <a:t>Приоритет пребывания в Интернет над всем остальным.</a:t>
             </a:r>
           </a:p>
           <a:p>
@@ -13358,17 +12952,7 @@
                   </a:schemeClr>
                 </a:solidFill>
               </a:rPr>
-              <a:t>Если </a:t>
-            </a:r>
-            <a:r>
-              <a:rPr lang="ru-RU" sz="2000" i="1" dirty="0" smtClean="0">
-                <a:solidFill>
-                  <a:schemeClr val="tx2">
-                    <a:lumMod val="75000"/>
-                  </a:schemeClr>
-                </a:solidFill>
-              </a:rPr>
-              <a:t>у подростка наблюдается 3-4 симптома, то это свидетельствует о наличии компьютерной зависимости.</a:t>
+              <a:t>Если у подростка наблюдается 3-4 симптома, то это свидетельствует о наличии компьютерной зависимости.</a:t>
             </a:r>
           </a:p>
           <a:p>

--- a/Проект.pptx
+++ b/Проект.pptx
@@ -204,7 +204,7 @@
             <a:fld id="{9436A96D-ED90-46F7-A0BB-11996F5C256E}" type="datetimeFigureOut">
               <a:rPr lang="ru-RU" smtClean="0"/>
               <a:pPr/>
-              <a:t>18.03.2024</a:t>
+              <a:t>22.03.2024</a:t>
             </a:fld>
             <a:endParaRPr lang="ru-RU"/>
           </a:p>
@@ -3889,7 +3889,7 @@
             <a:fld id="{5B106E36-FD25-4E2D-B0AA-010F637433A0}" type="datetimeFigureOut">
               <a:rPr lang="ru-RU" smtClean="0"/>
               <a:pPr/>
-              <a:t>18.03.2024</a:t>
+              <a:t>22.03.2024</a:t>
             </a:fld>
             <a:endParaRPr lang="ru-RU"/>
           </a:p>
@@ -4279,7 +4279,7 @@
             <a:fld id="{5B106E36-FD25-4E2D-B0AA-010F637433A0}" type="datetimeFigureOut">
               <a:rPr lang="ru-RU" smtClean="0"/>
               <a:pPr/>
-              <a:t>18.03.2024</a:t>
+              <a:t>22.03.2024</a:t>
             </a:fld>
             <a:endParaRPr lang="ru-RU"/>
           </a:p>
@@ -4809,7 +4809,7 @@
             <a:fld id="{5B106E36-FD25-4E2D-B0AA-010F637433A0}" type="datetimeFigureOut">
               <a:rPr lang="ru-RU" smtClean="0"/>
               <a:pPr/>
-              <a:t>18.03.2024</a:t>
+              <a:t>22.03.2024</a:t>
             </a:fld>
             <a:endParaRPr lang="ru-RU"/>
           </a:p>
@@ -4938,7 +4938,7 @@
             <a:fld id="{5B106E36-FD25-4E2D-B0AA-010F637433A0}" type="datetimeFigureOut">
               <a:rPr lang="ru-RU" smtClean="0"/>
               <a:pPr/>
-              <a:t>18.03.2024</a:t>
+              <a:t>22.03.2024</a:t>
             </a:fld>
             <a:endParaRPr lang="ru-RU"/>
           </a:p>
@@ -5478,7 +5478,7 @@
             <a:fld id="{5B106E36-FD25-4E2D-B0AA-010F637433A0}" type="datetimeFigureOut">
               <a:rPr lang="ru-RU" smtClean="0"/>
               <a:pPr/>
-              <a:t>18.03.2024</a:t>
+              <a:t>22.03.2024</a:t>
             </a:fld>
             <a:endParaRPr lang="ru-RU"/>
           </a:p>
@@ -5770,7 +5770,7 @@
             <a:fld id="{5B106E36-FD25-4E2D-B0AA-010F637433A0}" type="datetimeFigureOut">
               <a:rPr lang="ru-RU" smtClean="0"/>
               <a:pPr/>
-              <a:t>18.03.2024</a:t>
+              <a:t>22.03.2024</a:t>
             </a:fld>
             <a:endParaRPr lang="ru-RU"/>
           </a:p>
@@ -6426,7 +6426,7 @@
             <a:fld id="{5B106E36-FD25-4E2D-B0AA-010F637433A0}" type="datetimeFigureOut">
               <a:rPr lang="ru-RU" smtClean="0"/>
               <a:pPr/>
-              <a:t>18.03.2024</a:t>
+              <a:t>22.03.2024</a:t>
             </a:fld>
             <a:endParaRPr lang="ru-RU"/>
           </a:p>
@@ -6864,7 +6864,7 @@
             <a:fld id="{5B106E36-FD25-4E2D-B0AA-010F637433A0}" type="datetimeFigureOut">
               <a:rPr lang="ru-RU" smtClean="0"/>
               <a:pPr/>
-              <a:t>18.03.2024</a:t>
+              <a:t>22.03.2024</a:t>
             </a:fld>
             <a:endParaRPr lang="ru-RU"/>
           </a:p>
@@ -7179,7 +7179,7 @@
             <a:fld id="{5B106E36-FD25-4E2D-B0AA-010F637433A0}" type="datetimeFigureOut">
               <a:rPr lang="ru-RU" smtClean="0"/>
               <a:pPr/>
-              <a:t>18.03.2024</a:t>
+              <a:t>22.03.2024</a:t>
             </a:fld>
             <a:endParaRPr lang="ru-RU"/>
           </a:p>
@@ -7909,7 +7909,7 @@
             <a:fld id="{5B106E36-FD25-4E2D-B0AA-010F637433A0}" type="datetimeFigureOut">
               <a:rPr lang="ru-RU" smtClean="0"/>
               <a:pPr/>
-              <a:t>18.03.2024</a:t>
+              <a:t>22.03.2024</a:t>
             </a:fld>
             <a:endParaRPr lang="ru-RU"/>
           </a:p>
@@ -8575,7 +8575,7 @@
             <a:fld id="{5B106E36-FD25-4E2D-B0AA-010F637433A0}" type="datetimeFigureOut">
               <a:rPr lang="ru-RU" smtClean="0"/>
               <a:pPr/>
-              <a:t>18.03.2024</a:t>
+              <a:t>22.03.2024</a:t>
             </a:fld>
             <a:endParaRPr lang="ru-RU"/>
           </a:p>
@@ -8849,7 +8849,7 @@
             <a:fld id="{5B106E36-FD25-4E2D-B0AA-010F637433A0}" type="datetimeFigureOut">
               <a:rPr lang="ru-RU" smtClean="0"/>
               <a:pPr/>
-              <a:t>18.03.2024</a:t>
+              <a:t>22.03.2024</a:t>
             </a:fld>
             <a:endParaRPr lang="ru-RU"/>
           </a:p>
@@ -11499,8 +11499,25 @@
                   </a:schemeClr>
                 </a:solidFill>
               </a:rPr>
-              <a:t> Разработать анкету и провести анкетирование подростков .</a:t>
-            </a:r>
+              <a:t> Разработать анкету и провести анкетирование </a:t>
+            </a:r>
+            <a:r>
+              <a:rPr lang="ru-RU" sz="1600" dirty="0" smtClean="0">
+                <a:solidFill>
+                  <a:schemeClr val="tx2">
+                    <a:lumMod val="75000"/>
+                  </a:schemeClr>
+                </a:solidFill>
+              </a:rPr>
+              <a:t>подростков.</a:t>
+            </a:r>
+            <a:endParaRPr lang="ru-RU" sz="1600" dirty="0" smtClean="0">
+              <a:solidFill>
+                <a:schemeClr val="tx2">
+                  <a:lumMod val="75000"/>
+                </a:schemeClr>
+              </a:solidFill>
+            </a:endParaRPr>
           </a:p>
           <a:p>
             <a:pPr lvl="0">
@@ -11953,7 +11970,7 @@
         <p:spPr>
           <a:xfrm>
             <a:off x="179512" y="1124744"/>
-            <a:ext cx="8964488" cy="5272662"/>
+            <a:ext cx="8964488" cy="5262979"/>
           </a:xfrm>
           <a:prstGeom prst="rect">
             <a:avLst/>
@@ -11974,7 +11991,7 @@
               <a:buChar char="o"/>
             </a:pPr>
             <a:r>
-              <a:rPr lang="ru-RU" sz="2800" dirty="0" smtClean="0">
+              <a:rPr lang="ru-RU" sz="2400" dirty="0" smtClean="0">
                 <a:solidFill>
                   <a:schemeClr val="tx2">
                     <a:lumMod val="75000"/>
@@ -11991,8 +12008,15 @@
                   </a:schemeClr>
                 </a:solidFill>
               </a:rPr>
-              <a:t>Экономия времени</a:t>
-            </a:r>
+              <a:t>Друзья по всему миру </a:t>
+            </a:r>
+            <a:endParaRPr lang="en-US" sz="2400" dirty="0" smtClean="0">
+              <a:solidFill>
+                <a:schemeClr val="tx2">
+                  <a:lumMod val="75000"/>
+                </a:schemeClr>
+              </a:solidFill>
+            </a:endParaRPr>
           </a:p>
           <a:p>
             <a:pPr lvl="0">
@@ -12010,17 +12034,7 @@
                   </a:schemeClr>
                 </a:solidFill>
               </a:rPr>
-              <a:t> Друзья </a:t>
-            </a:r>
-            <a:r>
-              <a:rPr lang="ru-RU" sz="2400" dirty="0" smtClean="0">
-                <a:solidFill>
-                  <a:schemeClr val="tx2">
-                    <a:lumMod val="75000"/>
-                  </a:schemeClr>
-                </a:solidFill>
-              </a:rPr>
-              <a:t>по всему миру </a:t>
+              <a:t> Общение в реальном времени.</a:t>
             </a:r>
             <a:endParaRPr lang="en-US" sz="2400" dirty="0" smtClean="0">
               <a:solidFill>
@@ -12031,7 +12045,7 @@
             </a:endParaRPr>
           </a:p>
           <a:p>
-            <a:pPr lvl="0">
+            <a:pPr>
               <a:lnSpc>
                 <a:spcPct val="200000"/>
               </a:lnSpc>
@@ -12046,7 +12060,53 @@
                   </a:schemeClr>
                 </a:solidFill>
               </a:rPr>
-              <a:t> Общение в реальном времени.</a:t>
+              <a:t> </a:t>
+            </a:r>
+            <a:r>
+              <a:rPr lang="ru-RU" sz="2400" dirty="0" smtClean="0">
+                <a:solidFill>
+                  <a:schemeClr val="tx2">
+                    <a:lumMod val="75000"/>
+                  </a:schemeClr>
+                </a:solidFill>
+              </a:rPr>
+              <a:t>Развлечение, новые формы проведения досуга.</a:t>
+            </a:r>
+            <a:endParaRPr lang="ru-RU" sz="2400" dirty="0" smtClean="0">
+              <a:solidFill>
+                <a:schemeClr val="tx2">
+                  <a:lumMod val="75000"/>
+                </a:schemeClr>
+              </a:solidFill>
+            </a:endParaRPr>
+          </a:p>
+          <a:p>
+            <a:pPr>
+              <a:lnSpc>
+                <a:spcPct val="200000"/>
+              </a:lnSpc>
+              <a:buFont typeface="Courier New" pitchFamily="49" charset="0"/>
+              <a:buChar char="o"/>
+            </a:pPr>
+            <a:r>
+              <a:rPr lang="ru-RU" sz="2400" dirty="0" smtClean="0">
+                <a:solidFill>
+                  <a:schemeClr val="tx2">
+                    <a:lumMod val="75000"/>
+                  </a:schemeClr>
+                </a:solidFill>
+              </a:rPr>
+              <a:t> </a:t>
+            </a:r>
+            <a:r>
+              <a:rPr lang="ru-RU" sz="2400" dirty="0" smtClean="0">
+                <a:solidFill>
+                  <a:schemeClr val="tx2">
+                    <a:lumMod val="75000"/>
+                  </a:schemeClr>
+                </a:solidFill>
+              </a:rPr>
+              <a:t>Доступность знаний.</a:t>
             </a:r>
             <a:endParaRPr lang="en-US" sz="2400" dirty="0" smtClean="0">
               <a:solidFill>
@@ -12072,8 +12132,25 @@
                   </a:schemeClr>
                 </a:solidFill>
               </a:rPr>
-              <a:t> Доступность знаний.</a:t>
-            </a:r>
+              <a:t> </a:t>
+            </a:r>
+            <a:r>
+              <a:rPr lang="ru-RU" sz="2400" dirty="0" smtClean="0">
+                <a:solidFill>
+                  <a:schemeClr val="tx2">
+                    <a:lumMod val="75000"/>
+                  </a:schemeClr>
+                </a:solidFill>
+              </a:rPr>
+              <a:t>Не выходя из дома.</a:t>
+            </a:r>
+            <a:endParaRPr lang="en-US" sz="2400" dirty="0" smtClean="0">
+              <a:solidFill>
+                <a:schemeClr val="tx2">
+                  <a:lumMod val="75000"/>
+                </a:schemeClr>
+              </a:solidFill>
+            </a:endParaRPr>
           </a:p>
           <a:p>
             <a:pPr>
@@ -12091,7 +12168,37 @@
                   </a:schemeClr>
                 </a:solidFill>
               </a:rPr>
-              <a:t> Не выходя из дома.</a:t>
+              <a:t> </a:t>
+            </a:r>
+            <a:r>
+              <a:rPr lang="ru-RU" sz="2400" dirty="0" smtClean="0">
+                <a:solidFill>
+                  <a:schemeClr val="tx2">
+                    <a:lumMod val="75000"/>
+                  </a:schemeClr>
+                </a:solidFill>
+              </a:rPr>
+              <a:t>Способ </a:t>
+            </a:r>
+            <a:r>
+              <a:rPr lang="ru-RU" sz="2400" dirty="0" err="1" smtClean="0">
+                <a:solidFill>
+                  <a:schemeClr val="tx2">
+                    <a:lumMod val="75000"/>
+                  </a:schemeClr>
+                </a:solidFill>
+              </a:rPr>
+              <a:t>зароботка</a:t>
+            </a:r>
+            <a:r>
+              <a:rPr lang="ru-RU" sz="2400" dirty="0" smtClean="0">
+                <a:solidFill>
+                  <a:schemeClr val="tx2">
+                    <a:lumMod val="75000"/>
+                  </a:schemeClr>
+                </a:solidFill>
+              </a:rPr>
+              <a:t>.</a:t>
             </a:r>
             <a:endParaRPr lang="en-US" sz="2400" dirty="0" smtClean="0">
               <a:solidFill>
@@ -12110,41 +12217,42 @@
               <a:buChar char="o"/>
             </a:pPr>
             <a:r>
-              <a:rPr lang="ru-RU" sz="2400" dirty="0" smtClean="0">
+              <a:rPr lang="en-US" sz="2400" dirty="0" smtClean="0">
                 <a:solidFill>
                   <a:schemeClr val="tx2">
                     <a:lumMod val="75000"/>
                   </a:schemeClr>
                 </a:solidFill>
               </a:rPr>
-              <a:t> Способ заработка. </a:t>
-            </a:r>
-            <a:endParaRPr lang="en-US" sz="2400" dirty="0" smtClean="0">
+              <a:t> </a:t>
+            </a:r>
+            <a:r>
+              <a:rPr lang="ru-RU" sz="2400" dirty="0" smtClean="0">
+                <a:solidFill>
+                  <a:schemeClr val="tx2">
+                    <a:lumMod val="75000"/>
+                  </a:schemeClr>
+                </a:solidFill>
+              </a:rPr>
+              <a:t>Экономия </a:t>
+            </a:r>
+            <a:r>
+              <a:rPr lang="ru-RU" sz="2400" dirty="0" smtClean="0">
+                <a:solidFill>
+                  <a:schemeClr val="tx2">
+                    <a:lumMod val="75000"/>
+                  </a:schemeClr>
+                </a:solidFill>
+              </a:rPr>
+              <a:t>времени</a:t>
+            </a:r>
+            <a:endParaRPr lang="ru-RU" sz="2400" dirty="0" smtClean="0">
               <a:solidFill>
                 <a:schemeClr val="tx2">
                   <a:lumMod val="75000"/>
                 </a:schemeClr>
               </a:solidFill>
             </a:endParaRPr>
-          </a:p>
-          <a:p>
-            <a:pPr>
-              <a:lnSpc>
-                <a:spcPct val="200000"/>
-              </a:lnSpc>
-              <a:buFont typeface="Courier New" pitchFamily="49" charset="0"/>
-              <a:buChar char="o"/>
-            </a:pPr>
-            <a:r>
-              <a:rPr lang="ru-RU" sz="2400" dirty="0" smtClean="0">
-                <a:solidFill>
-                  <a:schemeClr val="tx2">
-                    <a:lumMod val="75000"/>
-                  </a:schemeClr>
-                </a:solidFill>
-              </a:rPr>
-              <a:t> Развлечение, новые формы проведения досуга.</a:t>
-            </a:r>
           </a:p>
         </p:txBody>
       </p:sp>
